--- a/slides/Session 02 - Arrays and Algorithms/Session 02 - Arrays and Algorithms.pptx
+++ b/slides/Session 02 - Arrays and Algorithms/Session 02 - Arrays and Algorithms.pptx
@@ -5,10 +5,10 @@
     <p:sldMasterId id="2147483660" r:id="rId1"/>
   </p:sldMasterIdLst>
   <p:notesMasterIdLst>
-    <p:notesMasterId r:id="rId32"/>
+    <p:notesMasterId r:id="rId34"/>
   </p:notesMasterIdLst>
   <p:handoutMasterIdLst>
-    <p:handoutMasterId r:id="rId33"/>
+    <p:handoutMasterId r:id="rId35"/>
   </p:handoutMasterIdLst>
   <p:sldIdLst>
     <p:sldId id="274" r:id="rId2"/>
@@ -28,19 +28,21 @@
     <p:sldId id="1019" r:id="rId16"/>
     <p:sldId id="1020" r:id="rId17"/>
     <p:sldId id="991" r:id="rId18"/>
-    <p:sldId id="375" r:id="rId19"/>
-    <p:sldId id="1021" r:id="rId20"/>
-    <p:sldId id="377" r:id="rId21"/>
-    <p:sldId id="380" r:id="rId22"/>
-    <p:sldId id="970" r:id="rId23"/>
-    <p:sldId id="1027" r:id="rId24"/>
-    <p:sldId id="1026" r:id="rId25"/>
-    <p:sldId id="383" r:id="rId26"/>
-    <p:sldId id="942" r:id="rId27"/>
-    <p:sldId id="941" r:id="rId28"/>
-    <p:sldId id="993" r:id="rId29"/>
-    <p:sldId id="996" r:id="rId30"/>
-    <p:sldId id="1005" r:id="rId31"/>
+    <p:sldId id="1029" r:id="rId19"/>
+    <p:sldId id="1030" r:id="rId20"/>
+    <p:sldId id="375" r:id="rId21"/>
+    <p:sldId id="1021" r:id="rId22"/>
+    <p:sldId id="377" r:id="rId23"/>
+    <p:sldId id="380" r:id="rId24"/>
+    <p:sldId id="970" r:id="rId25"/>
+    <p:sldId id="1027" r:id="rId26"/>
+    <p:sldId id="1026" r:id="rId27"/>
+    <p:sldId id="383" r:id="rId28"/>
+    <p:sldId id="942" r:id="rId29"/>
+    <p:sldId id="941" r:id="rId30"/>
+    <p:sldId id="993" r:id="rId31"/>
+    <p:sldId id="996" r:id="rId32"/>
+    <p:sldId id="1005" r:id="rId33"/>
   </p:sldIdLst>
   <p:sldSz cx="9144000" cy="6858000" type="screen4x3"/>
   <p:notesSz cx="7077075" cy="9363075"/>
@@ -288,7 +290,7 @@
           <a:p>
             <a:fld id="{A241AC98-512A-4A35-865E-757B6C1F07A2}" type="datetimeFigureOut">
               <a:rPr lang="en-US" smtClean="0"/>
-              <a:t>10/15/2022</a:t>
+              <a:t>10/17/2022</a:t>
             </a:fld>
             <a:endParaRPr lang="en-US"/>
           </a:p>
@@ -454,7 +456,7 @@
           <a:p>
             <a:fld id="{3854CEE7-15DE-41D9-8CA2-D1E137B1D850}" type="datetimeFigureOut">
               <a:rPr lang="en-US" smtClean="0"/>
-              <a:t>10/15/2022</a:t>
+              <a:t>10/17/2022</a:t>
             </a:fld>
             <a:endParaRPr lang="en-US"/>
           </a:p>
@@ -871,7 +873,7 @@
           <a:p>
             <a:fld id="{76317BBA-0BC6-419B-B826-088209688372}" type="slidenum">
               <a:rPr lang="en-US" smtClean="0"/>
-              <a:t>21</a:t>
+              <a:t>23</a:t>
             </a:fld>
             <a:endParaRPr lang="en-US" dirty="0"/>
           </a:p>
@@ -955,7 +957,7 @@
           <a:p>
             <a:fld id="{76317BBA-0BC6-419B-B826-088209688372}" type="slidenum">
               <a:rPr lang="en-US" smtClean="0"/>
-              <a:t>23</a:t>
+              <a:t>25</a:t>
             </a:fld>
             <a:endParaRPr lang="en-US"/>
           </a:p>
@@ -1543,7 +1545,7 @@
           <a:p>
             <a:fld id="{76317BBA-0BC6-419B-B826-088209688372}" type="slidenum">
               <a:rPr lang="en-US" smtClean="0"/>
-              <a:t>18</a:t>
+              <a:t>20</a:t>
             </a:fld>
             <a:endParaRPr lang="en-US" dirty="0"/>
           </a:p>
@@ -1627,7 +1629,7 @@
           <a:p>
             <a:fld id="{76317BBA-0BC6-419B-B826-088209688372}" type="slidenum">
               <a:rPr lang="en-US" smtClean="0"/>
-              <a:t>20</a:t>
+              <a:t>22</a:t>
             </a:fld>
             <a:endParaRPr lang="en-US" dirty="0"/>
           </a:p>
@@ -1777,7 +1779,7 @@
           <a:p>
             <a:fld id="{5555EB2C-244D-4423-AD97-018ED6478B87}" type="datetime1">
               <a:rPr lang="en-US" smtClean="0"/>
-              <a:t>10/15/2022</a:t>
+              <a:t>10/17/2022</a:t>
             </a:fld>
             <a:endParaRPr lang="en-US"/>
           </a:p>
@@ -1956,7 +1958,7 @@
           <a:p>
             <a:fld id="{A2B41D1F-7576-4C60-B4EB-5115BC56CF40}" type="datetime1">
               <a:rPr lang="en-US" smtClean="0"/>
-              <a:t>10/15/2022</a:t>
+              <a:t>10/17/2022</a:t>
             </a:fld>
             <a:endParaRPr lang="en-US"/>
           </a:p>
@@ -2148,7 +2150,7 @@
           <a:p>
             <a:fld id="{E79D1398-4D56-44F9-BA35-34ACF3159A64}" type="datetime1">
               <a:rPr lang="en-US" smtClean="0"/>
-              <a:t>10/15/2022</a:t>
+              <a:t>10/17/2022</a:t>
             </a:fld>
             <a:endParaRPr lang="en-US"/>
           </a:p>
@@ -2330,7 +2332,7 @@
           <a:p>
             <a:fld id="{A3CF632E-48CB-4EEB-A6B6-DEC7AD7CC976}" type="datetime1">
               <a:rPr lang="en-US" smtClean="0"/>
-              <a:t>10/15/2022</a:t>
+              <a:t>10/17/2022</a:t>
             </a:fld>
             <a:endParaRPr lang="en-US"/>
           </a:p>
@@ -2583,7 +2585,7 @@
           <a:p>
             <a:fld id="{BAEEE52C-3A57-458E-95F6-96B2FA9D1DD4}" type="datetime1">
               <a:rPr lang="en-US" smtClean="0"/>
-              <a:t>10/15/2022</a:t>
+              <a:t>10/17/2022</a:t>
             </a:fld>
             <a:endParaRPr lang="en-US"/>
           </a:p>
@@ -2827,7 +2829,7 @@
           <a:p>
             <a:fld id="{766FC747-A48A-4FF2-8EE4-3E95ECD1C2A8}" type="datetime1">
               <a:rPr lang="en-US" smtClean="0"/>
-              <a:t>10/15/2022</a:t>
+              <a:t>10/17/2022</a:t>
             </a:fld>
             <a:endParaRPr lang="en-US"/>
           </a:p>
@@ -3206,7 +3208,7 @@
           <a:p>
             <a:fld id="{C9BF5758-AB7F-463D-B638-E1729B95E126}" type="datetime1">
               <a:rPr lang="en-US" smtClean="0"/>
-              <a:t>10/15/2022</a:t>
+              <a:t>10/17/2022</a:t>
             </a:fld>
             <a:endParaRPr lang="en-US"/>
           </a:p>
@@ -3336,7 +3338,7 @@
           <a:p>
             <a:fld id="{F3718C77-7DD0-4738-BF52-D0EC9F78A76E}" type="datetime1">
               <a:rPr lang="en-US" smtClean="0"/>
-              <a:t>10/15/2022</a:t>
+              <a:t>10/17/2022</a:t>
             </a:fld>
             <a:endParaRPr lang="en-US"/>
           </a:p>
@@ -3443,7 +3445,7 @@
           <a:p>
             <a:fld id="{948970CF-13D9-4E1D-A74F-2CFE4953FCDB}" type="datetime1">
               <a:rPr lang="en-US" smtClean="0"/>
-              <a:t>10/15/2022</a:t>
+              <a:t>10/17/2022</a:t>
             </a:fld>
             <a:endParaRPr lang="en-US"/>
           </a:p>
@@ -3732,7 +3734,7 @@
           <a:p>
             <a:fld id="{F68C49B9-4E1C-4967-B9CF-0BF9FECBE837}" type="datetime1">
               <a:rPr lang="en-US" smtClean="0"/>
-              <a:t>10/15/2022</a:t>
+              <a:t>10/17/2022</a:t>
             </a:fld>
             <a:endParaRPr lang="en-US"/>
           </a:p>
@@ -4000,7 +4002,7 @@
           <a:p>
             <a:fld id="{7E338CBB-1F06-4333-9BBF-66628B15E581}" type="datetime1">
               <a:rPr lang="en-US" smtClean="0"/>
-              <a:t>10/15/2022</a:t>
+              <a:t>10/17/2022</a:t>
             </a:fld>
             <a:endParaRPr lang="en-US"/>
           </a:p>
@@ -4225,7 +4227,7 @@
           <a:p>
             <a:fld id="{705EC883-F03C-4CA3-AF62-BEF30EEA4F65}" type="datetime1">
               <a:rPr lang="en-US" smtClean="0"/>
-              <a:t>10/15/2022</a:t>
+              <a:t>10/17/2022</a:t>
             </a:fld>
             <a:endParaRPr lang="en-US"/>
           </a:p>
@@ -6062,8 +6064,8 @@
           </a:p>
         </p:txBody>
       </p:sp>
-      <mc:AlternateContent xmlns:mc="http://schemas.openxmlformats.org/markup-compatibility/2006">
-        <mc:Choice xmlns:a14="http://schemas.microsoft.com/office/drawing/2010/main" Requires="a14">
+      <mc:AlternateContent xmlns:mc="http://schemas.openxmlformats.org/markup-compatibility/2006" xmlns:a14="http://schemas.microsoft.com/office/drawing/2010/main">
+        <mc:Choice Requires="a14">
           <p:sp>
             <p:nvSpPr>
               <p:cNvPr id="3" name="Content Placeholder 2"/>
@@ -6223,7 +6225,7 @@
             </p:txBody>
           </p:sp>
         </mc:Choice>
-        <mc:Fallback>
+        <mc:Fallback xmlns="">
           <p:sp>
             <p:nvSpPr>
               <p:cNvPr id="3" name="Content Placeholder 2"/>
@@ -7519,10 +7521,10 @@
       </p:grpSpPr>
       <p:pic>
         <p:nvPicPr>
-          <p:cNvPr id="5" name="Picture 4">
+          <p:cNvPr id="11" name="Picture 10">
             <a:extLst>
               <a:ext uri="{FF2B5EF4-FFF2-40B4-BE49-F238E27FC236}">
-                <a16:creationId xmlns:a16="http://schemas.microsoft.com/office/drawing/2014/main" id="{4767FC7D-7F4B-7C91-28BE-635026CFE49A}"/>
+                <a16:creationId xmlns:a16="http://schemas.microsoft.com/office/drawing/2014/main" id="{609054EA-0B8B-634E-AA8C-BB068E6C4BE5}"/>
               </a:ext>
             </a:extLst>
           </p:cNvPr>
@@ -7539,17 +7541,12 @@
         </p:blipFill>
         <p:spPr>
           <a:xfrm>
-            <a:off x="954468" y="1577273"/>
-            <a:ext cx="7262734" cy="4915981"/>
+            <a:off x="1035974" y="1546055"/>
+            <a:ext cx="7099722" cy="4978416"/>
           </a:xfrm>
           <a:prstGeom prst="rect">
             <a:avLst/>
           </a:prstGeom>
-          <a:ln>
-            <a:solidFill>
-              <a:schemeClr val="tx1"/>
-            </a:solidFill>
-          </a:ln>
         </p:spPr>
       </p:pic>
       <p:sp>
@@ -7625,13 +7622,13 @@
         </p:nvSpPr>
         <p:spPr>
           <a:xfrm>
-            <a:off x="5942226" y="4429593"/>
+            <a:off x="4885856" y="4766286"/>
             <a:ext cx="2600794" cy="1124263"/>
           </a:xfrm>
           <a:prstGeom prst="wedgeRoundRectCallout">
             <a:avLst>
-              <a:gd name="adj1" fmla="val -81470"/>
-              <a:gd name="adj2" fmla="val -40833"/>
+              <a:gd name="adj1" fmla="val -77435"/>
+              <a:gd name="adj2" fmla="val -65500"/>
               <a:gd name="adj3" fmla="val 16667"/>
             </a:avLst>
           </a:prstGeom>
@@ -7678,7 +7675,7 @@
         </p:nvGrpSpPr>
         <p:grpSpPr>
           <a:xfrm>
-            <a:off x="2611555" y="2577225"/>
+            <a:off x="2799611" y="2657023"/>
             <a:ext cx="1076632" cy="369332"/>
             <a:chOff x="4968362" y="2079211"/>
             <a:chExt cx="1076632" cy="369332"/>
@@ -7798,7 +7795,7 @@
         </p:nvGrpSpPr>
         <p:grpSpPr>
           <a:xfrm>
-            <a:off x="2634041" y="2860485"/>
+            <a:off x="2813924" y="2965416"/>
             <a:ext cx="1076632" cy="369332"/>
             <a:chOff x="4704120" y="2356972"/>
             <a:chExt cx="1076632" cy="369332"/>
@@ -7918,7 +7915,7 @@
         </p:nvGrpSpPr>
         <p:grpSpPr>
           <a:xfrm>
-            <a:off x="3166185" y="3143746"/>
+            <a:off x="3698335" y="3278657"/>
             <a:ext cx="1068643" cy="369332"/>
             <a:chOff x="3647644" y="4910075"/>
             <a:chExt cx="1068643" cy="369332"/>
@@ -8038,7 +8035,7 @@
         </p:nvGrpSpPr>
         <p:grpSpPr>
           <a:xfrm>
-            <a:off x="2791439" y="3443990"/>
+            <a:off x="3023789" y="3601385"/>
             <a:ext cx="1064340" cy="369332"/>
             <a:chOff x="3647644" y="5421073"/>
             <a:chExt cx="1064340" cy="369332"/>
@@ -8158,7 +8155,7 @@
         </p:nvGrpSpPr>
         <p:grpSpPr>
           <a:xfrm>
-            <a:off x="4770619" y="3732525"/>
+            <a:off x="5190344" y="3904911"/>
             <a:ext cx="1068643" cy="369332"/>
             <a:chOff x="3647644" y="5359159"/>
             <a:chExt cx="1068643" cy="369332"/>
@@ -8278,7 +8275,7 @@
         </p:nvGrpSpPr>
         <p:grpSpPr>
           <a:xfrm>
-            <a:off x="4309069" y="3990843"/>
+            <a:off x="4676327" y="4208199"/>
             <a:ext cx="1076632" cy="369332"/>
             <a:chOff x="2157212" y="5356391"/>
             <a:chExt cx="1076632" cy="369332"/>
@@ -8398,7 +8395,7 @@
         </p:nvGrpSpPr>
         <p:grpSpPr>
           <a:xfrm>
-            <a:off x="3997903" y="1874450"/>
+            <a:off x="4110329" y="1797246"/>
             <a:ext cx="4809861" cy="937439"/>
             <a:chOff x="3997903" y="1874450"/>
             <a:chExt cx="4809861" cy="937439"/>
@@ -8689,7 +8686,7 @@
                             </p:stCondLst>
                             <p:childTnLst>
                               <p:par>
-                                <p:cTn id="20" presetID="22" presetClass="entr" presetSubtype="2" fill="hold" nodeType="clickEffect">
+                                <p:cTn id="20" presetID="2" presetClass="entr" presetSubtype="1" fill="hold" nodeType="clickEffect">
                                   <p:stCondLst>
                                     <p:cond delay="0"/>
                                   </p:stCondLst>
@@ -8697,6 +8694,88 @@
                                     <p:set>
                                       <p:cBhvr>
                                         <p:cTn id="21" dur="1" fill="hold">
+                                          <p:stCondLst>
+                                            <p:cond delay="0"/>
+                                          </p:stCondLst>
+                                        </p:cTn>
+                                        <p:tgtEl>
+                                          <p:spTgt spid="37"/>
+                                        </p:tgtEl>
+                                        <p:attrNameLst>
+                                          <p:attrName>style.visibility</p:attrName>
+                                        </p:attrNameLst>
+                                      </p:cBhvr>
+                                      <p:to>
+                                        <p:strVal val="visible"/>
+                                      </p:to>
+                                    </p:set>
+                                    <p:anim calcmode="lin" valueType="num">
+                                      <p:cBhvr additive="base">
+                                        <p:cTn id="22" dur="500" fill="hold"/>
+                                        <p:tgtEl>
+                                          <p:spTgt spid="37"/>
+                                        </p:tgtEl>
+                                        <p:attrNameLst>
+                                          <p:attrName>ppt_x</p:attrName>
+                                        </p:attrNameLst>
+                                      </p:cBhvr>
+                                      <p:tavLst>
+                                        <p:tav tm="0">
+                                          <p:val>
+                                            <p:strVal val="#ppt_x"/>
+                                          </p:val>
+                                        </p:tav>
+                                        <p:tav tm="100000">
+                                          <p:val>
+                                            <p:strVal val="#ppt_x"/>
+                                          </p:val>
+                                        </p:tav>
+                                      </p:tavLst>
+                                    </p:anim>
+                                    <p:anim calcmode="lin" valueType="num">
+                                      <p:cBhvr additive="base">
+                                        <p:cTn id="23" dur="500" fill="hold"/>
+                                        <p:tgtEl>
+                                          <p:spTgt spid="37"/>
+                                        </p:tgtEl>
+                                        <p:attrNameLst>
+                                          <p:attrName>ppt_y</p:attrName>
+                                        </p:attrNameLst>
+                                      </p:cBhvr>
+                                      <p:tavLst>
+                                        <p:tav tm="0">
+                                          <p:val>
+                                            <p:strVal val="0-#ppt_h/2"/>
+                                          </p:val>
+                                        </p:tav>
+                                        <p:tav tm="100000">
+                                          <p:val>
+                                            <p:strVal val="#ppt_y"/>
+                                          </p:val>
+                                        </p:tav>
+                                      </p:tavLst>
+                                    </p:anim>
+                                  </p:childTnLst>
+                                </p:cTn>
+                              </p:par>
+                            </p:childTnLst>
+                          </p:cTn>
+                        </p:par>
+                        <p:par>
+                          <p:cTn id="24" fill="hold">
+                            <p:stCondLst>
+                              <p:cond delay="500"/>
+                            </p:stCondLst>
+                            <p:childTnLst>
+                              <p:par>
+                                <p:cTn id="25" presetID="22" presetClass="entr" presetSubtype="2" fill="hold" nodeType="afterEffect">
+                                  <p:stCondLst>
+                                    <p:cond delay="0"/>
+                                  </p:stCondLst>
+                                  <p:childTnLst>
+                                    <p:set>
+                                      <p:cBhvr>
+                                        <p:cTn id="26" dur="1" fill="hold">
                                           <p:stCondLst>
                                             <p:cond delay="0"/>
                                           </p:stCondLst>
@@ -8714,62 +8793,9 @@
                                     </p:set>
                                     <p:animEffect transition="in" filter="wipe(right)">
                                       <p:cBhvr>
-                                        <p:cTn id="22" dur="500"/>
+                                        <p:cTn id="27" dur="500"/>
                                         <p:tgtEl>
                                           <p:spTgt spid="17"/>
-                                        </p:tgtEl>
-                                      </p:cBhvr>
-                                    </p:animEffect>
-                                  </p:childTnLst>
-                                </p:cTn>
-                              </p:par>
-                            </p:childTnLst>
-                          </p:cTn>
-                        </p:par>
-                      </p:childTnLst>
-                    </p:cTn>
-                  </p:par>
-                  <p:par>
-                    <p:cTn id="23" fill="hold">
-                      <p:stCondLst>
-                        <p:cond delay="indefinite"/>
-                      </p:stCondLst>
-                      <p:childTnLst>
-                        <p:par>
-                          <p:cTn id="24" fill="hold">
-                            <p:stCondLst>
-                              <p:cond delay="0"/>
-                            </p:stCondLst>
-                            <p:childTnLst>
-                              <p:par>
-                                <p:cTn id="25" presetID="22" presetClass="entr" presetSubtype="2" fill="hold" nodeType="clickEffect">
-                                  <p:stCondLst>
-                                    <p:cond delay="0"/>
-                                  </p:stCondLst>
-                                  <p:childTnLst>
-                                    <p:set>
-                                      <p:cBhvr>
-                                        <p:cTn id="26" dur="1" fill="hold">
-                                          <p:stCondLst>
-                                            <p:cond delay="0"/>
-                                          </p:stCondLst>
-                                        </p:cTn>
-                                        <p:tgtEl>
-                                          <p:spTgt spid="20"/>
-                                        </p:tgtEl>
-                                        <p:attrNameLst>
-                                          <p:attrName>style.visibility</p:attrName>
-                                        </p:attrNameLst>
-                                      </p:cBhvr>
-                                      <p:to>
-                                        <p:strVal val="visible"/>
-                                      </p:to>
-                                    </p:set>
-                                    <p:animEffect transition="in" filter="wipe(right)">
-                                      <p:cBhvr>
-                                        <p:cTn id="27" dur="500"/>
-                                        <p:tgtEl>
-                                          <p:spTgt spid="20"/>
                                         </p:tgtEl>
                                       </p:cBhvr>
                                     </p:animEffect>
@@ -8808,7 +8834,7 @@
                                           </p:stCondLst>
                                         </p:cTn>
                                         <p:tgtEl>
-                                          <p:spTgt spid="26"/>
+                                          <p:spTgt spid="20"/>
                                         </p:tgtEl>
                                         <p:attrNameLst>
                                           <p:attrName>style.visibility</p:attrName>
@@ -8822,7 +8848,113 @@
                                       <p:cBhvr>
                                         <p:cTn id="32" dur="500"/>
                                         <p:tgtEl>
+                                          <p:spTgt spid="20"/>
+                                        </p:tgtEl>
+                                      </p:cBhvr>
+                                    </p:animEffect>
+                                  </p:childTnLst>
+                                </p:cTn>
+                              </p:par>
+                            </p:childTnLst>
+                          </p:cTn>
+                        </p:par>
+                      </p:childTnLst>
+                    </p:cTn>
+                  </p:par>
+                  <p:par>
+                    <p:cTn id="33" fill="hold">
+                      <p:stCondLst>
+                        <p:cond delay="indefinite"/>
+                      </p:stCondLst>
+                      <p:childTnLst>
+                        <p:par>
+                          <p:cTn id="34" fill="hold">
+                            <p:stCondLst>
+                              <p:cond delay="0"/>
+                            </p:stCondLst>
+                            <p:childTnLst>
+                              <p:par>
+                                <p:cTn id="35" presetID="22" presetClass="entr" presetSubtype="2" fill="hold" nodeType="clickEffect">
+                                  <p:stCondLst>
+                                    <p:cond delay="0"/>
+                                  </p:stCondLst>
+                                  <p:childTnLst>
+                                    <p:set>
+                                      <p:cBhvr>
+                                        <p:cTn id="36" dur="1" fill="hold">
+                                          <p:stCondLst>
+                                            <p:cond delay="0"/>
+                                          </p:stCondLst>
+                                        </p:cTn>
+                                        <p:tgtEl>
                                           <p:spTgt spid="26"/>
+                                        </p:tgtEl>
+                                        <p:attrNameLst>
+                                          <p:attrName>style.visibility</p:attrName>
+                                        </p:attrNameLst>
+                                      </p:cBhvr>
+                                      <p:to>
+                                        <p:strVal val="visible"/>
+                                      </p:to>
+                                    </p:set>
+                                    <p:animEffect transition="in" filter="wipe(right)">
+                                      <p:cBhvr>
+                                        <p:cTn id="37" dur="500"/>
+                                        <p:tgtEl>
+                                          <p:spTgt spid="26"/>
+                                        </p:tgtEl>
+                                      </p:cBhvr>
+                                    </p:animEffect>
+                                  </p:childTnLst>
+                                </p:cTn>
+                              </p:par>
+                            </p:childTnLst>
+                          </p:cTn>
+                        </p:par>
+                      </p:childTnLst>
+                    </p:cTn>
+                  </p:par>
+                  <p:par>
+                    <p:cTn id="38" fill="hold">
+                      <p:stCondLst>
+                        <p:cond delay="indefinite"/>
+                      </p:stCondLst>
+                      <p:childTnLst>
+                        <p:par>
+                          <p:cTn id="39" fill="hold">
+                            <p:stCondLst>
+                              <p:cond delay="0"/>
+                            </p:stCondLst>
+                            <p:childTnLst>
+                              <p:par>
+                                <p:cTn id="40" presetID="22" presetClass="entr" presetSubtype="2" fill="hold" grpId="0" nodeType="clickEffect">
+                                  <p:stCondLst>
+                                    <p:cond delay="0"/>
+                                  </p:stCondLst>
+                                  <p:childTnLst>
+                                    <p:set>
+                                      <p:cBhvr>
+                                        <p:cTn id="41" dur="1" fill="hold">
+                                          <p:stCondLst>
+                                            <p:cond delay="0"/>
+                                          </p:stCondLst>
+                                        </p:cTn>
+                                        <p:tgtEl>
+                                          <p:spTgt spid="7"/>
+                                        </p:tgtEl>
+                                        <p:attrNameLst>
+                                          <p:attrName>style.visibility</p:attrName>
+                                        </p:attrNameLst>
+                                      </p:cBhvr>
+                                      <p:to>
+                                        <p:strVal val="visible"/>
+                                      </p:to>
+                                    </p:set>
+                                    <p:animEffect transition="in" filter="wipe(right)">
+                                      <p:cBhvr>
+                                        <p:cTn id="42" dur="500"/>
+                                        <p:tgtEl>
+                                          <p:spTgt spid="7"/>
                                         </p:tgtEl>
                                       </p:cBhvr>
                                     </p:animEffect>
@@ -8856,6 +8988,9 @@
         </p:cTn>
       </p:par>
     </p:tnLst>
+    <p:bldLst>
+      <p:bldP spid="7" grpId="0" animBg="1"/>
+    </p:bldLst>
   </p:timing>
 </p:sld>
 </file>
@@ -8879,10 +9014,10 @@
       </p:grpSpPr>
       <p:pic>
         <p:nvPicPr>
-          <p:cNvPr id="30" name="Picture 29">
+          <p:cNvPr id="6" name="Picture 5">
             <a:extLst>
               <a:ext uri="{FF2B5EF4-FFF2-40B4-BE49-F238E27FC236}">
-                <a16:creationId xmlns:a16="http://schemas.microsoft.com/office/drawing/2014/main" id="{80C17E8C-7338-667A-459E-82EC7BC563C6}"/>
+                <a16:creationId xmlns:a16="http://schemas.microsoft.com/office/drawing/2014/main" id="{2D3601F3-4F83-16C3-FB74-2739B1F8F5B0}"/>
               </a:ext>
             </a:extLst>
           </p:cNvPr>
@@ -8899,17 +9034,12 @@
         </p:blipFill>
         <p:spPr>
           <a:xfrm>
-            <a:off x="954468" y="1580974"/>
-            <a:ext cx="7262735" cy="4915981"/>
+            <a:off x="1035974" y="1546055"/>
+            <a:ext cx="7099722" cy="4978416"/>
           </a:xfrm>
           <a:prstGeom prst="rect">
             <a:avLst/>
           </a:prstGeom>
-          <a:ln>
-            <a:solidFill>
-              <a:schemeClr val="tx1"/>
-            </a:solidFill>
-          </a:ln>
         </p:spPr>
       </p:pic>
       <p:sp>
@@ -8985,7 +9115,7 @@
         </p:nvGrpSpPr>
         <p:grpSpPr>
           <a:xfrm>
-            <a:off x="4162313" y="5612217"/>
+            <a:off x="4529572" y="5454821"/>
             <a:ext cx="1076632" cy="369332"/>
             <a:chOff x="2157212" y="5356391"/>
             <a:chExt cx="1076632" cy="369332"/>
@@ -9289,10 +9419,10 @@
       </p:sp>
       <p:pic>
         <p:nvPicPr>
-          <p:cNvPr id="5" name="Picture 4">
+          <p:cNvPr id="34" name="Picture 33">
             <a:extLst>
               <a:ext uri="{FF2B5EF4-FFF2-40B4-BE49-F238E27FC236}">
-                <a16:creationId xmlns:a16="http://schemas.microsoft.com/office/drawing/2014/main" id="{E16F3F63-A95A-5325-416D-9B9C043C9258}"/>
+                <a16:creationId xmlns:a16="http://schemas.microsoft.com/office/drawing/2014/main" id="{76385B50-2CC9-EBF9-84CC-418CF8C24DF1}"/>
               </a:ext>
             </a:extLst>
           </p:cNvPr>
@@ -9302,26 +9432,415 @@
           <p:nvPr/>
         </p:nvPicPr>
         <p:blipFill rotWithShape="1">
-          <a:blip r:embed="rId2" cstate="screen">
-            <a:extLst>
-              <a:ext uri="{28A0092B-C50C-407E-A947-70E740481C1C}">
-                <a14:useLocalDpi xmlns:a14="http://schemas.microsoft.com/office/drawing/2010/main"/>
-              </a:ext>
-            </a:extLst>
-          </a:blip>
-          <a:srcRect t="-1"/>
+          <a:blip r:embed="rId2"/>
+          <a:srcRect b="44451"/>
           <a:stretch/>
         </p:blipFill>
         <p:spPr>
           <a:xfrm>
-            <a:off x="2148190" y="1468581"/>
-            <a:ext cx="4847619" cy="2362963"/>
+            <a:off x="1609662" y="2393745"/>
+            <a:ext cx="5251235" cy="1035255"/>
+          </a:xfrm>
+          <a:prstGeom prst="rect">
+            <a:avLst/>
+          </a:prstGeom>
+          <a:ln>
+            <a:noFill/>
+          </a:ln>
+        </p:spPr>
+      </p:pic>
+      <p:sp>
+        <p:nvSpPr>
+          <p:cNvPr id="3" name="Rectangle 2">
+            <a:extLst>
+              <a:ext uri="{FF2B5EF4-FFF2-40B4-BE49-F238E27FC236}">
+                <a16:creationId xmlns:a16="http://schemas.microsoft.com/office/drawing/2014/main" id="{4336F480-4088-87D5-EB3A-D8CCB6AE5F2A}"/>
+              </a:ext>
+            </a:extLst>
+          </p:cNvPr>
+          <p:cNvSpPr/>
+          <p:nvPr/>
+        </p:nvSpPr>
+        <p:spPr>
+          <a:xfrm>
+            <a:off x="1896255" y="2863121"/>
+            <a:ext cx="5149121" cy="565879"/>
+          </a:xfrm>
+          <a:prstGeom prst="rect">
+            <a:avLst/>
+          </a:prstGeom>
+          <a:solidFill>
+            <a:schemeClr val="bg1"/>
+          </a:solidFill>
+          <a:ln>
+            <a:solidFill>
+              <a:schemeClr val="bg1"/>
+            </a:solidFill>
+          </a:ln>
+        </p:spPr>
+        <p:style>
+          <a:lnRef idx="2">
+            <a:schemeClr val="accent1">
+              <a:shade val="50000"/>
+            </a:schemeClr>
+          </a:lnRef>
+          <a:fillRef idx="1">
+            <a:schemeClr val="accent1"/>
+          </a:fillRef>
+          <a:effectRef idx="0">
+            <a:schemeClr val="accent1"/>
+          </a:effectRef>
+          <a:fontRef idx="minor">
+            <a:schemeClr val="lt1"/>
+          </a:fontRef>
+        </p:style>
+        <p:txBody>
+          <a:bodyPr rtlCol="0" anchor="ctr"/>
+          <a:lstStyle/>
+          <a:p>
+            <a:pPr algn="ctr"/>
+            <a:endParaRPr lang="en-US"/>
+          </a:p>
+        </p:txBody>
+      </p:sp>
+    </p:spTree>
+    <p:extLst>
+      <p:ext uri="{BB962C8B-B14F-4D97-AF65-F5344CB8AC3E}">
+        <p14:creationId xmlns:p14="http://schemas.microsoft.com/office/powerpoint/2010/main" val="1957168288"/>
+      </p:ext>
+    </p:extLst>
+  </p:cSld>
+  <p:clrMapOvr>
+    <a:masterClrMapping/>
+  </p:clrMapOvr>
+  <p:timing>
+    <p:tnLst>
+      <p:par>
+        <p:cTn id="1" dur="indefinite" restart="never" nodeType="tmRoot">
+          <p:childTnLst>
+            <p:seq concurrent="1" nextAc="seek">
+              <p:cTn id="2" dur="indefinite" nodeType="mainSeq">
+                <p:childTnLst>
+                  <p:par>
+                    <p:cTn id="3" fill="hold">
+                      <p:stCondLst>
+                        <p:cond delay="indefinite"/>
+                      </p:stCondLst>
+                      <p:childTnLst>
+                        <p:par>
+                          <p:cTn id="4" fill="hold">
+                            <p:stCondLst>
+                              <p:cond delay="0"/>
+                            </p:stCondLst>
+                            <p:childTnLst>
+                              <p:par>
+                                <p:cTn id="5" presetID="22" presetClass="exit" presetSubtype="8" fill="hold" grpId="0" nodeType="clickEffect">
+                                  <p:stCondLst>
+                                    <p:cond delay="0"/>
+                                  </p:stCondLst>
+                                  <p:childTnLst>
+                                    <p:animEffect transition="out" filter="wipe(left)">
+                                      <p:cBhvr>
+                                        <p:cTn id="6" dur="500"/>
+                                        <p:tgtEl>
+                                          <p:spTgt spid="3"/>
+                                        </p:tgtEl>
+                                      </p:cBhvr>
+                                    </p:animEffect>
+                                    <p:set>
+                                      <p:cBhvr>
+                                        <p:cTn id="7" dur="1" fill="hold">
+                                          <p:stCondLst>
+                                            <p:cond delay="499"/>
+                                          </p:stCondLst>
+                                        </p:cTn>
+                                        <p:tgtEl>
+                                          <p:spTgt spid="3"/>
+                                        </p:tgtEl>
+                                        <p:attrNameLst>
+                                          <p:attrName>style.visibility</p:attrName>
+                                        </p:attrNameLst>
+                                      </p:cBhvr>
+                                      <p:to>
+                                        <p:strVal val="hidden"/>
+                                      </p:to>
+                                    </p:set>
+                                  </p:childTnLst>
+                                </p:cTn>
+                              </p:par>
+                            </p:childTnLst>
+                          </p:cTn>
+                        </p:par>
+                      </p:childTnLst>
+                    </p:cTn>
+                  </p:par>
+                </p:childTnLst>
+              </p:cTn>
+              <p:prevCondLst>
+                <p:cond evt="onPrev" delay="0">
+                  <p:tgtEl>
+                    <p:sldTgt/>
+                  </p:tgtEl>
+                </p:cond>
+              </p:prevCondLst>
+              <p:nextCondLst>
+                <p:cond evt="onNext" delay="0">
+                  <p:tgtEl>
+                    <p:sldTgt/>
+                  </p:tgtEl>
+                </p:cond>
+              </p:nextCondLst>
+            </p:seq>
+          </p:childTnLst>
+        </p:cTn>
+      </p:par>
+    </p:tnLst>
+    <p:bldLst>
+      <p:bldP spid="3" grpId="0" animBg="1"/>
+    </p:bldLst>
+  </p:timing>
+</p:sld>
+</file>
+
+<file path=ppt/slides/slide18.xml><?xml version="1.0" encoding="utf-8"?>
+<p:sld xmlns:a="http://schemas.openxmlformats.org/drawingml/2006/main" xmlns:r="http://schemas.openxmlformats.org/officeDocument/2006/relationships" xmlns:p="http://schemas.openxmlformats.org/presentationml/2006/main">
+  <p:cSld>
+    <p:spTree>
+      <p:nvGrpSpPr>
+        <p:cNvPr id="1" name=""/>
+        <p:cNvGrpSpPr/>
+        <p:nvPr/>
+      </p:nvGrpSpPr>
+      <p:grpSpPr>
+        <a:xfrm>
+          <a:off x="0" y="0"/>
+          <a:ext cx="0" cy="0"/>
+          <a:chOff x="0" y="0"/>
+          <a:chExt cx="0" cy="0"/>
+        </a:xfrm>
+      </p:grpSpPr>
+      <p:sp>
+        <p:nvSpPr>
+          <p:cNvPr id="4" name="Slide Number Placeholder 3"/>
+          <p:cNvSpPr>
+            <a:spLocks noGrp="1"/>
+          </p:cNvSpPr>
+          <p:nvPr>
+            <p:ph type="sldNum" sz="quarter" idx="12"/>
+          </p:nvPr>
+        </p:nvSpPr>
+        <p:spPr/>
+        <p:txBody>
+          <a:bodyPr/>
+          <a:lstStyle/>
+          <a:p>
+            <a:fld id="{650AD656-6FF9-465D-B7B0-1CD0DD39CD23}" type="slidenum">
+              <a:rPr lang="en-US" smtClean="0"/>
+              <a:t>18</a:t>
+            </a:fld>
+            <a:endParaRPr lang="en-US" dirty="0"/>
+          </a:p>
+        </p:txBody>
+      </p:sp>
+      <p:sp>
+        <p:nvSpPr>
+          <p:cNvPr id="7" name="Title 1">
+            <a:extLst>
+              <a:ext uri="{FF2B5EF4-FFF2-40B4-BE49-F238E27FC236}">
+                <a16:creationId xmlns:a16="http://schemas.microsoft.com/office/drawing/2014/main" id="{FFA4614F-6CA5-44D7-AD07-09DC5228602C}"/>
+              </a:ext>
+            </a:extLst>
+          </p:cNvPr>
+          <p:cNvSpPr txBox="1">
+            <a:spLocks/>
+          </p:cNvSpPr>
+          <p:nvPr/>
+        </p:nvSpPr>
+        <p:spPr>
+          <a:xfrm>
+            <a:off x="628650" y="365126"/>
+            <a:ext cx="7886700" cy="1103455"/>
           </a:xfrm>
           <a:prstGeom prst="rect">
             <a:avLst/>
           </a:prstGeom>
         </p:spPr>
+        <p:txBody>
+          <a:bodyPr anchor="ctr">
+            <a:noAutofit/>
+          </a:bodyPr>
+          <a:lstStyle>
+            <a:lvl1pPr algn="l" defTabSz="914400" rtl="0" eaLnBrk="1" latinLnBrk="0" hangingPunct="1">
+              <a:lnSpc>
+                <a:spcPct val="90000"/>
+              </a:lnSpc>
+              <a:spcBef>
+                <a:spcPct val="0"/>
+              </a:spcBef>
+              <a:buNone/>
+              <a:defRPr sz="4400" kern="1200">
+                <a:solidFill>
+                  <a:schemeClr val="tx1"/>
+                </a:solidFill>
+                <a:latin typeface="+mj-lt"/>
+                <a:ea typeface="+mj-ea"/>
+                <a:cs typeface="+mj-cs"/>
+              </a:defRPr>
+            </a:lvl1pPr>
+          </a:lstStyle>
+          <a:p>
+            <a:pPr algn="ctr"/>
+            <a:r>
+              <a:rPr lang="en-US" sz="3200" dirty="0">
+                <a:latin typeface="+mn-lt"/>
+              </a:rPr>
+              <a:t>The Harmonic Series Diverges</a:t>
+            </a:r>
+          </a:p>
+        </p:txBody>
+      </p:sp>
+      <p:pic>
+        <p:nvPicPr>
+          <p:cNvPr id="34" name="Picture 33">
+            <a:extLst>
+              <a:ext uri="{FF2B5EF4-FFF2-40B4-BE49-F238E27FC236}">
+                <a16:creationId xmlns:a16="http://schemas.microsoft.com/office/drawing/2014/main" id="{76385B50-2CC9-EBF9-84CC-418CF8C24DF1}"/>
+              </a:ext>
+            </a:extLst>
+          </p:cNvPr>
+          <p:cNvPicPr>
+            <a:picLocks noChangeAspect="1"/>
+          </p:cNvPicPr>
+          <p:nvPr/>
+        </p:nvPicPr>
+        <p:blipFill rotWithShape="1">
+          <a:blip r:embed="rId2"/>
+          <a:srcRect b="21728"/>
+          <a:stretch/>
+        </p:blipFill>
+        <p:spPr>
+          <a:xfrm>
+            <a:off x="1609662" y="2393745"/>
+            <a:ext cx="5251235" cy="1458727"/>
+          </a:xfrm>
+          <a:prstGeom prst="rect">
+            <a:avLst/>
+          </a:prstGeom>
+          <a:ln>
+            <a:noFill/>
+          </a:ln>
+        </p:spPr>
       </p:pic>
+    </p:spTree>
+    <p:extLst>
+      <p:ext uri="{BB962C8B-B14F-4D97-AF65-F5344CB8AC3E}">
+        <p14:creationId xmlns:p14="http://schemas.microsoft.com/office/powerpoint/2010/main" val="2774976373"/>
+      </p:ext>
+    </p:extLst>
+  </p:cSld>
+  <p:clrMapOvr>
+    <a:masterClrMapping/>
+  </p:clrMapOvr>
+</p:sld>
+</file>
+
+<file path=ppt/slides/slide19.xml><?xml version="1.0" encoding="utf-8"?>
+<p:sld xmlns:a="http://schemas.openxmlformats.org/drawingml/2006/main" xmlns:r="http://schemas.openxmlformats.org/officeDocument/2006/relationships" xmlns:p="http://schemas.openxmlformats.org/presentationml/2006/main">
+  <p:cSld>
+    <p:spTree>
+      <p:nvGrpSpPr>
+        <p:cNvPr id="1" name=""/>
+        <p:cNvGrpSpPr/>
+        <p:nvPr/>
+      </p:nvGrpSpPr>
+      <p:grpSpPr>
+        <a:xfrm>
+          <a:off x="0" y="0"/>
+          <a:ext cx="0" cy="0"/>
+          <a:chOff x="0" y="0"/>
+          <a:chExt cx="0" cy="0"/>
+        </a:xfrm>
+      </p:grpSpPr>
+      <p:sp>
+        <p:nvSpPr>
+          <p:cNvPr id="4" name="Slide Number Placeholder 3"/>
+          <p:cNvSpPr>
+            <a:spLocks noGrp="1"/>
+          </p:cNvSpPr>
+          <p:nvPr>
+            <p:ph type="sldNum" sz="quarter" idx="12"/>
+          </p:nvPr>
+        </p:nvSpPr>
+        <p:spPr/>
+        <p:txBody>
+          <a:bodyPr/>
+          <a:lstStyle/>
+          <a:p>
+            <a:fld id="{650AD656-6FF9-465D-B7B0-1CD0DD39CD23}" type="slidenum">
+              <a:rPr lang="en-US" smtClean="0"/>
+              <a:t>19</a:t>
+            </a:fld>
+            <a:endParaRPr lang="en-US" dirty="0"/>
+          </a:p>
+        </p:txBody>
+      </p:sp>
+      <p:sp>
+        <p:nvSpPr>
+          <p:cNvPr id="7" name="Title 1">
+            <a:extLst>
+              <a:ext uri="{FF2B5EF4-FFF2-40B4-BE49-F238E27FC236}">
+                <a16:creationId xmlns:a16="http://schemas.microsoft.com/office/drawing/2014/main" id="{FFA4614F-6CA5-44D7-AD07-09DC5228602C}"/>
+              </a:ext>
+            </a:extLst>
+          </p:cNvPr>
+          <p:cNvSpPr txBox="1">
+            <a:spLocks/>
+          </p:cNvSpPr>
+          <p:nvPr/>
+        </p:nvSpPr>
+        <p:spPr>
+          <a:xfrm>
+            <a:off x="628650" y="365126"/>
+            <a:ext cx="7886700" cy="1103455"/>
+          </a:xfrm>
+          <a:prstGeom prst="rect">
+            <a:avLst/>
+          </a:prstGeom>
+        </p:spPr>
+        <p:txBody>
+          <a:bodyPr anchor="ctr">
+            <a:noAutofit/>
+          </a:bodyPr>
+          <a:lstStyle>
+            <a:lvl1pPr algn="l" defTabSz="914400" rtl="0" eaLnBrk="1" latinLnBrk="0" hangingPunct="1">
+              <a:lnSpc>
+                <a:spcPct val="90000"/>
+              </a:lnSpc>
+              <a:spcBef>
+                <a:spcPct val="0"/>
+              </a:spcBef>
+              <a:buNone/>
+              <a:defRPr sz="4400" kern="1200">
+                <a:solidFill>
+                  <a:schemeClr val="tx1"/>
+                </a:solidFill>
+                <a:latin typeface="+mj-lt"/>
+                <a:ea typeface="+mj-ea"/>
+                <a:cs typeface="+mj-cs"/>
+              </a:defRPr>
+            </a:lvl1pPr>
+          </a:lstStyle>
+          <a:p>
+            <a:pPr algn="ctr"/>
+            <a:r>
+              <a:rPr lang="en-US" sz="3200" dirty="0">
+                <a:latin typeface="+mn-lt"/>
+              </a:rPr>
+              <a:t>The Harmonic Series Diverges</a:t>
+            </a:r>
+          </a:p>
+        </p:txBody>
+      </p:sp>
       <p:pic>
         <p:nvPicPr>
           <p:cNvPr id="34" name="Picture 33">
@@ -9337,14 +9856,14 @@
           <p:nvPr/>
         </p:nvPicPr>
         <p:blipFill>
-          <a:blip r:embed="rId3"/>
+          <a:blip r:embed="rId2"/>
           <a:stretch>
             <a:fillRect/>
           </a:stretch>
         </p:blipFill>
         <p:spPr>
           <a:xfrm>
-            <a:off x="1744574" y="4170079"/>
+            <a:off x="1609662" y="2393745"/>
             <a:ext cx="5251235" cy="1863674"/>
           </a:xfrm>
           <a:prstGeom prst="rect">
@@ -9369,7 +9888,7 @@
         </p:nvSpPr>
         <p:spPr>
           <a:xfrm>
-            <a:off x="2182947" y="5176597"/>
+            <a:off x="2048035" y="3400263"/>
             <a:ext cx="234087" cy="490118"/>
           </a:xfrm>
           <a:prstGeom prst="rect">
@@ -9421,7 +9940,7 @@
         </p:nvSpPr>
         <p:spPr>
           <a:xfrm>
-            <a:off x="3395558" y="4693853"/>
+            <a:off x="3260646" y="2917519"/>
             <a:ext cx="234087" cy="980236"/>
           </a:xfrm>
           <a:prstGeom prst="rect">
@@ -9473,7 +9992,7 @@
         </p:nvSpPr>
         <p:spPr>
           <a:xfrm>
-            <a:off x="4314874" y="4679207"/>
+            <a:off x="4179962" y="2902873"/>
             <a:ext cx="234087" cy="980236"/>
           </a:xfrm>
           <a:prstGeom prst="rect">
@@ -9525,7 +10044,7 @@
         </p:nvSpPr>
         <p:spPr>
           <a:xfrm>
-            <a:off x="4699155" y="4664886"/>
+            <a:off x="4564243" y="2888552"/>
             <a:ext cx="234087" cy="980236"/>
           </a:xfrm>
           <a:prstGeom prst="rect">
@@ -9577,7 +10096,7 @@
         </p:nvSpPr>
         <p:spPr>
           <a:xfrm>
-            <a:off x="5044463" y="4654965"/>
+            <a:off x="4909551" y="2878631"/>
             <a:ext cx="234087" cy="980236"/>
           </a:xfrm>
           <a:prstGeom prst="rect">
@@ -9629,7 +10148,7 @@
         </p:nvSpPr>
         <p:spPr>
           <a:xfrm>
-            <a:off x="3327204" y="5193565"/>
+            <a:off x="3192292" y="3417231"/>
             <a:ext cx="716757" cy="441635"/>
           </a:xfrm>
           <a:prstGeom prst="rect">
@@ -9681,7 +10200,7 @@
         </p:nvSpPr>
         <p:spPr>
           <a:xfrm>
-            <a:off x="3509495" y="5630792"/>
+            <a:off x="3374583" y="3854458"/>
             <a:ext cx="372541" cy="441635"/>
           </a:xfrm>
           <a:prstGeom prst="rect">
@@ -9733,7 +10252,7 @@
         </p:nvSpPr>
         <p:spPr>
           <a:xfrm>
-            <a:off x="4272095" y="5203487"/>
+            <a:off x="4137183" y="3427153"/>
             <a:ext cx="1453028" cy="441635"/>
           </a:xfrm>
           <a:prstGeom prst="rect">
@@ -9785,7 +10304,7 @@
         </p:nvSpPr>
         <p:spPr>
           <a:xfrm>
-            <a:off x="4835286" y="5630791"/>
+            <a:off x="4700374" y="3854457"/>
             <a:ext cx="372541" cy="441635"/>
           </a:xfrm>
           <a:prstGeom prst="rect">
@@ -9837,7 +10356,7 @@
         </p:nvCxnSpPr>
         <p:spPr>
           <a:xfrm flipV="1">
-            <a:off x="1162418" y="5171443"/>
+            <a:off x="1027506" y="3395109"/>
             <a:ext cx="6518787" cy="0"/>
           </a:xfrm>
           <a:prstGeom prst="line">
@@ -9879,7 +10398,7 @@
         </p:nvSpPr>
         <p:spPr>
           <a:xfrm>
-            <a:off x="6547308" y="5603178"/>
+            <a:off x="6412396" y="3826844"/>
             <a:ext cx="516855" cy="441635"/>
           </a:xfrm>
           <a:prstGeom prst="rect">
@@ -9931,7 +10450,7 @@
         </p:nvSpPr>
         <p:spPr>
           <a:xfrm>
-            <a:off x="1627530" y="4069905"/>
+            <a:off x="1492618" y="2293571"/>
             <a:ext cx="611520" cy="729941"/>
           </a:xfrm>
           <a:prstGeom prst="rect">
@@ -9983,7 +10502,7 @@
         </p:nvSpPr>
         <p:spPr>
           <a:xfrm>
-            <a:off x="2689285" y="6287617"/>
+            <a:off x="2531334" y="4884473"/>
             <a:ext cx="3765430" cy="369332"/>
           </a:xfrm>
           <a:prstGeom prst="rect">
@@ -10027,7 +10546,7 @@
         </p:nvSpPr>
         <p:spPr>
           <a:xfrm>
-            <a:off x="6995809" y="3968755"/>
+            <a:off x="7085750" y="4411194"/>
             <a:ext cx="1712656" cy="718958"/>
           </a:xfrm>
           <a:prstGeom prst="wedgeRoundRectCallout">
@@ -10078,10 +10597,62 @@
           </a:p>
         </p:txBody>
       </p:sp>
+      <p:sp>
+        <p:nvSpPr>
+          <p:cNvPr id="2" name="Rectangle 1">
+            <a:extLst>
+              <a:ext uri="{FF2B5EF4-FFF2-40B4-BE49-F238E27FC236}">
+                <a16:creationId xmlns:a16="http://schemas.microsoft.com/office/drawing/2014/main" id="{30EA0EE1-E352-56CA-D7F1-F3388C20C1EF}"/>
+              </a:ext>
+            </a:extLst>
+          </p:cNvPr>
+          <p:cNvSpPr/>
+          <p:nvPr/>
+        </p:nvSpPr>
+        <p:spPr>
+          <a:xfrm>
+            <a:off x="2603332" y="3858366"/>
+            <a:ext cx="372541" cy="441635"/>
+          </a:xfrm>
+          <a:prstGeom prst="rect">
+            <a:avLst/>
+          </a:prstGeom>
+          <a:noFill/>
+          <a:ln w="28575">
+            <a:solidFill>
+              <a:srgbClr val="FF0000"/>
+            </a:solidFill>
+          </a:ln>
+        </p:spPr>
+        <p:style>
+          <a:lnRef idx="2">
+            <a:schemeClr val="accent1">
+              <a:shade val="50000"/>
+            </a:schemeClr>
+          </a:lnRef>
+          <a:fillRef idx="1">
+            <a:schemeClr val="accent1"/>
+          </a:fillRef>
+          <a:effectRef idx="0">
+            <a:schemeClr val="accent1"/>
+          </a:effectRef>
+          <a:fontRef idx="minor">
+            <a:schemeClr val="lt1"/>
+          </a:fontRef>
+        </p:style>
+        <p:txBody>
+          <a:bodyPr rtlCol="0" anchor="ctr"/>
+          <a:lstStyle/>
+          <a:p>
+            <a:pPr algn="ctr"/>
+            <a:endParaRPr lang="en-US"/>
+          </a:p>
+        </p:txBody>
+      </p:sp>
     </p:spTree>
     <p:extLst>
       <p:ext uri="{BB962C8B-B14F-4D97-AF65-F5344CB8AC3E}">
-        <p14:creationId xmlns:p14="http://schemas.microsoft.com/office/powerpoint/2010/main" val="1957168288"/>
+        <p14:creationId xmlns:p14="http://schemas.microsoft.com/office/powerpoint/2010/main" val="1287956826"/>
       </p:ext>
     </p:extLst>
   </p:cSld>
@@ -10112,7 +10683,7 @@
                             </p:stCondLst>
                             <p:childTnLst>
                               <p:par>
-                                <p:cTn id="5" presetID="2" presetClass="entr" presetSubtype="2" fill="hold" grpId="0" nodeType="afterEffect">
+                                <p:cTn id="5" presetID="22" presetClass="entr" presetSubtype="8" fill="hold" nodeType="afterEffect">
                                   <p:stCondLst>
                                     <p:cond delay="0"/>
                                   </p:stCondLst>
@@ -10125,7 +10696,7 @@
                                           </p:stCondLst>
                                         </p:cTn>
                                         <p:tgtEl>
-                                          <p:spTgt spid="51"/>
+                                          <p:spTgt spid="47"/>
                                         </p:tgtEl>
                                         <p:attrNameLst>
                                           <p:attrName>style.visibility</p:attrName>
@@ -10135,52 +10706,14 @@
                                         <p:strVal val="visible"/>
                                       </p:to>
                                     </p:set>
-                                    <p:anim calcmode="lin" valueType="num">
-                                      <p:cBhvr additive="base">
-                                        <p:cTn id="7" dur="500" fill="hold"/>
+                                    <p:animEffect transition="in" filter="wipe(left)">
+                                      <p:cBhvr>
+                                        <p:cTn id="7" dur="500"/>
                                         <p:tgtEl>
-                                          <p:spTgt spid="51"/>
+                                          <p:spTgt spid="47"/>
                                         </p:tgtEl>
-                                        <p:attrNameLst>
-                                          <p:attrName>ppt_x</p:attrName>
-                                        </p:attrNameLst>
                                       </p:cBhvr>
-                                      <p:tavLst>
-                                        <p:tav tm="0">
-                                          <p:val>
-                                            <p:strVal val="1+#ppt_w/2"/>
-                                          </p:val>
-                                        </p:tav>
-                                        <p:tav tm="100000">
-                                          <p:val>
-                                            <p:strVal val="#ppt_x"/>
-                                          </p:val>
-                                        </p:tav>
-                                      </p:tavLst>
-                                    </p:anim>
-                                    <p:anim calcmode="lin" valueType="num">
-                                      <p:cBhvr additive="base">
-                                        <p:cTn id="8" dur="500" fill="hold"/>
-                                        <p:tgtEl>
-                                          <p:spTgt spid="51"/>
-                                        </p:tgtEl>
-                                        <p:attrNameLst>
-                                          <p:attrName>ppt_y</p:attrName>
-                                        </p:attrNameLst>
-                                      </p:cBhvr>
-                                      <p:tavLst>
-                                        <p:tav tm="0">
-                                          <p:val>
-                                            <p:strVal val="#ppt_y"/>
-                                          </p:val>
-                                        </p:tav>
-                                        <p:tav tm="100000">
-                                          <p:val>
-                                            <p:strVal val="#ppt_y"/>
-                                          </p:val>
-                                        </p:tav>
-                                      </p:tavLst>
-                                    </p:anim>
+                                    </p:animEffect>
                                   </p:childTnLst>
                                 </p:cTn>
                               </p:par>
@@ -10191,32 +10724,32 @@
                     </p:cTn>
                   </p:par>
                   <p:par>
-                    <p:cTn id="9" fill="hold">
+                    <p:cTn id="8" fill="hold">
                       <p:stCondLst>
                         <p:cond delay="indefinite"/>
                       </p:stCondLst>
                       <p:childTnLst>
                         <p:par>
-                          <p:cTn id="10" fill="hold">
+                          <p:cTn id="9" fill="hold">
                             <p:stCondLst>
                               <p:cond delay="0"/>
                             </p:stCondLst>
                             <p:childTnLst>
                               <p:par>
-                                <p:cTn id="11" presetID="1" presetClass="entr" presetSubtype="0" fill="hold" nodeType="clickEffect">
+                                <p:cTn id="10" presetID="22" presetClass="entr" presetSubtype="1" fill="hold" grpId="0" nodeType="clickEffect">
                                   <p:stCondLst>
                                     <p:cond delay="0"/>
                                   </p:stCondLst>
                                   <p:childTnLst>
                                     <p:set>
                                       <p:cBhvr>
-                                        <p:cTn id="12" dur="1" fill="hold">
+                                        <p:cTn id="11" dur="1" fill="hold">
                                           <p:stCondLst>
                                             <p:cond delay="0"/>
                                           </p:stCondLst>
                                         </p:cTn>
                                         <p:tgtEl>
-                                          <p:spTgt spid="34"/>
+                                          <p:spTgt spid="39"/>
                                         </p:tgtEl>
                                         <p:attrNameLst>
                                           <p:attrName>style.visibility</p:attrName>
@@ -10226,6 +10759,14 @@
                                         <p:strVal val="visible"/>
                                       </p:to>
                                     </p:set>
+                                    <p:animEffect transition="in" filter="wipe(up)">
+                                      <p:cBhvr>
+                                        <p:cTn id="12" dur="500"/>
+                                        <p:tgtEl>
+                                          <p:spTgt spid="39"/>
+                                        </p:tgtEl>
+                                      </p:cBhvr>
+                                    </p:animEffect>
                                   </p:childTnLst>
                                 </p:cTn>
                               </p:par>
@@ -10248,7 +10789,7 @@
                             </p:stCondLst>
                             <p:childTnLst>
                               <p:par>
-                                <p:cTn id="15" presetID="22" presetClass="entr" presetSubtype="8" fill="hold" nodeType="clickEffect">
+                                <p:cTn id="15" presetID="22" presetClass="entr" presetSubtype="1" fill="hold" grpId="0" nodeType="clickEffect">
                                   <p:stCondLst>
                                     <p:cond delay="0"/>
                                   </p:stCondLst>
@@ -10256,156 +10797,6 @@
                                     <p:set>
                                       <p:cBhvr>
                                         <p:cTn id="16" dur="1" fill="hold">
-                                          <p:stCondLst>
-                                            <p:cond delay="0"/>
-                                          </p:stCondLst>
-                                        </p:cTn>
-                                        <p:tgtEl>
-                                          <p:spTgt spid="47"/>
-                                        </p:tgtEl>
-                                        <p:attrNameLst>
-                                          <p:attrName>style.visibility</p:attrName>
-                                        </p:attrNameLst>
-                                      </p:cBhvr>
-                                      <p:to>
-                                        <p:strVal val="visible"/>
-                                      </p:to>
-                                    </p:set>
-                                    <p:animEffect transition="in" filter="wipe(left)">
-                                      <p:cBhvr>
-                                        <p:cTn id="17" dur="500"/>
-                                        <p:tgtEl>
-                                          <p:spTgt spid="47"/>
-                                        </p:tgtEl>
-                                      </p:cBhvr>
-                                    </p:animEffect>
-                                  </p:childTnLst>
-                                </p:cTn>
-                              </p:par>
-                            </p:childTnLst>
-                          </p:cTn>
-                        </p:par>
-                      </p:childTnLst>
-                    </p:cTn>
-                  </p:par>
-                  <p:par>
-                    <p:cTn id="18" fill="hold">
-                      <p:stCondLst>
-                        <p:cond delay="indefinite"/>
-                      </p:stCondLst>
-                      <p:childTnLst>
-                        <p:par>
-                          <p:cTn id="19" fill="hold">
-                            <p:stCondLst>
-                              <p:cond delay="0"/>
-                            </p:stCondLst>
-                            <p:childTnLst>
-                              <p:par>
-                                <p:cTn id="20" presetID="22" presetClass="exit" presetSubtype="8" fill="hold" nodeType="clickEffect">
-                                  <p:stCondLst>
-                                    <p:cond delay="0"/>
-                                  </p:stCondLst>
-                                  <p:childTnLst>
-                                    <p:animEffect transition="out" filter="wipe(left)">
-                                      <p:cBhvr>
-                                        <p:cTn id="21" dur="500"/>
-                                        <p:tgtEl>
-                                          <p:spTgt spid="47"/>
-                                        </p:tgtEl>
-                                      </p:cBhvr>
-                                    </p:animEffect>
-                                    <p:set>
-                                      <p:cBhvr>
-                                        <p:cTn id="22" dur="1" fill="hold">
-                                          <p:stCondLst>
-                                            <p:cond delay="499"/>
-                                          </p:stCondLst>
-                                        </p:cTn>
-                                        <p:tgtEl>
-                                          <p:spTgt spid="47"/>
-                                        </p:tgtEl>
-                                        <p:attrNameLst>
-                                          <p:attrName>style.visibility</p:attrName>
-                                        </p:attrNameLst>
-                                      </p:cBhvr>
-                                      <p:to>
-                                        <p:strVal val="hidden"/>
-                                      </p:to>
-                                    </p:set>
-                                  </p:childTnLst>
-                                </p:cTn>
-                              </p:par>
-                            </p:childTnLst>
-                          </p:cTn>
-                        </p:par>
-                        <p:par>
-                          <p:cTn id="23" fill="hold">
-                            <p:stCondLst>
-                              <p:cond delay="500"/>
-                            </p:stCondLst>
-                            <p:childTnLst>
-                              <p:par>
-                                <p:cTn id="24" presetID="22" presetClass="entr" presetSubtype="1" fill="hold" grpId="0" nodeType="afterEffect">
-                                  <p:stCondLst>
-                                    <p:cond delay="0"/>
-                                  </p:stCondLst>
-                                  <p:childTnLst>
-                                    <p:set>
-                                      <p:cBhvr>
-                                        <p:cTn id="25" dur="1" fill="hold">
-                                          <p:stCondLst>
-                                            <p:cond delay="0"/>
-                                          </p:stCondLst>
-                                        </p:cTn>
-                                        <p:tgtEl>
-                                          <p:spTgt spid="39"/>
-                                        </p:tgtEl>
-                                        <p:attrNameLst>
-                                          <p:attrName>style.visibility</p:attrName>
-                                        </p:attrNameLst>
-                                      </p:cBhvr>
-                                      <p:to>
-                                        <p:strVal val="visible"/>
-                                      </p:to>
-                                    </p:set>
-                                    <p:animEffect transition="in" filter="wipe(up)">
-                                      <p:cBhvr>
-                                        <p:cTn id="26" dur="500"/>
-                                        <p:tgtEl>
-                                          <p:spTgt spid="39"/>
-                                        </p:tgtEl>
-                                      </p:cBhvr>
-                                    </p:animEffect>
-                                  </p:childTnLst>
-                                </p:cTn>
-                              </p:par>
-                            </p:childTnLst>
-                          </p:cTn>
-                        </p:par>
-                      </p:childTnLst>
-                    </p:cTn>
-                  </p:par>
-                  <p:par>
-                    <p:cTn id="27" fill="hold">
-                      <p:stCondLst>
-                        <p:cond delay="indefinite"/>
-                      </p:stCondLst>
-                      <p:childTnLst>
-                        <p:par>
-                          <p:cTn id="28" fill="hold">
-                            <p:stCondLst>
-                              <p:cond delay="0"/>
-                            </p:stCondLst>
-                            <p:childTnLst>
-                              <p:par>
-                                <p:cTn id="29" presetID="22" presetClass="entr" presetSubtype="1" fill="hold" grpId="0" nodeType="clickEffect">
-                                  <p:stCondLst>
-                                    <p:cond delay="0"/>
-                                  </p:stCondLst>
-                                  <p:childTnLst>
-                                    <p:set>
-                                      <p:cBhvr>
-                                        <p:cTn id="30" dur="1" fill="hold">
                                           <p:stCondLst>
                                             <p:cond delay="0"/>
                                           </p:stCondLst>
@@ -10423,7 +10814,7 @@
                                     </p:set>
                                     <p:animEffect transition="in" filter="wipe(up)">
                                       <p:cBhvr>
-                                        <p:cTn id="31" dur="500"/>
+                                        <p:cTn id="17" dur="500"/>
                                         <p:tgtEl>
                                           <p:spTgt spid="40"/>
                                         </p:tgtEl>
@@ -10433,14 +10824,14 @@
                                 </p:cTn>
                               </p:par>
                               <p:par>
-                                <p:cTn id="32" presetID="22" presetClass="entr" presetSubtype="1" fill="hold" grpId="0" nodeType="withEffect">
+                                <p:cTn id="18" presetID="22" presetClass="entr" presetSubtype="1" fill="hold" grpId="0" nodeType="withEffect">
                                   <p:stCondLst>
                                     <p:cond delay="0"/>
                                   </p:stCondLst>
                                   <p:childTnLst>
                                     <p:set>
                                       <p:cBhvr>
-                                        <p:cTn id="33" dur="1" fill="hold">
+                                        <p:cTn id="19" dur="1" fill="hold">
                                           <p:stCondLst>
                                             <p:cond delay="0"/>
                                           </p:stCondLst>
@@ -10458,7 +10849,7 @@
                                     </p:set>
                                     <p:animEffect transition="in" filter="wipe(up)">
                                       <p:cBhvr>
-                                        <p:cTn id="34" dur="500"/>
+                                        <p:cTn id="20" dur="500"/>
                                         <p:tgtEl>
                                           <p:spTgt spid="41"/>
                                         </p:tgtEl>
@@ -10468,14 +10859,14 @@
                                 </p:cTn>
                               </p:par>
                               <p:par>
-                                <p:cTn id="35" presetID="22" presetClass="entr" presetSubtype="1" fill="hold" grpId="0" nodeType="withEffect">
+                                <p:cTn id="21" presetID="22" presetClass="entr" presetSubtype="1" fill="hold" grpId="0" nodeType="withEffect">
                                   <p:stCondLst>
                                     <p:cond delay="0"/>
                                   </p:stCondLst>
                                   <p:childTnLst>
                                     <p:set>
                                       <p:cBhvr>
-                                        <p:cTn id="36" dur="1" fill="hold">
+                                        <p:cTn id="22" dur="1" fill="hold">
                                           <p:stCondLst>
                                             <p:cond delay="0"/>
                                           </p:stCondLst>
@@ -10493,7 +10884,7 @@
                                     </p:set>
                                     <p:animEffect transition="in" filter="wipe(up)">
                                       <p:cBhvr>
-                                        <p:cTn id="37" dur="500"/>
+                                        <p:cTn id="23" dur="500"/>
                                         <p:tgtEl>
                                           <p:spTgt spid="42"/>
                                         </p:tgtEl>
@@ -10509,26 +10900,26 @@
                     </p:cTn>
                   </p:par>
                   <p:par>
-                    <p:cTn id="38" fill="hold">
+                    <p:cTn id="24" fill="hold">
                       <p:stCondLst>
                         <p:cond delay="indefinite"/>
                       </p:stCondLst>
                       <p:childTnLst>
                         <p:par>
-                          <p:cTn id="39" fill="hold">
+                          <p:cTn id="25" fill="hold">
                             <p:stCondLst>
                               <p:cond delay="0"/>
                             </p:stCondLst>
                             <p:childTnLst>
                               <p:par>
-                                <p:cTn id="40" presetID="1" presetClass="exit" presetSubtype="0" fill="hold" grpId="1" nodeType="clickEffect">
+                                <p:cTn id="26" presetID="1" presetClass="exit" presetSubtype="0" fill="hold" grpId="1" nodeType="clickEffect">
                                   <p:stCondLst>
                                     <p:cond delay="0"/>
                                   </p:stCondLst>
                                   <p:childTnLst>
                                     <p:set>
                                       <p:cBhvr>
-                                        <p:cTn id="41" dur="1" fill="hold">
+                                        <p:cTn id="27" dur="1" fill="hold">
                                           <p:stCondLst>
                                             <p:cond delay="0"/>
                                           </p:stCondLst>
@@ -10548,14 +10939,14 @@
                                 </p:cTn>
                               </p:par>
                               <p:par>
-                                <p:cTn id="42" presetID="1" presetClass="exit" presetSubtype="0" fill="hold" grpId="1" nodeType="withEffect">
+                                <p:cTn id="28" presetID="1" presetClass="exit" presetSubtype="0" fill="hold" grpId="1" nodeType="withEffect">
                                   <p:stCondLst>
                                     <p:cond delay="0"/>
                                   </p:stCondLst>
                                   <p:childTnLst>
                                     <p:set>
                                       <p:cBhvr>
-                                        <p:cTn id="43" dur="1" fill="hold">
+                                        <p:cTn id="29" dur="1" fill="hold">
                                           <p:stCondLst>
                                             <p:cond delay="0"/>
                                           </p:stCondLst>
@@ -10575,14 +10966,14 @@
                                 </p:cTn>
                               </p:par>
                               <p:par>
-                                <p:cTn id="44" presetID="1" presetClass="exit" presetSubtype="0" fill="hold" grpId="1" nodeType="withEffect">
+                                <p:cTn id="30" presetID="1" presetClass="exit" presetSubtype="0" fill="hold" grpId="1" nodeType="withEffect">
                                   <p:stCondLst>
                                     <p:cond delay="0"/>
                                   </p:stCondLst>
                                   <p:childTnLst>
                                     <p:set>
                                       <p:cBhvr>
-                                        <p:cTn id="45" dur="1" fill="hold">
+                                        <p:cTn id="31" dur="1" fill="hold">
                                           <p:stCondLst>
                                             <p:cond delay="0"/>
                                           </p:stCondLst>
@@ -10602,14 +10993,14 @@
                                 </p:cTn>
                               </p:par>
                               <p:par>
-                                <p:cTn id="46" presetID="1" presetClass="exit" presetSubtype="0" fill="hold" grpId="1" nodeType="withEffect">
+                                <p:cTn id="32" presetID="1" presetClass="exit" presetSubtype="0" fill="hold" grpId="1" nodeType="withEffect">
                                   <p:stCondLst>
                                     <p:cond delay="0"/>
                                   </p:stCondLst>
                                   <p:childTnLst>
                                     <p:set>
                                       <p:cBhvr>
-                                        <p:cTn id="47" dur="1" fill="hold">
+                                        <p:cTn id="33" dur="1" fill="hold">
                                           <p:stCondLst>
                                             <p:cond delay="0"/>
                                           </p:stCondLst>
@@ -10632,20 +11023,20 @@
                           </p:cTn>
                         </p:par>
                         <p:par>
-                          <p:cTn id="48" fill="hold">
+                          <p:cTn id="34" fill="hold">
                             <p:stCondLst>
                               <p:cond delay="0"/>
                             </p:stCondLst>
                             <p:childTnLst>
                               <p:par>
-                                <p:cTn id="49" presetID="22" presetClass="entr" presetSubtype="1" fill="hold" grpId="0" nodeType="afterEffect">
+                                <p:cTn id="35" presetID="22" presetClass="entr" presetSubtype="1" fill="hold" grpId="0" nodeType="afterEffect">
                                   <p:stCondLst>
                                     <p:cond delay="0"/>
                                   </p:stCondLst>
                                   <p:childTnLst>
                                     <p:set>
                                       <p:cBhvr>
-                                        <p:cTn id="50" dur="1" fill="hold">
+                                        <p:cTn id="36" dur="1" fill="hold">
                                           <p:stCondLst>
                                             <p:cond delay="0"/>
                                           </p:stCondLst>
@@ -10663,9 +11054,53 @@
                                     </p:set>
                                     <p:animEffect transition="in" filter="wipe(up)">
                                       <p:cBhvr>
-                                        <p:cTn id="51" dur="500"/>
+                                        <p:cTn id="37" dur="500"/>
                                         <p:tgtEl>
                                           <p:spTgt spid="43"/>
+                                        </p:tgtEl>
+                                      </p:cBhvr>
+                                    </p:animEffect>
+                                  </p:childTnLst>
+                                </p:cTn>
+                              </p:par>
+                            </p:childTnLst>
+                          </p:cTn>
+                        </p:par>
+                        <p:par>
+                          <p:cTn id="38" fill="hold">
+                            <p:stCondLst>
+                              <p:cond delay="500"/>
+                            </p:stCondLst>
+                            <p:childTnLst>
+                              <p:par>
+                                <p:cTn id="39" presetID="22" presetClass="entr" presetSubtype="1" fill="hold" grpId="0" nodeType="afterEffect">
+                                  <p:stCondLst>
+                                    <p:cond delay="0"/>
+                                  </p:stCondLst>
+                                  <p:childTnLst>
+                                    <p:set>
+                                      <p:cBhvr>
+                                        <p:cTn id="40" dur="1" fill="hold">
+                                          <p:stCondLst>
+                                            <p:cond delay="0"/>
+                                          </p:stCondLst>
+                                        </p:cTn>
+                                        <p:tgtEl>
+                                          <p:spTgt spid="44"/>
+                                        </p:tgtEl>
+                                        <p:attrNameLst>
+                                          <p:attrName>style.visibility</p:attrName>
+                                        </p:attrNameLst>
+                                      </p:cBhvr>
+                                      <p:to>
+                                        <p:strVal val="visible"/>
+                                      </p:to>
+                                    </p:set>
+                                    <p:animEffect transition="in" filter="wipe(up)">
+                                      <p:cBhvr>
+                                        <p:cTn id="41" dur="500"/>
+                                        <p:tgtEl>
+                                          <p:spTgt spid="44"/>
                                         </p:tgtEl>
                                       </p:cBhvr>
                                     </p:animEffect>
@@ -10679,26 +11114,123 @@
                     </p:cTn>
                   </p:par>
                   <p:par>
-                    <p:cTn id="52" fill="hold">
+                    <p:cTn id="42" fill="hold">
                       <p:stCondLst>
                         <p:cond delay="indefinite"/>
                       </p:stCondLst>
                       <p:childTnLst>
                         <p:par>
-                          <p:cTn id="53" fill="hold">
+                          <p:cTn id="43" fill="hold">
                             <p:stCondLst>
                               <p:cond delay="0"/>
                             </p:stCondLst>
                             <p:childTnLst>
                               <p:par>
-                                <p:cTn id="54" presetID="1" presetClass="exit" presetSubtype="0" fill="hold" grpId="1" nodeType="clickEffect">
+                                <p:cTn id="44" presetID="22" presetClass="entr" presetSubtype="1" fill="hold" grpId="0" nodeType="clickEffect">
                                   <p:stCondLst>
                                     <p:cond delay="0"/>
                                   </p:stCondLst>
                                   <p:childTnLst>
                                     <p:set>
                                       <p:cBhvr>
-                                        <p:cTn id="55" dur="1" fill="hold">
+                                        <p:cTn id="45" dur="1" fill="hold">
+                                          <p:stCondLst>
+                                            <p:cond delay="0"/>
+                                          </p:stCondLst>
+                                        </p:cTn>
+                                        <p:tgtEl>
+                                          <p:spTgt spid="45"/>
+                                        </p:tgtEl>
+                                        <p:attrNameLst>
+                                          <p:attrName>style.visibility</p:attrName>
+                                        </p:attrNameLst>
+                                      </p:cBhvr>
+                                      <p:to>
+                                        <p:strVal val="visible"/>
+                                      </p:to>
+                                    </p:set>
+                                    <p:animEffect transition="in" filter="wipe(up)">
+                                      <p:cBhvr>
+                                        <p:cTn id="46" dur="500"/>
+                                        <p:tgtEl>
+                                          <p:spTgt spid="45"/>
+                                        </p:tgtEl>
+                                      </p:cBhvr>
+                                    </p:animEffect>
+                                  </p:childTnLst>
+                                </p:cTn>
+                              </p:par>
+                            </p:childTnLst>
+                          </p:cTn>
+                        </p:par>
+                        <p:par>
+                          <p:cTn id="47" fill="hold">
+                            <p:stCondLst>
+                              <p:cond delay="500"/>
+                            </p:stCondLst>
+                            <p:childTnLst>
+                              <p:par>
+                                <p:cTn id="48" presetID="22" presetClass="entr" presetSubtype="1" fill="hold" grpId="0" nodeType="afterEffect">
+                                  <p:stCondLst>
+                                    <p:cond delay="0"/>
+                                  </p:stCondLst>
+                                  <p:childTnLst>
+                                    <p:set>
+                                      <p:cBhvr>
+                                        <p:cTn id="49" dur="1" fill="hold">
+                                          <p:stCondLst>
+                                            <p:cond delay="0"/>
+                                          </p:stCondLst>
+                                        </p:cTn>
+                                        <p:tgtEl>
+                                          <p:spTgt spid="46"/>
+                                        </p:tgtEl>
+                                        <p:attrNameLst>
+                                          <p:attrName>style.visibility</p:attrName>
+                                        </p:attrNameLst>
+                                      </p:cBhvr>
+                                      <p:to>
+                                        <p:strVal val="visible"/>
+                                      </p:to>
+                                    </p:set>
+                                    <p:animEffect transition="in" filter="wipe(up)">
+                                      <p:cBhvr>
+                                        <p:cTn id="50" dur="500"/>
+                                        <p:tgtEl>
+                                          <p:spTgt spid="46"/>
+                                        </p:tgtEl>
+                                      </p:cBhvr>
+                                    </p:animEffect>
+                                  </p:childTnLst>
+                                </p:cTn>
+                              </p:par>
+                            </p:childTnLst>
+                          </p:cTn>
+                        </p:par>
+                      </p:childTnLst>
+                    </p:cTn>
+                  </p:par>
+                  <p:par>
+                    <p:cTn id="51" fill="hold">
+                      <p:stCondLst>
+                        <p:cond delay="indefinite"/>
+                      </p:stCondLst>
+                      <p:childTnLst>
+                        <p:par>
+                          <p:cTn id="52" fill="hold">
+                            <p:stCondLst>
+                              <p:cond delay="0"/>
+                            </p:stCondLst>
+                            <p:childTnLst>
+                              <p:par>
+                                <p:cTn id="53" presetID="1" presetClass="exit" presetSubtype="0" fill="hold" grpId="1" nodeType="clickEffect">
+                                  <p:stCondLst>
+                                    <p:cond delay="0"/>
+                                  </p:stCondLst>
+                                  <p:childTnLst>
+                                    <p:set>
+                                      <p:cBhvr>
+                                        <p:cTn id="54" dur="1" fill="hold">
                                           <p:stCondLst>
                                             <p:cond delay="0"/>
                                           </p:stCondLst>
@@ -10717,30 +11249,57 @@
                                   </p:childTnLst>
                                 </p:cTn>
                               </p:par>
-                            </p:childTnLst>
-                          </p:cTn>
-                        </p:par>
-                        <p:par>
-                          <p:cTn id="56" fill="hold">
-                            <p:stCondLst>
-                              <p:cond delay="0"/>
-                            </p:stCondLst>
-                            <p:childTnLst>
                               <p:par>
-                                <p:cTn id="57" presetID="22" presetClass="entr" presetSubtype="1" fill="hold" grpId="0" nodeType="afterEffect">
+                                <p:cTn id="55" presetID="1" presetClass="exit" presetSubtype="0" fill="hold" grpId="1" nodeType="withEffect">
                                   <p:stCondLst>
                                     <p:cond delay="0"/>
                                   </p:stCondLst>
                                   <p:childTnLst>
                                     <p:set>
                                       <p:cBhvr>
-                                        <p:cTn id="58" dur="1" fill="hold">
+                                        <p:cTn id="56" dur="1" fill="hold">
                                           <p:stCondLst>
                                             <p:cond delay="0"/>
                                           </p:stCondLst>
                                         </p:cTn>
                                         <p:tgtEl>
-                                          <p:spTgt spid="44"/>
+                                          <p:spTgt spid="45"/>
+                                        </p:tgtEl>
+                                        <p:attrNameLst>
+                                          <p:attrName>style.visibility</p:attrName>
+                                        </p:attrNameLst>
+                                      </p:cBhvr>
+                                      <p:to>
+                                        <p:strVal val="hidden"/>
+                                      </p:to>
+                                    </p:set>
+                                  </p:childTnLst>
+                                </p:cTn>
+                              </p:par>
+                            </p:childTnLst>
+                          </p:cTn>
+                        </p:par>
+                        <p:par>
+                          <p:cTn id="57" fill="hold">
+                            <p:stCondLst>
+                              <p:cond delay="0"/>
+                            </p:stCondLst>
+                            <p:childTnLst>
+                              <p:par>
+                                <p:cTn id="58" presetID="22" presetClass="entr" presetSubtype="1" fill="hold" grpId="0" nodeType="afterEffect">
+                                  <p:stCondLst>
+                                    <p:cond delay="0"/>
+                                  </p:stCondLst>
+                                  <p:childTnLst>
+                                    <p:set>
+                                      <p:cBhvr>
+                                        <p:cTn id="59" dur="1" fill="hold">
+                                          <p:stCondLst>
+                                            <p:cond delay="0"/>
+                                          </p:stCondLst>
+                                        </p:cTn>
+                                        <p:tgtEl>
+                                          <p:spTgt spid="2"/>
                                         </p:tgtEl>
                                         <p:attrNameLst>
                                           <p:attrName>style.visibility</p:attrName>
@@ -10752,9 +11311,9 @@
                                     </p:set>
                                     <p:animEffect transition="in" filter="wipe(up)">
                                       <p:cBhvr>
-                                        <p:cTn id="59" dur="500"/>
+                                        <p:cTn id="60" dur="500"/>
                                         <p:tgtEl>
-                                          <p:spTgt spid="44"/>
+                                          <p:spTgt spid="2"/>
                                         </p:tgtEl>
                                       </p:cBhvr>
                                     </p:animEffect>
@@ -10764,23 +11323,14 @@
                             </p:childTnLst>
                           </p:cTn>
                         </p:par>
-                      </p:childTnLst>
-                    </p:cTn>
-                  </p:par>
-                  <p:par>
-                    <p:cTn id="60" fill="hold">
-                      <p:stCondLst>
-                        <p:cond delay="indefinite"/>
-                      </p:stCondLst>
-                      <p:childTnLst>
                         <p:par>
                           <p:cTn id="61" fill="hold">
                             <p:stCondLst>
-                              <p:cond delay="0"/>
+                              <p:cond delay="500"/>
                             </p:stCondLst>
                             <p:childTnLst>
                               <p:par>
-                                <p:cTn id="62" presetID="22" presetClass="entr" presetSubtype="1" fill="hold" grpId="0" nodeType="clickEffect">
+                                <p:cTn id="62" presetID="22" presetClass="entr" presetSubtype="1" fill="hold" grpId="0" nodeType="afterEffect">
                                   <p:stCondLst>
                                     <p:cond delay="0"/>
                                   </p:stCondLst>
@@ -10793,7 +11343,7 @@
                                           </p:stCondLst>
                                         </p:cTn>
                                         <p:tgtEl>
-                                          <p:spTgt spid="45"/>
+                                          <p:spTgt spid="48"/>
                                         </p:tgtEl>
                                         <p:attrNameLst>
                                           <p:attrName>style.visibility</p:attrName>
@@ -10807,7 +11357,7 @@
                                       <p:cBhvr>
                                         <p:cTn id="64" dur="500"/>
                                         <p:tgtEl>
-                                          <p:spTgt spid="45"/>
+                                          <p:spTgt spid="48"/>
                                         </p:tgtEl>
                                       </p:cBhvr>
                                     </p:animEffect>
@@ -10846,7 +11396,34 @@
                                           </p:stCondLst>
                                         </p:cTn>
                                         <p:tgtEl>
-                                          <p:spTgt spid="45"/>
+                                          <p:spTgt spid="44"/>
+                                        </p:tgtEl>
+                                        <p:attrNameLst>
+                                          <p:attrName>style.visibility</p:attrName>
+                                        </p:attrNameLst>
+                                      </p:cBhvr>
+                                      <p:to>
+                                        <p:strVal val="hidden"/>
+                                      </p:to>
+                                    </p:set>
+                                  </p:childTnLst>
+                                </p:cTn>
+                              </p:par>
+                              <p:par>
+                                <p:cTn id="69" presetID="1" presetClass="exit" presetSubtype="0" fill="hold" grpId="1" nodeType="withEffect">
+                                  <p:stCondLst>
+                                    <p:cond delay="0"/>
+                                  </p:stCondLst>
+                                  <p:childTnLst>
+                                    <p:set>
+                                      <p:cBhvr>
+                                        <p:cTn id="70" dur="1" fill="hold">
+                                          <p:stCondLst>
+                                            <p:cond delay="0"/>
+                                          </p:stCondLst>
+                                        </p:cTn>
+                                        <p:tgtEl>
+                                          <p:spTgt spid="46"/>
                                         </p:tgtEl>
                                         <p:attrNameLst>
                                           <p:attrName>style.visibility</p:attrName>
@@ -10863,58 +11440,41 @@
                           </p:cTn>
                         </p:par>
                         <p:par>
-                          <p:cTn id="69" fill="hold">
+                          <p:cTn id="71" fill="hold">
                             <p:stCondLst>
                               <p:cond delay="0"/>
                             </p:stCondLst>
                             <p:childTnLst>
                               <p:par>
-                                <p:cTn id="70" presetID="22" presetClass="entr" presetSubtype="1" fill="hold" grpId="0" nodeType="afterEffect">
+                                <p:cTn id="72" presetID="1" presetClass="exit" presetSubtype="0" fill="hold" grpId="1" nodeType="afterEffect">
                                   <p:stCondLst>
                                     <p:cond delay="0"/>
                                   </p:stCondLst>
                                   <p:childTnLst>
                                     <p:set>
                                       <p:cBhvr>
-                                        <p:cTn id="71" dur="1" fill="hold">
+                                        <p:cTn id="73" dur="1" fill="hold">
                                           <p:stCondLst>
                                             <p:cond delay="0"/>
                                           </p:stCondLst>
                                         </p:cTn>
                                         <p:tgtEl>
-                                          <p:spTgt spid="46"/>
+                                          <p:spTgt spid="2"/>
                                         </p:tgtEl>
                                         <p:attrNameLst>
                                           <p:attrName>style.visibility</p:attrName>
                                         </p:attrNameLst>
                                       </p:cBhvr>
                                       <p:to>
-                                        <p:strVal val="visible"/>
+                                        <p:strVal val="hidden"/>
                                       </p:to>
                                     </p:set>
-                                    <p:animEffect transition="in" filter="wipe(up)">
-                                      <p:cBhvr>
-                                        <p:cTn id="72" dur="500"/>
-                                        <p:tgtEl>
-                                          <p:spTgt spid="46"/>
-                                        </p:tgtEl>
-                                      </p:cBhvr>
-                                    </p:animEffect>
                                   </p:childTnLst>
                                 </p:cTn>
                               </p:par>
                             </p:childTnLst>
                           </p:cTn>
                         </p:par>
-                      </p:childTnLst>
-                    </p:cTn>
-                  </p:par>
-                  <p:par>
-                    <p:cTn id="73" fill="hold">
-                      <p:stCondLst>
-                        <p:cond delay="indefinite"/>
-                      </p:stCondLst>
-                      <p:childTnLst>
                         <p:par>
                           <p:cTn id="74" fill="hold">
                             <p:stCondLst>
@@ -10922,7 +11482,7 @@
                             </p:stCondLst>
                             <p:childTnLst>
                               <p:par>
-                                <p:cTn id="75" presetID="22" presetClass="entr" presetSubtype="1" fill="hold" grpId="0" nodeType="clickEffect">
+                                <p:cTn id="75" presetID="21" presetClass="entr" presetSubtype="1" fill="hold" grpId="0" nodeType="afterEffect">
                                   <p:stCondLst>
                                     <p:cond delay="0"/>
                                   </p:stCondLst>
@@ -10935,7 +11495,7 @@
                                           </p:stCondLst>
                                         </p:cTn>
                                         <p:tgtEl>
-                                          <p:spTgt spid="48"/>
+                                          <p:spTgt spid="38"/>
                                         </p:tgtEl>
                                         <p:attrNameLst>
                                           <p:attrName>style.visibility</p:attrName>
@@ -10945,11 +11505,11 @@
                                         <p:strVal val="visible"/>
                                       </p:to>
                                     </p:set>
-                                    <p:animEffect transition="in" filter="wipe(up)">
+                                    <p:animEffect transition="in" filter="wheel(1)">
                                       <p:cBhvr>
-                                        <p:cTn id="77" dur="500"/>
+                                        <p:cTn id="77" dur="2000"/>
                                         <p:tgtEl>
-                                          <p:spTgt spid="48"/>
+                                          <p:spTgt spid="38"/>
                                         </p:tgtEl>
                                       </p:cBhvr>
                                     </p:animEffect>
@@ -10988,122 +11548,6 @@
                                           </p:stCondLst>
                                         </p:cTn>
                                         <p:tgtEl>
-                                          <p:spTgt spid="44"/>
-                                        </p:tgtEl>
-                                        <p:attrNameLst>
-                                          <p:attrName>style.visibility</p:attrName>
-                                        </p:attrNameLst>
-                                      </p:cBhvr>
-                                      <p:to>
-                                        <p:strVal val="hidden"/>
-                                      </p:to>
-                                    </p:set>
-                                  </p:childTnLst>
-                                </p:cTn>
-                              </p:par>
-                              <p:par>
-                                <p:cTn id="82" presetID="1" presetClass="exit" presetSubtype="0" fill="hold" grpId="1" nodeType="withEffect">
-                                  <p:stCondLst>
-                                    <p:cond delay="0"/>
-                                  </p:stCondLst>
-                                  <p:childTnLst>
-                                    <p:set>
-                                      <p:cBhvr>
-                                        <p:cTn id="83" dur="1" fill="hold">
-                                          <p:stCondLst>
-                                            <p:cond delay="0"/>
-                                          </p:stCondLst>
-                                        </p:cTn>
-                                        <p:tgtEl>
-                                          <p:spTgt spid="46"/>
-                                        </p:tgtEl>
-                                        <p:attrNameLst>
-                                          <p:attrName>style.visibility</p:attrName>
-                                        </p:attrNameLst>
-                                      </p:cBhvr>
-                                      <p:to>
-                                        <p:strVal val="hidden"/>
-                                      </p:to>
-                                    </p:set>
-                                  </p:childTnLst>
-                                </p:cTn>
-                              </p:par>
-                            </p:childTnLst>
-                          </p:cTn>
-                        </p:par>
-                        <p:par>
-                          <p:cTn id="84" fill="hold">
-                            <p:stCondLst>
-                              <p:cond delay="0"/>
-                            </p:stCondLst>
-                            <p:childTnLst>
-                              <p:par>
-                                <p:cTn id="85" presetID="21" presetClass="entr" presetSubtype="1" fill="hold" grpId="0" nodeType="afterEffect">
-                                  <p:stCondLst>
-                                    <p:cond delay="0"/>
-                                  </p:stCondLst>
-                                  <p:childTnLst>
-                                    <p:set>
-                                      <p:cBhvr>
-                                        <p:cTn id="86" dur="1" fill="hold">
-                                          <p:stCondLst>
-                                            <p:cond delay="0"/>
-                                          </p:stCondLst>
-                                        </p:cTn>
-                                        <p:tgtEl>
-                                          <p:spTgt spid="38"/>
-                                        </p:tgtEl>
-                                        <p:attrNameLst>
-                                          <p:attrName>style.visibility</p:attrName>
-                                        </p:attrNameLst>
-                                      </p:cBhvr>
-                                      <p:to>
-                                        <p:strVal val="visible"/>
-                                      </p:to>
-                                    </p:set>
-                                    <p:animEffect transition="in" filter="wheel(1)">
-                                      <p:cBhvr>
-                                        <p:cTn id="87" dur="2000"/>
-                                        <p:tgtEl>
-                                          <p:spTgt spid="38"/>
-                                        </p:tgtEl>
-                                      </p:cBhvr>
-                                    </p:animEffect>
-                                  </p:childTnLst>
-                                </p:cTn>
-                              </p:par>
-                            </p:childTnLst>
-                          </p:cTn>
-                        </p:par>
-                      </p:childTnLst>
-                    </p:cTn>
-                  </p:par>
-                  <p:par>
-                    <p:cTn id="88" fill="hold">
-                      <p:stCondLst>
-                        <p:cond delay="indefinite"/>
-                      </p:stCondLst>
-                      <p:childTnLst>
-                        <p:par>
-                          <p:cTn id="89" fill="hold">
-                            <p:stCondLst>
-                              <p:cond delay="0"/>
-                            </p:stCondLst>
-                            <p:childTnLst>
-                              <p:par>
-                                <p:cTn id="90" presetID="1" presetClass="exit" presetSubtype="0" fill="hold" grpId="1" nodeType="clickEffect">
-                                  <p:stCondLst>
-                                    <p:cond delay="0"/>
-                                  </p:stCondLst>
-                                  <p:childTnLst>
-                                    <p:set>
-                                      <p:cBhvr>
-                                        <p:cTn id="91" dur="1" fill="hold">
-                                          <p:stCondLst>
-                                            <p:cond delay="0"/>
-                                          </p:stCondLst>
-                                        </p:cTn>
-                                        <p:tgtEl>
                                           <p:spTgt spid="38"/>
                                         </p:tgtEl>
                                         <p:attrNameLst>
@@ -11121,20 +11565,20 @@
                           </p:cTn>
                         </p:par>
                         <p:par>
-                          <p:cTn id="92" fill="hold">
+                          <p:cTn id="82" fill="hold">
                             <p:stCondLst>
                               <p:cond delay="0"/>
                             </p:stCondLst>
                             <p:childTnLst>
                               <p:par>
-                                <p:cTn id="93" presetID="53" presetClass="entr" presetSubtype="16" fill="hold" grpId="0" nodeType="afterEffect">
+                                <p:cTn id="83" presetID="53" presetClass="entr" presetSubtype="16" fill="hold" grpId="0" nodeType="afterEffect">
                                   <p:stCondLst>
                                     <p:cond delay="0"/>
                                   </p:stCondLst>
                                   <p:childTnLst>
                                     <p:set>
                                       <p:cBhvr>
-                                        <p:cTn id="94" dur="1" fill="hold">
+                                        <p:cTn id="84" dur="1" fill="hold">
                                           <p:stCondLst>
                                             <p:cond delay="0"/>
                                           </p:stCondLst>
@@ -11152,7 +11596,7 @@
                                     </p:set>
                                     <p:anim calcmode="lin" valueType="num">
                                       <p:cBhvr>
-                                        <p:cTn id="95" dur="500" fill="hold"/>
+                                        <p:cTn id="85" dur="500" fill="hold"/>
                                         <p:tgtEl>
                                           <p:spTgt spid="49"/>
                                         </p:tgtEl>
@@ -11175,7 +11619,7 @@
                                     </p:anim>
                                     <p:anim calcmode="lin" valueType="num">
                                       <p:cBhvr>
-                                        <p:cTn id="96" dur="500" fill="hold"/>
+                                        <p:cTn id="86" dur="500" fill="hold"/>
                                         <p:tgtEl>
                                           <p:spTgt spid="49"/>
                                         </p:tgtEl>
@@ -11198,7 +11642,7 @@
                                     </p:anim>
                                     <p:animEffect transition="in" filter="fade">
                                       <p:cBhvr>
-                                        <p:cTn id="97" dur="500"/>
+                                        <p:cTn id="87" dur="500"/>
                                         <p:tgtEl>
                                           <p:spTgt spid="49"/>
                                         </p:tgtEl>
@@ -11211,20 +11655,102 @@
                           </p:cTn>
                         </p:par>
                         <p:par>
-                          <p:cTn id="98" fill="hold">
+                          <p:cTn id="88" fill="hold">
                             <p:stCondLst>
-                              <p:cond delay="1000"/>
+                              <p:cond delay="500"/>
                             </p:stCondLst>
                             <p:childTnLst>
                               <p:par>
-                                <p:cTn id="99" presetID="1" presetClass="entr" presetSubtype="0" fill="hold" grpId="0" nodeType="afterEffect">
+                                <p:cTn id="89" presetID="2" presetClass="entr" presetSubtype="2" fill="hold" grpId="0" nodeType="afterEffect">
                                   <p:stCondLst>
                                     <p:cond delay="0"/>
                                   </p:stCondLst>
                                   <p:childTnLst>
                                     <p:set>
                                       <p:cBhvr>
-                                        <p:cTn id="100" dur="1" fill="hold">
+                                        <p:cTn id="90" dur="1" fill="hold">
+                                          <p:stCondLst>
+                                            <p:cond delay="0"/>
+                                          </p:stCondLst>
+                                        </p:cTn>
+                                        <p:tgtEl>
+                                          <p:spTgt spid="51"/>
+                                        </p:tgtEl>
+                                        <p:attrNameLst>
+                                          <p:attrName>style.visibility</p:attrName>
+                                        </p:attrNameLst>
+                                      </p:cBhvr>
+                                      <p:to>
+                                        <p:strVal val="visible"/>
+                                      </p:to>
+                                    </p:set>
+                                    <p:anim calcmode="lin" valueType="num">
+                                      <p:cBhvr additive="base">
+                                        <p:cTn id="91" dur="500" fill="hold"/>
+                                        <p:tgtEl>
+                                          <p:spTgt spid="51"/>
+                                        </p:tgtEl>
+                                        <p:attrNameLst>
+                                          <p:attrName>ppt_x</p:attrName>
+                                        </p:attrNameLst>
+                                      </p:cBhvr>
+                                      <p:tavLst>
+                                        <p:tav tm="0">
+                                          <p:val>
+                                            <p:strVal val="1+#ppt_w/2"/>
+                                          </p:val>
+                                        </p:tav>
+                                        <p:tav tm="100000">
+                                          <p:val>
+                                            <p:strVal val="#ppt_x"/>
+                                          </p:val>
+                                        </p:tav>
+                                      </p:tavLst>
+                                    </p:anim>
+                                    <p:anim calcmode="lin" valueType="num">
+                                      <p:cBhvr additive="base">
+                                        <p:cTn id="92" dur="500" fill="hold"/>
+                                        <p:tgtEl>
+                                          <p:spTgt spid="51"/>
+                                        </p:tgtEl>
+                                        <p:attrNameLst>
+                                          <p:attrName>ppt_y</p:attrName>
+                                        </p:attrNameLst>
+                                      </p:cBhvr>
+                                      <p:tavLst>
+                                        <p:tav tm="0">
+                                          <p:val>
+                                            <p:strVal val="#ppt_y"/>
+                                          </p:val>
+                                        </p:tav>
+                                        <p:tav tm="100000">
+                                          <p:val>
+                                            <p:strVal val="#ppt_y"/>
+                                          </p:val>
+                                        </p:tav>
+                                      </p:tavLst>
+                                    </p:anim>
+                                  </p:childTnLst>
+                                </p:cTn>
+                              </p:par>
+                            </p:childTnLst>
+                          </p:cTn>
+                        </p:par>
+                        <p:par>
+                          <p:cTn id="93" fill="hold">
+                            <p:stCondLst>
+                              <p:cond delay="1000"/>
+                            </p:stCondLst>
+                            <p:childTnLst>
+                              <p:par>
+                                <p:cTn id="94" presetID="1" presetClass="entr" presetSubtype="0" fill="hold" grpId="0" nodeType="afterEffect">
+                                  <p:stCondLst>
+                                    <p:cond delay="0"/>
+                                  </p:stCondLst>
+                                  <p:childTnLst>
+                                    <p:set>
+                                      <p:cBhvr>
+                                        <p:cTn id="95" dur="1" fill="hold">
                                           <p:stCondLst>
                                             <p:cond delay="0"/>
                                           </p:stCondLst>
@@ -11293,989 +11819,8 @@
       <p:bldP spid="49" grpId="0" animBg="1"/>
       <p:bldP spid="50" grpId="0"/>
       <p:bldP spid="51" grpId="0" animBg="1"/>
-    </p:bldLst>
-  </p:timing>
-</p:sld>
-</file>
-
-<file path=ppt/slides/slide18.xml><?xml version="1.0" encoding="utf-8"?>
-<p:sld xmlns:a="http://schemas.openxmlformats.org/drawingml/2006/main" xmlns:r="http://schemas.openxmlformats.org/officeDocument/2006/relationships" xmlns:p="http://schemas.openxmlformats.org/presentationml/2006/main">
-  <p:cSld>
-    <p:spTree>
-      <p:nvGrpSpPr>
-        <p:cNvPr id="1" name=""/>
-        <p:cNvGrpSpPr/>
-        <p:nvPr/>
-      </p:nvGrpSpPr>
-      <p:grpSpPr>
-        <a:xfrm>
-          <a:off x="0" y="0"/>
-          <a:ext cx="0" cy="0"/>
-          <a:chOff x="0" y="0"/>
-          <a:chExt cx="0" cy="0"/>
-        </a:xfrm>
-      </p:grpSpPr>
-      <p:sp>
-        <p:nvSpPr>
-          <p:cNvPr id="4" name="Slide Number Placeholder 3"/>
-          <p:cNvSpPr>
-            <a:spLocks noGrp="1"/>
-          </p:cNvSpPr>
-          <p:nvPr>
-            <p:ph type="sldNum" sz="quarter" idx="12"/>
-          </p:nvPr>
-        </p:nvSpPr>
-        <p:spPr/>
-        <p:txBody>
-          <a:bodyPr/>
-          <a:lstStyle/>
-          <a:p>
-            <a:fld id="{650AD656-6FF9-465D-B7B0-1CD0DD39CD23}" type="slidenum">
-              <a:rPr lang="en-US" smtClean="0">
-                <a:solidFill>
-                  <a:prstClr val="black">
-                    <a:tint val="75000"/>
-                  </a:prstClr>
-                </a:solidFill>
-              </a:rPr>
-              <a:pPr/>
-              <a:t>18</a:t>
-            </a:fld>
-            <a:endParaRPr lang="en-US" dirty="0">
-              <a:solidFill>
-                <a:prstClr val="black">
-                  <a:tint val="75000"/>
-                </a:prstClr>
-              </a:solidFill>
-            </a:endParaRPr>
-          </a:p>
-        </p:txBody>
-      </p:sp>
-      <p:pic>
-        <p:nvPicPr>
-          <p:cNvPr id="6" name="Picture 5"/>
-          <p:cNvPicPr>
-            <a:picLocks noChangeAspect="1"/>
-          </p:cNvPicPr>
-          <p:nvPr/>
-        </p:nvPicPr>
-        <p:blipFill>
-          <a:blip r:embed="rId3"/>
-          <a:stretch>
-            <a:fillRect/>
-          </a:stretch>
-        </p:blipFill>
-        <p:spPr>
-          <a:xfrm>
-            <a:off x="991515" y="686257"/>
-            <a:ext cx="7160971" cy="5485487"/>
-          </a:xfrm>
-          <a:prstGeom prst="rect">
-            <a:avLst/>
-          </a:prstGeom>
-        </p:spPr>
-      </p:pic>
-      <p:sp>
-        <p:nvSpPr>
-          <p:cNvPr id="5" name="Rectangle 4"/>
-          <p:cNvSpPr/>
-          <p:nvPr/>
-        </p:nvSpPr>
-        <p:spPr>
-          <a:xfrm>
-            <a:off x="4856007" y="1964044"/>
-            <a:ext cx="1916267" cy="258148"/>
-          </a:xfrm>
-          <a:prstGeom prst="rect">
-            <a:avLst/>
-          </a:prstGeom>
-          <a:noFill/>
-          <a:ln>
-            <a:solidFill>
-              <a:srgbClr val="FF0000"/>
-            </a:solidFill>
-          </a:ln>
-        </p:spPr>
-        <p:style>
-          <a:lnRef idx="2">
-            <a:schemeClr val="accent1">
-              <a:shade val="50000"/>
-            </a:schemeClr>
-          </a:lnRef>
-          <a:fillRef idx="1">
-            <a:schemeClr val="accent1"/>
-          </a:fillRef>
-          <a:effectRef idx="0">
-            <a:schemeClr val="accent1"/>
-          </a:effectRef>
-          <a:fontRef idx="minor">
-            <a:schemeClr val="lt1"/>
-          </a:fontRef>
-        </p:style>
-        <p:txBody>
-          <a:bodyPr rtlCol="0" anchor="ctr"/>
-          <a:lstStyle/>
-          <a:p>
-            <a:pPr algn="ctr"/>
-            <a:endParaRPr lang="en-US" dirty="0"/>
-          </a:p>
-        </p:txBody>
-      </p:sp>
-      <p:sp>
-        <p:nvSpPr>
-          <p:cNvPr id="2" name="Rectangle 1"/>
-          <p:cNvSpPr/>
-          <p:nvPr/>
-        </p:nvSpPr>
-        <p:spPr>
-          <a:xfrm>
-            <a:off x="1644445" y="5855110"/>
-            <a:ext cx="442452" cy="213851"/>
-          </a:xfrm>
-          <a:prstGeom prst="rect">
-            <a:avLst/>
-          </a:prstGeom>
-          <a:noFill/>
-          <a:ln>
-            <a:solidFill>
-              <a:srgbClr val="FF0000"/>
-            </a:solidFill>
-          </a:ln>
-        </p:spPr>
-        <p:style>
-          <a:lnRef idx="2">
-            <a:schemeClr val="accent1">
-              <a:shade val="50000"/>
-            </a:schemeClr>
-          </a:lnRef>
-          <a:fillRef idx="1">
-            <a:schemeClr val="accent1"/>
-          </a:fillRef>
-          <a:effectRef idx="0">
-            <a:schemeClr val="accent1"/>
-          </a:effectRef>
-          <a:fontRef idx="minor">
-            <a:schemeClr val="lt1"/>
-          </a:fontRef>
-        </p:style>
-        <p:txBody>
-          <a:bodyPr rtlCol="0" anchor="ctr"/>
-          <a:lstStyle/>
-          <a:p>
-            <a:pPr algn="ctr"/>
-            <a:endParaRPr lang="en-US"/>
-          </a:p>
-        </p:txBody>
-      </p:sp>
-      <p:sp>
-        <p:nvSpPr>
-          <p:cNvPr id="3" name="Rectangle 2">
-            <a:extLst>
-              <a:ext uri="{FF2B5EF4-FFF2-40B4-BE49-F238E27FC236}">
-                <a16:creationId xmlns:a16="http://schemas.microsoft.com/office/drawing/2014/main" id="{6D6B424C-D58D-4E4C-AF8F-BB7A5125B509}"/>
-              </a:ext>
-            </a:extLst>
-          </p:cNvPr>
-          <p:cNvSpPr/>
-          <p:nvPr/>
-        </p:nvSpPr>
-        <p:spPr>
-          <a:xfrm>
-            <a:off x="6130137" y="3525926"/>
-            <a:ext cx="1726387" cy="190196"/>
-          </a:xfrm>
-          <a:prstGeom prst="rect">
-            <a:avLst/>
-          </a:prstGeom>
-          <a:noFill/>
-          <a:ln w="28575">
-            <a:solidFill>
-              <a:srgbClr val="7030A0"/>
-            </a:solidFill>
-          </a:ln>
-        </p:spPr>
-        <p:style>
-          <a:lnRef idx="2">
-            <a:schemeClr val="accent1">
-              <a:shade val="50000"/>
-            </a:schemeClr>
-          </a:lnRef>
-          <a:fillRef idx="1">
-            <a:schemeClr val="accent1"/>
-          </a:fillRef>
-          <a:effectRef idx="0">
-            <a:schemeClr val="accent1"/>
-          </a:effectRef>
-          <a:fontRef idx="minor">
-            <a:schemeClr val="lt1"/>
-          </a:fontRef>
-        </p:style>
-        <p:txBody>
-          <a:bodyPr rtlCol="0" anchor="ctr"/>
-          <a:lstStyle/>
-          <a:p>
-            <a:pPr algn="ctr"/>
-            <a:endParaRPr lang="en-US"/>
-          </a:p>
-        </p:txBody>
-      </p:sp>
-      <p:sp>
-        <p:nvSpPr>
-          <p:cNvPr id="7" name="Rectangle 6">
-            <a:extLst>
-              <a:ext uri="{FF2B5EF4-FFF2-40B4-BE49-F238E27FC236}">
-                <a16:creationId xmlns:a16="http://schemas.microsoft.com/office/drawing/2014/main" id="{639BAD1E-08D1-4885-AEDF-2B24C64CE799}"/>
-              </a:ext>
-            </a:extLst>
-          </p:cNvPr>
-          <p:cNvSpPr/>
-          <p:nvPr/>
-        </p:nvSpPr>
-        <p:spPr>
-          <a:xfrm>
-            <a:off x="1124257" y="3772205"/>
-            <a:ext cx="6732268" cy="463296"/>
-          </a:xfrm>
-          <a:prstGeom prst="rect">
-            <a:avLst/>
-          </a:prstGeom>
-          <a:noFill/>
-          <a:ln w="28575">
-            <a:solidFill>
-              <a:srgbClr val="7030A0"/>
-            </a:solidFill>
-          </a:ln>
-        </p:spPr>
-        <p:style>
-          <a:lnRef idx="2">
-            <a:schemeClr val="accent1">
-              <a:shade val="50000"/>
-            </a:schemeClr>
-          </a:lnRef>
-          <a:fillRef idx="1">
-            <a:schemeClr val="accent1"/>
-          </a:fillRef>
-          <a:effectRef idx="0">
-            <a:schemeClr val="accent1"/>
-          </a:effectRef>
-          <a:fontRef idx="minor">
-            <a:schemeClr val="lt1"/>
-          </a:fontRef>
-        </p:style>
-        <p:txBody>
-          <a:bodyPr rtlCol="0" anchor="ctr"/>
-          <a:lstStyle/>
-          <a:p>
-            <a:pPr algn="ctr"/>
-            <a:endParaRPr lang="en-US"/>
-          </a:p>
-        </p:txBody>
-      </p:sp>
-      <p:cxnSp>
-        <p:nvCxnSpPr>
-          <p:cNvPr id="9" name="Straight Connector 8">
-            <a:extLst>
-              <a:ext uri="{FF2B5EF4-FFF2-40B4-BE49-F238E27FC236}">
-                <a16:creationId xmlns:a16="http://schemas.microsoft.com/office/drawing/2014/main" id="{493C1341-57D9-4231-A5B7-5594CEC93F28}"/>
-              </a:ext>
-            </a:extLst>
-          </p:cNvPr>
-          <p:cNvCxnSpPr/>
-          <p:nvPr/>
-        </p:nvCxnSpPr>
-        <p:spPr>
-          <a:xfrm>
-            <a:off x="6130137" y="3964838"/>
-            <a:ext cx="1024129" cy="0"/>
-          </a:xfrm>
-          <a:prstGeom prst="line">
-            <a:avLst/>
-          </a:prstGeom>
-          <a:ln w="28575">
-            <a:solidFill>
-              <a:srgbClr val="FF0000"/>
-            </a:solidFill>
-            <a:prstDash val="sysDash"/>
-          </a:ln>
-        </p:spPr>
-        <p:style>
-          <a:lnRef idx="1">
-            <a:schemeClr val="accent1"/>
-          </a:lnRef>
-          <a:fillRef idx="0">
-            <a:schemeClr val="accent1"/>
-          </a:fillRef>
-          <a:effectRef idx="0">
-            <a:schemeClr val="accent1"/>
-          </a:effectRef>
-          <a:fontRef idx="minor">
-            <a:schemeClr val="tx1"/>
-          </a:fontRef>
-        </p:style>
-      </p:cxnSp>
-    </p:spTree>
-    <p:extLst>
-      <p:ext uri="{BB962C8B-B14F-4D97-AF65-F5344CB8AC3E}">
-        <p14:creationId xmlns:p14="http://schemas.microsoft.com/office/powerpoint/2010/main" val="3165219783"/>
-      </p:ext>
-    </p:extLst>
-  </p:cSld>
-  <p:clrMapOvr>
-    <a:masterClrMapping/>
-  </p:clrMapOvr>
-</p:sld>
-</file>
-
-<file path=ppt/slides/slide19.xml><?xml version="1.0" encoding="utf-8"?>
-<p:sld xmlns:a="http://schemas.openxmlformats.org/drawingml/2006/main" xmlns:r="http://schemas.openxmlformats.org/officeDocument/2006/relationships" xmlns:p="http://schemas.openxmlformats.org/presentationml/2006/main">
-  <p:cSld>
-    <p:spTree>
-      <p:nvGrpSpPr>
-        <p:cNvPr id="1" name=""/>
-        <p:cNvGrpSpPr/>
-        <p:nvPr/>
-      </p:nvGrpSpPr>
-      <p:grpSpPr>
-        <a:xfrm>
-          <a:off x="0" y="0"/>
-          <a:ext cx="0" cy="0"/>
-          <a:chOff x="0" y="0"/>
-          <a:chExt cx="0" cy="0"/>
-        </a:xfrm>
-      </p:grpSpPr>
-      <p:pic>
-        <p:nvPicPr>
-          <p:cNvPr id="11" name="Picture 10">
-            <a:extLst>
-              <a:ext uri="{FF2B5EF4-FFF2-40B4-BE49-F238E27FC236}">
-                <a16:creationId xmlns:a16="http://schemas.microsoft.com/office/drawing/2014/main" id="{3325F16B-8533-9583-69B2-FBEFC20DF8E2}"/>
-              </a:ext>
-            </a:extLst>
-          </p:cNvPr>
-          <p:cNvPicPr>
-            <a:picLocks noChangeAspect="1"/>
-          </p:cNvPicPr>
-          <p:nvPr/>
-        </p:nvPicPr>
-        <p:blipFill>
-          <a:blip r:embed="rId2"/>
-          <a:stretch>
-            <a:fillRect/>
-          </a:stretch>
-        </p:blipFill>
-        <p:spPr>
-          <a:xfrm>
-            <a:off x="954468" y="1577273"/>
-            <a:ext cx="7262173" cy="4915601"/>
-          </a:xfrm>
-          <a:prstGeom prst="rect">
-            <a:avLst/>
-          </a:prstGeom>
-          <a:ln>
-            <a:solidFill>
-              <a:schemeClr val="tx1"/>
-            </a:solidFill>
-          </a:ln>
-        </p:spPr>
-      </p:pic>
-      <p:sp>
-        <p:nvSpPr>
-          <p:cNvPr id="2" name="Title 1"/>
-          <p:cNvSpPr>
-            <a:spLocks noGrp="1"/>
-          </p:cNvSpPr>
-          <p:nvPr>
-            <p:ph type="title"/>
-          </p:nvPr>
-        </p:nvSpPr>
-        <p:spPr/>
-        <p:txBody>
-          <a:bodyPr>
-            <a:noAutofit/>
-          </a:bodyPr>
-          <a:lstStyle/>
-          <a:p>
-            <a:pPr algn="ctr"/>
-            <a:r>
-              <a:rPr lang="en-US" sz="3200" b="1" dirty="0">
-                <a:solidFill>
-                  <a:srgbClr val="FF0000"/>
-                </a:solidFill>
-                <a:latin typeface="+mn-lt"/>
-              </a:rPr>
-              <a:t>Edit</a:t>
-            </a:r>
-            <a:r>
-              <a:rPr lang="en-US" sz="3200" dirty="0">
-                <a:latin typeface="+mn-lt"/>
-              </a:rPr>
-              <a:t> then </a:t>
-            </a:r>
-            <a:r>
-              <a:rPr lang="en-US" sz="3200" b="1" dirty="0">
-                <a:solidFill>
-                  <a:srgbClr val="00B050"/>
-                </a:solidFill>
-                <a:latin typeface="+mn-lt"/>
-              </a:rPr>
-              <a:t>Run</a:t>
-            </a:r>
-            <a:r>
-              <a:rPr lang="en-US" sz="3200" dirty="0">
-                <a:latin typeface="+mn-lt"/>
-              </a:rPr>
-              <a:t> basel_series.py</a:t>
-            </a:r>
-          </a:p>
-        </p:txBody>
-      </p:sp>
-      <p:sp>
-        <p:nvSpPr>
-          <p:cNvPr id="3" name="Slide Number Placeholder 2"/>
-          <p:cNvSpPr>
-            <a:spLocks noGrp="1"/>
-          </p:cNvSpPr>
-          <p:nvPr>
-            <p:ph type="sldNum" sz="quarter" idx="12"/>
-          </p:nvPr>
-        </p:nvSpPr>
-        <p:spPr/>
-        <p:txBody>
-          <a:bodyPr/>
-          <a:lstStyle/>
-          <a:p>
-            <a:fld id="{650AD656-6FF9-465D-B7B0-1CD0DD39CD23}" type="slidenum">
-              <a:rPr lang="en-US" smtClean="0"/>
-              <a:t>19</a:t>
-            </a:fld>
-            <a:endParaRPr lang="en-US" dirty="0"/>
-          </a:p>
-        </p:txBody>
-      </p:sp>
-      <p:grpSp>
-        <p:nvGrpSpPr>
-          <p:cNvPr id="6" name="Group 5">
-            <a:extLst>
-              <a:ext uri="{FF2B5EF4-FFF2-40B4-BE49-F238E27FC236}">
-                <a16:creationId xmlns:a16="http://schemas.microsoft.com/office/drawing/2014/main" id="{67DC84A2-AAF3-6620-D03A-7F8132F5A1D2}"/>
-              </a:ext>
-            </a:extLst>
-          </p:cNvPr>
-          <p:cNvGrpSpPr/>
-          <p:nvPr/>
-        </p:nvGrpSpPr>
-        <p:grpSpPr>
-          <a:xfrm>
-            <a:off x="2971316" y="3430148"/>
-            <a:ext cx="1076632" cy="369332"/>
-            <a:chOff x="4968362" y="2079211"/>
-            <a:chExt cx="1076632" cy="369332"/>
-          </a:xfrm>
-        </p:grpSpPr>
-        <p:cxnSp>
-          <p:nvCxnSpPr>
-            <p:cNvPr id="8" name="Straight Arrow Connector 7">
-              <a:extLst>
-                <a:ext uri="{FF2B5EF4-FFF2-40B4-BE49-F238E27FC236}">
-                  <a16:creationId xmlns:a16="http://schemas.microsoft.com/office/drawing/2014/main" id="{43307839-3119-1EC0-8DEA-954CEB15F540}"/>
-                </a:ext>
-              </a:extLst>
-            </p:cNvPr>
-            <p:cNvCxnSpPr>
-              <a:cxnSpLocks/>
-            </p:cNvCxnSpPr>
-            <p:nvPr/>
-          </p:nvCxnSpPr>
-          <p:spPr>
-            <a:xfrm flipH="1">
-              <a:off x="4968362" y="2263877"/>
-              <a:ext cx="693174" cy="0"/>
-            </a:xfrm>
-            <a:prstGeom prst="straightConnector1">
-              <a:avLst/>
-            </a:prstGeom>
-            <a:ln w="38100">
-              <a:solidFill>
-                <a:srgbClr val="FF0000"/>
-              </a:solidFill>
-              <a:tailEnd type="triangle"/>
-            </a:ln>
-          </p:spPr>
-          <p:style>
-            <a:lnRef idx="1">
-              <a:schemeClr val="accent1"/>
-            </a:lnRef>
-            <a:fillRef idx="0">
-              <a:schemeClr val="accent1"/>
-            </a:fillRef>
-            <a:effectRef idx="0">
-              <a:schemeClr val="accent1"/>
-            </a:effectRef>
-            <a:fontRef idx="minor">
-              <a:schemeClr val="tx1"/>
-            </a:fontRef>
-          </p:style>
-        </p:cxnSp>
-        <p:sp>
-          <p:nvSpPr>
-            <p:cNvPr id="9" name="TextBox 8">
-              <a:extLst>
-                <a:ext uri="{FF2B5EF4-FFF2-40B4-BE49-F238E27FC236}">
-                  <a16:creationId xmlns:a16="http://schemas.microsoft.com/office/drawing/2014/main" id="{95EE3C48-5166-6494-2364-AD7B731CCB44}"/>
-                </a:ext>
-              </a:extLst>
-            </p:cNvPr>
-            <p:cNvSpPr txBox="1"/>
-            <p:nvPr/>
-          </p:nvSpPr>
-          <p:spPr>
-            <a:xfrm>
-              <a:off x="5661536" y="2079211"/>
-              <a:ext cx="383458" cy="369332"/>
-            </a:xfrm>
-            <a:prstGeom prst="rect">
-              <a:avLst/>
-            </a:prstGeom>
-            <a:noFill/>
-          </p:spPr>
-          <p:txBody>
-            <a:bodyPr wrap="square" rtlCol="0">
-              <a:spAutoFit/>
-            </a:bodyPr>
-            <a:lstStyle/>
-            <a:p>
-              <a:r>
-                <a:rPr lang="en-US" dirty="0">
-                  <a:ln>
-                    <a:solidFill>
-                      <a:srgbClr val="FF0000"/>
-                    </a:solidFill>
-                  </a:ln>
-                  <a:solidFill>
-                    <a:srgbClr val="FF0000"/>
-                  </a:solidFill>
-                  <a:sym typeface="Wingdings" panose="05000000000000000000" pitchFamily="2" charset="2"/>
-                </a:rPr>
-                <a:t></a:t>
-              </a:r>
-              <a:endParaRPr lang="en-US" dirty="0">
-                <a:ln>
-                  <a:solidFill>
-                    <a:srgbClr val="FF0000"/>
-                  </a:solidFill>
-                </a:ln>
-                <a:solidFill>
-                  <a:srgbClr val="FF0000"/>
-                </a:solidFill>
-              </a:endParaRPr>
-            </a:p>
-          </p:txBody>
-        </p:sp>
-      </p:grpSp>
-      <p:grpSp>
-        <p:nvGrpSpPr>
-          <p:cNvPr id="10" name="Group 9">
-            <a:extLst>
-              <a:ext uri="{FF2B5EF4-FFF2-40B4-BE49-F238E27FC236}">
-                <a16:creationId xmlns:a16="http://schemas.microsoft.com/office/drawing/2014/main" id="{D5560648-9145-39B7-73CD-C597EC48CC4C}"/>
-              </a:ext>
-            </a:extLst>
-          </p:cNvPr>
-          <p:cNvGrpSpPr/>
-          <p:nvPr/>
-        </p:nvGrpSpPr>
-        <p:grpSpPr>
-          <a:xfrm>
-            <a:off x="3298079" y="5678635"/>
-            <a:ext cx="1076632" cy="369332"/>
-            <a:chOff x="4704120" y="2356972"/>
-            <a:chExt cx="1076632" cy="369332"/>
-          </a:xfrm>
-        </p:grpSpPr>
-        <p:cxnSp>
-          <p:nvCxnSpPr>
-            <p:cNvPr id="12" name="Straight Arrow Connector 11">
-              <a:extLst>
-                <a:ext uri="{FF2B5EF4-FFF2-40B4-BE49-F238E27FC236}">
-                  <a16:creationId xmlns:a16="http://schemas.microsoft.com/office/drawing/2014/main" id="{5DC8D91E-B9C2-7D81-34A7-0791C25FB2AF}"/>
-                </a:ext>
-              </a:extLst>
-            </p:cNvPr>
-            <p:cNvCxnSpPr>
-              <a:cxnSpLocks/>
-            </p:cNvCxnSpPr>
-            <p:nvPr/>
-          </p:nvCxnSpPr>
-          <p:spPr>
-            <a:xfrm flipH="1">
-              <a:off x="4704120" y="2541638"/>
-              <a:ext cx="693174" cy="0"/>
-            </a:xfrm>
-            <a:prstGeom prst="straightConnector1">
-              <a:avLst/>
-            </a:prstGeom>
-            <a:ln w="38100">
-              <a:solidFill>
-                <a:srgbClr val="FF0000"/>
-              </a:solidFill>
-              <a:tailEnd type="triangle"/>
-            </a:ln>
-          </p:spPr>
-          <p:style>
-            <a:lnRef idx="1">
-              <a:schemeClr val="accent1"/>
-            </a:lnRef>
-            <a:fillRef idx="0">
-              <a:schemeClr val="accent1"/>
-            </a:fillRef>
-            <a:effectRef idx="0">
-              <a:schemeClr val="accent1"/>
-            </a:effectRef>
-            <a:fontRef idx="minor">
-              <a:schemeClr val="tx1"/>
-            </a:fontRef>
-          </p:style>
-        </p:cxnSp>
-        <p:sp>
-          <p:nvSpPr>
-            <p:cNvPr id="13" name="TextBox 12">
-              <a:extLst>
-                <a:ext uri="{FF2B5EF4-FFF2-40B4-BE49-F238E27FC236}">
-                  <a16:creationId xmlns:a16="http://schemas.microsoft.com/office/drawing/2014/main" id="{8288B584-1D33-9093-4C31-2BE0B79F5FCF}"/>
-                </a:ext>
-              </a:extLst>
-            </p:cNvPr>
-            <p:cNvSpPr txBox="1"/>
-            <p:nvPr/>
-          </p:nvSpPr>
-          <p:spPr>
-            <a:xfrm>
-              <a:off x="5397294" y="2356972"/>
-              <a:ext cx="383458" cy="369332"/>
-            </a:xfrm>
-            <a:prstGeom prst="rect">
-              <a:avLst/>
-            </a:prstGeom>
-            <a:noFill/>
-          </p:spPr>
-          <p:txBody>
-            <a:bodyPr wrap="square" rtlCol="0">
-              <a:spAutoFit/>
-            </a:bodyPr>
-            <a:lstStyle/>
-            <a:p>
-              <a:r>
-                <a:rPr lang="en-US" dirty="0">
-                  <a:ln>
-                    <a:solidFill>
-                      <a:srgbClr val="FF0000"/>
-                    </a:solidFill>
-                  </a:ln>
-                  <a:solidFill>
-                    <a:srgbClr val="FF0000"/>
-                  </a:solidFill>
-                  <a:sym typeface="Wingdings" panose="05000000000000000000" pitchFamily="2" charset="2"/>
-                </a:rPr>
-                <a:t></a:t>
-              </a:r>
-              <a:endParaRPr lang="en-US" dirty="0">
-                <a:ln>
-                  <a:solidFill>
-                    <a:srgbClr val="FF0000"/>
-                  </a:solidFill>
-                </a:ln>
-                <a:solidFill>
-                  <a:srgbClr val="FF0000"/>
-                </a:solidFill>
-              </a:endParaRPr>
-            </a:p>
-          </p:txBody>
-        </p:sp>
-      </p:grpSp>
-      <p:sp>
-        <p:nvSpPr>
-          <p:cNvPr id="23" name="Rectangle 22">
-            <a:extLst>
-              <a:ext uri="{FF2B5EF4-FFF2-40B4-BE49-F238E27FC236}">
-                <a16:creationId xmlns:a16="http://schemas.microsoft.com/office/drawing/2014/main" id="{DAC52C7A-52CF-0159-C17B-8E6CA74F5BB5}"/>
-              </a:ext>
-            </a:extLst>
-          </p:cNvPr>
-          <p:cNvSpPr/>
-          <p:nvPr/>
-        </p:nvSpPr>
-        <p:spPr>
-          <a:xfrm>
-            <a:off x="1102414" y="5805489"/>
-            <a:ext cx="2157517" cy="121441"/>
-          </a:xfrm>
-          <a:prstGeom prst="rect">
-            <a:avLst/>
-          </a:prstGeom>
-          <a:noFill/>
-          <a:ln>
-            <a:solidFill>
-              <a:srgbClr val="FF0000"/>
-            </a:solidFill>
-          </a:ln>
-        </p:spPr>
-        <p:style>
-          <a:lnRef idx="2">
-            <a:schemeClr val="accent1">
-              <a:shade val="50000"/>
-            </a:schemeClr>
-          </a:lnRef>
-          <a:fillRef idx="1">
-            <a:schemeClr val="accent1"/>
-          </a:fillRef>
-          <a:effectRef idx="0">
-            <a:schemeClr val="accent1"/>
-          </a:effectRef>
-          <a:fontRef idx="minor">
-            <a:schemeClr val="lt1"/>
-          </a:fontRef>
-        </p:style>
-        <p:txBody>
-          <a:bodyPr rtlCol="0" anchor="ctr"/>
-          <a:lstStyle/>
-          <a:p>
-            <a:pPr algn="ctr"/>
-            <a:endParaRPr lang="en-US" dirty="0"/>
-          </a:p>
-        </p:txBody>
-      </p:sp>
-    </p:spTree>
-    <p:extLst>
-      <p:ext uri="{BB962C8B-B14F-4D97-AF65-F5344CB8AC3E}">
-        <p14:creationId xmlns:p14="http://schemas.microsoft.com/office/powerpoint/2010/main" val="3690282027"/>
-      </p:ext>
-    </p:extLst>
-  </p:cSld>
-  <p:clrMapOvr>
-    <a:masterClrMapping/>
-  </p:clrMapOvr>
-  <p:timing>
-    <p:tnLst>
-      <p:par>
-        <p:cTn id="1" dur="indefinite" restart="never" nodeType="tmRoot">
-          <p:childTnLst>
-            <p:seq concurrent="1" nextAc="seek">
-              <p:cTn id="2" dur="indefinite" nodeType="mainSeq">
-                <p:childTnLst>
-                  <p:par>
-                    <p:cTn id="3" fill="hold">
-                      <p:stCondLst>
-                        <p:cond delay="indefinite"/>
-                        <p:cond evt="onBegin" delay="0">
-                          <p:tn val="2"/>
-                        </p:cond>
-                      </p:stCondLst>
-                      <p:childTnLst>
-                        <p:par>
-                          <p:cTn id="4" fill="hold">
-                            <p:stCondLst>
-                              <p:cond delay="0"/>
-                            </p:stCondLst>
-                            <p:childTnLst>
-                              <p:par>
-                                <p:cTn id="5" presetID="22" presetClass="entr" presetSubtype="2" fill="hold" nodeType="afterEffect">
-                                  <p:stCondLst>
-                                    <p:cond delay="0"/>
-                                  </p:stCondLst>
-                                  <p:childTnLst>
-                                    <p:set>
-                                      <p:cBhvr>
-                                        <p:cTn id="6" dur="1" fill="hold">
-                                          <p:stCondLst>
-                                            <p:cond delay="0"/>
-                                          </p:stCondLst>
-                                        </p:cTn>
-                                        <p:tgtEl>
-                                          <p:spTgt spid="6"/>
-                                        </p:tgtEl>
-                                        <p:attrNameLst>
-                                          <p:attrName>style.visibility</p:attrName>
-                                        </p:attrNameLst>
-                                      </p:cBhvr>
-                                      <p:to>
-                                        <p:strVal val="visible"/>
-                                      </p:to>
-                                    </p:set>
-                                    <p:animEffect transition="in" filter="wipe(right)">
-                                      <p:cBhvr>
-                                        <p:cTn id="7" dur="500"/>
-                                        <p:tgtEl>
-                                          <p:spTgt spid="6"/>
-                                        </p:tgtEl>
-                                      </p:cBhvr>
-                                    </p:animEffect>
-                                  </p:childTnLst>
-                                </p:cTn>
-                              </p:par>
-                            </p:childTnLst>
-                          </p:cTn>
-                        </p:par>
-                      </p:childTnLst>
-                    </p:cTn>
-                  </p:par>
-                  <p:par>
-                    <p:cTn id="8" fill="hold">
-                      <p:stCondLst>
-                        <p:cond delay="indefinite"/>
-                      </p:stCondLst>
-                      <p:childTnLst>
-                        <p:par>
-                          <p:cTn id="9" fill="hold">
-                            <p:stCondLst>
-                              <p:cond delay="0"/>
-                            </p:stCondLst>
-                            <p:childTnLst>
-                              <p:par>
-                                <p:cTn id="10" presetID="22" presetClass="entr" presetSubtype="2" fill="hold" nodeType="clickEffect">
-                                  <p:stCondLst>
-                                    <p:cond delay="0"/>
-                                  </p:stCondLst>
-                                  <p:childTnLst>
-                                    <p:set>
-                                      <p:cBhvr>
-                                        <p:cTn id="11" dur="1" fill="hold">
-                                          <p:stCondLst>
-                                            <p:cond delay="0"/>
-                                          </p:stCondLst>
-                                        </p:cTn>
-                                        <p:tgtEl>
-                                          <p:spTgt spid="10"/>
-                                        </p:tgtEl>
-                                        <p:attrNameLst>
-                                          <p:attrName>style.visibility</p:attrName>
-                                        </p:attrNameLst>
-                                      </p:cBhvr>
-                                      <p:to>
-                                        <p:strVal val="visible"/>
-                                      </p:to>
-                                    </p:set>
-                                    <p:animEffect transition="in" filter="wipe(right)">
-                                      <p:cBhvr>
-                                        <p:cTn id="12" dur="500"/>
-                                        <p:tgtEl>
-                                          <p:spTgt spid="10"/>
-                                        </p:tgtEl>
-                                      </p:cBhvr>
-                                    </p:animEffect>
-                                  </p:childTnLst>
-                                </p:cTn>
-                              </p:par>
-                            </p:childTnLst>
-                          </p:cTn>
-                        </p:par>
-                        <p:par>
-                          <p:cTn id="13" fill="hold">
-                            <p:stCondLst>
-                              <p:cond delay="500"/>
-                            </p:stCondLst>
-                            <p:childTnLst>
-                              <p:par>
-                                <p:cTn id="14" presetID="2" presetClass="entr" presetSubtype="8" fill="hold" grpId="0" nodeType="afterEffect">
-                                  <p:stCondLst>
-                                    <p:cond delay="0"/>
-                                  </p:stCondLst>
-                                  <p:childTnLst>
-                                    <p:set>
-                                      <p:cBhvr>
-                                        <p:cTn id="15" dur="1" fill="hold">
-                                          <p:stCondLst>
-                                            <p:cond delay="0"/>
-                                          </p:stCondLst>
-                                        </p:cTn>
-                                        <p:tgtEl>
-                                          <p:spTgt spid="23"/>
-                                        </p:tgtEl>
-                                        <p:attrNameLst>
-                                          <p:attrName>style.visibility</p:attrName>
-                                        </p:attrNameLst>
-                                      </p:cBhvr>
-                                      <p:to>
-                                        <p:strVal val="visible"/>
-                                      </p:to>
-                                    </p:set>
-                                    <p:anim calcmode="lin" valueType="num">
-                                      <p:cBhvr additive="base">
-                                        <p:cTn id="16" dur="500" fill="hold"/>
-                                        <p:tgtEl>
-                                          <p:spTgt spid="23"/>
-                                        </p:tgtEl>
-                                        <p:attrNameLst>
-                                          <p:attrName>ppt_x</p:attrName>
-                                        </p:attrNameLst>
-                                      </p:cBhvr>
-                                      <p:tavLst>
-                                        <p:tav tm="0">
-                                          <p:val>
-                                            <p:strVal val="0-#ppt_w/2"/>
-                                          </p:val>
-                                        </p:tav>
-                                        <p:tav tm="100000">
-                                          <p:val>
-                                            <p:strVal val="#ppt_x"/>
-                                          </p:val>
-                                        </p:tav>
-                                      </p:tavLst>
-                                    </p:anim>
-                                    <p:anim calcmode="lin" valueType="num">
-                                      <p:cBhvr additive="base">
-                                        <p:cTn id="17" dur="500" fill="hold"/>
-                                        <p:tgtEl>
-                                          <p:spTgt spid="23"/>
-                                        </p:tgtEl>
-                                        <p:attrNameLst>
-                                          <p:attrName>ppt_y</p:attrName>
-                                        </p:attrNameLst>
-                                      </p:cBhvr>
-                                      <p:tavLst>
-                                        <p:tav tm="0">
-                                          <p:val>
-                                            <p:strVal val="#ppt_y"/>
-                                          </p:val>
-                                        </p:tav>
-                                        <p:tav tm="100000">
-                                          <p:val>
-                                            <p:strVal val="#ppt_y"/>
-                                          </p:val>
-                                        </p:tav>
-                                      </p:tavLst>
-                                    </p:anim>
-                                  </p:childTnLst>
-                                </p:cTn>
-                              </p:par>
-                            </p:childTnLst>
-                          </p:cTn>
-                        </p:par>
-                      </p:childTnLst>
-                    </p:cTn>
-                  </p:par>
-                </p:childTnLst>
-              </p:cTn>
-              <p:prevCondLst>
-                <p:cond evt="onPrev" delay="0">
-                  <p:tgtEl>
-                    <p:sldTgt/>
-                  </p:tgtEl>
-                </p:cond>
-              </p:prevCondLst>
-              <p:nextCondLst>
-                <p:cond evt="onNext" delay="0">
-                  <p:tgtEl>
-                    <p:sldTgt/>
-                  </p:tgtEl>
-                </p:cond>
-              </p:nextCondLst>
-            </p:seq>
-          </p:childTnLst>
-        </p:cTn>
-      </p:par>
-    </p:tnLst>
-    <p:bldLst>
-      <p:bldP spid="23" grpId="0" animBg="1"/>
+      <p:bldP spid="2" grpId="0" animBg="1"/>
+      <p:bldP spid="2" grpId="1" animBg="1"/>
     </p:bldLst>
   </p:timing>
 </p:sld>
@@ -13050,12 +12595,990 @@
           <a:chExt cx="0" cy="0"/>
         </a:xfrm>
       </p:grpSpPr>
+      <p:sp>
+        <p:nvSpPr>
+          <p:cNvPr id="4" name="Slide Number Placeholder 3"/>
+          <p:cNvSpPr>
+            <a:spLocks noGrp="1"/>
+          </p:cNvSpPr>
+          <p:nvPr>
+            <p:ph type="sldNum" sz="quarter" idx="12"/>
+          </p:nvPr>
+        </p:nvSpPr>
+        <p:spPr/>
+        <p:txBody>
+          <a:bodyPr/>
+          <a:lstStyle/>
+          <a:p>
+            <a:fld id="{650AD656-6FF9-465D-B7B0-1CD0DD39CD23}" type="slidenum">
+              <a:rPr lang="en-US" smtClean="0">
+                <a:solidFill>
+                  <a:prstClr val="black">
+                    <a:tint val="75000"/>
+                  </a:prstClr>
+                </a:solidFill>
+              </a:rPr>
+              <a:pPr/>
+              <a:t>20</a:t>
+            </a:fld>
+            <a:endParaRPr lang="en-US" dirty="0">
+              <a:solidFill>
+                <a:prstClr val="black">
+                  <a:tint val="75000"/>
+                </a:prstClr>
+              </a:solidFill>
+            </a:endParaRPr>
+          </a:p>
+        </p:txBody>
+      </p:sp>
       <p:pic>
         <p:nvPicPr>
-          <p:cNvPr id="8" name="Picture 7">
+          <p:cNvPr id="6" name="Picture 5"/>
+          <p:cNvPicPr>
+            <a:picLocks noChangeAspect="1"/>
+          </p:cNvPicPr>
+          <p:nvPr/>
+        </p:nvPicPr>
+        <p:blipFill>
+          <a:blip r:embed="rId3"/>
+          <a:stretch>
+            <a:fillRect/>
+          </a:stretch>
+        </p:blipFill>
+        <p:spPr>
+          <a:xfrm>
+            <a:off x="991515" y="686257"/>
+            <a:ext cx="7160971" cy="5485487"/>
+          </a:xfrm>
+          <a:prstGeom prst="rect">
+            <a:avLst/>
+          </a:prstGeom>
+        </p:spPr>
+      </p:pic>
+      <p:sp>
+        <p:nvSpPr>
+          <p:cNvPr id="5" name="Rectangle 4"/>
+          <p:cNvSpPr/>
+          <p:nvPr/>
+        </p:nvSpPr>
+        <p:spPr>
+          <a:xfrm>
+            <a:off x="4856007" y="1964044"/>
+            <a:ext cx="1916267" cy="258148"/>
+          </a:xfrm>
+          <a:prstGeom prst="rect">
+            <a:avLst/>
+          </a:prstGeom>
+          <a:noFill/>
+          <a:ln>
+            <a:solidFill>
+              <a:srgbClr val="FF0000"/>
+            </a:solidFill>
+          </a:ln>
+        </p:spPr>
+        <p:style>
+          <a:lnRef idx="2">
+            <a:schemeClr val="accent1">
+              <a:shade val="50000"/>
+            </a:schemeClr>
+          </a:lnRef>
+          <a:fillRef idx="1">
+            <a:schemeClr val="accent1"/>
+          </a:fillRef>
+          <a:effectRef idx="0">
+            <a:schemeClr val="accent1"/>
+          </a:effectRef>
+          <a:fontRef idx="minor">
+            <a:schemeClr val="lt1"/>
+          </a:fontRef>
+        </p:style>
+        <p:txBody>
+          <a:bodyPr rtlCol="0" anchor="ctr"/>
+          <a:lstStyle/>
+          <a:p>
+            <a:pPr algn="ctr"/>
+            <a:endParaRPr lang="en-US" dirty="0"/>
+          </a:p>
+        </p:txBody>
+      </p:sp>
+      <p:sp>
+        <p:nvSpPr>
+          <p:cNvPr id="2" name="Rectangle 1"/>
+          <p:cNvSpPr/>
+          <p:nvPr/>
+        </p:nvSpPr>
+        <p:spPr>
+          <a:xfrm>
+            <a:off x="1644445" y="5855110"/>
+            <a:ext cx="442452" cy="213851"/>
+          </a:xfrm>
+          <a:prstGeom prst="rect">
+            <a:avLst/>
+          </a:prstGeom>
+          <a:noFill/>
+          <a:ln>
+            <a:solidFill>
+              <a:srgbClr val="FF0000"/>
+            </a:solidFill>
+          </a:ln>
+        </p:spPr>
+        <p:style>
+          <a:lnRef idx="2">
+            <a:schemeClr val="accent1">
+              <a:shade val="50000"/>
+            </a:schemeClr>
+          </a:lnRef>
+          <a:fillRef idx="1">
+            <a:schemeClr val="accent1"/>
+          </a:fillRef>
+          <a:effectRef idx="0">
+            <a:schemeClr val="accent1"/>
+          </a:effectRef>
+          <a:fontRef idx="minor">
+            <a:schemeClr val="lt1"/>
+          </a:fontRef>
+        </p:style>
+        <p:txBody>
+          <a:bodyPr rtlCol="0" anchor="ctr"/>
+          <a:lstStyle/>
+          <a:p>
+            <a:pPr algn="ctr"/>
+            <a:endParaRPr lang="en-US"/>
+          </a:p>
+        </p:txBody>
+      </p:sp>
+      <p:sp>
+        <p:nvSpPr>
+          <p:cNvPr id="3" name="Rectangle 2">
             <a:extLst>
               <a:ext uri="{FF2B5EF4-FFF2-40B4-BE49-F238E27FC236}">
-                <a16:creationId xmlns:a16="http://schemas.microsoft.com/office/drawing/2014/main" id="{0BA431C4-5945-E0DD-4BFF-E715D575391E}"/>
+                <a16:creationId xmlns:a16="http://schemas.microsoft.com/office/drawing/2014/main" id="{6D6B424C-D58D-4E4C-AF8F-BB7A5125B509}"/>
+              </a:ext>
+            </a:extLst>
+          </p:cNvPr>
+          <p:cNvSpPr/>
+          <p:nvPr/>
+        </p:nvSpPr>
+        <p:spPr>
+          <a:xfrm>
+            <a:off x="6130137" y="3525926"/>
+            <a:ext cx="1726387" cy="190196"/>
+          </a:xfrm>
+          <a:prstGeom prst="rect">
+            <a:avLst/>
+          </a:prstGeom>
+          <a:noFill/>
+          <a:ln w="28575">
+            <a:solidFill>
+              <a:srgbClr val="7030A0"/>
+            </a:solidFill>
+          </a:ln>
+        </p:spPr>
+        <p:style>
+          <a:lnRef idx="2">
+            <a:schemeClr val="accent1">
+              <a:shade val="50000"/>
+            </a:schemeClr>
+          </a:lnRef>
+          <a:fillRef idx="1">
+            <a:schemeClr val="accent1"/>
+          </a:fillRef>
+          <a:effectRef idx="0">
+            <a:schemeClr val="accent1"/>
+          </a:effectRef>
+          <a:fontRef idx="minor">
+            <a:schemeClr val="lt1"/>
+          </a:fontRef>
+        </p:style>
+        <p:txBody>
+          <a:bodyPr rtlCol="0" anchor="ctr"/>
+          <a:lstStyle/>
+          <a:p>
+            <a:pPr algn="ctr"/>
+            <a:endParaRPr lang="en-US"/>
+          </a:p>
+        </p:txBody>
+      </p:sp>
+      <p:sp>
+        <p:nvSpPr>
+          <p:cNvPr id="7" name="Rectangle 6">
+            <a:extLst>
+              <a:ext uri="{FF2B5EF4-FFF2-40B4-BE49-F238E27FC236}">
+                <a16:creationId xmlns:a16="http://schemas.microsoft.com/office/drawing/2014/main" id="{639BAD1E-08D1-4885-AEDF-2B24C64CE799}"/>
+              </a:ext>
+            </a:extLst>
+          </p:cNvPr>
+          <p:cNvSpPr/>
+          <p:nvPr/>
+        </p:nvSpPr>
+        <p:spPr>
+          <a:xfrm>
+            <a:off x="1124257" y="3772205"/>
+            <a:ext cx="6732268" cy="463296"/>
+          </a:xfrm>
+          <a:prstGeom prst="rect">
+            <a:avLst/>
+          </a:prstGeom>
+          <a:noFill/>
+          <a:ln w="28575">
+            <a:solidFill>
+              <a:srgbClr val="7030A0"/>
+            </a:solidFill>
+          </a:ln>
+        </p:spPr>
+        <p:style>
+          <a:lnRef idx="2">
+            <a:schemeClr val="accent1">
+              <a:shade val="50000"/>
+            </a:schemeClr>
+          </a:lnRef>
+          <a:fillRef idx="1">
+            <a:schemeClr val="accent1"/>
+          </a:fillRef>
+          <a:effectRef idx="0">
+            <a:schemeClr val="accent1"/>
+          </a:effectRef>
+          <a:fontRef idx="minor">
+            <a:schemeClr val="lt1"/>
+          </a:fontRef>
+        </p:style>
+        <p:txBody>
+          <a:bodyPr rtlCol="0" anchor="ctr"/>
+          <a:lstStyle/>
+          <a:p>
+            <a:pPr algn="ctr"/>
+            <a:endParaRPr lang="en-US"/>
+          </a:p>
+        </p:txBody>
+      </p:sp>
+      <p:cxnSp>
+        <p:nvCxnSpPr>
+          <p:cNvPr id="9" name="Straight Connector 8">
+            <a:extLst>
+              <a:ext uri="{FF2B5EF4-FFF2-40B4-BE49-F238E27FC236}">
+                <a16:creationId xmlns:a16="http://schemas.microsoft.com/office/drawing/2014/main" id="{493C1341-57D9-4231-A5B7-5594CEC93F28}"/>
+              </a:ext>
+            </a:extLst>
+          </p:cNvPr>
+          <p:cNvCxnSpPr/>
+          <p:nvPr/>
+        </p:nvCxnSpPr>
+        <p:spPr>
+          <a:xfrm>
+            <a:off x="6130137" y="3964838"/>
+            <a:ext cx="1024129" cy="0"/>
+          </a:xfrm>
+          <a:prstGeom prst="line">
+            <a:avLst/>
+          </a:prstGeom>
+          <a:ln w="28575">
+            <a:solidFill>
+              <a:srgbClr val="FF0000"/>
+            </a:solidFill>
+            <a:prstDash val="sysDash"/>
+          </a:ln>
+        </p:spPr>
+        <p:style>
+          <a:lnRef idx="1">
+            <a:schemeClr val="accent1"/>
+          </a:lnRef>
+          <a:fillRef idx="0">
+            <a:schemeClr val="accent1"/>
+          </a:fillRef>
+          <a:effectRef idx="0">
+            <a:schemeClr val="accent1"/>
+          </a:effectRef>
+          <a:fontRef idx="minor">
+            <a:schemeClr val="tx1"/>
+          </a:fontRef>
+        </p:style>
+      </p:cxnSp>
+    </p:spTree>
+    <p:extLst>
+      <p:ext uri="{BB962C8B-B14F-4D97-AF65-F5344CB8AC3E}">
+        <p14:creationId xmlns:p14="http://schemas.microsoft.com/office/powerpoint/2010/main" val="3165219783"/>
+      </p:ext>
+    </p:extLst>
+  </p:cSld>
+  <p:clrMapOvr>
+    <a:masterClrMapping/>
+  </p:clrMapOvr>
+</p:sld>
+</file>
+
+<file path=ppt/slides/slide21.xml><?xml version="1.0" encoding="utf-8"?>
+<p:sld xmlns:a="http://schemas.openxmlformats.org/drawingml/2006/main" xmlns:r="http://schemas.openxmlformats.org/officeDocument/2006/relationships" xmlns:p="http://schemas.openxmlformats.org/presentationml/2006/main">
+  <p:cSld>
+    <p:spTree>
+      <p:nvGrpSpPr>
+        <p:cNvPr id="1" name=""/>
+        <p:cNvGrpSpPr/>
+        <p:nvPr/>
+      </p:nvGrpSpPr>
+      <p:grpSpPr>
+        <a:xfrm>
+          <a:off x="0" y="0"/>
+          <a:ext cx="0" cy="0"/>
+          <a:chOff x="0" y="0"/>
+          <a:chExt cx="0" cy="0"/>
+        </a:xfrm>
+      </p:grpSpPr>
+      <p:pic>
+        <p:nvPicPr>
+          <p:cNvPr id="15" name="Picture 14">
+            <a:extLst>
+              <a:ext uri="{FF2B5EF4-FFF2-40B4-BE49-F238E27FC236}">
+                <a16:creationId xmlns:a16="http://schemas.microsoft.com/office/drawing/2014/main" id="{F64E4A8F-BD38-CB46-DBE9-1265D5A3C619}"/>
+              </a:ext>
+            </a:extLst>
+          </p:cNvPr>
+          <p:cNvPicPr>
+            <a:picLocks noChangeAspect="1"/>
+          </p:cNvPicPr>
+          <p:nvPr/>
+        </p:nvPicPr>
+        <p:blipFill>
+          <a:blip r:embed="rId2"/>
+          <a:stretch>
+            <a:fillRect/>
+          </a:stretch>
+        </p:blipFill>
+        <p:spPr>
+          <a:xfrm>
+            <a:off x="1035974" y="1546055"/>
+            <a:ext cx="7099722" cy="4978416"/>
+          </a:xfrm>
+          <a:prstGeom prst="rect">
+            <a:avLst/>
+          </a:prstGeom>
+        </p:spPr>
+      </p:pic>
+      <p:sp>
+        <p:nvSpPr>
+          <p:cNvPr id="2" name="Title 1"/>
+          <p:cNvSpPr>
+            <a:spLocks noGrp="1"/>
+          </p:cNvSpPr>
+          <p:nvPr>
+            <p:ph type="title"/>
+          </p:nvPr>
+        </p:nvSpPr>
+        <p:spPr/>
+        <p:txBody>
+          <a:bodyPr>
+            <a:noAutofit/>
+          </a:bodyPr>
+          <a:lstStyle/>
+          <a:p>
+            <a:pPr algn="ctr"/>
+            <a:r>
+              <a:rPr lang="en-US" sz="3200" b="1" dirty="0">
+                <a:solidFill>
+                  <a:srgbClr val="FF0000"/>
+                </a:solidFill>
+                <a:latin typeface="+mn-lt"/>
+              </a:rPr>
+              <a:t>Edit</a:t>
+            </a:r>
+            <a:r>
+              <a:rPr lang="en-US" sz="3200" dirty="0">
+                <a:latin typeface="+mn-lt"/>
+              </a:rPr>
+              <a:t> then </a:t>
+            </a:r>
+            <a:r>
+              <a:rPr lang="en-US" sz="3200" b="1" dirty="0">
+                <a:solidFill>
+                  <a:srgbClr val="00B050"/>
+                </a:solidFill>
+                <a:latin typeface="+mn-lt"/>
+              </a:rPr>
+              <a:t>Run</a:t>
+            </a:r>
+            <a:r>
+              <a:rPr lang="en-US" sz="3200" dirty="0">
+                <a:latin typeface="+mn-lt"/>
+              </a:rPr>
+              <a:t> basel_series.py</a:t>
+            </a:r>
+          </a:p>
+        </p:txBody>
+      </p:sp>
+      <p:sp>
+        <p:nvSpPr>
+          <p:cNvPr id="3" name="Slide Number Placeholder 2"/>
+          <p:cNvSpPr>
+            <a:spLocks noGrp="1"/>
+          </p:cNvSpPr>
+          <p:nvPr>
+            <p:ph type="sldNum" sz="quarter" idx="12"/>
+          </p:nvPr>
+        </p:nvSpPr>
+        <p:spPr/>
+        <p:txBody>
+          <a:bodyPr/>
+          <a:lstStyle/>
+          <a:p>
+            <a:fld id="{650AD656-6FF9-465D-B7B0-1CD0DD39CD23}" type="slidenum">
+              <a:rPr lang="en-US" smtClean="0"/>
+              <a:t>21</a:t>
+            </a:fld>
+            <a:endParaRPr lang="en-US" dirty="0"/>
+          </a:p>
+        </p:txBody>
+      </p:sp>
+      <p:grpSp>
+        <p:nvGrpSpPr>
+          <p:cNvPr id="6" name="Group 5">
+            <a:extLst>
+              <a:ext uri="{FF2B5EF4-FFF2-40B4-BE49-F238E27FC236}">
+                <a16:creationId xmlns:a16="http://schemas.microsoft.com/office/drawing/2014/main" id="{67DC84A2-AAF3-6620-D03A-7F8132F5A1D2}"/>
+              </a:ext>
+            </a:extLst>
+          </p:cNvPr>
+          <p:cNvGrpSpPr/>
+          <p:nvPr/>
+        </p:nvGrpSpPr>
+        <p:grpSpPr>
+          <a:xfrm>
+            <a:off x="3256130" y="3595037"/>
+            <a:ext cx="1076632" cy="369332"/>
+            <a:chOff x="4968362" y="2079211"/>
+            <a:chExt cx="1076632" cy="369332"/>
+          </a:xfrm>
+        </p:grpSpPr>
+        <p:cxnSp>
+          <p:nvCxnSpPr>
+            <p:cNvPr id="8" name="Straight Arrow Connector 7">
+              <a:extLst>
+                <a:ext uri="{FF2B5EF4-FFF2-40B4-BE49-F238E27FC236}">
+                  <a16:creationId xmlns:a16="http://schemas.microsoft.com/office/drawing/2014/main" id="{43307839-3119-1EC0-8DEA-954CEB15F540}"/>
+                </a:ext>
+              </a:extLst>
+            </p:cNvPr>
+            <p:cNvCxnSpPr>
+              <a:cxnSpLocks/>
+            </p:cNvCxnSpPr>
+            <p:nvPr/>
+          </p:nvCxnSpPr>
+          <p:spPr>
+            <a:xfrm flipH="1">
+              <a:off x="4968362" y="2263877"/>
+              <a:ext cx="693174" cy="0"/>
+            </a:xfrm>
+            <a:prstGeom prst="straightConnector1">
+              <a:avLst/>
+            </a:prstGeom>
+            <a:ln w="38100">
+              <a:solidFill>
+                <a:srgbClr val="FF0000"/>
+              </a:solidFill>
+              <a:tailEnd type="triangle"/>
+            </a:ln>
+          </p:spPr>
+          <p:style>
+            <a:lnRef idx="1">
+              <a:schemeClr val="accent1"/>
+            </a:lnRef>
+            <a:fillRef idx="0">
+              <a:schemeClr val="accent1"/>
+            </a:fillRef>
+            <a:effectRef idx="0">
+              <a:schemeClr val="accent1"/>
+            </a:effectRef>
+            <a:fontRef idx="minor">
+              <a:schemeClr val="tx1"/>
+            </a:fontRef>
+          </p:style>
+        </p:cxnSp>
+        <p:sp>
+          <p:nvSpPr>
+            <p:cNvPr id="9" name="TextBox 8">
+              <a:extLst>
+                <a:ext uri="{FF2B5EF4-FFF2-40B4-BE49-F238E27FC236}">
+                  <a16:creationId xmlns:a16="http://schemas.microsoft.com/office/drawing/2014/main" id="{95EE3C48-5166-6494-2364-AD7B731CCB44}"/>
+                </a:ext>
+              </a:extLst>
+            </p:cNvPr>
+            <p:cNvSpPr txBox="1"/>
+            <p:nvPr/>
+          </p:nvSpPr>
+          <p:spPr>
+            <a:xfrm>
+              <a:off x="5661536" y="2079211"/>
+              <a:ext cx="383458" cy="369332"/>
+            </a:xfrm>
+            <a:prstGeom prst="rect">
+              <a:avLst/>
+            </a:prstGeom>
+            <a:noFill/>
+          </p:spPr>
+          <p:txBody>
+            <a:bodyPr wrap="square" rtlCol="0">
+              <a:spAutoFit/>
+            </a:bodyPr>
+            <a:lstStyle/>
+            <a:p>
+              <a:r>
+                <a:rPr lang="en-US" dirty="0">
+                  <a:ln>
+                    <a:solidFill>
+                      <a:srgbClr val="FF0000"/>
+                    </a:solidFill>
+                  </a:ln>
+                  <a:solidFill>
+                    <a:srgbClr val="FF0000"/>
+                  </a:solidFill>
+                  <a:sym typeface="Wingdings" panose="05000000000000000000" pitchFamily="2" charset="2"/>
+                </a:rPr>
+                <a:t></a:t>
+              </a:r>
+              <a:endParaRPr lang="en-US" dirty="0">
+                <a:ln>
+                  <a:solidFill>
+                    <a:srgbClr val="FF0000"/>
+                  </a:solidFill>
+                </a:ln>
+                <a:solidFill>
+                  <a:srgbClr val="FF0000"/>
+                </a:solidFill>
+              </a:endParaRPr>
+            </a:p>
+          </p:txBody>
+        </p:sp>
+      </p:grpSp>
+      <p:grpSp>
+        <p:nvGrpSpPr>
+          <p:cNvPr id="10" name="Group 9">
+            <a:extLst>
+              <a:ext uri="{FF2B5EF4-FFF2-40B4-BE49-F238E27FC236}">
+                <a16:creationId xmlns:a16="http://schemas.microsoft.com/office/drawing/2014/main" id="{D5560648-9145-39B7-73CD-C597EC48CC4C}"/>
+              </a:ext>
+            </a:extLst>
+          </p:cNvPr>
+          <p:cNvGrpSpPr/>
+          <p:nvPr/>
+        </p:nvGrpSpPr>
+        <p:grpSpPr>
+          <a:xfrm>
+            <a:off x="3500076" y="5597237"/>
+            <a:ext cx="1076632" cy="369332"/>
+            <a:chOff x="4704120" y="2356972"/>
+            <a:chExt cx="1076632" cy="369332"/>
+          </a:xfrm>
+        </p:grpSpPr>
+        <p:cxnSp>
+          <p:nvCxnSpPr>
+            <p:cNvPr id="12" name="Straight Arrow Connector 11">
+              <a:extLst>
+                <a:ext uri="{FF2B5EF4-FFF2-40B4-BE49-F238E27FC236}">
+                  <a16:creationId xmlns:a16="http://schemas.microsoft.com/office/drawing/2014/main" id="{5DC8D91E-B9C2-7D81-34A7-0791C25FB2AF}"/>
+                </a:ext>
+              </a:extLst>
+            </p:cNvPr>
+            <p:cNvCxnSpPr>
+              <a:cxnSpLocks/>
+            </p:cNvCxnSpPr>
+            <p:nvPr/>
+          </p:nvCxnSpPr>
+          <p:spPr>
+            <a:xfrm flipH="1">
+              <a:off x="4704120" y="2541638"/>
+              <a:ext cx="693174" cy="0"/>
+            </a:xfrm>
+            <a:prstGeom prst="straightConnector1">
+              <a:avLst/>
+            </a:prstGeom>
+            <a:ln w="38100">
+              <a:solidFill>
+                <a:srgbClr val="FF0000"/>
+              </a:solidFill>
+              <a:tailEnd type="triangle"/>
+            </a:ln>
+          </p:spPr>
+          <p:style>
+            <a:lnRef idx="1">
+              <a:schemeClr val="accent1"/>
+            </a:lnRef>
+            <a:fillRef idx="0">
+              <a:schemeClr val="accent1"/>
+            </a:fillRef>
+            <a:effectRef idx="0">
+              <a:schemeClr val="accent1"/>
+            </a:effectRef>
+            <a:fontRef idx="minor">
+              <a:schemeClr val="tx1"/>
+            </a:fontRef>
+          </p:style>
+        </p:cxnSp>
+        <p:sp>
+          <p:nvSpPr>
+            <p:cNvPr id="13" name="TextBox 12">
+              <a:extLst>
+                <a:ext uri="{FF2B5EF4-FFF2-40B4-BE49-F238E27FC236}">
+                  <a16:creationId xmlns:a16="http://schemas.microsoft.com/office/drawing/2014/main" id="{8288B584-1D33-9093-4C31-2BE0B79F5FCF}"/>
+                </a:ext>
+              </a:extLst>
+            </p:cNvPr>
+            <p:cNvSpPr txBox="1"/>
+            <p:nvPr/>
+          </p:nvSpPr>
+          <p:spPr>
+            <a:xfrm>
+              <a:off x="5397294" y="2356972"/>
+              <a:ext cx="383458" cy="369332"/>
+            </a:xfrm>
+            <a:prstGeom prst="rect">
+              <a:avLst/>
+            </a:prstGeom>
+            <a:noFill/>
+          </p:spPr>
+          <p:txBody>
+            <a:bodyPr wrap="square" rtlCol="0">
+              <a:spAutoFit/>
+            </a:bodyPr>
+            <a:lstStyle/>
+            <a:p>
+              <a:r>
+                <a:rPr lang="en-US" dirty="0">
+                  <a:ln>
+                    <a:solidFill>
+                      <a:srgbClr val="FF0000"/>
+                    </a:solidFill>
+                  </a:ln>
+                  <a:solidFill>
+                    <a:srgbClr val="FF0000"/>
+                  </a:solidFill>
+                  <a:sym typeface="Wingdings" panose="05000000000000000000" pitchFamily="2" charset="2"/>
+                </a:rPr>
+                <a:t></a:t>
+              </a:r>
+              <a:endParaRPr lang="en-US" dirty="0">
+                <a:ln>
+                  <a:solidFill>
+                    <a:srgbClr val="FF0000"/>
+                  </a:solidFill>
+                </a:ln>
+                <a:solidFill>
+                  <a:srgbClr val="FF0000"/>
+                </a:solidFill>
+              </a:endParaRPr>
+            </a:p>
+          </p:txBody>
+        </p:sp>
+      </p:grpSp>
+      <p:sp>
+        <p:nvSpPr>
+          <p:cNvPr id="23" name="Rectangle 22">
+            <a:extLst>
+              <a:ext uri="{FF2B5EF4-FFF2-40B4-BE49-F238E27FC236}">
+                <a16:creationId xmlns:a16="http://schemas.microsoft.com/office/drawing/2014/main" id="{DAC52C7A-52CF-0159-C17B-8E6CA74F5BB5}"/>
+              </a:ext>
+            </a:extLst>
+          </p:cNvPr>
+          <p:cNvSpPr/>
+          <p:nvPr/>
+        </p:nvSpPr>
+        <p:spPr>
+          <a:xfrm>
+            <a:off x="1229829" y="5730876"/>
+            <a:ext cx="2230921" cy="121104"/>
+          </a:xfrm>
+          <a:prstGeom prst="rect">
+            <a:avLst/>
+          </a:prstGeom>
+          <a:noFill/>
+          <a:ln>
+            <a:solidFill>
+              <a:srgbClr val="FF0000"/>
+            </a:solidFill>
+          </a:ln>
+        </p:spPr>
+        <p:style>
+          <a:lnRef idx="2">
+            <a:schemeClr val="accent1">
+              <a:shade val="50000"/>
+            </a:schemeClr>
+          </a:lnRef>
+          <a:fillRef idx="1">
+            <a:schemeClr val="accent1"/>
+          </a:fillRef>
+          <a:effectRef idx="0">
+            <a:schemeClr val="accent1"/>
+          </a:effectRef>
+          <a:fontRef idx="minor">
+            <a:schemeClr val="lt1"/>
+          </a:fontRef>
+        </p:style>
+        <p:txBody>
+          <a:bodyPr rtlCol="0" anchor="ctr"/>
+          <a:lstStyle/>
+          <a:p>
+            <a:pPr algn="ctr"/>
+            <a:endParaRPr lang="en-US" dirty="0"/>
+          </a:p>
+        </p:txBody>
+      </p:sp>
+    </p:spTree>
+    <p:extLst>
+      <p:ext uri="{BB962C8B-B14F-4D97-AF65-F5344CB8AC3E}">
+        <p14:creationId xmlns:p14="http://schemas.microsoft.com/office/powerpoint/2010/main" val="3690282027"/>
+      </p:ext>
+    </p:extLst>
+  </p:cSld>
+  <p:clrMapOvr>
+    <a:masterClrMapping/>
+  </p:clrMapOvr>
+  <p:timing>
+    <p:tnLst>
+      <p:par>
+        <p:cTn id="1" dur="indefinite" restart="never" nodeType="tmRoot">
+          <p:childTnLst>
+            <p:seq concurrent="1" nextAc="seek">
+              <p:cTn id="2" dur="indefinite" nodeType="mainSeq">
+                <p:childTnLst>
+                  <p:par>
+                    <p:cTn id="3" fill="hold">
+                      <p:stCondLst>
+                        <p:cond delay="indefinite"/>
+                        <p:cond evt="onBegin" delay="0">
+                          <p:tn val="2"/>
+                        </p:cond>
+                      </p:stCondLst>
+                      <p:childTnLst>
+                        <p:par>
+                          <p:cTn id="4" fill="hold">
+                            <p:stCondLst>
+                              <p:cond delay="0"/>
+                            </p:stCondLst>
+                            <p:childTnLst>
+                              <p:par>
+                                <p:cTn id="5" presetID="22" presetClass="entr" presetSubtype="2" fill="hold" nodeType="afterEffect">
+                                  <p:stCondLst>
+                                    <p:cond delay="0"/>
+                                  </p:stCondLst>
+                                  <p:childTnLst>
+                                    <p:set>
+                                      <p:cBhvr>
+                                        <p:cTn id="6" dur="1" fill="hold">
+                                          <p:stCondLst>
+                                            <p:cond delay="0"/>
+                                          </p:stCondLst>
+                                        </p:cTn>
+                                        <p:tgtEl>
+                                          <p:spTgt spid="6"/>
+                                        </p:tgtEl>
+                                        <p:attrNameLst>
+                                          <p:attrName>style.visibility</p:attrName>
+                                        </p:attrNameLst>
+                                      </p:cBhvr>
+                                      <p:to>
+                                        <p:strVal val="visible"/>
+                                      </p:to>
+                                    </p:set>
+                                    <p:animEffect transition="in" filter="wipe(right)">
+                                      <p:cBhvr>
+                                        <p:cTn id="7" dur="500"/>
+                                        <p:tgtEl>
+                                          <p:spTgt spid="6"/>
+                                        </p:tgtEl>
+                                      </p:cBhvr>
+                                    </p:animEffect>
+                                  </p:childTnLst>
+                                </p:cTn>
+                              </p:par>
+                            </p:childTnLst>
+                          </p:cTn>
+                        </p:par>
+                      </p:childTnLst>
+                    </p:cTn>
+                  </p:par>
+                  <p:par>
+                    <p:cTn id="8" fill="hold">
+                      <p:stCondLst>
+                        <p:cond delay="indefinite"/>
+                      </p:stCondLst>
+                      <p:childTnLst>
+                        <p:par>
+                          <p:cTn id="9" fill="hold">
+                            <p:stCondLst>
+                              <p:cond delay="0"/>
+                            </p:stCondLst>
+                            <p:childTnLst>
+                              <p:par>
+                                <p:cTn id="10" presetID="2" presetClass="entr" presetSubtype="8" fill="hold" grpId="0" nodeType="clickEffect">
+                                  <p:stCondLst>
+                                    <p:cond delay="0"/>
+                                  </p:stCondLst>
+                                  <p:childTnLst>
+                                    <p:set>
+                                      <p:cBhvr>
+                                        <p:cTn id="11" dur="1" fill="hold">
+                                          <p:stCondLst>
+                                            <p:cond delay="0"/>
+                                          </p:stCondLst>
+                                        </p:cTn>
+                                        <p:tgtEl>
+                                          <p:spTgt spid="23"/>
+                                        </p:tgtEl>
+                                        <p:attrNameLst>
+                                          <p:attrName>style.visibility</p:attrName>
+                                        </p:attrNameLst>
+                                      </p:cBhvr>
+                                      <p:to>
+                                        <p:strVal val="visible"/>
+                                      </p:to>
+                                    </p:set>
+                                    <p:anim calcmode="lin" valueType="num">
+                                      <p:cBhvr additive="base">
+                                        <p:cTn id="12" dur="500" fill="hold"/>
+                                        <p:tgtEl>
+                                          <p:spTgt spid="23"/>
+                                        </p:tgtEl>
+                                        <p:attrNameLst>
+                                          <p:attrName>ppt_x</p:attrName>
+                                        </p:attrNameLst>
+                                      </p:cBhvr>
+                                      <p:tavLst>
+                                        <p:tav tm="0">
+                                          <p:val>
+                                            <p:strVal val="0-#ppt_w/2"/>
+                                          </p:val>
+                                        </p:tav>
+                                        <p:tav tm="100000">
+                                          <p:val>
+                                            <p:strVal val="#ppt_x"/>
+                                          </p:val>
+                                        </p:tav>
+                                      </p:tavLst>
+                                    </p:anim>
+                                    <p:anim calcmode="lin" valueType="num">
+                                      <p:cBhvr additive="base">
+                                        <p:cTn id="13" dur="500" fill="hold"/>
+                                        <p:tgtEl>
+                                          <p:spTgt spid="23"/>
+                                        </p:tgtEl>
+                                        <p:attrNameLst>
+                                          <p:attrName>ppt_y</p:attrName>
+                                        </p:attrNameLst>
+                                      </p:cBhvr>
+                                      <p:tavLst>
+                                        <p:tav tm="0">
+                                          <p:val>
+                                            <p:strVal val="#ppt_y"/>
+                                          </p:val>
+                                        </p:tav>
+                                        <p:tav tm="100000">
+                                          <p:val>
+                                            <p:strVal val="#ppt_y"/>
+                                          </p:val>
+                                        </p:tav>
+                                      </p:tavLst>
+                                    </p:anim>
+                                  </p:childTnLst>
+                                </p:cTn>
+                              </p:par>
+                            </p:childTnLst>
+                          </p:cTn>
+                        </p:par>
+                        <p:par>
+                          <p:cTn id="14" fill="hold">
+                            <p:stCondLst>
+                              <p:cond delay="500"/>
+                            </p:stCondLst>
+                            <p:childTnLst>
+                              <p:par>
+                                <p:cTn id="15" presetID="22" presetClass="entr" presetSubtype="2" fill="hold" nodeType="afterEffect">
+                                  <p:stCondLst>
+                                    <p:cond delay="0"/>
+                                  </p:stCondLst>
+                                  <p:childTnLst>
+                                    <p:set>
+                                      <p:cBhvr>
+                                        <p:cTn id="16" dur="1" fill="hold">
+                                          <p:stCondLst>
+                                            <p:cond delay="0"/>
+                                          </p:stCondLst>
+                                        </p:cTn>
+                                        <p:tgtEl>
+                                          <p:spTgt spid="10"/>
+                                        </p:tgtEl>
+                                        <p:attrNameLst>
+                                          <p:attrName>style.visibility</p:attrName>
+                                        </p:attrNameLst>
+                                      </p:cBhvr>
+                                      <p:to>
+                                        <p:strVal val="visible"/>
+                                      </p:to>
+                                    </p:set>
+                                    <p:animEffect transition="in" filter="wipe(right)">
+                                      <p:cBhvr>
+                                        <p:cTn id="17" dur="500"/>
+                                        <p:tgtEl>
+                                          <p:spTgt spid="10"/>
+                                        </p:tgtEl>
+                                      </p:cBhvr>
+                                    </p:animEffect>
+                                  </p:childTnLst>
+                                </p:cTn>
+                              </p:par>
+                            </p:childTnLst>
+                          </p:cTn>
+                        </p:par>
+                      </p:childTnLst>
+                    </p:cTn>
+                  </p:par>
+                </p:childTnLst>
+              </p:cTn>
+              <p:prevCondLst>
+                <p:cond evt="onPrev" delay="0">
+                  <p:tgtEl>
+                    <p:sldTgt/>
+                  </p:tgtEl>
+                </p:cond>
+              </p:prevCondLst>
+              <p:nextCondLst>
+                <p:cond evt="onNext" delay="0">
+                  <p:tgtEl>
+                    <p:sldTgt/>
+                  </p:tgtEl>
+                </p:cond>
+              </p:nextCondLst>
+            </p:seq>
+          </p:childTnLst>
+        </p:cTn>
+      </p:par>
+    </p:tnLst>
+    <p:bldLst>
+      <p:bldP spid="23" grpId="0" animBg="1"/>
+    </p:bldLst>
+  </p:timing>
+</p:sld>
+</file>
+
+<file path=ppt/slides/slide22.xml><?xml version="1.0" encoding="utf-8"?>
+<p:sld xmlns:a="http://schemas.openxmlformats.org/drawingml/2006/main" xmlns:r="http://schemas.openxmlformats.org/officeDocument/2006/relationships" xmlns:p="http://schemas.openxmlformats.org/presentationml/2006/main">
+  <p:cSld>
+    <p:spTree>
+      <p:nvGrpSpPr>
+        <p:cNvPr id="1" name=""/>
+        <p:cNvGrpSpPr/>
+        <p:nvPr/>
+      </p:nvGrpSpPr>
+      <p:grpSpPr>
+        <a:xfrm>
+          <a:off x="0" y="0"/>
+          <a:ext cx="0" cy="0"/>
+          <a:chOff x="0" y="0"/>
+          <a:chExt cx="0" cy="0"/>
+        </a:xfrm>
+      </p:grpSpPr>
+      <p:pic>
+        <p:nvPicPr>
+          <p:cNvPr id="5" name="Picture 4">
+            <a:extLst>
+              <a:ext uri="{FF2B5EF4-FFF2-40B4-BE49-F238E27FC236}">
+                <a16:creationId xmlns:a16="http://schemas.microsoft.com/office/drawing/2014/main" id="{AB9A9751-E09C-8529-2231-DBD74D2DC429}"/>
               </a:ext>
             </a:extLst>
           </p:cNvPr>
@@ -13072,8 +13595,8 @@
         </p:blipFill>
         <p:spPr>
           <a:xfrm>
-            <a:off x="533068" y="1710192"/>
-            <a:ext cx="5151207" cy="923115"/>
+            <a:off x="533067" y="1710192"/>
+            <a:ext cx="5310911" cy="923115"/>
           </a:xfrm>
           <a:prstGeom prst="rect">
             <a:avLst/>
@@ -13157,7 +13680,7 @@
                 </a:solidFill>
               </a:rPr>
               <a:pPr/>
-              <a:t>20</a:t>
+              <a:t>22</a:t>
             </a:fld>
             <a:endParaRPr lang="en-US" dirty="0">
               <a:solidFill>
@@ -13182,8 +13705,8 @@
           </a:xfrm>
           <a:prstGeom prst="wedgeRoundRectCallout">
             <a:avLst>
-              <a:gd name="adj1" fmla="val -100862"/>
-              <a:gd name="adj2" fmla="val -14303"/>
+              <a:gd name="adj1" fmla="val -84400"/>
+              <a:gd name="adj2" fmla="val -16388"/>
               <a:gd name="adj3" fmla="val 16667"/>
             </a:avLst>
           </a:prstGeom>
@@ -13295,7 +13818,7 @@
         </p:nvSpPr>
         <p:spPr>
           <a:xfrm>
-            <a:off x="2269256" y="2369344"/>
+            <a:off x="2349096" y="2383630"/>
             <a:ext cx="1812207" cy="161925"/>
           </a:xfrm>
           <a:prstGeom prst="rect">
@@ -13504,7 +14027,7 @@
                             </p:stCondLst>
                             <p:childTnLst>
                               <p:par>
-                                <p:cTn id="11" presetID="2" presetClass="entr" presetSubtype="2" fill="hold" nodeType="clickEffect">
+                                <p:cTn id="11" presetID="2" presetClass="entr" presetSubtype="8" fill="hold" grpId="0" nodeType="clickEffect">
                                   <p:stCondLst>
                                     <p:cond delay="0"/>
                                   </p:stCondLst>
@@ -13512,6 +14035,179 @@
                                     <p:set>
                                       <p:cBhvr>
                                         <p:cTn id="12" dur="1" fill="hold">
+                                          <p:stCondLst>
+                                            <p:cond delay="0"/>
+                                          </p:stCondLst>
+                                        </p:cTn>
+                                        <p:tgtEl>
+                                          <p:spTgt spid="11"/>
+                                        </p:tgtEl>
+                                        <p:attrNameLst>
+                                          <p:attrName>style.visibility</p:attrName>
+                                        </p:attrNameLst>
+                                      </p:cBhvr>
+                                      <p:to>
+                                        <p:strVal val="visible"/>
+                                      </p:to>
+                                    </p:set>
+                                    <p:anim calcmode="lin" valueType="num">
+                                      <p:cBhvr additive="base">
+                                        <p:cTn id="13" dur="500" fill="hold"/>
+                                        <p:tgtEl>
+                                          <p:spTgt spid="11"/>
+                                        </p:tgtEl>
+                                        <p:attrNameLst>
+                                          <p:attrName>ppt_x</p:attrName>
+                                        </p:attrNameLst>
+                                      </p:cBhvr>
+                                      <p:tavLst>
+                                        <p:tav tm="0">
+                                          <p:val>
+                                            <p:strVal val="0-#ppt_w/2"/>
+                                          </p:val>
+                                        </p:tav>
+                                        <p:tav tm="100000">
+                                          <p:val>
+                                            <p:strVal val="#ppt_x"/>
+                                          </p:val>
+                                        </p:tav>
+                                      </p:tavLst>
+                                    </p:anim>
+                                    <p:anim calcmode="lin" valueType="num">
+                                      <p:cBhvr additive="base">
+                                        <p:cTn id="14" dur="500" fill="hold"/>
+                                        <p:tgtEl>
+                                          <p:spTgt spid="11"/>
+                                        </p:tgtEl>
+                                        <p:attrNameLst>
+                                          <p:attrName>ppt_y</p:attrName>
+                                        </p:attrNameLst>
+                                      </p:cBhvr>
+                                      <p:tavLst>
+                                        <p:tav tm="0">
+                                          <p:val>
+                                            <p:strVal val="#ppt_y"/>
+                                          </p:val>
+                                        </p:tav>
+                                        <p:tav tm="100000">
+                                          <p:val>
+                                            <p:strVal val="#ppt_y"/>
+                                          </p:val>
+                                        </p:tav>
+                                      </p:tavLst>
+                                    </p:anim>
+                                  </p:childTnLst>
+                                </p:cTn>
+                              </p:par>
+                            </p:childTnLst>
+                          </p:cTn>
+                        </p:par>
+                      </p:childTnLst>
+                    </p:cTn>
+                  </p:par>
+                  <p:par>
+                    <p:cTn id="15" fill="hold">
+                      <p:stCondLst>
+                        <p:cond delay="indefinite"/>
+                      </p:stCondLst>
+                      <p:childTnLst>
+                        <p:par>
+                          <p:cTn id="16" fill="hold">
+                            <p:stCondLst>
+                              <p:cond delay="0"/>
+                            </p:stCondLst>
+                            <p:childTnLst>
+                              <p:par>
+                                <p:cTn id="17" presetID="2" presetClass="entr" presetSubtype="4" fill="hold" nodeType="clickEffect">
+                                  <p:stCondLst>
+                                    <p:cond delay="0"/>
+                                  </p:stCondLst>
+                                  <p:childTnLst>
+                                    <p:set>
+                                      <p:cBhvr>
+                                        <p:cTn id="18" dur="1" fill="hold">
+                                          <p:stCondLst>
+                                            <p:cond delay="0"/>
+                                          </p:stCondLst>
+                                        </p:cTn>
+                                        <p:tgtEl>
+                                          <p:spTgt spid="10"/>
+                                        </p:tgtEl>
+                                        <p:attrNameLst>
+                                          <p:attrName>style.visibility</p:attrName>
+                                        </p:attrNameLst>
+                                      </p:cBhvr>
+                                      <p:to>
+                                        <p:strVal val="visible"/>
+                                      </p:to>
+                                    </p:set>
+                                    <p:anim calcmode="lin" valueType="num">
+                                      <p:cBhvr additive="base">
+                                        <p:cTn id="19" dur="500" fill="hold"/>
+                                        <p:tgtEl>
+                                          <p:spTgt spid="10"/>
+                                        </p:tgtEl>
+                                        <p:attrNameLst>
+                                          <p:attrName>ppt_x</p:attrName>
+                                        </p:attrNameLst>
+                                      </p:cBhvr>
+                                      <p:tavLst>
+                                        <p:tav tm="0">
+                                          <p:val>
+                                            <p:strVal val="#ppt_x"/>
+                                          </p:val>
+                                        </p:tav>
+                                        <p:tav tm="100000">
+                                          <p:val>
+                                            <p:strVal val="#ppt_x"/>
+                                          </p:val>
+                                        </p:tav>
+                                      </p:tavLst>
+                                    </p:anim>
+                                    <p:anim calcmode="lin" valueType="num">
+                                      <p:cBhvr additive="base">
+                                        <p:cTn id="20" dur="500" fill="hold"/>
+                                        <p:tgtEl>
+                                          <p:spTgt spid="10"/>
+                                        </p:tgtEl>
+                                        <p:attrNameLst>
+                                          <p:attrName>ppt_y</p:attrName>
+                                        </p:attrNameLst>
+                                      </p:cBhvr>
+                                      <p:tavLst>
+                                        <p:tav tm="0">
+                                          <p:val>
+                                            <p:strVal val="1+#ppt_h/2"/>
+                                          </p:val>
+                                        </p:tav>
+                                        <p:tav tm="100000">
+                                          <p:val>
+                                            <p:strVal val="#ppt_y"/>
+                                          </p:val>
+                                        </p:tav>
+                                      </p:tavLst>
+                                    </p:anim>
+                                  </p:childTnLst>
+                                </p:cTn>
+                              </p:par>
+                            </p:childTnLst>
+                          </p:cTn>
+                        </p:par>
+                        <p:par>
+                          <p:cTn id="21" fill="hold">
+                            <p:stCondLst>
+                              <p:cond delay="500"/>
+                            </p:stCondLst>
+                            <p:childTnLst>
+                              <p:par>
+                                <p:cTn id="22" presetID="2" presetClass="entr" presetSubtype="2" fill="hold" nodeType="afterEffect">
+                                  <p:stCondLst>
+                                    <p:cond delay="0"/>
+                                  </p:stCondLst>
+                                  <p:childTnLst>
+                                    <p:set>
+                                      <p:cBhvr>
+                                        <p:cTn id="23" dur="1" fill="hold">
                                           <p:stCondLst>
                                             <p:cond delay="0"/>
                                           </p:stCondLst>
@@ -13529,7 +14225,7 @@
                                     </p:set>
                                     <p:anim calcmode="lin" valueType="num">
                                       <p:cBhvr additive="base">
-                                        <p:cTn id="13" dur="500" fill="hold"/>
+                                        <p:cTn id="24" dur="500" fill="hold"/>
                                         <p:tgtEl>
                                           <p:spTgt spid="6"/>
                                         </p:tgtEl>
@@ -13552,7 +14248,7 @@
                                     </p:anim>
                                     <p:anim calcmode="lin" valueType="num">
                                       <p:cBhvr additive="base">
-                                        <p:cTn id="14" dur="500" fill="hold"/>
+                                        <p:cTn id="25" dur="500" fill="hold"/>
                                         <p:tgtEl>
                                           <p:spTgt spid="6"/>
                                         </p:tgtEl>
@@ -13580,102 +14276,20 @@
                           </p:cTn>
                         </p:par>
                         <p:par>
-                          <p:cTn id="15" fill="hold">
+                          <p:cTn id="26" fill="hold">
                             <p:stCondLst>
-                              <p:cond delay="500"/>
+                              <p:cond delay="1000"/>
                             </p:stCondLst>
                             <p:childTnLst>
                               <p:par>
-                                <p:cTn id="16" presetID="2" presetClass="entr" presetSubtype="8" fill="hold" grpId="0" nodeType="afterEffect">
+                                <p:cTn id="27" presetID="16" presetClass="entr" presetSubtype="21" fill="hold" grpId="0" nodeType="afterEffect">
                                   <p:stCondLst>
                                     <p:cond delay="0"/>
                                   </p:stCondLst>
                                   <p:childTnLst>
                                     <p:set>
                                       <p:cBhvr>
-                                        <p:cTn id="17" dur="1" fill="hold">
-                                          <p:stCondLst>
-                                            <p:cond delay="0"/>
-                                          </p:stCondLst>
-                                        </p:cTn>
-                                        <p:tgtEl>
-                                          <p:spTgt spid="11"/>
-                                        </p:tgtEl>
-                                        <p:attrNameLst>
-                                          <p:attrName>style.visibility</p:attrName>
-                                        </p:attrNameLst>
-                                      </p:cBhvr>
-                                      <p:to>
-                                        <p:strVal val="visible"/>
-                                      </p:to>
-                                    </p:set>
-                                    <p:anim calcmode="lin" valueType="num">
-                                      <p:cBhvr additive="base">
-                                        <p:cTn id="18" dur="500" fill="hold"/>
-                                        <p:tgtEl>
-                                          <p:spTgt spid="11"/>
-                                        </p:tgtEl>
-                                        <p:attrNameLst>
-                                          <p:attrName>ppt_x</p:attrName>
-                                        </p:attrNameLst>
-                                      </p:cBhvr>
-                                      <p:tavLst>
-                                        <p:tav tm="0">
-                                          <p:val>
-                                            <p:strVal val="0-#ppt_w/2"/>
-                                          </p:val>
-                                        </p:tav>
-                                        <p:tav tm="100000">
-                                          <p:val>
-                                            <p:strVal val="#ppt_x"/>
-                                          </p:val>
-                                        </p:tav>
-                                      </p:tavLst>
-                                    </p:anim>
-                                    <p:anim calcmode="lin" valueType="num">
-                                      <p:cBhvr additive="base">
-                                        <p:cTn id="19" dur="500" fill="hold"/>
-                                        <p:tgtEl>
-                                          <p:spTgt spid="11"/>
-                                        </p:tgtEl>
-                                        <p:attrNameLst>
-                                          <p:attrName>ppt_y</p:attrName>
-                                        </p:attrNameLst>
-                                      </p:cBhvr>
-                                      <p:tavLst>
-                                        <p:tav tm="0">
-                                          <p:val>
-                                            <p:strVal val="#ppt_y"/>
-                                          </p:val>
-                                        </p:tav>
-                                        <p:tav tm="100000">
-                                          <p:val>
-                                            <p:strVal val="#ppt_y"/>
-                                          </p:val>
-                                        </p:tav>
-                                      </p:tavLst>
-                                    </p:anim>
-                                  </p:childTnLst>
-                                </p:cTn>
-                              </p:par>
-                            </p:childTnLst>
-                          </p:cTn>
-                        </p:par>
-                        <p:par>
-                          <p:cTn id="20" fill="hold">
-                            <p:stCondLst>
-                              <p:cond delay="1000"/>
-                            </p:stCondLst>
-                            <p:childTnLst>
-                              <p:par>
-                                <p:cTn id="21" presetID="2" presetClass="entr" presetSubtype="2" fill="hold" grpId="0" nodeType="afterEffect">
-                                  <p:stCondLst>
-                                    <p:cond delay="0"/>
-                                  </p:stCondLst>
-                                  <p:childTnLst>
-                                    <p:set>
-                                      <p:cBhvr>
-                                        <p:cTn id="22" dur="1" fill="hold">
+                                        <p:cTn id="28" dur="1" fill="hold">
                                           <p:stCondLst>
                                             <p:cond delay="0"/>
                                           </p:stCondLst>
@@ -13691,134 +14305,14 @@
                                         <p:strVal val="visible"/>
                                       </p:to>
                                     </p:set>
-                                    <p:anim calcmode="lin" valueType="num">
-                                      <p:cBhvr additive="base">
-                                        <p:cTn id="23" dur="500" fill="hold"/>
+                                    <p:animEffect transition="in" filter="barn(inVertical)">
+                                      <p:cBhvr>
+                                        <p:cTn id="29" dur="500"/>
                                         <p:tgtEl>
                                           <p:spTgt spid="9"/>
                                         </p:tgtEl>
-                                        <p:attrNameLst>
-                                          <p:attrName>ppt_x</p:attrName>
-                                        </p:attrNameLst>
                                       </p:cBhvr>
-                                      <p:tavLst>
-                                        <p:tav tm="0">
-                                          <p:val>
-                                            <p:strVal val="1+#ppt_w/2"/>
-                                          </p:val>
-                                        </p:tav>
-                                        <p:tav tm="100000">
-                                          <p:val>
-                                            <p:strVal val="#ppt_x"/>
-                                          </p:val>
-                                        </p:tav>
-                                      </p:tavLst>
-                                    </p:anim>
-                                    <p:anim calcmode="lin" valueType="num">
-                                      <p:cBhvr additive="base">
-                                        <p:cTn id="24" dur="500" fill="hold"/>
-                                        <p:tgtEl>
-                                          <p:spTgt spid="9"/>
-                                        </p:tgtEl>
-                                        <p:attrNameLst>
-                                          <p:attrName>ppt_y</p:attrName>
-                                        </p:attrNameLst>
-                                      </p:cBhvr>
-                                      <p:tavLst>
-                                        <p:tav tm="0">
-                                          <p:val>
-                                            <p:strVal val="#ppt_y"/>
-                                          </p:val>
-                                        </p:tav>
-                                        <p:tav tm="100000">
-                                          <p:val>
-                                            <p:strVal val="#ppt_y"/>
-                                          </p:val>
-                                        </p:tav>
-                                      </p:tavLst>
-                                    </p:anim>
-                                  </p:childTnLst>
-                                </p:cTn>
-                              </p:par>
-                            </p:childTnLst>
-                          </p:cTn>
-                        </p:par>
-                        <p:par>
-                          <p:cTn id="25" fill="hold">
-                            <p:stCondLst>
-                              <p:cond delay="1500"/>
-                            </p:stCondLst>
-                            <p:childTnLst>
-                              <p:par>
-                                <p:cTn id="26" presetID="2" presetClass="entr" presetSubtype="4" fill="hold" nodeType="afterEffect">
-                                  <p:stCondLst>
-                                    <p:cond delay="0"/>
-                                  </p:stCondLst>
-                                  <p:childTnLst>
-                                    <p:set>
-                                      <p:cBhvr>
-                                        <p:cTn id="27" dur="1" fill="hold">
-                                          <p:stCondLst>
-                                            <p:cond delay="0"/>
-                                          </p:stCondLst>
-                                        </p:cTn>
-                                        <p:tgtEl>
-                                          <p:spTgt spid="10"/>
-                                        </p:tgtEl>
-                                        <p:attrNameLst>
-                                          <p:attrName>style.visibility</p:attrName>
-                                        </p:attrNameLst>
-                                      </p:cBhvr>
-                                      <p:to>
-                                        <p:strVal val="visible"/>
-                                      </p:to>
-                                    </p:set>
-                                    <p:anim calcmode="lin" valueType="num">
-                                      <p:cBhvr additive="base">
-                                        <p:cTn id="28" dur="500" fill="hold"/>
-                                        <p:tgtEl>
-                                          <p:spTgt spid="10"/>
-                                        </p:tgtEl>
-                                        <p:attrNameLst>
-                                          <p:attrName>ppt_x</p:attrName>
-                                        </p:attrNameLst>
-                                      </p:cBhvr>
-                                      <p:tavLst>
-                                        <p:tav tm="0">
-                                          <p:val>
-                                            <p:strVal val="#ppt_x"/>
-                                          </p:val>
-                                        </p:tav>
-                                        <p:tav tm="100000">
-                                          <p:val>
-                                            <p:strVal val="#ppt_x"/>
-                                          </p:val>
-                                        </p:tav>
-                                      </p:tavLst>
-                                    </p:anim>
-                                    <p:anim calcmode="lin" valueType="num">
-                                      <p:cBhvr additive="base">
-                                        <p:cTn id="29" dur="500" fill="hold"/>
-                                        <p:tgtEl>
-                                          <p:spTgt spid="10"/>
-                                        </p:tgtEl>
-                                        <p:attrNameLst>
-                                          <p:attrName>ppt_y</p:attrName>
-                                        </p:attrNameLst>
-                                      </p:cBhvr>
-                                      <p:tavLst>
-                                        <p:tav tm="0">
-                                          <p:val>
-                                            <p:strVal val="1+#ppt_h/2"/>
-                                          </p:val>
-                                        </p:tav>
-                                        <p:tav tm="100000">
-                                          <p:val>
-                                            <p:strVal val="#ppt_y"/>
-                                          </p:val>
-                                        </p:tav>
-                                      </p:tavLst>
-                                    </p:anim>
+                                    </p:animEffect>
                                   </p:childTnLst>
                                 </p:cTn>
                               </p:par>
@@ -13858,7 +14352,7 @@
 </p:sld>
 </file>
 
-<file path=ppt/slides/slide21.xml><?xml version="1.0" encoding="utf-8"?>
+<file path=ppt/slides/slide23.xml><?xml version="1.0" encoding="utf-8"?>
 <p:sld xmlns:a="http://schemas.openxmlformats.org/drawingml/2006/main" xmlns:r="http://schemas.openxmlformats.org/officeDocument/2006/relationships" xmlns:p="http://schemas.openxmlformats.org/presentationml/2006/main">
   <p:cSld>
     <p:spTree>
@@ -14138,7 +14632,7 @@
                 </a:solidFill>
               </a:rPr>
               <a:pPr/>
-              <a:t>21</a:t>
+              <a:t>23</a:t>
             </a:fld>
             <a:endParaRPr lang="en-US" dirty="0">
               <a:solidFill>
@@ -14291,7 +14785,7 @@
 </p:sld>
 </file>
 
-<file path=ppt/slides/slide22.xml><?xml version="1.0" encoding="utf-8"?>
+<file path=ppt/slides/slide24.xml><?xml version="1.0" encoding="utf-8"?>
 <p:sld xmlns:a="http://schemas.openxmlformats.org/drawingml/2006/main" xmlns:r="http://schemas.openxmlformats.org/officeDocument/2006/relationships" xmlns:p="http://schemas.openxmlformats.org/presentationml/2006/main">
   <p:cSld>
     <p:spTree>
@@ -14381,7 +14875,7 @@
           <a:p>
             <a:fld id="{650AD656-6FF9-465D-B7B0-1CD0DD39CD23}" type="slidenum">
               <a:rPr lang="en-US" smtClean="0"/>
-              <a:t>22</a:t>
+              <a:t>24</a:t>
             </a:fld>
             <a:endParaRPr lang="en-US" dirty="0"/>
           </a:p>
@@ -16990,7 +17484,7 @@
 </p:sld>
 </file>
 
-<file path=ppt/slides/slide23.xml><?xml version="1.0" encoding="utf-8"?>
+<file path=ppt/slides/slide25.xml><?xml version="1.0" encoding="utf-8"?>
 <p:sld xmlns:a="http://schemas.openxmlformats.org/drawingml/2006/main" xmlns:r="http://schemas.openxmlformats.org/officeDocument/2006/relationships" xmlns:p="http://schemas.openxmlformats.org/presentationml/2006/main">
   <p:cSld>
     <p:spTree>
@@ -17056,7 +17550,7 @@
           <a:p>
             <a:fld id="{650AD656-6FF9-465D-B7B0-1CD0DD39CD23}" type="slidenum">
               <a:rPr lang="en-US" smtClean="0"/>
-              <a:t>23</a:t>
+              <a:t>25</a:t>
             </a:fld>
             <a:endParaRPr lang="en-US" dirty="0"/>
           </a:p>
@@ -17110,7 +17604,7 @@
 </p:sld>
 </file>
 
-<file path=ppt/slides/slide24.xml><?xml version="1.0" encoding="utf-8"?>
+<file path=ppt/slides/slide26.xml><?xml version="1.0" encoding="utf-8"?>
 <p:sld xmlns:a="http://schemas.openxmlformats.org/drawingml/2006/main" xmlns:r="http://schemas.openxmlformats.org/officeDocument/2006/relationships" xmlns:p="http://schemas.openxmlformats.org/presentationml/2006/main">
   <p:cSld>
     <p:spTree>
@@ -17215,7 +17709,7 @@
           <a:p>
             <a:fld id="{650AD656-6FF9-465D-B7B0-1CD0DD39CD23}" type="slidenum">
               <a:rPr lang="en-US" smtClean="0"/>
-              <a:t>24</a:t>
+              <a:t>26</a:t>
             </a:fld>
             <a:endParaRPr lang="en-US" dirty="0"/>
           </a:p>
@@ -18679,6 +19173,59 @@
                       </p:childTnLst>
                     </p:cTn>
                   </p:par>
+                  <p:par>
+                    <p:cTn id="43" fill="hold">
+                      <p:stCondLst>
+                        <p:cond delay="indefinite"/>
+                      </p:stCondLst>
+                      <p:childTnLst>
+                        <p:par>
+                          <p:cTn id="44" fill="hold">
+                            <p:stCondLst>
+                              <p:cond delay="0"/>
+                            </p:stCondLst>
+                            <p:childTnLst>
+                              <p:par>
+                                <p:cTn id="45" presetID="22" presetClass="entr" presetSubtype="2" fill="hold" grpId="0" nodeType="clickEffect">
+                                  <p:stCondLst>
+                                    <p:cond delay="0"/>
+                                  </p:stCondLst>
+                                  <p:childTnLst>
+                                    <p:set>
+                                      <p:cBhvr>
+                                        <p:cTn id="46" dur="1" fill="hold">
+                                          <p:stCondLst>
+                                            <p:cond delay="0"/>
+                                          </p:stCondLst>
+                                        </p:cTn>
+                                        <p:tgtEl>
+                                          <p:spTgt spid="7"/>
+                                        </p:tgtEl>
+                                        <p:attrNameLst>
+                                          <p:attrName>style.visibility</p:attrName>
+                                        </p:attrNameLst>
+                                      </p:cBhvr>
+                                      <p:to>
+                                        <p:strVal val="visible"/>
+                                      </p:to>
+                                    </p:set>
+                                    <p:animEffect transition="in" filter="wipe(right)">
+                                      <p:cBhvr>
+                                        <p:cTn id="47" dur="500"/>
+                                        <p:tgtEl>
+                                          <p:spTgt spid="7"/>
+                                        </p:tgtEl>
+                                      </p:cBhvr>
+                                    </p:animEffect>
+                                  </p:childTnLst>
+                                </p:cTn>
+                              </p:par>
+                            </p:childTnLst>
+                          </p:cTn>
+                        </p:par>
+                      </p:childTnLst>
+                    </p:cTn>
+                  </p:par>
                 </p:childTnLst>
               </p:cTn>
               <p:prevCondLst>
@@ -18700,11 +19247,14 @@
         </p:cTn>
       </p:par>
     </p:tnLst>
+    <p:bldLst>
+      <p:bldP spid="7" grpId="0" animBg="1"/>
+    </p:bldLst>
   </p:timing>
 </p:sld>
 </file>
 
-<file path=ppt/slides/slide25.xml><?xml version="1.0" encoding="utf-8"?>
+<file path=ppt/slides/slide27.xml><?xml version="1.0" encoding="utf-8"?>
 <p:sld xmlns:a="http://schemas.openxmlformats.org/drawingml/2006/main" xmlns:r="http://schemas.openxmlformats.org/officeDocument/2006/relationships" xmlns:p="http://schemas.openxmlformats.org/presentationml/2006/main">
   <p:cSld>
     <p:spTree>
@@ -18828,7 +19378,7 @@
                 </a:solidFill>
               </a:rPr>
               <a:pPr/>
-              <a:t>25</a:t>
+              <a:t>27</a:t>
             </a:fld>
             <a:endParaRPr lang="en-US" dirty="0">
               <a:solidFill>
@@ -19560,7 +20110,7 @@
 </p:sld>
 </file>
 
-<file path=ppt/slides/slide26.xml><?xml version="1.0" encoding="utf-8"?>
+<file path=ppt/slides/slide28.xml><?xml version="1.0" encoding="utf-8"?>
 <p:sld xmlns:a="http://schemas.openxmlformats.org/drawingml/2006/main" xmlns:r="http://schemas.openxmlformats.org/officeDocument/2006/relationships" xmlns:p="http://schemas.openxmlformats.org/presentationml/2006/main">
   <p:cSld>
     <p:spTree>
@@ -19807,7 +20357,7 @@
           <a:p>
             <a:fld id="{650AD656-6FF9-465D-B7B0-1CD0DD39CD23}" type="slidenum">
               <a:rPr lang="en-US" smtClean="0"/>
-              <a:t>26</a:t>
+              <a:t>28</a:t>
             </a:fld>
             <a:endParaRPr lang="en-US" dirty="0"/>
           </a:p>
@@ -20078,7 +20628,7 @@
 </p:sld>
 </file>
 
-<file path=ppt/slides/slide27.xml><?xml version="1.0" encoding="utf-8"?>
+<file path=ppt/slides/slide29.xml><?xml version="1.0" encoding="utf-8"?>
 <p:sld xmlns:a="http://schemas.openxmlformats.org/drawingml/2006/main" xmlns:r="http://schemas.openxmlformats.org/officeDocument/2006/relationships" xmlns:p="http://schemas.openxmlformats.org/presentationml/2006/main">
   <p:cSld>
     <p:spTree>
@@ -20372,7 +20922,7 @@
           <a:p>
             <a:fld id="{650AD656-6FF9-465D-B7B0-1CD0DD39CD23}" type="slidenum">
               <a:rPr lang="en-US" smtClean="0"/>
-              <a:t>27</a:t>
+              <a:t>29</a:t>
             </a:fld>
             <a:endParaRPr lang="en-US" dirty="0"/>
           </a:p>
@@ -20529,478 +21079,6 @@
       </p:par>
     </p:tnLst>
   </p:timing>
-</p:sld>
-</file>
-
-<file path=ppt/slides/slide28.xml><?xml version="1.0" encoding="utf-8"?>
-<p:sld xmlns:a="http://schemas.openxmlformats.org/drawingml/2006/main" xmlns:r="http://schemas.openxmlformats.org/officeDocument/2006/relationships" xmlns:p="http://schemas.openxmlformats.org/presentationml/2006/main">
-  <p:cSld>
-    <p:spTree>
-      <p:nvGrpSpPr>
-        <p:cNvPr id="1" name=""/>
-        <p:cNvGrpSpPr/>
-        <p:nvPr/>
-      </p:nvGrpSpPr>
-      <p:grpSpPr>
-        <a:xfrm>
-          <a:off x="0" y="0"/>
-          <a:ext cx="0" cy="0"/>
-          <a:chOff x="0" y="0"/>
-          <a:chExt cx="0" cy="0"/>
-        </a:xfrm>
-      </p:grpSpPr>
-      <p:sp>
-        <p:nvSpPr>
-          <p:cNvPr id="2" name="Title 1">
-            <a:extLst>
-              <a:ext uri="{FF2B5EF4-FFF2-40B4-BE49-F238E27FC236}">
-                <a16:creationId xmlns:a16="http://schemas.microsoft.com/office/drawing/2014/main" id="{FF6597C4-7DE6-4E7A-C6B2-5ABB65AAF601}"/>
-              </a:ext>
-            </a:extLst>
-          </p:cNvPr>
-          <p:cNvSpPr>
-            <a:spLocks noGrp="1"/>
-          </p:cNvSpPr>
-          <p:nvPr>
-            <p:ph type="title"/>
-          </p:nvPr>
-        </p:nvSpPr>
-        <p:spPr/>
-        <p:txBody>
-          <a:bodyPr>
-            <a:normAutofit/>
-          </a:bodyPr>
-          <a:lstStyle/>
-          <a:p>
-            <a:pPr algn="ctr"/>
-            <a:r>
-              <a:rPr lang="en-US" sz="3200" dirty="0">
-                <a:latin typeface="+mn-lt"/>
-              </a:rPr>
-              <a:t>The Python Tutorial</a:t>
-            </a:r>
-          </a:p>
-        </p:txBody>
-      </p:sp>
-      <p:sp>
-        <p:nvSpPr>
-          <p:cNvPr id="4" name="Slide Number Placeholder 3">
-            <a:extLst>
-              <a:ext uri="{FF2B5EF4-FFF2-40B4-BE49-F238E27FC236}">
-                <a16:creationId xmlns:a16="http://schemas.microsoft.com/office/drawing/2014/main" id="{0AEFDF3A-2C6D-91EB-88A5-0196BBE62D06}"/>
-              </a:ext>
-            </a:extLst>
-          </p:cNvPr>
-          <p:cNvSpPr>
-            <a:spLocks noGrp="1"/>
-          </p:cNvSpPr>
-          <p:nvPr>
-            <p:ph type="sldNum" sz="quarter" idx="12"/>
-          </p:nvPr>
-        </p:nvSpPr>
-        <p:spPr/>
-        <p:txBody>
-          <a:bodyPr/>
-          <a:lstStyle/>
-          <a:p>
-            <a:fld id="{650AD656-6FF9-465D-B7B0-1CD0DD39CD23}" type="slidenum">
-              <a:rPr lang="en-US" smtClean="0"/>
-              <a:pPr/>
-              <a:t>28</a:t>
-            </a:fld>
-            <a:endParaRPr lang="en-US"/>
-          </a:p>
-        </p:txBody>
-      </p:sp>
-      <p:pic>
-        <p:nvPicPr>
-          <p:cNvPr id="10" name="Picture 9">
-            <a:extLst>
-              <a:ext uri="{FF2B5EF4-FFF2-40B4-BE49-F238E27FC236}">
-                <a16:creationId xmlns:a16="http://schemas.microsoft.com/office/drawing/2014/main" id="{89C52617-02CD-1191-3306-FCC4E3F33D27}"/>
-              </a:ext>
-            </a:extLst>
-          </p:cNvPr>
-          <p:cNvPicPr>
-            <a:picLocks noChangeAspect="1"/>
-          </p:cNvPicPr>
-          <p:nvPr/>
-        </p:nvPicPr>
-        <p:blipFill>
-          <a:blip r:embed="rId2"/>
-          <a:stretch>
-            <a:fillRect/>
-          </a:stretch>
-        </p:blipFill>
-        <p:spPr>
-          <a:xfrm>
-            <a:off x="378501" y="1993051"/>
-            <a:ext cx="8386997" cy="3782973"/>
-          </a:xfrm>
-          <a:prstGeom prst="rect">
-            <a:avLst/>
-          </a:prstGeom>
-          <a:ln>
-            <a:solidFill>
-              <a:schemeClr val="tx1"/>
-            </a:solidFill>
-          </a:ln>
-        </p:spPr>
-      </p:pic>
-      <p:sp>
-        <p:nvSpPr>
-          <p:cNvPr id="11" name="TextBox 10">
-            <a:extLst>
-              <a:ext uri="{FF2B5EF4-FFF2-40B4-BE49-F238E27FC236}">
-                <a16:creationId xmlns:a16="http://schemas.microsoft.com/office/drawing/2014/main" id="{EBF2CDAF-837D-4635-542D-28702E1CFE86}"/>
-              </a:ext>
-            </a:extLst>
-          </p:cNvPr>
-          <p:cNvSpPr txBox="1"/>
-          <p:nvPr/>
-        </p:nvSpPr>
-        <p:spPr>
-          <a:xfrm>
-            <a:off x="2746948" y="1424066"/>
-            <a:ext cx="3650104" cy="369332"/>
-          </a:xfrm>
-          <a:prstGeom prst="rect">
-            <a:avLst/>
-          </a:prstGeom>
-          <a:noFill/>
-        </p:spPr>
-        <p:txBody>
-          <a:bodyPr wrap="square" rtlCol="0">
-            <a:spAutoFit/>
-          </a:bodyPr>
-          <a:lstStyle/>
-          <a:p>
-            <a:pPr algn="ctr"/>
-            <a:r>
-              <a:rPr lang="en-US" dirty="0">
-                <a:hlinkClick r:id="rId3"/>
-              </a:rPr>
-              <a:t>https://docs.python.org/3/tutorial</a:t>
-            </a:r>
-            <a:endParaRPr lang="en-US" dirty="0"/>
-          </a:p>
-        </p:txBody>
-      </p:sp>
-    </p:spTree>
-    <p:extLst>
-      <p:ext uri="{BB962C8B-B14F-4D97-AF65-F5344CB8AC3E}">
-        <p14:creationId xmlns:p14="http://schemas.microsoft.com/office/powerpoint/2010/main" val="728942069"/>
-      </p:ext>
-    </p:extLst>
-  </p:cSld>
-  <p:clrMapOvr>
-    <a:masterClrMapping/>
-  </p:clrMapOvr>
-</p:sld>
-</file>
-
-<file path=ppt/slides/slide29.xml><?xml version="1.0" encoding="utf-8"?>
-<p:sld xmlns:a="http://schemas.openxmlformats.org/drawingml/2006/main" xmlns:r="http://schemas.openxmlformats.org/officeDocument/2006/relationships" xmlns:p="http://schemas.openxmlformats.org/presentationml/2006/main">
-  <p:cSld>
-    <p:spTree>
-      <p:nvGrpSpPr>
-        <p:cNvPr id="1" name=""/>
-        <p:cNvGrpSpPr/>
-        <p:nvPr/>
-      </p:nvGrpSpPr>
-      <p:grpSpPr>
-        <a:xfrm>
-          <a:off x="0" y="0"/>
-          <a:ext cx="0" cy="0"/>
-          <a:chOff x="0" y="0"/>
-          <a:chExt cx="0" cy="0"/>
-        </a:xfrm>
-      </p:grpSpPr>
-      <p:sp>
-        <p:nvSpPr>
-          <p:cNvPr id="2" name="Title 1"/>
-          <p:cNvSpPr>
-            <a:spLocks noGrp="1"/>
-          </p:cNvSpPr>
-          <p:nvPr>
-            <p:ph type="title"/>
-          </p:nvPr>
-        </p:nvSpPr>
-        <p:spPr>
-          <a:xfrm>
-            <a:off x="628650" y="365126"/>
-            <a:ext cx="7886700" cy="1103455"/>
-          </a:xfrm>
-        </p:spPr>
-        <p:txBody>
-          <a:bodyPr>
-            <a:noAutofit/>
-          </a:bodyPr>
-          <a:lstStyle/>
-          <a:p>
-            <a:pPr algn="ctr"/>
-            <a:r>
-              <a:rPr lang="en-US" sz="3200" dirty="0">
-                <a:latin typeface="+mn-lt"/>
-              </a:rPr>
-              <a:t>Session </a:t>
-            </a:r>
-            <a:r>
-              <a:rPr lang="en-US" sz="3200" b="1" dirty="0">
-                <a:latin typeface="+mn-lt"/>
-              </a:rPr>
-              <a:t>02</a:t>
-            </a:r>
-            <a:r>
-              <a:rPr lang="en-US" sz="3200" dirty="0">
-                <a:latin typeface="+mn-lt"/>
-              </a:rPr>
-              <a:t> – Now You Know…</a:t>
-            </a:r>
-          </a:p>
-        </p:txBody>
-      </p:sp>
-      <p:sp>
-        <p:nvSpPr>
-          <p:cNvPr id="3" name="Content Placeholder 2"/>
-          <p:cNvSpPr>
-            <a:spLocks noGrp="1"/>
-          </p:cNvSpPr>
-          <p:nvPr>
-            <p:ph idx="1"/>
-          </p:nvPr>
-        </p:nvSpPr>
-        <p:spPr/>
-        <p:txBody>
-          <a:bodyPr>
-            <a:noAutofit/>
-          </a:bodyPr>
-          <a:lstStyle/>
-          <a:p>
-            <a:pPr>
-              <a:spcBef>
-                <a:spcPts val="0"/>
-              </a:spcBef>
-              <a:spcAft>
-                <a:spcPts val="1200"/>
-              </a:spcAft>
-            </a:pPr>
-            <a:r>
-              <a:rPr lang="en-US" sz="2400" dirty="0"/>
-              <a:t>How to import modules using the </a:t>
-            </a:r>
-            <a:r>
-              <a:rPr lang="en-US" sz="2400" dirty="0">
-                <a:ln>
-                  <a:solidFill>
-                    <a:srgbClr val="B21059"/>
-                  </a:solidFill>
-                </a:ln>
-                <a:solidFill>
-                  <a:srgbClr val="B21059"/>
-                </a:solidFill>
-              </a:rPr>
-              <a:t>import</a:t>
-            </a:r>
-            <a:r>
-              <a:rPr lang="en-US" sz="2400" dirty="0"/>
-              <a:t> statement</a:t>
-            </a:r>
-          </a:p>
-          <a:p>
-            <a:pPr>
-              <a:spcBef>
-                <a:spcPts val="0"/>
-              </a:spcBef>
-              <a:spcAft>
-                <a:spcPts val="1200"/>
-              </a:spcAft>
-            </a:pPr>
-            <a:r>
-              <a:rPr lang="en-US" sz="2400" dirty="0"/>
-              <a:t>How to declare custom functions using </a:t>
-            </a:r>
-            <a:r>
-              <a:rPr lang="en-US" sz="2400" dirty="0">
-                <a:ln>
-                  <a:solidFill>
-                    <a:srgbClr val="B21059"/>
-                  </a:solidFill>
-                </a:ln>
-                <a:solidFill>
-                  <a:srgbClr val="B21059"/>
-                </a:solidFill>
-              </a:rPr>
-              <a:t>def</a:t>
-            </a:r>
-          </a:p>
-          <a:p>
-            <a:pPr>
-              <a:spcBef>
-                <a:spcPts val="0"/>
-              </a:spcBef>
-              <a:spcAft>
-                <a:spcPts val="1200"/>
-              </a:spcAft>
-            </a:pPr>
-            <a:r>
-              <a:rPr lang="en-US" sz="2400" dirty="0"/>
-              <a:t>Execute code blocks (scopes) conditionally using </a:t>
-            </a:r>
-            <a:r>
-              <a:rPr lang="en-US" sz="2400" dirty="0">
-                <a:ln>
-                  <a:solidFill>
-                    <a:srgbClr val="B21059"/>
-                  </a:solidFill>
-                </a:ln>
-                <a:solidFill>
-                  <a:srgbClr val="B21059"/>
-                </a:solidFill>
-              </a:rPr>
-              <a:t>if </a:t>
-            </a:r>
-            <a:r>
-              <a:rPr lang="en-US" sz="2400" dirty="0"/>
-              <a:t>and</a:t>
-            </a:r>
-            <a:r>
-              <a:rPr lang="en-US" sz="2400" dirty="0">
-                <a:ln>
-                  <a:solidFill>
-                    <a:srgbClr val="B21059"/>
-                  </a:solidFill>
-                </a:ln>
-                <a:solidFill>
-                  <a:srgbClr val="B21059"/>
-                </a:solidFill>
-              </a:rPr>
-              <a:t> else</a:t>
-            </a:r>
-          </a:p>
-          <a:p>
-            <a:pPr>
-              <a:spcBef>
-                <a:spcPts val="0"/>
-              </a:spcBef>
-              <a:spcAft>
-                <a:spcPts val="1200"/>
-              </a:spcAft>
-            </a:pPr>
-            <a:r>
-              <a:rPr lang="en-US" sz="2400" dirty="0"/>
-              <a:t>Create an array of numbers using </a:t>
-            </a:r>
-            <a:r>
-              <a:rPr lang="en-US" sz="2400" b="1" dirty="0"/>
-              <a:t>np.arange()</a:t>
-            </a:r>
-          </a:p>
-          <a:p>
-            <a:pPr>
-              <a:spcBef>
-                <a:spcPts val="0"/>
-              </a:spcBef>
-              <a:spcAft>
-                <a:spcPts val="1200"/>
-              </a:spcAft>
-            </a:pPr>
-            <a:r>
-              <a:rPr lang="en-US" sz="2400" dirty="0"/>
-              <a:t>Apply vectorized operators to a NumPy array</a:t>
-            </a:r>
-          </a:p>
-          <a:p>
-            <a:pPr>
-              <a:spcBef>
-                <a:spcPts val="0"/>
-              </a:spcBef>
-              <a:spcAft>
-                <a:spcPts val="1200"/>
-              </a:spcAft>
-            </a:pPr>
-            <a:r>
-              <a:rPr lang="en-US" sz="2400" dirty="0"/>
-              <a:t>Create arrays of </a:t>
-            </a:r>
-            <a:r>
-              <a:rPr lang="en-US" sz="2400" b="1" dirty="0">
-                <a:solidFill>
-                  <a:srgbClr val="0070C0"/>
-                </a:solidFill>
-              </a:rPr>
-              <a:t>pseudo-random numbers </a:t>
-            </a:r>
-            <a:r>
-              <a:rPr lang="en-US" sz="2400" dirty="0"/>
-              <a:t>using a </a:t>
-            </a:r>
-            <a:r>
-              <a:rPr lang="en-US" sz="2400" b="1" dirty="0">
-                <a:solidFill>
-                  <a:srgbClr val="00B050"/>
-                </a:solidFill>
-              </a:rPr>
-              <a:t>seed</a:t>
-            </a:r>
-          </a:p>
-          <a:p>
-            <a:pPr>
-              <a:spcBef>
-                <a:spcPts val="0"/>
-              </a:spcBef>
-              <a:spcAft>
-                <a:spcPts val="1200"/>
-              </a:spcAft>
-            </a:pPr>
-            <a:r>
-              <a:rPr lang="en-US" sz="2400" dirty="0"/>
-              <a:t>Using single </a:t>
-            </a:r>
-            <a:r>
-              <a:rPr lang="en-US" sz="2400" u="sng" dirty="0"/>
-              <a:t>underscore</a:t>
-            </a:r>
-            <a:r>
-              <a:rPr lang="en-US" sz="2400" dirty="0"/>
-              <a:t> character for thousands separator in numeric literals</a:t>
-            </a:r>
-          </a:p>
-        </p:txBody>
-      </p:sp>
-      <p:sp>
-        <p:nvSpPr>
-          <p:cNvPr id="4" name="Slide Number Placeholder 3"/>
-          <p:cNvSpPr>
-            <a:spLocks noGrp="1"/>
-          </p:cNvSpPr>
-          <p:nvPr>
-            <p:ph type="sldNum" sz="quarter" idx="12"/>
-          </p:nvPr>
-        </p:nvSpPr>
-        <p:spPr/>
-        <p:txBody>
-          <a:bodyPr/>
-          <a:lstStyle/>
-          <a:p>
-            <a:fld id="{650AD656-6FF9-465D-B7B0-1CD0DD39CD23}" type="slidenum">
-              <a:rPr lang="en-US" smtClean="0"/>
-              <a:t>29</a:t>
-            </a:fld>
-            <a:endParaRPr lang="en-US" dirty="0"/>
-          </a:p>
-        </p:txBody>
-      </p:sp>
-    </p:spTree>
-    <p:extLst>
-      <p:ext uri="{BB962C8B-B14F-4D97-AF65-F5344CB8AC3E}">
-        <p14:creationId xmlns:p14="http://schemas.microsoft.com/office/powerpoint/2010/main" val="899075750"/>
-      </p:ext>
-    </p:extLst>
-  </p:cSld>
-  <p:clrMapOvr>
-    <a:masterClrMapping/>
-  </p:clrMapOvr>
 </p:sld>
 </file>
 
@@ -21455,6 +21533,478 @@
           <p:cNvPr id="2" name="Title 1">
             <a:extLst>
               <a:ext uri="{FF2B5EF4-FFF2-40B4-BE49-F238E27FC236}">
+                <a16:creationId xmlns:a16="http://schemas.microsoft.com/office/drawing/2014/main" id="{FF6597C4-7DE6-4E7A-C6B2-5ABB65AAF601}"/>
+              </a:ext>
+            </a:extLst>
+          </p:cNvPr>
+          <p:cNvSpPr>
+            <a:spLocks noGrp="1"/>
+          </p:cNvSpPr>
+          <p:nvPr>
+            <p:ph type="title"/>
+          </p:nvPr>
+        </p:nvSpPr>
+        <p:spPr/>
+        <p:txBody>
+          <a:bodyPr>
+            <a:normAutofit/>
+          </a:bodyPr>
+          <a:lstStyle/>
+          <a:p>
+            <a:pPr algn="ctr"/>
+            <a:r>
+              <a:rPr lang="en-US" sz="3200" dirty="0">
+                <a:latin typeface="+mn-lt"/>
+              </a:rPr>
+              <a:t>The Python Tutorial</a:t>
+            </a:r>
+          </a:p>
+        </p:txBody>
+      </p:sp>
+      <p:sp>
+        <p:nvSpPr>
+          <p:cNvPr id="4" name="Slide Number Placeholder 3">
+            <a:extLst>
+              <a:ext uri="{FF2B5EF4-FFF2-40B4-BE49-F238E27FC236}">
+                <a16:creationId xmlns:a16="http://schemas.microsoft.com/office/drawing/2014/main" id="{0AEFDF3A-2C6D-91EB-88A5-0196BBE62D06}"/>
+              </a:ext>
+            </a:extLst>
+          </p:cNvPr>
+          <p:cNvSpPr>
+            <a:spLocks noGrp="1"/>
+          </p:cNvSpPr>
+          <p:nvPr>
+            <p:ph type="sldNum" sz="quarter" idx="12"/>
+          </p:nvPr>
+        </p:nvSpPr>
+        <p:spPr/>
+        <p:txBody>
+          <a:bodyPr/>
+          <a:lstStyle/>
+          <a:p>
+            <a:fld id="{650AD656-6FF9-465D-B7B0-1CD0DD39CD23}" type="slidenum">
+              <a:rPr lang="en-US" smtClean="0"/>
+              <a:pPr/>
+              <a:t>30</a:t>
+            </a:fld>
+            <a:endParaRPr lang="en-US"/>
+          </a:p>
+        </p:txBody>
+      </p:sp>
+      <p:pic>
+        <p:nvPicPr>
+          <p:cNvPr id="10" name="Picture 9">
+            <a:extLst>
+              <a:ext uri="{FF2B5EF4-FFF2-40B4-BE49-F238E27FC236}">
+                <a16:creationId xmlns:a16="http://schemas.microsoft.com/office/drawing/2014/main" id="{89C52617-02CD-1191-3306-FCC4E3F33D27}"/>
+              </a:ext>
+            </a:extLst>
+          </p:cNvPr>
+          <p:cNvPicPr>
+            <a:picLocks noChangeAspect="1"/>
+          </p:cNvPicPr>
+          <p:nvPr/>
+        </p:nvPicPr>
+        <p:blipFill>
+          <a:blip r:embed="rId2"/>
+          <a:stretch>
+            <a:fillRect/>
+          </a:stretch>
+        </p:blipFill>
+        <p:spPr>
+          <a:xfrm>
+            <a:off x="378501" y="1993051"/>
+            <a:ext cx="8386997" cy="3782973"/>
+          </a:xfrm>
+          <a:prstGeom prst="rect">
+            <a:avLst/>
+          </a:prstGeom>
+          <a:ln>
+            <a:solidFill>
+              <a:schemeClr val="tx1"/>
+            </a:solidFill>
+          </a:ln>
+        </p:spPr>
+      </p:pic>
+      <p:sp>
+        <p:nvSpPr>
+          <p:cNvPr id="11" name="TextBox 10">
+            <a:extLst>
+              <a:ext uri="{FF2B5EF4-FFF2-40B4-BE49-F238E27FC236}">
+                <a16:creationId xmlns:a16="http://schemas.microsoft.com/office/drawing/2014/main" id="{EBF2CDAF-837D-4635-542D-28702E1CFE86}"/>
+              </a:ext>
+            </a:extLst>
+          </p:cNvPr>
+          <p:cNvSpPr txBox="1"/>
+          <p:nvPr/>
+        </p:nvSpPr>
+        <p:spPr>
+          <a:xfrm>
+            <a:off x="2746948" y="1424066"/>
+            <a:ext cx="3650104" cy="369332"/>
+          </a:xfrm>
+          <a:prstGeom prst="rect">
+            <a:avLst/>
+          </a:prstGeom>
+          <a:noFill/>
+        </p:spPr>
+        <p:txBody>
+          <a:bodyPr wrap="square" rtlCol="0">
+            <a:spAutoFit/>
+          </a:bodyPr>
+          <a:lstStyle/>
+          <a:p>
+            <a:pPr algn="ctr"/>
+            <a:r>
+              <a:rPr lang="en-US" dirty="0">
+                <a:hlinkClick r:id="rId3"/>
+              </a:rPr>
+              <a:t>https://docs.python.org/3/tutorial</a:t>
+            </a:r>
+            <a:endParaRPr lang="en-US" dirty="0"/>
+          </a:p>
+        </p:txBody>
+      </p:sp>
+    </p:spTree>
+    <p:extLst>
+      <p:ext uri="{BB962C8B-B14F-4D97-AF65-F5344CB8AC3E}">
+        <p14:creationId xmlns:p14="http://schemas.microsoft.com/office/powerpoint/2010/main" val="728942069"/>
+      </p:ext>
+    </p:extLst>
+  </p:cSld>
+  <p:clrMapOvr>
+    <a:masterClrMapping/>
+  </p:clrMapOvr>
+</p:sld>
+</file>
+
+<file path=ppt/slides/slide31.xml><?xml version="1.0" encoding="utf-8"?>
+<p:sld xmlns:a="http://schemas.openxmlformats.org/drawingml/2006/main" xmlns:r="http://schemas.openxmlformats.org/officeDocument/2006/relationships" xmlns:p="http://schemas.openxmlformats.org/presentationml/2006/main">
+  <p:cSld>
+    <p:spTree>
+      <p:nvGrpSpPr>
+        <p:cNvPr id="1" name=""/>
+        <p:cNvGrpSpPr/>
+        <p:nvPr/>
+      </p:nvGrpSpPr>
+      <p:grpSpPr>
+        <a:xfrm>
+          <a:off x="0" y="0"/>
+          <a:ext cx="0" cy="0"/>
+          <a:chOff x="0" y="0"/>
+          <a:chExt cx="0" cy="0"/>
+        </a:xfrm>
+      </p:grpSpPr>
+      <p:sp>
+        <p:nvSpPr>
+          <p:cNvPr id="2" name="Title 1"/>
+          <p:cNvSpPr>
+            <a:spLocks noGrp="1"/>
+          </p:cNvSpPr>
+          <p:nvPr>
+            <p:ph type="title"/>
+          </p:nvPr>
+        </p:nvSpPr>
+        <p:spPr>
+          <a:xfrm>
+            <a:off x="628650" y="365126"/>
+            <a:ext cx="7886700" cy="1103455"/>
+          </a:xfrm>
+        </p:spPr>
+        <p:txBody>
+          <a:bodyPr>
+            <a:noAutofit/>
+          </a:bodyPr>
+          <a:lstStyle/>
+          <a:p>
+            <a:pPr algn="ctr"/>
+            <a:r>
+              <a:rPr lang="en-US" sz="3200" dirty="0">
+                <a:latin typeface="+mn-lt"/>
+              </a:rPr>
+              <a:t>Session </a:t>
+            </a:r>
+            <a:r>
+              <a:rPr lang="en-US" sz="3200" b="1" dirty="0">
+                <a:latin typeface="+mn-lt"/>
+              </a:rPr>
+              <a:t>02</a:t>
+            </a:r>
+            <a:r>
+              <a:rPr lang="en-US" sz="3200" dirty="0">
+                <a:latin typeface="+mn-lt"/>
+              </a:rPr>
+              <a:t> – Now You Know…</a:t>
+            </a:r>
+          </a:p>
+        </p:txBody>
+      </p:sp>
+      <p:sp>
+        <p:nvSpPr>
+          <p:cNvPr id="3" name="Content Placeholder 2"/>
+          <p:cNvSpPr>
+            <a:spLocks noGrp="1"/>
+          </p:cNvSpPr>
+          <p:nvPr>
+            <p:ph idx="1"/>
+          </p:nvPr>
+        </p:nvSpPr>
+        <p:spPr/>
+        <p:txBody>
+          <a:bodyPr>
+            <a:noAutofit/>
+          </a:bodyPr>
+          <a:lstStyle/>
+          <a:p>
+            <a:pPr>
+              <a:spcBef>
+                <a:spcPts val="0"/>
+              </a:spcBef>
+              <a:spcAft>
+                <a:spcPts val="1200"/>
+              </a:spcAft>
+            </a:pPr>
+            <a:r>
+              <a:rPr lang="en-US" sz="2400" dirty="0"/>
+              <a:t>How to import modules using the </a:t>
+            </a:r>
+            <a:r>
+              <a:rPr lang="en-US" sz="2400" dirty="0">
+                <a:ln>
+                  <a:solidFill>
+                    <a:srgbClr val="B21059"/>
+                  </a:solidFill>
+                </a:ln>
+                <a:solidFill>
+                  <a:srgbClr val="B21059"/>
+                </a:solidFill>
+              </a:rPr>
+              <a:t>import</a:t>
+            </a:r>
+            <a:r>
+              <a:rPr lang="en-US" sz="2400" dirty="0"/>
+              <a:t> statement</a:t>
+            </a:r>
+          </a:p>
+          <a:p>
+            <a:pPr>
+              <a:spcBef>
+                <a:spcPts val="0"/>
+              </a:spcBef>
+              <a:spcAft>
+                <a:spcPts val="1200"/>
+              </a:spcAft>
+            </a:pPr>
+            <a:r>
+              <a:rPr lang="en-US" sz="2400" dirty="0"/>
+              <a:t>How to declare custom functions using </a:t>
+            </a:r>
+            <a:r>
+              <a:rPr lang="en-US" sz="2400" dirty="0">
+                <a:ln>
+                  <a:solidFill>
+                    <a:srgbClr val="B21059"/>
+                  </a:solidFill>
+                </a:ln>
+                <a:solidFill>
+                  <a:srgbClr val="B21059"/>
+                </a:solidFill>
+              </a:rPr>
+              <a:t>def</a:t>
+            </a:r>
+          </a:p>
+          <a:p>
+            <a:pPr>
+              <a:spcBef>
+                <a:spcPts val="0"/>
+              </a:spcBef>
+              <a:spcAft>
+                <a:spcPts val="1200"/>
+              </a:spcAft>
+            </a:pPr>
+            <a:r>
+              <a:rPr lang="en-US" sz="2400" dirty="0"/>
+              <a:t>Execute code blocks (scopes) conditionally using </a:t>
+            </a:r>
+            <a:r>
+              <a:rPr lang="en-US" sz="2400" dirty="0">
+                <a:ln>
+                  <a:solidFill>
+                    <a:srgbClr val="B21059"/>
+                  </a:solidFill>
+                </a:ln>
+                <a:solidFill>
+                  <a:srgbClr val="B21059"/>
+                </a:solidFill>
+              </a:rPr>
+              <a:t>if </a:t>
+            </a:r>
+            <a:r>
+              <a:rPr lang="en-US" sz="2400" dirty="0"/>
+              <a:t>and</a:t>
+            </a:r>
+            <a:r>
+              <a:rPr lang="en-US" sz="2400" dirty="0">
+                <a:ln>
+                  <a:solidFill>
+                    <a:srgbClr val="B21059"/>
+                  </a:solidFill>
+                </a:ln>
+                <a:solidFill>
+                  <a:srgbClr val="B21059"/>
+                </a:solidFill>
+              </a:rPr>
+              <a:t> else</a:t>
+            </a:r>
+          </a:p>
+          <a:p>
+            <a:pPr>
+              <a:spcBef>
+                <a:spcPts val="0"/>
+              </a:spcBef>
+              <a:spcAft>
+                <a:spcPts val="1200"/>
+              </a:spcAft>
+            </a:pPr>
+            <a:r>
+              <a:rPr lang="en-US" sz="2400" dirty="0"/>
+              <a:t>Create an array of numbers using </a:t>
+            </a:r>
+            <a:r>
+              <a:rPr lang="en-US" sz="2400" b="1" dirty="0"/>
+              <a:t>np.arange()</a:t>
+            </a:r>
+          </a:p>
+          <a:p>
+            <a:pPr>
+              <a:spcBef>
+                <a:spcPts val="0"/>
+              </a:spcBef>
+              <a:spcAft>
+                <a:spcPts val="1200"/>
+              </a:spcAft>
+            </a:pPr>
+            <a:r>
+              <a:rPr lang="en-US" sz="2400" dirty="0"/>
+              <a:t>Apply vectorized operators to a NumPy array</a:t>
+            </a:r>
+          </a:p>
+          <a:p>
+            <a:pPr>
+              <a:spcBef>
+                <a:spcPts val="0"/>
+              </a:spcBef>
+              <a:spcAft>
+                <a:spcPts val="1200"/>
+              </a:spcAft>
+            </a:pPr>
+            <a:r>
+              <a:rPr lang="en-US" sz="2400" dirty="0"/>
+              <a:t>Create arrays of </a:t>
+            </a:r>
+            <a:r>
+              <a:rPr lang="en-US" sz="2400" b="1" dirty="0">
+                <a:solidFill>
+                  <a:srgbClr val="0070C0"/>
+                </a:solidFill>
+              </a:rPr>
+              <a:t>pseudo-random numbers </a:t>
+            </a:r>
+            <a:r>
+              <a:rPr lang="en-US" sz="2400" dirty="0"/>
+              <a:t>using a </a:t>
+            </a:r>
+            <a:r>
+              <a:rPr lang="en-US" sz="2400" b="1" dirty="0">
+                <a:solidFill>
+                  <a:srgbClr val="00B050"/>
+                </a:solidFill>
+              </a:rPr>
+              <a:t>seed</a:t>
+            </a:r>
+          </a:p>
+          <a:p>
+            <a:pPr>
+              <a:spcBef>
+                <a:spcPts val="0"/>
+              </a:spcBef>
+              <a:spcAft>
+                <a:spcPts val="1200"/>
+              </a:spcAft>
+            </a:pPr>
+            <a:r>
+              <a:rPr lang="en-US" sz="2400" dirty="0"/>
+              <a:t>Using single </a:t>
+            </a:r>
+            <a:r>
+              <a:rPr lang="en-US" sz="2400" u="sng" dirty="0"/>
+              <a:t>underscore</a:t>
+            </a:r>
+            <a:r>
+              <a:rPr lang="en-US" sz="2400" dirty="0"/>
+              <a:t> character for thousands separator in numeric literals</a:t>
+            </a:r>
+          </a:p>
+        </p:txBody>
+      </p:sp>
+      <p:sp>
+        <p:nvSpPr>
+          <p:cNvPr id="4" name="Slide Number Placeholder 3"/>
+          <p:cNvSpPr>
+            <a:spLocks noGrp="1"/>
+          </p:cNvSpPr>
+          <p:nvPr>
+            <p:ph type="sldNum" sz="quarter" idx="12"/>
+          </p:nvPr>
+        </p:nvSpPr>
+        <p:spPr/>
+        <p:txBody>
+          <a:bodyPr/>
+          <a:lstStyle/>
+          <a:p>
+            <a:fld id="{650AD656-6FF9-465D-B7B0-1CD0DD39CD23}" type="slidenum">
+              <a:rPr lang="en-US" smtClean="0"/>
+              <a:t>31</a:t>
+            </a:fld>
+            <a:endParaRPr lang="en-US" dirty="0"/>
+          </a:p>
+        </p:txBody>
+      </p:sp>
+    </p:spTree>
+    <p:extLst>
+      <p:ext uri="{BB962C8B-B14F-4D97-AF65-F5344CB8AC3E}">
+        <p14:creationId xmlns:p14="http://schemas.microsoft.com/office/powerpoint/2010/main" val="899075750"/>
+      </p:ext>
+    </p:extLst>
+  </p:cSld>
+  <p:clrMapOvr>
+    <a:masterClrMapping/>
+  </p:clrMapOvr>
+</p:sld>
+</file>
+
+<file path=ppt/slides/slide32.xml><?xml version="1.0" encoding="utf-8"?>
+<p:sld xmlns:a="http://schemas.openxmlformats.org/drawingml/2006/main" xmlns:r="http://schemas.openxmlformats.org/officeDocument/2006/relationships" xmlns:p="http://schemas.openxmlformats.org/presentationml/2006/main">
+  <p:cSld>
+    <p:spTree>
+      <p:nvGrpSpPr>
+        <p:cNvPr id="1" name=""/>
+        <p:cNvGrpSpPr/>
+        <p:nvPr/>
+      </p:nvGrpSpPr>
+      <p:grpSpPr>
+        <a:xfrm>
+          <a:off x="0" y="0"/>
+          <a:ext cx="0" cy="0"/>
+          <a:chOff x="0" y="0"/>
+          <a:chExt cx="0" cy="0"/>
+        </a:xfrm>
+      </p:grpSpPr>
+      <p:sp>
+        <p:nvSpPr>
+          <p:cNvPr id="2" name="Title 1">
+            <a:extLst>
+              <a:ext uri="{FF2B5EF4-FFF2-40B4-BE49-F238E27FC236}">
                 <a16:creationId xmlns:a16="http://schemas.microsoft.com/office/drawing/2014/main" id="{B15B6439-41E6-140A-FAE2-84DA1CCE9574}"/>
               </a:ext>
             </a:extLst>
@@ -21593,7 +22143,7 @@
             <a:fld id="{650AD656-6FF9-465D-B7B0-1CD0DD39CD23}" type="slidenum">
               <a:rPr lang="en-US" smtClean="0"/>
               <a:pPr/>
-              <a:t>30</a:t>
+              <a:t>32</a:t>
             </a:fld>
             <a:endParaRPr lang="en-US"/>
           </a:p>
@@ -27741,6 +28291,59 @@
                       </p:childTnLst>
                     </p:cTn>
                   </p:par>
+                  <p:par>
+                    <p:cTn id="53" fill="hold">
+                      <p:stCondLst>
+                        <p:cond delay="indefinite"/>
+                      </p:stCondLst>
+                      <p:childTnLst>
+                        <p:par>
+                          <p:cTn id="54" fill="hold">
+                            <p:stCondLst>
+                              <p:cond delay="0"/>
+                            </p:stCondLst>
+                            <p:childTnLst>
+                              <p:par>
+                                <p:cTn id="55" presetID="22" presetClass="entr" presetSubtype="2" fill="hold" grpId="0" nodeType="clickEffect">
+                                  <p:stCondLst>
+                                    <p:cond delay="0"/>
+                                  </p:stCondLst>
+                                  <p:childTnLst>
+                                    <p:set>
+                                      <p:cBhvr>
+                                        <p:cTn id="56" dur="1" fill="hold">
+                                          <p:stCondLst>
+                                            <p:cond delay="0"/>
+                                          </p:stCondLst>
+                                        </p:cTn>
+                                        <p:tgtEl>
+                                          <p:spTgt spid="7"/>
+                                        </p:tgtEl>
+                                        <p:attrNameLst>
+                                          <p:attrName>style.visibility</p:attrName>
+                                        </p:attrNameLst>
+                                      </p:cBhvr>
+                                      <p:to>
+                                        <p:strVal val="visible"/>
+                                      </p:to>
+                                    </p:set>
+                                    <p:animEffect transition="in" filter="wipe(right)">
+                                      <p:cBhvr>
+                                        <p:cTn id="57" dur="500"/>
+                                        <p:tgtEl>
+                                          <p:spTgt spid="7"/>
+                                        </p:tgtEl>
+                                      </p:cBhvr>
+                                    </p:animEffect>
+                                  </p:childTnLst>
+                                </p:cTn>
+                              </p:par>
+                            </p:childTnLst>
+                          </p:cTn>
+                        </p:par>
+                      </p:childTnLst>
+                    </p:cTn>
+                  </p:par>
                 </p:childTnLst>
               </p:cTn>
               <p:prevCondLst>
@@ -27762,6 +28365,9 @@
         </p:cTn>
       </p:par>
     </p:tnLst>
+    <p:bldLst>
+      <p:bldP spid="7" grpId="0" animBg="1"/>
+    </p:bldLst>
   </p:timing>
 </p:sld>
 </file>

--- a/slides/Session 02 - Arrays and Algorithms/Session 02 - Arrays and Algorithms.pptx
+++ b/slides/Session 02 - Arrays and Algorithms/Session 02 - Arrays and Algorithms.pptx
@@ -5,10 +5,10 @@
     <p:sldMasterId id="2147483660" r:id="rId1"/>
   </p:sldMasterIdLst>
   <p:notesMasterIdLst>
-    <p:notesMasterId r:id="rId34"/>
+    <p:notesMasterId r:id="rId36"/>
   </p:notesMasterIdLst>
   <p:handoutMasterIdLst>
-    <p:handoutMasterId r:id="rId35"/>
+    <p:handoutMasterId r:id="rId37"/>
   </p:handoutMasterIdLst>
   <p:sldIdLst>
     <p:sldId id="274" r:id="rId2"/>
@@ -29,20 +29,22 @@
     <p:sldId id="1020" r:id="rId17"/>
     <p:sldId id="991" r:id="rId18"/>
     <p:sldId id="1029" r:id="rId19"/>
-    <p:sldId id="1030" r:id="rId20"/>
-    <p:sldId id="375" r:id="rId21"/>
-    <p:sldId id="1021" r:id="rId22"/>
-    <p:sldId id="377" r:id="rId23"/>
-    <p:sldId id="380" r:id="rId24"/>
-    <p:sldId id="970" r:id="rId25"/>
-    <p:sldId id="1027" r:id="rId26"/>
-    <p:sldId id="1026" r:id="rId27"/>
-    <p:sldId id="383" r:id="rId28"/>
-    <p:sldId id="942" r:id="rId29"/>
-    <p:sldId id="941" r:id="rId30"/>
-    <p:sldId id="993" r:id="rId31"/>
-    <p:sldId id="996" r:id="rId32"/>
-    <p:sldId id="1005" r:id="rId33"/>
+    <p:sldId id="1031" r:id="rId20"/>
+    <p:sldId id="1030" r:id="rId21"/>
+    <p:sldId id="1032" r:id="rId22"/>
+    <p:sldId id="375" r:id="rId23"/>
+    <p:sldId id="1021" r:id="rId24"/>
+    <p:sldId id="377" r:id="rId25"/>
+    <p:sldId id="380" r:id="rId26"/>
+    <p:sldId id="970" r:id="rId27"/>
+    <p:sldId id="1027" r:id="rId28"/>
+    <p:sldId id="1026" r:id="rId29"/>
+    <p:sldId id="383" r:id="rId30"/>
+    <p:sldId id="942" r:id="rId31"/>
+    <p:sldId id="941" r:id="rId32"/>
+    <p:sldId id="993" r:id="rId33"/>
+    <p:sldId id="996" r:id="rId34"/>
+    <p:sldId id="1005" r:id="rId35"/>
   </p:sldIdLst>
   <p:sldSz cx="9144000" cy="6858000" type="screen4x3"/>
   <p:notesSz cx="7077075" cy="9363075"/>
@@ -290,7 +292,7 @@
           <a:p>
             <a:fld id="{A241AC98-512A-4A35-865E-757B6C1F07A2}" type="datetimeFigureOut">
               <a:rPr lang="en-US" smtClean="0"/>
-              <a:t>10/17/2022</a:t>
+              <a:t>10/28/2022</a:t>
             </a:fld>
             <a:endParaRPr lang="en-US"/>
           </a:p>
@@ -456,7 +458,7 @@
           <a:p>
             <a:fld id="{3854CEE7-15DE-41D9-8CA2-D1E137B1D850}" type="datetimeFigureOut">
               <a:rPr lang="en-US" smtClean="0"/>
-              <a:t>10/17/2022</a:t>
+              <a:t>10/28/2022</a:t>
             </a:fld>
             <a:endParaRPr lang="en-US"/>
           </a:p>
@@ -873,7 +875,7 @@
           <a:p>
             <a:fld id="{76317BBA-0BC6-419B-B826-088209688372}" type="slidenum">
               <a:rPr lang="en-US" smtClean="0"/>
-              <a:t>23</a:t>
+              <a:t>25</a:t>
             </a:fld>
             <a:endParaRPr lang="en-US" dirty="0"/>
           </a:p>
@@ -957,7 +959,7 @@
           <a:p>
             <a:fld id="{76317BBA-0BC6-419B-B826-088209688372}" type="slidenum">
               <a:rPr lang="en-US" smtClean="0"/>
-              <a:t>25</a:t>
+              <a:t>27</a:t>
             </a:fld>
             <a:endParaRPr lang="en-US"/>
           </a:p>
@@ -1545,7 +1547,7 @@
           <a:p>
             <a:fld id="{76317BBA-0BC6-419B-B826-088209688372}" type="slidenum">
               <a:rPr lang="en-US" smtClean="0"/>
-              <a:t>20</a:t>
+              <a:t>22</a:t>
             </a:fld>
             <a:endParaRPr lang="en-US" dirty="0"/>
           </a:p>
@@ -1629,7 +1631,7 @@
           <a:p>
             <a:fld id="{76317BBA-0BC6-419B-B826-088209688372}" type="slidenum">
               <a:rPr lang="en-US" smtClean="0"/>
-              <a:t>22</a:t>
+              <a:t>24</a:t>
             </a:fld>
             <a:endParaRPr lang="en-US" dirty="0"/>
           </a:p>
@@ -1779,7 +1781,7 @@
           <a:p>
             <a:fld id="{5555EB2C-244D-4423-AD97-018ED6478B87}" type="datetime1">
               <a:rPr lang="en-US" smtClean="0"/>
-              <a:t>10/17/2022</a:t>
+              <a:t>10/28/2022</a:t>
             </a:fld>
             <a:endParaRPr lang="en-US"/>
           </a:p>
@@ -1958,7 +1960,7 @@
           <a:p>
             <a:fld id="{A2B41D1F-7576-4C60-B4EB-5115BC56CF40}" type="datetime1">
               <a:rPr lang="en-US" smtClean="0"/>
-              <a:t>10/17/2022</a:t>
+              <a:t>10/28/2022</a:t>
             </a:fld>
             <a:endParaRPr lang="en-US"/>
           </a:p>
@@ -2150,7 +2152,7 @@
           <a:p>
             <a:fld id="{E79D1398-4D56-44F9-BA35-34ACF3159A64}" type="datetime1">
               <a:rPr lang="en-US" smtClean="0"/>
-              <a:t>10/17/2022</a:t>
+              <a:t>10/28/2022</a:t>
             </a:fld>
             <a:endParaRPr lang="en-US"/>
           </a:p>
@@ -2332,7 +2334,7 @@
           <a:p>
             <a:fld id="{A3CF632E-48CB-4EEB-A6B6-DEC7AD7CC976}" type="datetime1">
               <a:rPr lang="en-US" smtClean="0"/>
-              <a:t>10/17/2022</a:t>
+              <a:t>10/28/2022</a:t>
             </a:fld>
             <a:endParaRPr lang="en-US"/>
           </a:p>
@@ -2585,7 +2587,7 @@
           <a:p>
             <a:fld id="{BAEEE52C-3A57-458E-95F6-96B2FA9D1DD4}" type="datetime1">
               <a:rPr lang="en-US" smtClean="0"/>
-              <a:t>10/17/2022</a:t>
+              <a:t>10/28/2022</a:t>
             </a:fld>
             <a:endParaRPr lang="en-US"/>
           </a:p>
@@ -2829,7 +2831,7 @@
           <a:p>
             <a:fld id="{766FC747-A48A-4FF2-8EE4-3E95ECD1C2A8}" type="datetime1">
               <a:rPr lang="en-US" smtClean="0"/>
-              <a:t>10/17/2022</a:t>
+              <a:t>10/28/2022</a:t>
             </a:fld>
             <a:endParaRPr lang="en-US"/>
           </a:p>
@@ -3208,7 +3210,7 @@
           <a:p>
             <a:fld id="{C9BF5758-AB7F-463D-B638-E1729B95E126}" type="datetime1">
               <a:rPr lang="en-US" smtClean="0"/>
-              <a:t>10/17/2022</a:t>
+              <a:t>10/28/2022</a:t>
             </a:fld>
             <a:endParaRPr lang="en-US"/>
           </a:p>
@@ -3338,7 +3340,7 @@
           <a:p>
             <a:fld id="{F3718C77-7DD0-4738-BF52-D0EC9F78A76E}" type="datetime1">
               <a:rPr lang="en-US" smtClean="0"/>
-              <a:t>10/17/2022</a:t>
+              <a:t>10/28/2022</a:t>
             </a:fld>
             <a:endParaRPr lang="en-US"/>
           </a:p>
@@ -3445,7 +3447,7 @@
           <a:p>
             <a:fld id="{948970CF-13D9-4E1D-A74F-2CFE4953FCDB}" type="datetime1">
               <a:rPr lang="en-US" smtClean="0"/>
-              <a:t>10/17/2022</a:t>
+              <a:t>10/28/2022</a:t>
             </a:fld>
             <a:endParaRPr lang="en-US"/>
           </a:p>
@@ -3734,7 +3736,7 @@
           <a:p>
             <a:fld id="{F68C49B9-4E1C-4967-B9CF-0BF9FECBE837}" type="datetime1">
               <a:rPr lang="en-US" smtClean="0"/>
-              <a:t>10/17/2022</a:t>
+              <a:t>10/28/2022</a:t>
             </a:fld>
             <a:endParaRPr lang="en-US"/>
           </a:p>
@@ -4002,7 +4004,7 @@
           <a:p>
             <a:fld id="{7E338CBB-1F06-4333-9BBF-66628B15E581}" type="datetime1">
               <a:rPr lang="en-US" smtClean="0"/>
-              <a:t>10/17/2022</a:t>
+              <a:t>10/28/2022</a:t>
             </a:fld>
             <a:endParaRPr lang="en-US"/>
           </a:p>
@@ -4227,7 +4229,7 @@
           <a:p>
             <a:fld id="{705EC883-F03C-4CA3-AF62-BEF30EEA4F65}" type="datetime1">
               <a:rPr lang="en-US" smtClean="0"/>
-              <a:t>10/17/2022</a:t>
+              <a:t>10/28/2022</a:t>
             </a:fld>
             <a:endParaRPr lang="en-US"/>
           </a:p>
@@ -7521,10 +7523,10 @@
       </p:grpSpPr>
       <p:pic>
         <p:nvPicPr>
-          <p:cNvPr id="11" name="Picture 10">
+          <p:cNvPr id="24" name="Picture 23">
             <a:extLst>
               <a:ext uri="{FF2B5EF4-FFF2-40B4-BE49-F238E27FC236}">
-                <a16:creationId xmlns:a16="http://schemas.microsoft.com/office/drawing/2014/main" id="{609054EA-0B8B-634E-AA8C-BB068E6C4BE5}"/>
+                <a16:creationId xmlns:a16="http://schemas.microsoft.com/office/drawing/2014/main" id="{991428B3-0EF8-8D34-EC4E-55E71AF21BE2}"/>
               </a:ext>
             </a:extLst>
           </p:cNvPr>
@@ -7541,8 +7543,8 @@
         </p:blipFill>
         <p:spPr>
           <a:xfrm>
-            <a:off x="1035974" y="1546055"/>
-            <a:ext cx="7099722" cy="4978416"/>
+            <a:off x="1226619" y="1511770"/>
+            <a:ext cx="6690762" cy="5150078"/>
           </a:xfrm>
           <a:prstGeom prst="rect">
             <a:avLst/>
@@ -7622,13 +7624,13 @@
         </p:nvSpPr>
         <p:spPr>
           <a:xfrm>
-            <a:off x="4885856" y="4766286"/>
+            <a:off x="5972643" y="4913531"/>
             <a:ext cx="2600794" cy="1124263"/>
           </a:xfrm>
           <a:prstGeom prst="wedgeRoundRectCallout">
             <a:avLst>
-              <a:gd name="adj1" fmla="val -77435"/>
-              <a:gd name="adj2" fmla="val -65500"/>
+              <a:gd name="adj1" fmla="val -94150"/>
+              <a:gd name="adj2" fmla="val -61500"/>
               <a:gd name="adj3" fmla="val 16667"/>
             </a:avLst>
           </a:prstGeom>
@@ -7675,7 +7677,7 @@
         </p:nvGrpSpPr>
         <p:grpSpPr>
           <a:xfrm>
-            <a:off x="2799611" y="2657023"/>
+            <a:off x="2897044" y="2512544"/>
             <a:ext cx="1076632" cy="369332"/>
             <a:chOff x="4968362" y="2079211"/>
             <a:chExt cx="1076632" cy="369332"/>
@@ -7795,7 +7797,7 @@
         </p:nvGrpSpPr>
         <p:grpSpPr>
           <a:xfrm>
-            <a:off x="2813924" y="2965416"/>
+            <a:off x="3133862" y="3100389"/>
             <a:ext cx="1076632" cy="369332"/>
             <a:chOff x="4704120" y="2356972"/>
             <a:chExt cx="1076632" cy="369332"/>
@@ -7915,7 +7917,7 @@
         </p:nvGrpSpPr>
         <p:grpSpPr>
           <a:xfrm>
-            <a:off x="3698335" y="3278657"/>
+            <a:off x="3691804" y="3386739"/>
             <a:ext cx="1068643" cy="369332"/>
             <a:chOff x="3647644" y="4910075"/>
             <a:chExt cx="1068643" cy="369332"/>
@@ -8035,7 +8037,7 @@
         </p:nvGrpSpPr>
         <p:grpSpPr>
           <a:xfrm>
-            <a:off x="3023789" y="3601385"/>
+            <a:off x="3293608" y="3689169"/>
             <a:ext cx="1064340" cy="369332"/>
             <a:chOff x="3647644" y="5421073"/>
             <a:chExt cx="1064340" cy="369332"/>
@@ -8155,7 +8157,7 @@
         </p:nvGrpSpPr>
         <p:grpSpPr>
           <a:xfrm>
-            <a:off x="5190344" y="3904911"/>
+            <a:off x="5337780" y="3959687"/>
             <a:ext cx="1068643" cy="369332"/>
             <a:chOff x="3647644" y="5359159"/>
             <a:chExt cx="1068643" cy="369332"/>
@@ -8275,7 +8277,7 @@
         </p:nvGrpSpPr>
         <p:grpSpPr>
           <a:xfrm>
-            <a:off x="4676327" y="4208199"/>
+            <a:off x="4901375" y="4246299"/>
             <a:ext cx="1076632" cy="369332"/>
             <a:chOff x="2157212" y="5356391"/>
             <a:chExt cx="1076632" cy="369332"/>
@@ -9014,10 +9016,10 @@
       </p:grpSpPr>
       <p:pic>
         <p:nvPicPr>
-          <p:cNvPr id="6" name="Picture 5">
+          <p:cNvPr id="8" name="Picture 7">
             <a:extLst>
               <a:ext uri="{FF2B5EF4-FFF2-40B4-BE49-F238E27FC236}">
-                <a16:creationId xmlns:a16="http://schemas.microsoft.com/office/drawing/2014/main" id="{2D3601F3-4F83-16C3-FB74-2739B1F8F5B0}"/>
+                <a16:creationId xmlns:a16="http://schemas.microsoft.com/office/drawing/2014/main" id="{51212193-DDFA-8292-11EC-18554758ECE5}"/>
               </a:ext>
             </a:extLst>
           </p:cNvPr>
@@ -9034,8 +9036,8 @@
         </p:blipFill>
         <p:spPr>
           <a:xfrm>
-            <a:off x="1035974" y="1546055"/>
-            <a:ext cx="7099722" cy="4978416"/>
+            <a:off x="1226619" y="1511771"/>
+            <a:ext cx="6690762" cy="5150078"/>
           </a:xfrm>
           <a:prstGeom prst="rect">
             <a:avLst/>
@@ -9115,7 +9117,7 @@
         </p:nvGrpSpPr>
         <p:grpSpPr>
           <a:xfrm>
-            <a:off x="4529572" y="5454821"/>
+            <a:off x="3607676" y="5454821"/>
             <a:ext cx="1076632" cy="369332"/>
             <a:chOff x="2157212" y="5356391"/>
             <a:chExt cx="1076632" cy="369332"/>
@@ -9433,13 +9435,13 @@
         </p:nvPicPr>
         <p:blipFill rotWithShape="1">
           <a:blip r:embed="rId2"/>
-          <a:srcRect b="44451"/>
+          <a:srcRect b="69587"/>
           <a:stretch/>
         </p:blipFill>
         <p:spPr>
           <a:xfrm>
-            <a:off x="1609662" y="2393745"/>
-            <a:ext cx="5251235" cy="1035255"/>
+            <a:off x="1609662" y="2393746"/>
+            <a:ext cx="5251235" cy="566812"/>
           </a:xfrm>
           <a:prstGeom prst="rect">
             <a:avLst/>
@@ -9449,60 +9451,6 @@
           </a:ln>
         </p:spPr>
       </p:pic>
-      <p:sp>
-        <p:nvSpPr>
-          <p:cNvPr id="3" name="Rectangle 2">
-            <a:extLst>
-              <a:ext uri="{FF2B5EF4-FFF2-40B4-BE49-F238E27FC236}">
-                <a16:creationId xmlns:a16="http://schemas.microsoft.com/office/drawing/2014/main" id="{4336F480-4088-87D5-EB3A-D8CCB6AE5F2A}"/>
-              </a:ext>
-            </a:extLst>
-          </p:cNvPr>
-          <p:cNvSpPr/>
-          <p:nvPr/>
-        </p:nvSpPr>
-        <p:spPr>
-          <a:xfrm>
-            <a:off x="1896255" y="2863121"/>
-            <a:ext cx="5149121" cy="565879"/>
-          </a:xfrm>
-          <a:prstGeom prst="rect">
-            <a:avLst/>
-          </a:prstGeom>
-          <a:solidFill>
-            <a:schemeClr val="bg1"/>
-          </a:solidFill>
-          <a:ln>
-            <a:solidFill>
-              <a:schemeClr val="bg1"/>
-            </a:solidFill>
-          </a:ln>
-        </p:spPr>
-        <p:style>
-          <a:lnRef idx="2">
-            <a:schemeClr val="accent1">
-              <a:shade val="50000"/>
-            </a:schemeClr>
-          </a:lnRef>
-          <a:fillRef idx="1">
-            <a:schemeClr val="accent1"/>
-          </a:fillRef>
-          <a:effectRef idx="0">
-            <a:schemeClr val="accent1"/>
-          </a:effectRef>
-          <a:fontRef idx="minor">
-            <a:schemeClr val="lt1"/>
-          </a:fontRef>
-        </p:style>
-        <p:txBody>
-          <a:bodyPr rtlCol="0" anchor="ctr"/>
-          <a:lstStyle/>
-          <a:p>
-            <a:pPr algn="ctr"/>
-            <a:endParaRPr lang="en-US"/>
-          </a:p>
-        </p:txBody>
-      </p:sp>
     </p:spTree>
     <p:extLst>
       <p:ext uri="{BB962C8B-B14F-4D97-AF65-F5344CB8AC3E}">
@@ -9513,92 +9461,6 @@
   <p:clrMapOvr>
     <a:masterClrMapping/>
   </p:clrMapOvr>
-  <p:timing>
-    <p:tnLst>
-      <p:par>
-        <p:cTn id="1" dur="indefinite" restart="never" nodeType="tmRoot">
-          <p:childTnLst>
-            <p:seq concurrent="1" nextAc="seek">
-              <p:cTn id="2" dur="indefinite" nodeType="mainSeq">
-                <p:childTnLst>
-                  <p:par>
-                    <p:cTn id="3" fill="hold">
-                      <p:stCondLst>
-                        <p:cond delay="indefinite"/>
-                      </p:stCondLst>
-                      <p:childTnLst>
-                        <p:par>
-                          <p:cTn id="4" fill="hold">
-                            <p:stCondLst>
-                              <p:cond delay="0"/>
-                            </p:stCondLst>
-                            <p:childTnLst>
-                              <p:par>
-                                <p:cTn id="5" presetID="22" presetClass="exit" presetSubtype="8" fill="hold" grpId="0" nodeType="clickEffect">
-                                  <p:stCondLst>
-                                    <p:cond delay="0"/>
-                                  </p:stCondLst>
-                                  <p:childTnLst>
-                                    <p:animEffect transition="out" filter="wipe(left)">
-                                      <p:cBhvr>
-                                        <p:cTn id="6" dur="500"/>
-                                        <p:tgtEl>
-                                          <p:spTgt spid="3"/>
-                                        </p:tgtEl>
-                                      </p:cBhvr>
-                                    </p:animEffect>
-                                    <p:set>
-                                      <p:cBhvr>
-                                        <p:cTn id="7" dur="1" fill="hold">
-                                          <p:stCondLst>
-                                            <p:cond delay="499"/>
-                                          </p:stCondLst>
-                                        </p:cTn>
-                                        <p:tgtEl>
-                                          <p:spTgt spid="3"/>
-                                        </p:tgtEl>
-                                        <p:attrNameLst>
-                                          <p:attrName>style.visibility</p:attrName>
-                                        </p:attrNameLst>
-                                      </p:cBhvr>
-                                      <p:to>
-                                        <p:strVal val="hidden"/>
-                                      </p:to>
-                                    </p:set>
-                                  </p:childTnLst>
-                                </p:cTn>
-                              </p:par>
-                            </p:childTnLst>
-                          </p:cTn>
-                        </p:par>
-                      </p:childTnLst>
-                    </p:cTn>
-                  </p:par>
-                </p:childTnLst>
-              </p:cTn>
-              <p:prevCondLst>
-                <p:cond evt="onPrev" delay="0">
-                  <p:tgtEl>
-                    <p:sldTgt/>
-                  </p:tgtEl>
-                </p:cond>
-              </p:prevCondLst>
-              <p:nextCondLst>
-                <p:cond evt="onNext" delay="0">
-                  <p:tgtEl>
-                    <p:sldTgt/>
-                  </p:tgtEl>
-                </p:cond>
-              </p:nextCondLst>
-            </p:seq>
-          </p:childTnLst>
-        </p:cTn>
-      </p:par>
-    </p:tnLst>
-    <p:bldLst>
-      <p:bldP spid="3" grpId="0" animBg="1"/>
-    </p:bldLst>
-  </p:timing>
 </p:sld>
 </file>
 
@@ -9715,13 +9577,13 @@
         </p:nvPicPr>
         <p:blipFill rotWithShape="1">
           <a:blip r:embed="rId2"/>
-          <a:srcRect b="21728"/>
+          <a:srcRect b="44451"/>
           <a:stretch/>
         </p:blipFill>
         <p:spPr>
           <a:xfrm>
             <a:off x="1609662" y="2393745"/>
-            <a:ext cx="5251235" cy="1458727"/>
+            <a:ext cx="5251235" cy="1035255"/>
           </a:xfrm>
           <a:prstGeom prst="rect">
             <a:avLst/>
@@ -9855,16 +9717,15 @@
           </p:cNvPicPr>
           <p:nvPr/>
         </p:nvPicPr>
-        <p:blipFill>
+        <p:blipFill rotWithShape="1">
           <a:blip r:embed="rId2"/>
-          <a:stretch>
-            <a:fillRect/>
-          </a:stretch>
+          <a:srcRect b="21728"/>
+          <a:stretch/>
         </p:blipFill>
         <p:spPr>
           <a:xfrm>
             <a:off x="1609662" y="2393745"/>
-            <a:ext cx="5251235" cy="1863674"/>
+            <a:ext cx="5251235" cy="1458727"/>
           </a:xfrm>
           <a:prstGeom prst="rect">
             <a:avLst/>
@@ -9874,480 +9735,12 @@
           </a:ln>
         </p:spPr>
       </p:pic>
-      <p:sp>
-        <p:nvSpPr>
-          <p:cNvPr id="38" name="Rectangle 37">
+      <p:cxnSp>
+        <p:nvCxnSpPr>
+          <p:cNvPr id="2" name="Straight Connector 1">
             <a:extLst>
               <a:ext uri="{FF2B5EF4-FFF2-40B4-BE49-F238E27FC236}">
-                <a16:creationId xmlns:a16="http://schemas.microsoft.com/office/drawing/2014/main" id="{1A46FD09-C212-82B2-6A8A-8436A511A35A}"/>
-              </a:ext>
-            </a:extLst>
-          </p:cNvPr>
-          <p:cNvSpPr/>
-          <p:nvPr/>
-        </p:nvSpPr>
-        <p:spPr>
-          <a:xfrm>
-            <a:off x="2048035" y="3400263"/>
-            <a:ext cx="234087" cy="490118"/>
-          </a:xfrm>
-          <a:prstGeom prst="rect">
-            <a:avLst/>
-          </a:prstGeom>
-          <a:noFill/>
-          <a:ln w="28575">
-            <a:solidFill>
-              <a:srgbClr val="FF0000"/>
-            </a:solidFill>
-          </a:ln>
-        </p:spPr>
-        <p:style>
-          <a:lnRef idx="2">
-            <a:schemeClr val="accent1">
-              <a:shade val="50000"/>
-            </a:schemeClr>
-          </a:lnRef>
-          <a:fillRef idx="1">
-            <a:schemeClr val="accent1"/>
-          </a:fillRef>
-          <a:effectRef idx="0">
-            <a:schemeClr val="accent1"/>
-          </a:effectRef>
-          <a:fontRef idx="minor">
-            <a:schemeClr val="lt1"/>
-          </a:fontRef>
-        </p:style>
-        <p:txBody>
-          <a:bodyPr rtlCol="0" anchor="ctr"/>
-          <a:lstStyle/>
-          <a:p>
-            <a:pPr algn="ctr"/>
-            <a:endParaRPr lang="en-US"/>
-          </a:p>
-        </p:txBody>
-      </p:sp>
-      <p:sp>
-        <p:nvSpPr>
-          <p:cNvPr id="39" name="Rectangle 38">
-            <a:extLst>
-              <a:ext uri="{FF2B5EF4-FFF2-40B4-BE49-F238E27FC236}">
-                <a16:creationId xmlns:a16="http://schemas.microsoft.com/office/drawing/2014/main" id="{2860BB5C-049F-E75E-5481-17AB5432D470}"/>
-              </a:ext>
-            </a:extLst>
-          </p:cNvPr>
-          <p:cNvSpPr/>
-          <p:nvPr/>
-        </p:nvSpPr>
-        <p:spPr>
-          <a:xfrm>
-            <a:off x="3260646" y="2917519"/>
-            <a:ext cx="234087" cy="980236"/>
-          </a:xfrm>
-          <a:prstGeom prst="rect">
-            <a:avLst/>
-          </a:prstGeom>
-          <a:noFill/>
-          <a:ln w="28575">
-            <a:solidFill>
-              <a:srgbClr val="FF0000"/>
-            </a:solidFill>
-          </a:ln>
-        </p:spPr>
-        <p:style>
-          <a:lnRef idx="2">
-            <a:schemeClr val="accent1">
-              <a:shade val="50000"/>
-            </a:schemeClr>
-          </a:lnRef>
-          <a:fillRef idx="1">
-            <a:schemeClr val="accent1"/>
-          </a:fillRef>
-          <a:effectRef idx="0">
-            <a:schemeClr val="accent1"/>
-          </a:effectRef>
-          <a:fontRef idx="minor">
-            <a:schemeClr val="lt1"/>
-          </a:fontRef>
-        </p:style>
-        <p:txBody>
-          <a:bodyPr rtlCol="0" anchor="ctr"/>
-          <a:lstStyle/>
-          <a:p>
-            <a:pPr algn="ctr"/>
-            <a:endParaRPr lang="en-US"/>
-          </a:p>
-        </p:txBody>
-      </p:sp>
-      <p:sp>
-        <p:nvSpPr>
-          <p:cNvPr id="40" name="Rectangle 39">
-            <a:extLst>
-              <a:ext uri="{FF2B5EF4-FFF2-40B4-BE49-F238E27FC236}">
-                <a16:creationId xmlns:a16="http://schemas.microsoft.com/office/drawing/2014/main" id="{28C21C31-A4B6-7144-530C-40BC0687C4DD}"/>
-              </a:ext>
-            </a:extLst>
-          </p:cNvPr>
-          <p:cNvSpPr/>
-          <p:nvPr/>
-        </p:nvSpPr>
-        <p:spPr>
-          <a:xfrm>
-            <a:off x="4179962" y="2902873"/>
-            <a:ext cx="234087" cy="980236"/>
-          </a:xfrm>
-          <a:prstGeom prst="rect">
-            <a:avLst/>
-          </a:prstGeom>
-          <a:noFill/>
-          <a:ln w="28575">
-            <a:solidFill>
-              <a:srgbClr val="FF0000"/>
-            </a:solidFill>
-          </a:ln>
-        </p:spPr>
-        <p:style>
-          <a:lnRef idx="2">
-            <a:schemeClr val="accent1">
-              <a:shade val="50000"/>
-            </a:schemeClr>
-          </a:lnRef>
-          <a:fillRef idx="1">
-            <a:schemeClr val="accent1"/>
-          </a:fillRef>
-          <a:effectRef idx="0">
-            <a:schemeClr val="accent1"/>
-          </a:effectRef>
-          <a:fontRef idx="minor">
-            <a:schemeClr val="lt1"/>
-          </a:fontRef>
-        </p:style>
-        <p:txBody>
-          <a:bodyPr rtlCol="0" anchor="ctr"/>
-          <a:lstStyle/>
-          <a:p>
-            <a:pPr algn="ctr"/>
-            <a:endParaRPr lang="en-US"/>
-          </a:p>
-        </p:txBody>
-      </p:sp>
-      <p:sp>
-        <p:nvSpPr>
-          <p:cNvPr id="41" name="Rectangle 40">
-            <a:extLst>
-              <a:ext uri="{FF2B5EF4-FFF2-40B4-BE49-F238E27FC236}">
-                <a16:creationId xmlns:a16="http://schemas.microsoft.com/office/drawing/2014/main" id="{7D173E63-6034-F07D-B39A-D922BF4531D5}"/>
-              </a:ext>
-            </a:extLst>
-          </p:cNvPr>
-          <p:cNvSpPr/>
-          <p:nvPr/>
-        </p:nvSpPr>
-        <p:spPr>
-          <a:xfrm>
-            <a:off x="4564243" y="2888552"/>
-            <a:ext cx="234087" cy="980236"/>
-          </a:xfrm>
-          <a:prstGeom prst="rect">
-            <a:avLst/>
-          </a:prstGeom>
-          <a:noFill/>
-          <a:ln w="28575">
-            <a:solidFill>
-              <a:srgbClr val="FF0000"/>
-            </a:solidFill>
-          </a:ln>
-        </p:spPr>
-        <p:style>
-          <a:lnRef idx="2">
-            <a:schemeClr val="accent1">
-              <a:shade val="50000"/>
-            </a:schemeClr>
-          </a:lnRef>
-          <a:fillRef idx="1">
-            <a:schemeClr val="accent1"/>
-          </a:fillRef>
-          <a:effectRef idx="0">
-            <a:schemeClr val="accent1"/>
-          </a:effectRef>
-          <a:fontRef idx="minor">
-            <a:schemeClr val="lt1"/>
-          </a:fontRef>
-        </p:style>
-        <p:txBody>
-          <a:bodyPr rtlCol="0" anchor="ctr"/>
-          <a:lstStyle/>
-          <a:p>
-            <a:pPr algn="ctr"/>
-            <a:endParaRPr lang="en-US"/>
-          </a:p>
-        </p:txBody>
-      </p:sp>
-      <p:sp>
-        <p:nvSpPr>
-          <p:cNvPr id="42" name="Rectangle 41">
-            <a:extLst>
-              <a:ext uri="{FF2B5EF4-FFF2-40B4-BE49-F238E27FC236}">
-                <a16:creationId xmlns:a16="http://schemas.microsoft.com/office/drawing/2014/main" id="{38078C59-2B78-18FF-EC67-CF9DEE71AAAD}"/>
-              </a:ext>
-            </a:extLst>
-          </p:cNvPr>
-          <p:cNvSpPr/>
-          <p:nvPr/>
-        </p:nvSpPr>
-        <p:spPr>
-          <a:xfrm>
-            <a:off x="4909551" y="2878631"/>
-            <a:ext cx="234087" cy="980236"/>
-          </a:xfrm>
-          <a:prstGeom prst="rect">
-            <a:avLst/>
-          </a:prstGeom>
-          <a:noFill/>
-          <a:ln w="28575">
-            <a:solidFill>
-              <a:srgbClr val="FF0000"/>
-            </a:solidFill>
-          </a:ln>
-        </p:spPr>
-        <p:style>
-          <a:lnRef idx="2">
-            <a:schemeClr val="accent1">
-              <a:shade val="50000"/>
-            </a:schemeClr>
-          </a:lnRef>
-          <a:fillRef idx="1">
-            <a:schemeClr val="accent1"/>
-          </a:fillRef>
-          <a:effectRef idx="0">
-            <a:schemeClr val="accent1"/>
-          </a:effectRef>
-          <a:fontRef idx="minor">
-            <a:schemeClr val="lt1"/>
-          </a:fontRef>
-        </p:style>
-        <p:txBody>
-          <a:bodyPr rtlCol="0" anchor="ctr"/>
-          <a:lstStyle/>
-          <a:p>
-            <a:pPr algn="ctr"/>
-            <a:endParaRPr lang="en-US"/>
-          </a:p>
-        </p:txBody>
-      </p:sp>
-      <p:sp>
-        <p:nvSpPr>
-          <p:cNvPr id="43" name="Rectangle 42">
-            <a:extLst>
-              <a:ext uri="{FF2B5EF4-FFF2-40B4-BE49-F238E27FC236}">
-                <a16:creationId xmlns:a16="http://schemas.microsoft.com/office/drawing/2014/main" id="{16901C85-0EFD-E9AD-62B4-A492E40B74BF}"/>
-              </a:ext>
-            </a:extLst>
-          </p:cNvPr>
-          <p:cNvSpPr/>
-          <p:nvPr/>
-        </p:nvSpPr>
-        <p:spPr>
-          <a:xfrm>
-            <a:off x="3192292" y="3417231"/>
-            <a:ext cx="716757" cy="441635"/>
-          </a:xfrm>
-          <a:prstGeom prst="rect">
-            <a:avLst/>
-          </a:prstGeom>
-          <a:noFill/>
-          <a:ln w="28575">
-            <a:solidFill>
-              <a:srgbClr val="FF0000"/>
-            </a:solidFill>
-          </a:ln>
-        </p:spPr>
-        <p:style>
-          <a:lnRef idx="2">
-            <a:schemeClr val="accent1">
-              <a:shade val="50000"/>
-            </a:schemeClr>
-          </a:lnRef>
-          <a:fillRef idx="1">
-            <a:schemeClr val="accent1"/>
-          </a:fillRef>
-          <a:effectRef idx="0">
-            <a:schemeClr val="accent1"/>
-          </a:effectRef>
-          <a:fontRef idx="minor">
-            <a:schemeClr val="lt1"/>
-          </a:fontRef>
-        </p:style>
-        <p:txBody>
-          <a:bodyPr rtlCol="0" anchor="ctr"/>
-          <a:lstStyle/>
-          <a:p>
-            <a:pPr algn="ctr"/>
-            <a:endParaRPr lang="en-US"/>
-          </a:p>
-        </p:txBody>
-      </p:sp>
-      <p:sp>
-        <p:nvSpPr>
-          <p:cNvPr id="44" name="Rectangle 43">
-            <a:extLst>
-              <a:ext uri="{FF2B5EF4-FFF2-40B4-BE49-F238E27FC236}">
-                <a16:creationId xmlns:a16="http://schemas.microsoft.com/office/drawing/2014/main" id="{A82AC426-C505-4375-BAB2-01E5BA505505}"/>
-              </a:ext>
-            </a:extLst>
-          </p:cNvPr>
-          <p:cNvSpPr/>
-          <p:nvPr/>
-        </p:nvSpPr>
-        <p:spPr>
-          <a:xfrm>
-            <a:off x="3374583" y="3854458"/>
-            <a:ext cx="372541" cy="441635"/>
-          </a:xfrm>
-          <a:prstGeom prst="rect">
-            <a:avLst/>
-          </a:prstGeom>
-          <a:noFill/>
-          <a:ln w="28575">
-            <a:solidFill>
-              <a:srgbClr val="FF0000"/>
-            </a:solidFill>
-          </a:ln>
-        </p:spPr>
-        <p:style>
-          <a:lnRef idx="2">
-            <a:schemeClr val="accent1">
-              <a:shade val="50000"/>
-            </a:schemeClr>
-          </a:lnRef>
-          <a:fillRef idx="1">
-            <a:schemeClr val="accent1"/>
-          </a:fillRef>
-          <a:effectRef idx="0">
-            <a:schemeClr val="accent1"/>
-          </a:effectRef>
-          <a:fontRef idx="minor">
-            <a:schemeClr val="lt1"/>
-          </a:fontRef>
-        </p:style>
-        <p:txBody>
-          <a:bodyPr rtlCol="0" anchor="ctr"/>
-          <a:lstStyle/>
-          <a:p>
-            <a:pPr algn="ctr"/>
-            <a:endParaRPr lang="en-US"/>
-          </a:p>
-        </p:txBody>
-      </p:sp>
-      <p:sp>
-        <p:nvSpPr>
-          <p:cNvPr id="45" name="Rectangle 44">
-            <a:extLst>
-              <a:ext uri="{FF2B5EF4-FFF2-40B4-BE49-F238E27FC236}">
-                <a16:creationId xmlns:a16="http://schemas.microsoft.com/office/drawing/2014/main" id="{429EFBB2-F216-14FD-3593-1F986B2E8A48}"/>
-              </a:ext>
-            </a:extLst>
-          </p:cNvPr>
-          <p:cNvSpPr/>
-          <p:nvPr/>
-        </p:nvSpPr>
-        <p:spPr>
-          <a:xfrm>
-            <a:off x="4137183" y="3427153"/>
-            <a:ext cx="1453028" cy="441635"/>
-          </a:xfrm>
-          <a:prstGeom prst="rect">
-            <a:avLst/>
-          </a:prstGeom>
-          <a:noFill/>
-          <a:ln w="28575">
-            <a:solidFill>
-              <a:srgbClr val="FF0000"/>
-            </a:solidFill>
-          </a:ln>
-        </p:spPr>
-        <p:style>
-          <a:lnRef idx="2">
-            <a:schemeClr val="accent1">
-              <a:shade val="50000"/>
-            </a:schemeClr>
-          </a:lnRef>
-          <a:fillRef idx="1">
-            <a:schemeClr val="accent1"/>
-          </a:fillRef>
-          <a:effectRef idx="0">
-            <a:schemeClr val="accent1"/>
-          </a:effectRef>
-          <a:fontRef idx="minor">
-            <a:schemeClr val="lt1"/>
-          </a:fontRef>
-        </p:style>
-        <p:txBody>
-          <a:bodyPr rtlCol="0" anchor="ctr"/>
-          <a:lstStyle/>
-          <a:p>
-            <a:pPr algn="ctr"/>
-            <a:endParaRPr lang="en-US"/>
-          </a:p>
-        </p:txBody>
-      </p:sp>
-      <p:sp>
-        <p:nvSpPr>
-          <p:cNvPr id="46" name="Rectangle 45">
-            <a:extLst>
-              <a:ext uri="{FF2B5EF4-FFF2-40B4-BE49-F238E27FC236}">
-                <a16:creationId xmlns:a16="http://schemas.microsoft.com/office/drawing/2014/main" id="{89822E19-047A-1968-9669-E068DA8AD112}"/>
-              </a:ext>
-            </a:extLst>
-          </p:cNvPr>
-          <p:cNvSpPr/>
-          <p:nvPr/>
-        </p:nvSpPr>
-        <p:spPr>
-          <a:xfrm>
-            <a:off x="4700374" y="3854457"/>
-            <a:ext cx="372541" cy="441635"/>
-          </a:xfrm>
-          <a:prstGeom prst="rect">
-            <a:avLst/>
-          </a:prstGeom>
-          <a:noFill/>
-          <a:ln w="28575">
-            <a:solidFill>
-              <a:srgbClr val="FF0000"/>
-            </a:solidFill>
-          </a:ln>
-        </p:spPr>
-        <p:style>
-          <a:lnRef idx="2">
-            <a:schemeClr val="accent1">
-              <a:shade val="50000"/>
-            </a:schemeClr>
-          </a:lnRef>
-          <a:fillRef idx="1">
-            <a:schemeClr val="accent1"/>
-          </a:fillRef>
-          <a:effectRef idx="0">
-            <a:schemeClr val="accent1"/>
-          </a:effectRef>
-          <a:fontRef idx="minor">
-            <a:schemeClr val="lt1"/>
-          </a:fontRef>
-        </p:style>
-        <p:txBody>
-          <a:bodyPr rtlCol="0" anchor="ctr"/>
-          <a:lstStyle/>
-          <a:p>
-            <a:pPr algn="ctr"/>
-            <a:endParaRPr lang="en-US"/>
-          </a:p>
-        </p:txBody>
-      </p:sp>
-      <p:cxnSp>
-        <p:nvCxnSpPr>
-          <p:cNvPr id="47" name="Straight Connector 46">
-            <a:extLst>
-              <a:ext uri="{FF2B5EF4-FFF2-40B4-BE49-F238E27FC236}">
-                <a16:creationId xmlns:a16="http://schemas.microsoft.com/office/drawing/2014/main" id="{94F91882-0577-BA2C-D6FD-A32C77479D9B}"/>
+                <a16:creationId xmlns:a16="http://schemas.microsoft.com/office/drawing/2014/main" id="{079CD987-0823-8B3A-D0DA-51D3F12BCE58}"/>
               </a:ext>
             </a:extLst>
           </p:cNvPr>
@@ -10384,275 +9777,10 @@
           </a:fontRef>
         </p:style>
       </p:cxnSp>
-      <p:sp>
-        <p:nvSpPr>
-          <p:cNvPr id="48" name="Rectangle 47">
-            <a:extLst>
-              <a:ext uri="{FF2B5EF4-FFF2-40B4-BE49-F238E27FC236}">
-                <a16:creationId xmlns:a16="http://schemas.microsoft.com/office/drawing/2014/main" id="{E4AFDF9E-079B-44DC-D042-CC25954688BD}"/>
-              </a:ext>
-            </a:extLst>
-          </p:cNvPr>
-          <p:cNvSpPr/>
-          <p:nvPr/>
-        </p:nvSpPr>
-        <p:spPr>
-          <a:xfrm>
-            <a:off x="6412396" y="3826844"/>
-            <a:ext cx="516855" cy="441635"/>
-          </a:xfrm>
-          <a:prstGeom prst="rect">
-            <a:avLst/>
-          </a:prstGeom>
-          <a:noFill/>
-          <a:ln w="28575">
-            <a:solidFill>
-              <a:srgbClr val="FF0000"/>
-            </a:solidFill>
-          </a:ln>
-        </p:spPr>
-        <p:style>
-          <a:lnRef idx="2">
-            <a:schemeClr val="accent1">
-              <a:shade val="50000"/>
-            </a:schemeClr>
-          </a:lnRef>
-          <a:fillRef idx="1">
-            <a:schemeClr val="accent1"/>
-          </a:fillRef>
-          <a:effectRef idx="0">
-            <a:schemeClr val="accent1"/>
-          </a:effectRef>
-          <a:fontRef idx="minor">
-            <a:schemeClr val="lt1"/>
-          </a:fontRef>
-        </p:style>
-        <p:txBody>
-          <a:bodyPr rtlCol="0" anchor="ctr"/>
-          <a:lstStyle/>
-          <a:p>
-            <a:pPr algn="ctr"/>
-            <a:endParaRPr lang="en-US"/>
-          </a:p>
-        </p:txBody>
-      </p:sp>
-      <p:sp>
-        <p:nvSpPr>
-          <p:cNvPr id="49" name="Rectangle 48">
-            <a:extLst>
-              <a:ext uri="{FF2B5EF4-FFF2-40B4-BE49-F238E27FC236}">
-                <a16:creationId xmlns:a16="http://schemas.microsoft.com/office/drawing/2014/main" id="{73016291-C3EB-2B40-0DDE-8884496E8795}"/>
-              </a:ext>
-            </a:extLst>
-          </p:cNvPr>
-          <p:cNvSpPr/>
-          <p:nvPr/>
-        </p:nvSpPr>
-        <p:spPr>
-          <a:xfrm>
-            <a:off x="1492618" y="2293571"/>
-            <a:ext cx="611520" cy="729941"/>
-          </a:xfrm>
-          <a:prstGeom prst="rect">
-            <a:avLst/>
-          </a:prstGeom>
-          <a:noFill/>
-          <a:ln w="28575">
-            <a:solidFill>
-              <a:srgbClr val="FF0000"/>
-            </a:solidFill>
-          </a:ln>
-        </p:spPr>
-        <p:style>
-          <a:lnRef idx="2">
-            <a:schemeClr val="accent1">
-              <a:shade val="50000"/>
-            </a:schemeClr>
-          </a:lnRef>
-          <a:fillRef idx="1">
-            <a:schemeClr val="accent1"/>
-          </a:fillRef>
-          <a:effectRef idx="0">
-            <a:schemeClr val="accent1"/>
-          </a:effectRef>
-          <a:fontRef idx="minor">
-            <a:schemeClr val="lt1"/>
-          </a:fontRef>
-        </p:style>
-        <p:txBody>
-          <a:bodyPr rtlCol="0" anchor="ctr"/>
-          <a:lstStyle/>
-          <a:p>
-            <a:pPr algn="ctr"/>
-            <a:endParaRPr lang="en-US"/>
-          </a:p>
-        </p:txBody>
-      </p:sp>
-      <p:sp>
-        <p:nvSpPr>
-          <p:cNvPr id="50" name="TextBox 49">
-            <a:extLst>
-              <a:ext uri="{FF2B5EF4-FFF2-40B4-BE49-F238E27FC236}">
-                <a16:creationId xmlns:a16="http://schemas.microsoft.com/office/drawing/2014/main" id="{37EEC211-A974-330A-F5B8-D0CB74A81857}"/>
-              </a:ext>
-            </a:extLst>
-          </p:cNvPr>
-          <p:cNvSpPr txBox="1"/>
-          <p:nvPr/>
-        </p:nvSpPr>
-        <p:spPr>
-          <a:xfrm>
-            <a:off x="2531334" y="4884473"/>
-            <a:ext cx="3765430" cy="369332"/>
-          </a:xfrm>
-          <a:prstGeom prst="rect">
-            <a:avLst/>
-          </a:prstGeom>
-          <a:noFill/>
-        </p:spPr>
-        <p:txBody>
-          <a:bodyPr wrap="square">
-            <a:spAutoFit/>
-          </a:bodyPr>
-          <a:lstStyle/>
-          <a:p>
-            <a:pPr algn="ctr"/>
-            <a:r>
-              <a:rPr lang="en-US" dirty="0"/>
-              <a:t>Nicole Oresme (c. </a:t>
-            </a:r>
-            <a:r>
-              <a:rPr lang="en-US" b="1" dirty="0"/>
-              <a:t>1360</a:t>
-            </a:r>
-            <a:r>
-              <a:rPr lang="en-US" dirty="0"/>
-              <a:t>)</a:t>
-            </a:r>
-          </a:p>
-        </p:txBody>
-      </p:sp>
-      <p:sp>
-        <p:nvSpPr>
-          <p:cNvPr id="51" name="Rounded Rectangular Callout 6">
-            <a:extLst>
-              <a:ext uri="{FF2B5EF4-FFF2-40B4-BE49-F238E27FC236}">
-                <a16:creationId xmlns:a16="http://schemas.microsoft.com/office/drawing/2014/main" id="{91AF97C9-2048-6127-5006-AF18CEF64405}"/>
-              </a:ext>
-            </a:extLst>
-          </p:cNvPr>
-          <p:cNvSpPr/>
-          <p:nvPr/>
-        </p:nvSpPr>
-        <p:spPr>
-          <a:xfrm>
-            <a:off x="7085750" y="4411194"/>
-            <a:ext cx="1712656" cy="718958"/>
-          </a:xfrm>
-          <a:prstGeom prst="wedgeRoundRectCallout">
-            <a:avLst>
-              <a:gd name="adj1" fmla="val -50598"/>
-              <a:gd name="adj2" fmla="val -83662"/>
-              <a:gd name="adj3" fmla="val 16667"/>
-            </a:avLst>
-          </a:prstGeom>
-          <a:solidFill>
-            <a:schemeClr val="bg1"/>
-          </a:solidFill>
-          <a:ln w="19050">
-            <a:solidFill>
-              <a:srgbClr val="FF0000"/>
-            </a:solidFill>
-          </a:ln>
-        </p:spPr>
-        <p:style>
-          <a:lnRef idx="2">
-            <a:schemeClr val="accent1">
-              <a:shade val="50000"/>
-            </a:schemeClr>
-          </a:lnRef>
-          <a:fillRef idx="1">
-            <a:schemeClr val="accent1"/>
-          </a:fillRef>
-          <a:effectRef idx="0">
-            <a:schemeClr val="accent1"/>
-          </a:effectRef>
-          <a:fontRef idx="minor">
-            <a:schemeClr val="lt1"/>
-          </a:fontRef>
-        </p:style>
-        <p:txBody>
-          <a:bodyPr rtlCol="0" anchor="ctr"/>
-          <a:lstStyle/>
-          <a:p>
-            <a:pPr algn="ctr"/>
-            <a:r>
-              <a:rPr lang="en-US" dirty="0">
-                <a:solidFill>
-                  <a:srgbClr val="FF0000"/>
-                </a:solidFill>
-              </a:rPr>
-              <a:t>The harmonic series diverges</a:t>
-            </a:r>
-          </a:p>
-        </p:txBody>
-      </p:sp>
-      <p:sp>
-        <p:nvSpPr>
-          <p:cNvPr id="2" name="Rectangle 1">
-            <a:extLst>
-              <a:ext uri="{FF2B5EF4-FFF2-40B4-BE49-F238E27FC236}">
-                <a16:creationId xmlns:a16="http://schemas.microsoft.com/office/drawing/2014/main" id="{30EA0EE1-E352-56CA-D7F1-F3388C20C1EF}"/>
-              </a:ext>
-            </a:extLst>
-          </p:cNvPr>
-          <p:cNvSpPr/>
-          <p:nvPr/>
-        </p:nvSpPr>
-        <p:spPr>
-          <a:xfrm>
-            <a:off x="2603332" y="3858366"/>
-            <a:ext cx="372541" cy="441635"/>
-          </a:xfrm>
-          <a:prstGeom prst="rect">
-            <a:avLst/>
-          </a:prstGeom>
-          <a:noFill/>
-          <a:ln w="28575">
-            <a:solidFill>
-              <a:srgbClr val="FF0000"/>
-            </a:solidFill>
-          </a:ln>
-        </p:spPr>
-        <p:style>
-          <a:lnRef idx="2">
-            <a:schemeClr val="accent1">
-              <a:shade val="50000"/>
-            </a:schemeClr>
-          </a:lnRef>
-          <a:fillRef idx="1">
-            <a:schemeClr val="accent1"/>
-          </a:fillRef>
-          <a:effectRef idx="0">
-            <a:schemeClr val="accent1"/>
-          </a:effectRef>
-          <a:fontRef idx="minor">
-            <a:schemeClr val="lt1"/>
-          </a:fontRef>
-        </p:style>
-        <p:txBody>
-          <a:bodyPr rtlCol="0" anchor="ctr"/>
-          <a:lstStyle/>
-          <a:p>
-            <a:pPr algn="ctr"/>
-            <a:endParaRPr lang="en-US"/>
-          </a:p>
-        </p:txBody>
-      </p:sp>
     </p:spTree>
     <p:extLst>
       <p:ext uri="{BB962C8B-B14F-4D97-AF65-F5344CB8AC3E}">
-        <p14:creationId xmlns:p14="http://schemas.microsoft.com/office/powerpoint/2010/main" val="1287956826"/>
+        <p14:creationId xmlns:p14="http://schemas.microsoft.com/office/powerpoint/2010/main" val="2990795933"/>
       </p:ext>
     </p:extLst>
   </p:cSld>
@@ -10696,7 +9824,7 @@
                                           </p:stCondLst>
                                         </p:cTn>
                                         <p:tgtEl>
-                                          <p:spTgt spid="47"/>
+                                          <p:spTgt spid="2"/>
                                         </p:tgtEl>
                                         <p:attrNameLst>
                                           <p:attrName>style.visibility</p:attrName>
@@ -10710,1062 +9838,10 @@
                                       <p:cBhvr>
                                         <p:cTn id="7" dur="500"/>
                                         <p:tgtEl>
-                                          <p:spTgt spid="47"/>
-                                        </p:tgtEl>
-                                      </p:cBhvr>
-                                    </p:animEffect>
-                                  </p:childTnLst>
-                                </p:cTn>
-                              </p:par>
-                            </p:childTnLst>
-                          </p:cTn>
-                        </p:par>
-                      </p:childTnLst>
-                    </p:cTn>
-                  </p:par>
-                  <p:par>
-                    <p:cTn id="8" fill="hold">
-                      <p:stCondLst>
-                        <p:cond delay="indefinite"/>
-                      </p:stCondLst>
-                      <p:childTnLst>
-                        <p:par>
-                          <p:cTn id="9" fill="hold">
-                            <p:stCondLst>
-                              <p:cond delay="0"/>
-                            </p:stCondLst>
-                            <p:childTnLst>
-                              <p:par>
-                                <p:cTn id="10" presetID="22" presetClass="entr" presetSubtype="1" fill="hold" grpId="0" nodeType="clickEffect">
-                                  <p:stCondLst>
-                                    <p:cond delay="0"/>
-                                  </p:stCondLst>
-                                  <p:childTnLst>
-                                    <p:set>
-                                      <p:cBhvr>
-                                        <p:cTn id="11" dur="1" fill="hold">
-                                          <p:stCondLst>
-                                            <p:cond delay="0"/>
-                                          </p:stCondLst>
-                                        </p:cTn>
-                                        <p:tgtEl>
-                                          <p:spTgt spid="39"/>
-                                        </p:tgtEl>
-                                        <p:attrNameLst>
-                                          <p:attrName>style.visibility</p:attrName>
-                                        </p:attrNameLst>
-                                      </p:cBhvr>
-                                      <p:to>
-                                        <p:strVal val="visible"/>
-                                      </p:to>
-                                    </p:set>
-                                    <p:animEffect transition="in" filter="wipe(up)">
-                                      <p:cBhvr>
-                                        <p:cTn id="12" dur="500"/>
-                                        <p:tgtEl>
-                                          <p:spTgt spid="39"/>
-                                        </p:tgtEl>
-                                      </p:cBhvr>
-                                    </p:animEffect>
-                                  </p:childTnLst>
-                                </p:cTn>
-                              </p:par>
-                            </p:childTnLst>
-                          </p:cTn>
-                        </p:par>
-                      </p:childTnLst>
-                    </p:cTn>
-                  </p:par>
-                  <p:par>
-                    <p:cTn id="13" fill="hold">
-                      <p:stCondLst>
-                        <p:cond delay="indefinite"/>
-                      </p:stCondLst>
-                      <p:childTnLst>
-                        <p:par>
-                          <p:cTn id="14" fill="hold">
-                            <p:stCondLst>
-                              <p:cond delay="0"/>
-                            </p:stCondLst>
-                            <p:childTnLst>
-                              <p:par>
-                                <p:cTn id="15" presetID="22" presetClass="entr" presetSubtype="1" fill="hold" grpId="0" nodeType="clickEffect">
-                                  <p:stCondLst>
-                                    <p:cond delay="0"/>
-                                  </p:stCondLst>
-                                  <p:childTnLst>
-                                    <p:set>
-                                      <p:cBhvr>
-                                        <p:cTn id="16" dur="1" fill="hold">
-                                          <p:stCondLst>
-                                            <p:cond delay="0"/>
-                                          </p:stCondLst>
-                                        </p:cTn>
-                                        <p:tgtEl>
-                                          <p:spTgt spid="40"/>
-                                        </p:tgtEl>
-                                        <p:attrNameLst>
-                                          <p:attrName>style.visibility</p:attrName>
-                                        </p:attrNameLst>
-                                      </p:cBhvr>
-                                      <p:to>
-                                        <p:strVal val="visible"/>
-                                      </p:to>
-                                    </p:set>
-                                    <p:animEffect transition="in" filter="wipe(up)">
-                                      <p:cBhvr>
-                                        <p:cTn id="17" dur="500"/>
-                                        <p:tgtEl>
-                                          <p:spTgt spid="40"/>
-                                        </p:tgtEl>
-                                      </p:cBhvr>
-                                    </p:animEffect>
-                                  </p:childTnLst>
-                                </p:cTn>
-                              </p:par>
-                              <p:par>
-                                <p:cTn id="18" presetID="22" presetClass="entr" presetSubtype="1" fill="hold" grpId="0" nodeType="withEffect">
-                                  <p:stCondLst>
-                                    <p:cond delay="0"/>
-                                  </p:stCondLst>
-                                  <p:childTnLst>
-                                    <p:set>
-                                      <p:cBhvr>
-                                        <p:cTn id="19" dur="1" fill="hold">
-                                          <p:stCondLst>
-                                            <p:cond delay="0"/>
-                                          </p:stCondLst>
-                                        </p:cTn>
-                                        <p:tgtEl>
-                                          <p:spTgt spid="41"/>
-                                        </p:tgtEl>
-                                        <p:attrNameLst>
-                                          <p:attrName>style.visibility</p:attrName>
-                                        </p:attrNameLst>
-                                      </p:cBhvr>
-                                      <p:to>
-                                        <p:strVal val="visible"/>
-                                      </p:to>
-                                    </p:set>
-                                    <p:animEffect transition="in" filter="wipe(up)">
-                                      <p:cBhvr>
-                                        <p:cTn id="20" dur="500"/>
-                                        <p:tgtEl>
-                                          <p:spTgt spid="41"/>
-                                        </p:tgtEl>
-                                      </p:cBhvr>
-                                    </p:animEffect>
-                                  </p:childTnLst>
-                                </p:cTn>
-                              </p:par>
-                              <p:par>
-                                <p:cTn id="21" presetID="22" presetClass="entr" presetSubtype="1" fill="hold" grpId="0" nodeType="withEffect">
-                                  <p:stCondLst>
-                                    <p:cond delay="0"/>
-                                  </p:stCondLst>
-                                  <p:childTnLst>
-                                    <p:set>
-                                      <p:cBhvr>
-                                        <p:cTn id="22" dur="1" fill="hold">
-                                          <p:stCondLst>
-                                            <p:cond delay="0"/>
-                                          </p:stCondLst>
-                                        </p:cTn>
-                                        <p:tgtEl>
-                                          <p:spTgt spid="42"/>
-                                        </p:tgtEl>
-                                        <p:attrNameLst>
-                                          <p:attrName>style.visibility</p:attrName>
-                                        </p:attrNameLst>
-                                      </p:cBhvr>
-                                      <p:to>
-                                        <p:strVal val="visible"/>
-                                      </p:to>
-                                    </p:set>
-                                    <p:animEffect transition="in" filter="wipe(up)">
-                                      <p:cBhvr>
-                                        <p:cTn id="23" dur="500"/>
-                                        <p:tgtEl>
-                                          <p:spTgt spid="42"/>
-                                        </p:tgtEl>
-                                      </p:cBhvr>
-                                    </p:animEffect>
-                                  </p:childTnLst>
-                                </p:cTn>
-                              </p:par>
-                            </p:childTnLst>
-                          </p:cTn>
-                        </p:par>
-                      </p:childTnLst>
-                    </p:cTn>
-                  </p:par>
-                  <p:par>
-                    <p:cTn id="24" fill="hold">
-                      <p:stCondLst>
-                        <p:cond delay="indefinite"/>
-                      </p:stCondLst>
-                      <p:childTnLst>
-                        <p:par>
-                          <p:cTn id="25" fill="hold">
-                            <p:stCondLst>
-                              <p:cond delay="0"/>
-                            </p:stCondLst>
-                            <p:childTnLst>
-                              <p:par>
-                                <p:cTn id="26" presetID="1" presetClass="exit" presetSubtype="0" fill="hold" grpId="1" nodeType="clickEffect">
-                                  <p:stCondLst>
-                                    <p:cond delay="0"/>
-                                  </p:stCondLst>
-                                  <p:childTnLst>
-                                    <p:set>
-                                      <p:cBhvr>
-                                        <p:cTn id="27" dur="1" fill="hold">
-                                          <p:stCondLst>
-                                            <p:cond delay="0"/>
-                                          </p:stCondLst>
-                                        </p:cTn>
-                                        <p:tgtEl>
-                                          <p:spTgt spid="39"/>
-                                        </p:tgtEl>
-                                        <p:attrNameLst>
-                                          <p:attrName>style.visibility</p:attrName>
-                                        </p:attrNameLst>
-                                      </p:cBhvr>
-                                      <p:to>
-                                        <p:strVal val="hidden"/>
-                                      </p:to>
-                                    </p:set>
-                                  </p:childTnLst>
-                                </p:cTn>
-                              </p:par>
-                              <p:par>
-                                <p:cTn id="28" presetID="1" presetClass="exit" presetSubtype="0" fill="hold" grpId="1" nodeType="withEffect">
-                                  <p:stCondLst>
-                                    <p:cond delay="0"/>
-                                  </p:stCondLst>
-                                  <p:childTnLst>
-                                    <p:set>
-                                      <p:cBhvr>
-                                        <p:cTn id="29" dur="1" fill="hold">
-                                          <p:stCondLst>
-                                            <p:cond delay="0"/>
-                                          </p:stCondLst>
-                                        </p:cTn>
-                                        <p:tgtEl>
-                                          <p:spTgt spid="40"/>
-                                        </p:tgtEl>
-                                        <p:attrNameLst>
-                                          <p:attrName>style.visibility</p:attrName>
-                                        </p:attrNameLst>
-                                      </p:cBhvr>
-                                      <p:to>
-                                        <p:strVal val="hidden"/>
-                                      </p:to>
-                                    </p:set>
-                                  </p:childTnLst>
-                                </p:cTn>
-                              </p:par>
-                              <p:par>
-                                <p:cTn id="30" presetID="1" presetClass="exit" presetSubtype="0" fill="hold" grpId="1" nodeType="withEffect">
-                                  <p:stCondLst>
-                                    <p:cond delay="0"/>
-                                  </p:stCondLst>
-                                  <p:childTnLst>
-                                    <p:set>
-                                      <p:cBhvr>
-                                        <p:cTn id="31" dur="1" fill="hold">
-                                          <p:stCondLst>
-                                            <p:cond delay="0"/>
-                                          </p:stCondLst>
-                                        </p:cTn>
-                                        <p:tgtEl>
-                                          <p:spTgt spid="41"/>
-                                        </p:tgtEl>
-                                        <p:attrNameLst>
-                                          <p:attrName>style.visibility</p:attrName>
-                                        </p:attrNameLst>
-                                      </p:cBhvr>
-                                      <p:to>
-                                        <p:strVal val="hidden"/>
-                                      </p:to>
-                                    </p:set>
-                                  </p:childTnLst>
-                                </p:cTn>
-                              </p:par>
-                              <p:par>
-                                <p:cTn id="32" presetID="1" presetClass="exit" presetSubtype="0" fill="hold" grpId="1" nodeType="withEffect">
-                                  <p:stCondLst>
-                                    <p:cond delay="0"/>
-                                  </p:stCondLst>
-                                  <p:childTnLst>
-                                    <p:set>
-                                      <p:cBhvr>
-                                        <p:cTn id="33" dur="1" fill="hold">
-                                          <p:stCondLst>
-                                            <p:cond delay="0"/>
-                                          </p:stCondLst>
-                                        </p:cTn>
-                                        <p:tgtEl>
-                                          <p:spTgt spid="42"/>
-                                        </p:tgtEl>
-                                        <p:attrNameLst>
-                                          <p:attrName>style.visibility</p:attrName>
-                                        </p:attrNameLst>
-                                      </p:cBhvr>
-                                      <p:to>
-                                        <p:strVal val="hidden"/>
-                                      </p:to>
-                                    </p:set>
-                                  </p:childTnLst>
-                                </p:cTn>
-                              </p:par>
-                            </p:childTnLst>
-                          </p:cTn>
-                        </p:par>
-                        <p:par>
-                          <p:cTn id="34" fill="hold">
-                            <p:stCondLst>
-                              <p:cond delay="0"/>
-                            </p:stCondLst>
-                            <p:childTnLst>
-                              <p:par>
-                                <p:cTn id="35" presetID="22" presetClass="entr" presetSubtype="1" fill="hold" grpId="0" nodeType="afterEffect">
-                                  <p:stCondLst>
-                                    <p:cond delay="0"/>
-                                  </p:stCondLst>
-                                  <p:childTnLst>
-                                    <p:set>
-                                      <p:cBhvr>
-                                        <p:cTn id="36" dur="1" fill="hold">
-                                          <p:stCondLst>
-                                            <p:cond delay="0"/>
-                                          </p:stCondLst>
-                                        </p:cTn>
-                                        <p:tgtEl>
-                                          <p:spTgt spid="43"/>
-                                        </p:tgtEl>
-                                        <p:attrNameLst>
-                                          <p:attrName>style.visibility</p:attrName>
-                                        </p:attrNameLst>
-                                      </p:cBhvr>
-                                      <p:to>
-                                        <p:strVal val="visible"/>
-                                      </p:to>
-                                    </p:set>
-                                    <p:animEffect transition="in" filter="wipe(up)">
-                                      <p:cBhvr>
-                                        <p:cTn id="37" dur="500"/>
-                                        <p:tgtEl>
-                                          <p:spTgt spid="43"/>
-                                        </p:tgtEl>
-                                      </p:cBhvr>
-                                    </p:animEffect>
-                                  </p:childTnLst>
-                                </p:cTn>
-                              </p:par>
-                            </p:childTnLst>
-                          </p:cTn>
-                        </p:par>
-                        <p:par>
-                          <p:cTn id="38" fill="hold">
-                            <p:stCondLst>
-                              <p:cond delay="500"/>
-                            </p:stCondLst>
-                            <p:childTnLst>
-                              <p:par>
-                                <p:cTn id="39" presetID="22" presetClass="entr" presetSubtype="1" fill="hold" grpId="0" nodeType="afterEffect">
-                                  <p:stCondLst>
-                                    <p:cond delay="0"/>
-                                  </p:stCondLst>
-                                  <p:childTnLst>
-                                    <p:set>
-                                      <p:cBhvr>
-                                        <p:cTn id="40" dur="1" fill="hold">
-                                          <p:stCondLst>
-                                            <p:cond delay="0"/>
-                                          </p:stCondLst>
-                                        </p:cTn>
-                                        <p:tgtEl>
-                                          <p:spTgt spid="44"/>
-                                        </p:tgtEl>
-                                        <p:attrNameLst>
-                                          <p:attrName>style.visibility</p:attrName>
-                                        </p:attrNameLst>
-                                      </p:cBhvr>
-                                      <p:to>
-                                        <p:strVal val="visible"/>
-                                      </p:to>
-                                    </p:set>
-                                    <p:animEffect transition="in" filter="wipe(up)">
-                                      <p:cBhvr>
-                                        <p:cTn id="41" dur="500"/>
-                                        <p:tgtEl>
-                                          <p:spTgt spid="44"/>
-                                        </p:tgtEl>
-                                      </p:cBhvr>
-                                    </p:animEffect>
-                                  </p:childTnLst>
-                                </p:cTn>
-                              </p:par>
-                            </p:childTnLst>
-                          </p:cTn>
-                        </p:par>
-                      </p:childTnLst>
-                    </p:cTn>
-                  </p:par>
-                  <p:par>
-                    <p:cTn id="42" fill="hold">
-                      <p:stCondLst>
-                        <p:cond delay="indefinite"/>
-                      </p:stCondLst>
-                      <p:childTnLst>
-                        <p:par>
-                          <p:cTn id="43" fill="hold">
-                            <p:stCondLst>
-                              <p:cond delay="0"/>
-                            </p:stCondLst>
-                            <p:childTnLst>
-                              <p:par>
-                                <p:cTn id="44" presetID="22" presetClass="entr" presetSubtype="1" fill="hold" grpId="0" nodeType="clickEffect">
-                                  <p:stCondLst>
-                                    <p:cond delay="0"/>
-                                  </p:stCondLst>
-                                  <p:childTnLst>
-                                    <p:set>
-                                      <p:cBhvr>
-                                        <p:cTn id="45" dur="1" fill="hold">
-                                          <p:stCondLst>
-                                            <p:cond delay="0"/>
-                                          </p:stCondLst>
-                                        </p:cTn>
-                                        <p:tgtEl>
-                                          <p:spTgt spid="45"/>
-                                        </p:tgtEl>
-                                        <p:attrNameLst>
-                                          <p:attrName>style.visibility</p:attrName>
-                                        </p:attrNameLst>
-                                      </p:cBhvr>
-                                      <p:to>
-                                        <p:strVal val="visible"/>
-                                      </p:to>
-                                    </p:set>
-                                    <p:animEffect transition="in" filter="wipe(up)">
-                                      <p:cBhvr>
-                                        <p:cTn id="46" dur="500"/>
-                                        <p:tgtEl>
-                                          <p:spTgt spid="45"/>
-                                        </p:tgtEl>
-                                      </p:cBhvr>
-                                    </p:animEffect>
-                                  </p:childTnLst>
-                                </p:cTn>
-                              </p:par>
-                            </p:childTnLst>
-                          </p:cTn>
-                        </p:par>
-                        <p:par>
-                          <p:cTn id="47" fill="hold">
-                            <p:stCondLst>
-                              <p:cond delay="500"/>
-                            </p:stCondLst>
-                            <p:childTnLst>
-                              <p:par>
-                                <p:cTn id="48" presetID="22" presetClass="entr" presetSubtype="1" fill="hold" grpId="0" nodeType="afterEffect">
-                                  <p:stCondLst>
-                                    <p:cond delay="0"/>
-                                  </p:stCondLst>
-                                  <p:childTnLst>
-                                    <p:set>
-                                      <p:cBhvr>
-                                        <p:cTn id="49" dur="1" fill="hold">
-                                          <p:stCondLst>
-                                            <p:cond delay="0"/>
-                                          </p:stCondLst>
-                                        </p:cTn>
-                                        <p:tgtEl>
-                                          <p:spTgt spid="46"/>
-                                        </p:tgtEl>
-                                        <p:attrNameLst>
-                                          <p:attrName>style.visibility</p:attrName>
-                                        </p:attrNameLst>
-                                      </p:cBhvr>
-                                      <p:to>
-                                        <p:strVal val="visible"/>
-                                      </p:to>
-                                    </p:set>
-                                    <p:animEffect transition="in" filter="wipe(up)">
-                                      <p:cBhvr>
-                                        <p:cTn id="50" dur="500"/>
-                                        <p:tgtEl>
-                                          <p:spTgt spid="46"/>
-                                        </p:tgtEl>
-                                      </p:cBhvr>
-                                    </p:animEffect>
-                                  </p:childTnLst>
-                                </p:cTn>
-                              </p:par>
-                            </p:childTnLst>
-                          </p:cTn>
-                        </p:par>
-                      </p:childTnLst>
-                    </p:cTn>
-                  </p:par>
-                  <p:par>
-                    <p:cTn id="51" fill="hold">
-                      <p:stCondLst>
-                        <p:cond delay="indefinite"/>
-                      </p:stCondLst>
-                      <p:childTnLst>
-                        <p:par>
-                          <p:cTn id="52" fill="hold">
-                            <p:stCondLst>
-                              <p:cond delay="0"/>
-                            </p:stCondLst>
-                            <p:childTnLst>
-                              <p:par>
-                                <p:cTn id="53" presetID="1" presetClass="exit" presetSubtype="0" fill="hold" grpId="1" nodeType="clickEffect">
-                                  <p:stCondLst>
-                                    <p:cond delay="0"/>
-                                  </p:stCondLst>
-                                  <p:childTnLst>
-                                    <p:set>
-                                      <p:cBhvr>
-                                        <p:cTn id="54" dur="1" fill="hold">
-                                          <p:stCondLst>
-                                            <p:cond delay="0"/>
-                                          </p:stCondLst>
-                                        </p:cTn>
-                                        <p:tgtEl>
-                                          <p:spTgt spid="43"/>
-                                        </p:tgtEl>
-                                        <p:attrNameLst>
-                                          <p:attrName>style.visibility</p:attrName>
-                                        </p:attrNameLst>
-                                      </p:cBhvr>
-                                      <p:to>
-                                        <p:strVal val="hidden"/>
-                                      </p:to>
-                                    </p:set>
-                                  </p:childTnLst>
-                                </p:cTn>
-                              </p:par>
-                              <p:par>
-                                <p:cTn id="55" presetID="1" presetClass="exit" presetSubtype="0" fill="hold" grpId="1" nodeType="withEffect">
-                                  <p:stCondLst>
-                                    <p:cond delay="0"/>
-                                  </p:stCondLst>
-                                  <p:childTnLst>
-                                    <p:set>
-                                      <p:cBhvr>
-                                        <p:cTn id="56" dur="1" fill="hold">
-                                          <p:stCondLst>
-                                            <p:cond delay="0"/>
-                                          </p:stCondLst>
-                                        </p:cTn>
-                                        <p:tgtEl>
-                                          <p:spTgt spid="45"/>
-                                        </p:tgtEl>
-                                        <p:attrNameLst>
-                                          <p:attrName>style.visibility</p:attrName>
-                                        </p:attrNameLst>
-                                      </p:cBhvr>
-                                      <p:to>
-                                        <p:strVal val="hidden"/>
-                                      </p:to>
-                                    </p:set>
-                                  </p:childTnLst>
-                                </p:cTn>
-                              </p:par>
-                            </p:childTnLst>
-                          </p:cTn>
-                        </p:par>
-                        <p:par>
-                          <p:cTn id="57" fill="hold">
-                            <p:stCondLst>
-                              <p:cond delay="0"/>
-                            </p:stCondLst>
-                            <p:childTnLst>
-                              <p:par>
-                                <p:cTn id="58" presetID="22" presetClass="entr" presetSubtype="1" fill="hold" grpId="0" nodeType="afterEffect">
-                                  <p:stCondLst>
-                                    <p:cond delay="0"/>
-                                  </p:stCondLst>
-                                  <p:childTnLst>
-                                    <p:set>
-                                      <p:cBhvr>
-                                        <p:cTn id="59" dur="1" fill="hold">
-                                          <p:stCondLst>
-                                            <p:cond delay="0"/>
-                                          </p:stCondLst>
-                                        </p:cTn>
-                                        <p:tgtEl>
-                                          <p:spTgt spid="2"/>
-                                        </p:tgtEl>
-                                        <p:attrNameLst>
-                                          <p:attrName>style.visibility</p:attrName>
-                                        </p:attrNameLst>
-                                      </p:cBhvr>
-                                      <p:to>
-                                        <p:strVal val="visible"/>
-                                      </p:to>
-                                    </p:set>
-                                    <p:animEffect transition="in" filter="wipe(up)">
-                                      <p:cBhvr>
-                                        <p:cTn id="60" dur="500"/>
-                                        <p:tgtEl>
                                           <p:spTgt spid="2"/>
                                         </p:tgtEl>
                                       </p:cBhvr>
                                     </p:animEffect>
-                                  </p:childTnLst>
-                                </p:cTn>
-                              </p:par>
-                            </p:childTnLst>
-                          </p:cTn>
-                        </p:par>
-                        <p:par>
-                          <p:cTn id="61" fill="hold">
-                            <p:stCondLst>
-                              <p:cond delay="500"/>
-                            </p:stCondLst>
-                            <p:childTnLst>
-                              <p:par>
-                                <p:cTn id="62" presetID="22" presetClass="entr" presetSubtype="1" fill="hold" grpId="0" nodeType="afterEffect">
-                                  <p:stCondLst>
-                                    <p:cond delay="0"/>
-                                  </p:stCondLst>
-                                  <p:childTnLst>
-                                    <p:set>
-                                      <p:cBhvr>
-                                        <p:cTn id="63" dur="1" fill="hold">
-                                          <p:stCondLst>
-                                            <p:cond delay="0"/>
-                                          </p:stCondLst>
-                                        </p:cTn>
-                                        <p:tgtEl>
-                                          <p:spTgt spid="48"/>
-                                        </p:tgtEl>
-                                        <p:attrNameLst>
-                                          <p:attrName>style.visibility</p:attrName>
-                                        </p:attrNameLst>
-                                      </p:cBhvr>
-                                      <p:to>
-                                        <p:strVal val="visible"/>
-                                      </p:to>
-                                    </p:set>
-                                    <p:animEffect transition="in" filter="wipe(up)">
-                                      <p:cBhvr>
-                                        <p:cTn id="64" dur="500"/>
-                                        <p:tgtEl>
-                                          <p:spTgt spid="48"/>
-                                        </p:tgtEl>
-                                      </p:cBhvr>
-                                    </p:animEffect>
-                                  </p:childTnLst>
-                                </p:cTn>
-                              </p:par>
-                            </p:childTnLst>
-                          </p:cTn>
-                        </p:par>
-                      </p:childTnLst>
-                    </p:cTn>
-                  </p:par>
-                  <p:par>
-                    <p:cTn id="65" fill="hold">
-                      <p:stCondLst>
-                        <p:cond delay="indefinite"/>
-                      </p:stCondLst>
-                      <p:childTnLst>
-                        <p:par>
-                          <p:cTn id="66" fill="hold">
-                            <p:stCondLst>
-                              <p:cond delay="0"/>
-                            </p:stCondLst>
-                            <p:childTnLst>
-                              <p:par>
-                                <p:cTn id="67" presetID="1" presetClass="exit" presetSubtype="0" fill="hold" grpId="1" nodeType="clickEffect">
-                                  <p:stCondLst>
-                                    <p:cond delay="0"/>
-                                  </p:stCondLst>
-                                  <p:childTnLst>
-                                    <p:set>
-                                      <p:cBhvr>
-                                        <p:cTn id="68" dur="1" fill="hold">
-                                          <p:stCondLst>
-                                            <p:cond delay="0"/>
-                                          </p:stCondLst>
-                                        </p:cTn>
-                                        <p:tgtEl>
-                                          <p:spTgt spid="44"/>
-                                        </p:tgtEl>
-                                        <p:attrNameLst>
-                                          <p:attrName>style.visibility</p:attrName>
-                                        </p:attrNameLst>
-                                      </p:cBhvr>
-                                      <p:to>
-                                        <p:strVal val="hidden"/>
-                                      </p:to>
-                                    </p:set>
-                                  </p:childTnLst>
-                                </p:cTn>
-                              </p:par>
-                              <p:par>
-                                <p:cTn id="69" presetID="1" presetClass="exit" presetSubtype="0" fill="hold" grpId="1" nodeType="withEffect">
-                                  <p:stCondLst>
-                                    <p:cond delay="0"/>
-                                  </p:stCondLst>
-                                  <p:childTnLst>
-                                    <p:set>
-                                      <p:cBhvr>
-                                        <p:cTn id="70" dur="1" fill="hold">
-                                          <p:stCondLst>
-                                            <p:cond delay="0"/>
-                                          </p:stCondLst>
-                                        </p:cTn>
-                                        <p:tgtEl>
-                                          <p:spTgt spid="46"/>
-                                        </p:tgtEl>
-                                        <p:attrNameLst>
-                                          <p:attrName>style.visibility</p:attrName>
-                                        </p:attrNameLst>
-                                      </p:cBhvr>
-                                      <p:to>
-                                        <p:strVal val="hidden"/>
-                                      </p:to>
-                                    </p:set>
-                                  </p:childTnLst>
-                                </p:cTn>
-                              </p:par>
-                            </p:childTnLst>
-                          </p:cTn>
-                        </p:par>
-                        <p:par>
-                          <p:cTn id="71" fill="hold">
-                            <p:stCondLst>
-                              <p:cond delay="0"/>
-                            </p:stCondLst>
-                            <p:childTnLst>
-                              <p:par>
-                                <p:cTn id="72" presetID="1" presetClass="exit" presetSubtype="0" fill="hold" grpId="1" nodeType="afterEffect">
-                                  <p:stCondLst>
-                                    <p:cond delay="0"/>
-                                  </p:stCondLst>
-                                  <p:childTnLst>
-                                    <p:set>
-                                      <p:cBhvr>
-                                        <p:cTn id="73" dur="1" fill="hold">
-                                          <p:stCondLst>
-                                            <p:cond delay="0"/>
-                                          </p:stCondLst>
-                                        </p:cTn>
-                                        <p:tgtEl>
-                                          <p:spTgt spid="2"/>
-                                        </p:tgtEl>
-                                        <p:attrNameLst>
-                                          <p:attrName>style.visibility</p:attrName>
-                                        </p:attrNameLst>
-                                      </p:cBhvr>
-                                      <p:to>
-                                        <p:strVal val="hidden"/>
-                                      </p:to>
-                                    </p:set>
-                                  </p:childTnLst>
-                                </p:cTn>
-                              </p:par>
-                            </p:childTnLst>
-                          </p:cTn>
-                        </p:par>
-                        <p:par>
-                          <p:cTn id="74" fill="hold">
-                            <p:stCondLst>
-                              <p:cond delay="0"/>
-                            </p:stCondLst>
-                            <p:childTnLst>
-                              <p:par>
-                                <p:cTn id="75" presetID="21" presetClass="entr" presetSubtype="1" fill="hold" grpId="0" nodeType="afterEffect">
-                                  <p:stCondLst>
-                                    <p:cond delay="0"/>
-                                  </p:stCondLst>
-                                  <p:childTnLst>
-                                    <p:set>
-                                      <p:cBhvr>
-                                        <p:cTn id="76" dur="1" fill="hold">
-                                          <p:stCondLst>
-                                            <p:cond delay="0"/>
-                                          </p:stCondLst>
-                                        </p:cTn>
-                                        <p:tgtEl>
-                                          <p:spTgt spid="38"/>
-                                        </p:tgtEl>
-                                        <p:attrNameLst>
-                                          <p:attrName>style.visibility</p:attrName>
-                                        </p:attrNameLst>
-                                      </p:cBhvr>
-                                      <p:to>
-                                        <p:strVal val="visible"/>
-                                      </p:to>
-                                    </p:set>
-                                    <p:animEffect transition="in" filter="wheel(1)">
-                                      <p:cBhvr>
-                                        <p:cTn id="77" dur="2000"/>
-                                        <p:tgtEl>
-                                          <p:spTgt spid="38"/>
-                                        </p:tgtEl>
-                                      </p:cBhvr>
-                                    </p:animEffect>
-                                  </p:childTnLst>
-                                </p:cTn>
-                              </p:par>
-                            </p:childTnLst>
-                          </p:cTn>
-                        </p:par>
-                      </p:childTnLst>
-                    </p:cTn>
-                  </p:par>
-                  <p:par>
-                    <p:cTn id="78" fill="hold">
-                      <p:stCondLst>
-                        <p:cond delay="indefinite"/>
-                      </p:stCondLst>
-                      <p:childTnLst>
-                        <p:par>
-                          <p:cTn id="79" fill="hold">
-                            <p:stCondLst>
-                              <p:cond delay="0"/>
-                            </p:stCondLst>
-                            <p:childTnLst>
-                              <p:par>
-                                <p:cTn id="80" presetID="1" presetClass="exit" presetSubtype="0" fill="hold" grpId="1" nodeType="clickEffect">
-                                  <p:stCondLst>
-                                    <p:cond delay="0"/>
-                                  </p:stCondLst>
-                                  <p:childTnLst>
-                                    <p:set>
-                                      <p:cBhvr>
-                                        <p:cTn id="81" dur="1" fill="hold">
-                                          <p:stCondLst>
-                                            <p:cond delay="0"/>
-                                          </p:stCondLst>
-                                        </p:cTn>
-                                        <p:tgtEl>
-                                          <p:spTgt spid="38"/>
-                                        </p:tgtEl>
-                                        <p:attrNameLst>
-                                          <p:attrName>style.visibility</p:attrName>
-                                        </p:attrNameLst>
-                                      </p:cBhvr>
-                                      <p:to>
-                                        <p:strVal val="hidden"/>
-                                      </p:to>
-                                    </p:set>
-                                  </p:childTnLst>
-                                </p:cTn>
-                              </p:par>
-                            </p:childTnLst>
-                          </p:cTn>
-                        </p:par>
-                        <p:par>
-                          <p:cTn id="82" fill="hold">
-                            <p:stCondLst>
-                              <p:cond delay="0"/>
-                            </p:stCondLst>
-                            <p:childTnLst>
-                              <p:par>
-                                <p:cTn id="83" presetID="53" presetClass="entr" presetSubtype="16" fill="hold" grpId="0" nodeType="afterEffect">
-                                  <p:stCondLst>
-                                    <p:cond delay="0"/>
-                                  </p:stCondLst>
-                                  <p:childTnLst>
-                                    <p:set>
-                                      <p:cBhvr>
-                                        <p:cTn id="84" dur="1" fill="hold">
-                                          <p:stCondLst>
-                                            <p:cond delay="0"/>
-                                          </p:stCondLst>
-                                        </p:cTn>
-                                        <p:tgtEl>
-                                          <p:spTgt spid="49"/>
-                                        </p:tgtEl>
-                                        <p:attrNameLst>
-                                          <p:attrName>style.visibility</p:attrName>
-                                        </p:attrNameLst>
-                                      </p:cBhvr>
-                                      <p:to>
-                                        <p:strVal val="visible"/>
-                                      </p:to>
-                                    </p:set>
-                                    <p:anim calcmode="lin" valueType="num">
-                                      <p:cBhvr>
-                                        <p:cTn id="85" dur="500" fill="hold"/>
-                                        <p:tgtEl>
-                                          <p:spTgt spid="49"/>
-                                        </p:tgtEl>
-                                        <p:attrNameLst>
-                                          <p:attrName>ppt_w</p:attrName>
-                                        </p:attrNameLst>
-                                      </p:cBhvr>
-                                      <p:tavLst>
-                                        <p:tav tm="0">
-                                          <p:val>
-                                            <p:fltVal val="0"/>
-                                          </p:val>
-                                        </p:tav>
-                                        <p:tav tm="100000">
-                                          <p:val>
-                                            <p:strVal val="#ppt_w"/>
-                                          </p:val>
-                                        </p:tav>
-                                      </p:tavLst>
-                                    </p:anim>
-                                    <p:anim calcmode="lin" valueType="num">
-                                      <p:cBhvr>
-                                        <p:cTn id="86" dur="500" fill="hold"/>
-                                        <p:tgtEl>
-                                          <p:spTgt spid="49"/>
-                                        </p:tgtEl>
-                                        <p:attrNameLst>
-                                          <p:attrName>ppt_h</p:attrName>
-                                        </p:attrNameLst>
-                                      </p:cBhvr>
-                                      <p:tavLst>
-                                        <p:tav tm="0">
-                                          <p:val>
-                                            <p:fltVal val="0"/>
-                                          </p:val>
-                                        </p:tav>
-                                        <p:tav tm="100000">
-                                          <p:val>
-                                            <p:strVal val="#ppt_h"/>
-                                          </p:val>
-                                        </p:tav>
-                                      </p:tavLst>
-                                    </p:anim>
-                                    <p:animEffect transition="in" filter="fade">
-                                      <p:cBhvr>
-                                        <p:cTn id="87" dur="500"/>
-                                        <p:tgtEl>
-                                          <p:spTgt spid="49"/>
-                                        </p:tgtEl>
-                                      </p:cBhvr>
-                                    </p:animEffect>
-                                  </p:childTnLst>
-                                </p:cTn>
-                              </p:par>
-                            </p:childTnLst>
-                          </p:cTn>
-                        </p:par>
-                        <p:par>
-                          <p:cTn id="88" fill="hold">
-                            <p:stCondLst>
-                              <p:cond delay="500"/>
-                            </p:stCondLst>
-                            <p:childTnLst>
-                              <p:par>
-                                <p:cTn id="89" presetID="2" presetClass="entr" presetSubtype="2" fill="hold" grpId="0" nodeType="afterEffect">
-                                  <p:stCondLst>
-                                    <p:cond delay="0"/>
-                                  </p:stCondLst>
-                                  <p:childTnLst>
-                                    <p:set>
-                                      <p:cBhvr>
-                                        <p:cTn id="90" dur="1" fill="hold">
-                                          <p:stCondLst>
-                                            <p:cond delay="0"/>
-                                          </p:stCondLst>
-                                        </p:cTn>
-                                        <p:tgtEl>
-                                          <p:spTgt spid="51"/>
-                                        </p:tgtEl>
-                                        <p:attrNameLst>
-                                          <p:attrName>style.visibility</p:attrName>
-                                        </p:attrNameLst>
-                                      </p:cBhvr>
-                                      <p:to>
-                                        <p:strVal val="visible"/>
-                                      </p:to>
-                                    </p:set>
-                                    <p:anim calcmode="lin" valueType="num">
-                                      <p:cBhvr additive="base">
-                                        <p:cTn id="91" dur="500" fill="hold"/>
-                                        <p:tgtEl>
-                                          <p:spTgt spid="51"/>
-                                        </p:tgtEl>
-                                        <p:attrNameLst>
-                                          <p:attrName>ppt_x</p:attrName>
-                                        </p:attrNameLst>
-                                      </p:cBhvr>
-                                      <p:tavLst>
-                                        <p:tav tm="0">
-                                          <p:val>
-                                            <p:strVal val="1+#ppt_w/2"/>
-                                          </p:val>
-                                        </p:tav>
-                                        <p:tav tm="100000">
-                                          <p:val>
-                                            <p:strVal val="#ppt_x"/>
-                                          </p:val>
-                                        </p:tav>
-                                      </p:tavLst>
-                                    </p:anim>
-                                    <p:anim calcmode="lin" valueType="num">
-                                      <p:cBhvr additive="base">
-                                        <p:cTn id="92" dur="500" fill="hold"/>
-                                        <p:tgtEl>
-                                          <p:spTgt spid="51"/>
-                                        </p:tgtEl>
-                                        <p:attrNameLst>
-                                          <p:attrName>ppt_y</p:attrName>
-                                        </p:attrNameLst>
-                                      </p:cBhvr>
-                                      <p:tavLst>
-                                        <p:tav tm="0">
-                                          <p:val>
-                                            <p:strVal val="#ppt_y"/>
-                                          </p:val>
-                                        </p:tav>
-                                        <p:tav tm="100000">
-                                          <p:val>
-                                            <p:strVal val="#ppt_y"/>
-                                          </p:val>
-                                        </p:tav>
-                                      </p:tavLst>
-                                    </p:anim>
-                                  </p:childTnLst>
-                                </p:cTn>
-                              </p:par>
-                            </p:childTnLst>
-                          </p:cTn>
-                        </p:par>
-                        <p:par>
-                          <p:cTn id="93" fill="hold">
-                            <p:stCondLst>
-                              <p:cond delay="1000"/>
-                            </p:stCondLst>
-                            <p:childTnLst>
-                              <p:par>
-                                <p:cTn id="94" presetID="1" presetClass="entr" presetSubtype="0" fill="hold" grpId="0" nodeType="afterEffect">
-                                  <p:stCondLst>
-                                    <p:cond delay="0"/>
-                                  </p:stCondLst>
-                                  <p:childTnLst>
-                                    <p:set>
-                                      <p:cBhvr>
-                                        <p:cTn id="95" dur="1" fill="hold">
-                                          <p:stCondLst>
-                                            <p:cond delay="0"/>
-                                          </p:stCondLst>
-                                        </p:cTn>
-                                        <p:tgtEl>
-                                          <p:spTgt spid="50"/>
-                                        </p:tgtEl>
-                                        <p:attrNameLst>
-                                          <p:attrName>style.visibility</p:attrName>
-                                        </p:attrNameLst>
-                                      </p:cBhvr>
-                                      <p:to>
-                                        <p:strVal val="visible"/>
-                                      </p:to>
-                                    </p:set>
                                   </p:childTnLst>
                                 </p:cTn>
                               </p:par>
@@ -11796,32 +9872,6 @@
         </p:cTn>
       </p:par>
     </p:tnLst>
-    <p:bldLst>
-      <p:bldP spid="38" grpId="0" animBg="1"/>
-      <p:bldP spid="38" grpId="1" animBg="1"/>
-      <p:bldP spid="39" grpId="0" animBg="1"/>
-      <p:bldP spid="39" grpId="1" animBg="1"/>
-      <p:bldP spid="40" grpId="0" animBg="1"/>
-      <p:bldP spid="40" grpId="1" animBg="1"/>
-      <p:bldP spid="41" grpId="0" animBg="1"/>
-      <p:bldP spid="41" grpId="1" animBg="1"/>
-      <p:bldP spid="42" grpId="0" animBg="1"/>
-      <p:bldP spid="42" grpId="1" animBg="1"/>
-      <p:bldP spid="43" grpId="0" animBg="1"/>
-      <p:bldP spid="43" grpId="1" animBg="1"/>
-      <p:bldP spid="44" grpId="0" animBg="1"/>
-      <p:bldP spid="44" grpId="1" animBg="1"/>
-      <p:bldP spid="45" grpId="0" animBg="1"/>
-      <p:bldP spid="45" grpId="1" animBg="1"/>
-      <p:bldP spid="46" grpId="0" animBg="1"/>
-      <p:bldP spid="46" grpId="1" animBg="1"/>
-      <p:bldP spid="48" grpId="0" animBg="1"/>
-      <p:bldP spid="49" grpId="0" animBg="1"/>
-      <p:bldP spid="50" grpId="0"/>
-      <p:bldP spid="51" grpId="0" animBg="1"/>
-      <p:bldP spid="2" grpId="0" animBg="1"/>
-      <p:bldP spid="2" grpId="1" animBg="1"/>
-    </p:bldLst>
   </p:timing>
 </p:sld>
 </file>
@@ -12611,6 +10661,2462 @@
           <a:lstStyle/>
           <a:p>
             <a:fld id="{650AD656-6FF9-465D-B7B0-1CD0DD39CD23}" type="slidenum">
+              <a:rPr lang="en-US" smtClean="0"/>
+              <a:t>20</a:t>
+            </a:fld>
+            <a:endParaRPr lang="en-US" dirty="0"/>
+          </a:p>
+        </p:txBody>
+      </p:sp>
+      <p:sp>
+        <p:nvSpPr>
+          <p:cNvPr id="7" name="Title 1">
+            <a:extLst>
+              <a:ext uri="{FF2B5EF4-FFF2-40B4-BE49-F238E27FC236}">
+                <a16:creationId xmlns:a16="http://schemas.microsoft.com/office/drawing/2014/main" id="{FFA4614F-6CA5-44D7-AD07-09DC5228602C}"/>
+              </a:ext>
+            </a:extLst>
+          </p:cNvPr>
+          <p:cNvSpPr txBox="1">
+            <a:spLocks/>
+          </p:cNvSpPr>
+          <p:nvPr/>
+        </p:nvSpPr>
+        <p:spPr>
+          <a:xfrm>
+            <a:off x="628650" y="365126"/>
+            <a:ext cx="7886700" cy="1103455"/>
+          </a:xfrm>
+          <a:prstGeom prst="rect">
+            <a:avLst/>
+          </a:prstGeom>
+        </p:spPr>
+        <p:txBody>
+          <a:bodyPr anchor="ctr">
+            <a:noAutofit/>
+          </a:bodyPr>
+          <a:lstStyle>
+            <a:lvl1pPr algn="l" defTabSz="914400" rtl="0" eaLnBrk="1" latinLnBrk="0" hangingPunct="1">
+              <a:lnSpc>
+                <a:spcPct val="90000"/>
+              </a:lnSpc>
+              <a:spcBef>
+                <a:spcPct val="0"/>
+              </a:spcBef>
+              <a:buNone/>
+              <a:defRPr sz="4400" kern="1200">
+                <a:solidFill>
+                  <a:schemeClr val="tx1"/>
+                </a:solidFill>
+                <a:latin typeface="+mj-lt"/>
+                <a:ea typeface="+mj-ea"/>
+                <a:cs typeface="+mj-cs"/>
+              </a:defRPr>
+            </a:lvl1pPr>
+          </a:lstStyle>
+          <a:p>
+            <a:pPr algn="ctr"/>
+            <a:r>
+              <a:rPr lang="en-US" sz="3200" dirty="0">
+                <a:latin typeface="+mn-lt"/>
+              </a:rPr>
+              <a:t>The Harmonic Series Diverges</a:t>
+            </a:r>
+          </a:p>
+        </p:txBody>
+      </p:sp>
+      <p:pic>
+        <p:nvPicPr>
+          <p:cNvPr id="34" name="Picture 33">
+            <a:extLst>
+              <a:ext uri="{FF2B5EF4-FFF2-40B4-BE49-F238E27FC236}">
+                <a16:creationId xmlns:a16="http://schemas.microsoft.com/office/drawing/2014/main" id="{76385B50-2CC9-EBF9-84CC-418CF8C24DF1}"/>
+              </a:ext>
+            </a:extLst>
+          </p:cNvPr>
+          <p:cNvPicPr>
+            <a:picLocks noChangeAspect="1"/>
+          </p:cNvPicPr>
+          <p:nvPr/>
+        </p:nvPicPr>
+        <p:blipFill rotWithShape="1">
+          <a:blip r:embed="rId2"/>
+          <a:srcRect b="21622"/>
+          <a:stretch/>
+        </p:blipFill>
+        <p:spPr>
+          <a:xfrm>
+            <a:off x="1609662" y="2393745"/>
+            <a:ext cx="5251235" cy="1460712"/>
+          </a:xfrm>
+          <a:prstGeom prst="rect">
+            <a:avLst/>
+          </a:prstGeom>
+          <a:ln>
+            <a:noFill/>
+          </a:ln>
+        </p:spPr>
+      </p:pic>
+      <p:sp>
+        <p:nvSpPr>
+          <p:cNvPr id="39" name="Rectangle 38">
+            <a:extLst>
+              <a:ext uri="{FF2B5EF4-FFF2-40B4-BE49-F238E27FC236}">
+                <a16:creationId xmlns:a16="http://schemas.microsoft.com/office/drawing/2014/main" id="{2860BB5C-049F-E75E-5481-17AB5432D470}"/>
+              </a:ext>
+            </a:extLst>
+          </p:cNvPr>
+          <p:cNvSpPr/>
+          <p:nvPr/>
+        </p:nvSpPr>
+        <p:spPr>
+          <a:xfrm>
+            <a:off x="3260646" y="2917519"/>
+            <a:ext cx="234087" cy="980236"/>
+          </a:xfrm>
+          <a:prstGeom prst="rect">
+            <a:avLst/>
+          </a:prstGeom>
+          <a:noFill/>
+          <a:ln w="28575">
+            <a:solidFill>
+              <a:srgbClr val="FF0000"/>
+            </a:solidFill>
+          </a:ln>
+        </p:spPr>
+        <p:style>
+          <a:lnRef idx="2">
+            <a:schemeClr val="accent1">
+              <a:shade val="50000"/>
+            </a:schemeClr>
+          </a:lnRef>
+          <a:fillRef idx="1">
+            <a:schemeClr val="accent1"/>
+          </a:fillRef>
+          <a:effectRef idx="0">
+            <a:schemeClr val="accent1"/>
+          </a:effectRef>
+          <a:fontRef idx="minor">
+            <a:schemeClr val="lt1"/>
+          </a:fontRef>
+        </p:style>
+        <p:txBody>
+          <a:bodyPr rtlCol="0" anchor="ctr"/>
+          <a:lstStyle/>
+          <a:p>
+            <a:pPr algn="ctr"/>
+            <a:endParaRPr lang="en-US"/>
+          </a:p>
+        </p:txBody>
+      </p:sp>
+      <p:sp>
+        <p:nvSpPr>
+          <p:cNvPr id="40" name="Rectangle 39">
+            <a:extLst>
+              <a:ext uri="{FF2B5EF4-FFF2-40B4-BE49-F238E27FC236}">
+                <a16:creationId xmlns:a16="http://schemas.microsoft.com/office/drawing/2014/main" id="{28C21C31-A4B6-7144-530C-40BC0687C4DD}"/>
+              </a:ext>
+            </a:extLst>
+          </p:cNvPr>
+          <p:cNvSpPr/>
+          <p:nvPr/>
+        </p:nvSpPr>
+        <p:spPr>
+          <a:xfrm>
+            <a:off x="4179962" y="2902873"/>
+            <a:ext cx="234087" cy="980236"/>
+          </a:xfrm>
+          <a:prstGeom prst="rect">
+            <a:avLst/>
+          </a:prstGeom>
+          <a:noFill/>
+          <a:ln w="28575">
+            <a:solidFill>
+              <a:srgbClr val="FF0000"/>
+            </a:solidFill>
+          </a:ln>
+        </p:spPr>
+        <p:style>
+          <a:lnRef idx="2">
+            <a:schemeClr val="accent1">
+              <a:shade val="50000"/>
+            </a:schemeClr>
+          </a:lnRef>
+          <a:fillRef idx="1">
+            <a:schemeClr val="accent1"/>
+          </a:fillRef>
+          <a:effectRef idx="0">
+            <a:schemeClr val="accent1"/>
+          </a:effectRef>
+          <a:fontRef idx="minor">
+            <a:schemeClr val="lt1"/>
+          </a:fontRef>
+        </p:style>
+        <p:txBody>
+          <a:bodyPr rtlCol="0" anchor="ctr"/>
+          <a:lstStyle/>
+          <a:p>
+            <a:pPr algn="ctr"/>
+            <a:endParaRPr lang="en-US"/>
+          </a:p>
+        </p:txBody>
+      </p:sp>
+      <p:sp>
+        <p:nvSpPr>
+          <p:cNvPr id="41" name="Rectangle 40">
+            <a:extLst>
+              <a:ext uri="{FF2B5EF4-FFF2-40B4-BE49-F238E27FC236}">
+                <a16:creationId xmlns:a16="http://schemas.microsoft.com/office/drawing/2014/main" id="{7D173E63-6034-F07D-B39A-D922BF4531D5}"/>
+              </a:ext>
+            </a:extLst>
+          </p:cNvPr>
+          <p:cNvSpPr/>
+          <p:nvPr/>
+        </p:nvSpPr>
+        <p:spPr>
+          <a:xfrm>
+            <a:off x="4564243" y="2888552"/>
+            <a:ext cx="234087" cy="980236"/>
+          </a:xfrm>
+          <a:prstGeom prst="rect">
+            <a:avLst/>
+          </a:prstGeom>
+          <a:noFill/>
+          <a:ln w="28575">
+            <a:solidFill>
+              <a:srgbClr val="FF0000"/>
+            </a:solidFill>
+          </a:ln>
+        </p:spPr>
+        <p:style>
+          <a:lnRef idx="2">
+            <a:schemeClr val="accent1">
+              <a:shade val="50000"/>
+            </a:schemeClr>
+          </a:lnRef>
+          <a:fillRef idx="1">
+            <a:schemeClr val="accent1"/>
+          </a:fillRef>
+          <a:effectRef idx="0">
+            <a:schemeClr val="accent1"/>
+          </a:effectRef>
+          <a:fontRef idx="minor">
+            <a:schemeClr val="lt1"/>
+          </a:fontRef>
+        </p:style>
+        <p:txBody>
+          <a:bodyPr rtlCol="0" anchor="ctr"/>
+          <a:lstStyle/>
+          <a:p>
+            <a:pPr algn="ctr"/>
+            <a:endParaRPr lang="en-US"/>
+          </a:p>
+        </p:txBody>
+      </p:sp>
+      <p:sp>
+        <p:nvSpPr>
+          <p:cNvPr id="42" name="Rectangle 41">
+            <a:extLst>
+              <a:ext uri="{FF2B5EF4-FFF2-40B4-BE49-F238E27FC236}">
+                <a16:creationId xmlns:a16="http://schemas.microsoft.com/office/drawing/2014/main" id="{38078C59-2B78-18FF-EC67-CF9DEE71AAAD}"/>
+              </a:ext>
+            </a:extLst>
+          </p:cNvPr>
+          <p:cNvSpPr/>
+          <p:nvPr/>
+        </p:nvSpPr>
+        <p:spPr>
+          <a:xfrm>
+            <a:off x="4909551" y="2878631"/>
+            <a:ext cx="234087" cy="980236"/>
+          </a:xfrm>
+          <a:prstGeom prst="rect">
+            <a:avLst/>
+          </a:prstGeom>
+          <a:noFill/>
+          <a:ln w="28575">
+            <a:solidFill>
+              <a:srgbClr val="FF0000"/>
+            </a:solidFill>
+          </a:ln>
+        </p:spPr>
+        <p:style>
+          <a:lnRef idx="2">
+            <a:schemeClr val="accent1">
+              <a:shade val="50000"/>
+            </a:schemeClr>
+          </a:lnRef>
+          <a:fillRef idx="1">
+            <a:schemeClr val="accent1"/>
+          </a:fillRef>
+          <a:effectRef idx="0">
+            <a:schemeClr val="accent1"/>
+          </a:effectRef>
+          <a:fontRef idx="minor">
+            <a:schemeClr val="lt1"/>
+          </a:fontRef>
+        </p:style>
+        <p:txBody>
+          <a:bodyPr rtlCol="0" anchor="ctr"/>
+          <a:lstStyle/>
+          <a:p>
+            <a:pPr algn="ctr"/>
+            <a:endParaRPr lang="en-US"/>
+          </a:p>
+        </p:txBody>
+      </p:sp>
+      <p:cxnSp>
+        <p:nvCxnSpPr>
+          <p:cNvPr id="47" name="Straight Connector 46">
+            <a:extLst>
+              <a:ext uri="{FF2B5EF4-FFF2-40B4-BE49-F238E27FC236}">
+                <a16:creationId xmlns:a16="http://schemas.microsoft.com/office/drawing/2014/main" id="{94F91882-0577-BA2C-D6FD-A32C77479D9B}"/>
+              </a:ext>
+            </a:extLst>
+          </p:cNvPr>
+          <p:cNvCxnSpPr/>
+          <p:nvPr/>
+        </p:nvCxnSpPr>
+        <p:spPr>
+          <a:xfrm flipV="1">
+            <a:off x="1027506" y="3395109"/>
+            <a:ext cx="6518787" cy="0"/>
+          </a:xfrm>
+          <a:prstGeom prst="line">
+            <a:avLst/>
+          </a:prstGeom>
+          <a:ln w="28575">
+            <a:solidFill>
+              <a:srgbClr val="FF0000"/>
+            </a:solidFill>
+            <a:prstDash val="sysDash"/>
+          </a:ln>
+        </p:spPr>
+        <p:style>
+          <a:lnRef idx="1">
+            <a:schemeClr val="accent1"/>
+          </a:lnRef>
+          <a:fillRef idx="0">
+            <a:schemeClr val="accent1"/>
+          </a:fillRef>
+          <a:effectRef idx="0">
+            <a:schemeClr val="accent1"/>
+          </a:effectRef>
+          <a:fontRef idx="minor">
+            <a:schemeClr val="tx1"/>
+          </a:fontRef>
+        </p:style>
+      </p:cxnSp>
+    </p:spTree>
+    <p:extLst>
+      <p:ext uri="{BB962C8B-B14F-4D97-AF65-F5344CB8AC3E}">
+        <p14:creationId xmlns:p14="http://schemas.microsoft.com/office/powerpoint/2010/main" val="1287956826"/>
+      </p:ext>
+    </p:extLst>
+  </p:cSld>
+  <p:clrMapOvr>
+    <a:masterClrMapping/>
+  </p:clrMapOvr>
+  <p:timing>
+    <p:tnLst>
+      <p:par>
+        <p:cTn id="1" dur="indefinite" restart="never" nodeType="tmRoot">
+          <p:childTnLst>
+            <p:seq concurrent="1" nextAc="seek">
+              <p:cTn id="2" dur="indefinite" nodeType="mainSeq">
+                <p:childTnLst>
+                  <p:par>
+                    <p:cTn id="3" fill="hold">
+                      <p:stCondLst>
+                        <p:cond delay="indefinite"/>
+                        <p:cond evt="onBegin" delay="0">
+                          <p:tn val="2"/>
+                        </p:cond>
+                      </p:stCondLst>
+                      <p:childTnLst>
+                        <p:par>
+                          <p:cTn id="4" fill="hold">
+                            <p:stCondLst>
+                              <p:cond delay="0"/>
+                            </p:stCondLst>
+                            <p:childTnLst>
+                              <p:par>
+                                <p:cTn id="5" presetID="22" presetClass="entr" presetSubtype="1" fill="hold" grpId="0" nodeType="afterEffect">
+                                  <p:stCondLst>
+                                    <p:cond delay="0"/>
+                                  </p:stCondLst>
+                                  <p:childTnLst>
+                                    <p:set>
+                                      <p:cBhvr>
+                                        <p:cTn id="6" dur="1" fill="hold">
+                                          <p:stCondLst>
+                                            <p:cond delay="0"/>
+                                          </p:stCondLst>
+                                        </p:cTn>
+                                        <p:tgtEl>
+                                          <p:spTgt spid="39"/>
+                                        </p:tgtEl>
+                                        <p:attrNameLst>
+                                          <p:attrName>style.visibility</p:attrName>
+                                        </p:attrNameLst>
+                                      </p:cBhvr>
+                                      <p:to>
+                                        <p:strVal val="visible"/>
+                                      </p:to>
+                                    </p:set>
+                                    <p:animEffect transition="in" filter="wipe(up)">
+                                      <p:cBhvr>
+                                        <p:cTn id="7" dur="500"/>
+                                        <p:tgtEl>
+                                          <p:spTgt spid="39"/>
+                                        </p:tgtEl>
+                                      </p:cBhvr>
+                                    </p:animEffect>
+                                  </p:childTnLst>
+                                </p:cTn>
+                              </p:par>
+                            </p:childTnLst>
+                          </p:cTn>
+                        </p:par>
+                      </p:childTnLst>
+                    </p:cTn>
+                  </p:par>
+                  <p:par>
+                    <p:cTn id="8" fill="hold">
+                      <p:stCondLst>
+                        <p:cond delay="indefinite"/>
+                      </p:stCondLst>
+                      <p:childTnLst>
+                        <p:par>
+                          <p:cTn id="9" fill="hold">
+                            <p:stCondLst>
+                              <p:cond delay="0"/>
+                            </p:stCondLst>
+                            <p:childTnLst>
+                              <p:par>
+                                <p:cTn id="10" presetID="22" presetClass="entr" presetSubtype="1" fill="hold" grpId="0" nodeType="clickEffect">
+                                  <p:stCondLst>
+                                    <p:cond delay="0"/>
+                                  </p:stCondLst>
+                                  <p:childTnLst>
+                                    <p:set>
+                                      <p:cBhvr>
+                                        <p:cTn id="11" dur="1" fill="hold">
+                                          <p:stCondLst>
+                                            <p:cond delay="0"/>
+                                          </p:stCondLst>
+                                        </p:cTn>
+                                        <p:tgtEl>
+                                          <p:spTgt spid="40"/>
+                                        </p:tgtEl>
+                                        <p:attrNameLst>
+                                          <p:attrName>style.visibility</p:attrName>
+                                        </p:attrNameLst>
+                                      </p:cBhvr>
+                                      <p:to>
+                                        <p:strVal val="visible"/>
+                                      </p:to>
+                                    </p:set>
+                                    <p:animEffect transition="in" filter="wipe(up)">
+                                      <p:cBhvr>
+                                        <p:cTn id="12" dur="500"/>
+                                        <p:tgtEl>
+                                          <p:spTgt spid="40"/>
+                                        </p:tgtEl>
+                                      </p:cBhvr>
+                                    </p:animEffect>
+                                  </p:childTnLst>
+                                </p:cTn>
+                              </p:par>
+                              <p:par>
+                                <p:cTn id="13" presetID="22" presetClass="entr" presetSubtype="1" fill="hold" grpId="0" nodeType="withEffect">
+                                  <p:stCondLst>
+                                    <p:cond delay="0"/>
+                                  </p:stCondLst>
+                                  <p:childTnLst>
+                                    <p:set>
+                                      <p:cBhvr>
+                                        <p:cTn id="14" dur="1" fill="hold">
+                                          <p:stCondLst>
+                                            <p:cond delay="0"/>
+                                          </p:stCondLst>
+                                        </p:cTn>
+                                        <p:tgtEl>
+                                          <p:spTgt spid="41"/>
+                                        </p:tgtEl>
+                                        <p:attrNameLst>
+                                          <p:attrName>style.visibility</p:attrName>
+                                        </p:attrNameLst>
+                                      </p:cBhvr>
+                                      <p:to>
+                                        <p:strVal val="visible"/>
+                                      </p:to>
+                                    </p:set>
+                                    <p:animEffect transition="in" filter="wipe(up)">
+                                      <p:cBhvr>
+                                        <p:cTn id="15" dur="500"/>
+                                        <p:tgtEl>
+                                          <p:spTgt spid="41"/>
+                                        </p:tgtEl>
+                                      </p:cBhvr>
+                                    </p:animEffect>
+                                  </p:childTnLst>
+                                </p:cTn>
+                              </p:par>
+                              <p:par>
+                                <p:cTn id="16" presetID="22" presetClass="entr" presetSubtype="1" fill="hold" grpId="0" nodeType="withEffect">
+                                  <p:stCondLst>
+                                    <p:cond delay="0"/>
+                                  </p:stCondLst>
+                                  <p:childTnLst>
+                                    <p:set>
+                                      <p:cBhvr>
+                                        <p:cTn id="17" dur="1" fill="hold">
+                                          <p:stCondLst>
+                                            <p:cond delay="0"/>
+                                          </p:stCondLst>
+                                        </p:cTn>
+                                        <p:tgtEl>
+                                          <p:spTgt spid="42"/>
+                                        </p:tgtEl>
+                                        <p:attrNameLst>
+                                          <p:attrName>style.visibility</p:attrName>
+                                        </p:attrNameLst>
+                                      </p:cBhvr>
+                                      <p:to>
+                                        <p:strVal val="visible"/>
+                                      </p:to>
+                                    </p:set>
+                                    <p:animEffect transition="in" filter="wipe(up)">
+                                      <p:cBhvr>
+                                        <p:cTn id="18" dur="500"/>
+                                        <p:tgtEl>
+                                          <p:spTgt spid="42"/>
+                                        </p:tgtEl>
+                                      </p:cBhvr>
+                                    </p:animEffect>
+                                  </p:childTnLst>
+                                </p:cTn>
+                              </p:par>
+                            </p:childTnLst>
+                          </p:cTn>
+                        </p:par>
+                      </p:childTnLst>
+                    </p:cTn>
+                  </p:par>
+                </p:childTnLst>
+              </p:cTn>
+              <p:prevCondLst>
+                <p:cond evt="onPrev" delay="0">
+                  <p:tgtEl>
+                    <p:sldTgt/>
+                  </p:tgtEl>
+                </p:cond>
+              </p:prevCondLst>
+              <p:nextCondLst>
+                <p:cond evt="onNext" delay="0">
+                  <p:tgtEl>
+                    <p:sldTgt/>
+                  </p:tgtEl>
+                </p:cond>
+              </p:nextCondLst>
+            </p:seq>
+          </p:childTnLst>
+        </p:cTn>
+      </p:par>
+    </p:tnLst>
+    <p:bldLst>
+      <p:bldP spid="39" grpId="0" animBg="1"/>
+      <p:bldP spid="40" grpId="0" animBg="1"/>
+      <p:bldP spid="41" grpId="0" animBg="1"/>
+      <p:bldP spid="42" grpId="0" animBg="1"/>
+    </p:bldLst>
+  </p:timing>
+</p:sld>
+</file>
+
+<file path=ppt/slides/slide21.xml><?xml version="1.0" encoding="utf-8"?>
+<p:sld xmlns:a="http://schemas.openxmlformats.org/drawingml/2006/main" xmlns:r="http://schemas.openxmlformats.org/officeDocument/2006/relationships" xmlns:p="http://schemas.openxmlformats.org/presentationml/2006/main">
+  <p:cSld>
+    <p:spTree>
+      <p:nvGrpSpPr>
+        <p:cNvPr id="1" name=""/>
+        <p:cNvGrpSpPr/>
+        <p:nvPr/>
+      </p:nvGrpSpPr>
+      <p:grpSpPr>
+        <a:xfrm>
+          <a:off x="0" y="0"/>
+          <a:ext cx="0" cy="0"/>
+          <a:chOff x="0" y="0"/>
+          <a:chExt cx="0" cy="0"/>
+        </a:xfrm>
+      </p:grpSpPr>
+      <p:sp>
+        <p:nvSpPr>
+          <p:cNvPr id="4" name="Slide Number Placeholder 3"/>
+          <p:cNvSpPr>
+            <a:spLocks noGrp="1"/>
+          </p:cNvSpPr>
+          <p:nvPr>
+            <p:ph type="sldNum" sz="quarter" idx="12"/>
+          </p:nvPr>
+        </p:nvSpPr>
+        <p:spPr/>
+        <p:txBody>
+          <a:bodyPr/>
+          <a:lstStyle/>
+          <a:p>
+            <a:fld id="{650AD656-6FF9-465D-B7B0-1CD0DD39CD23}" type="slidenum">
+              <a:rPr lang="en-US" smtClean="0"/>
+              <a:t>21</a:t>
+            </a:fld>
+            <a:endParaRPr lang="en-US" dirty="0"/>
+          </a:p>
+        </p:txBody>
+      </p:sp>
+      <p:sp>
+        <p:nvSpPr>
+          <p:cNvPr id="7" name="Title 1">
+            <a:extLst>
+              <a:ext uri="{FF2B5EF4-FFF2-40B4-BE49-F238E27FC236}">
+                <a16:creationId xmlns:a16="http://schemas.microsoft.com/office/drawing/2014/main" id="{FFA4614F-6CA5-44D7-AD07-09DC5228602C}"/>
+              </a:ext>
+            </a:extLst>
+          </p:cNvPr>
+          <p:cNvSpPr txBox="1">
+            <a:spLocks/>
+          </p:cNvSpPr>
+          <p:nvPr/>
+        </p:nvSpPr>
+        <p:spPr>
+          <a:xfrm>
+            <a:off x="628650" y="365126"/>
+            <a:ext cx="7886700" cy="1103455"/>
+          </a:xfrm>
+          <a:prstGeom prst="rect">
+            <a:avLst/>
+          </a:prstGeom>
+        </p:spPr>
+        <p:txBody>
+          <a:bodyPr anchor="ctr">
+            <a:noAutofit/>
+          </a:bodyPr>
+          <a:lstStyle>
+            <a:lvl1pPr algn="l" defTabSz="914400" rtl="0" eaLnBrk="1" latinLnBrk="0" hangingPunct="1">
+              <a:lnSpc>
+                <a:spcPct val="90000"/>
+              </a:lnSpc>
+              <a:spcBef>
+                <a:spcPct val="0"/>
+              </a:spcBef>
+              <a:buNone/>
+              <a:defRPr sz="4400" kern="1200">
+                <a:solidFill>
+                  <a:schemeClr val="tx1"/>
+                </a:solidFill>
+                <a:latin typeface="+mj-lt"/>
+                <a:ea typeface="+mj-ea"/>
+                <a:cs typeface="+mj-cs"/>
+              </a:defRPr>
+            </a:lvl1pPr>
+          </a:lstStyle>
+          <a:p>
+            <a:pPr algn="ctr"/>
+            <a:r>
+              <a:rPr lang="en-US" sz="3200" dirty="0">
+                <a:latin typeface="+mn-lt"/>
+              </a:rPr>
+              <a:t>The Harmonic Series Diverges</a:t>
+            </a:r>
+          </a:p>
+        </p:txBody>
+      </p:sp>
+      <p:pic>
+        <p:nvPicPr>
+          <p:cNvPr id="34" name="Picture 33">
+            <a:extLst>
+              <a:ext uri="{FF2B5EF4-FFF2-40B4-BE49-F238E27FC236}">
+                <a16:creationId xmlns:a16="http://schemas.microsoft.com/office/drawing/2014/main" id="{76385B50-2CC9-EBF9-84CC-418CF8C24DF1}"/>
+              </a:ext>
+            </a:extLst>
+          </p:cNvPr>
+          <p:cNvPicPr>
+            <a:picLocks noChangeAspect="1"/>
+          </p:cNvPicPr>
+          <p:nvPr/>
+        </p:nvPicPr>
+        <p:blipFill>
+          <a:blip r:embed="rId2"/>
+          <a:stretch>
+            <a:fillRect/>
+          </a:stretch>
+        </p:blipFill>
+        <p:spPr>
+          <a:xfrm>
+            <a:off x="1609662" y="2393745"/>
+            <a:ext cx="5251235" cy="1863674"/>
+          </a:xfrm>
+          <a:prstGeom prst="rect">
+            <a:avLst/>
+          </a:prstGeom>
+          <a:ln>
+            <a:noFill/>
+          </a:ln>
+        </p:spPr>
+      </p:pic>
+      <p:sp>
+        <p:nvSpPr>
+          <p:cNvPr id="38" name="Rectangle 37">
+            <a:extLst>
+              <a:ext uri="{FF2B5EF4-FFF2-40B4-BE49-F238E27FC236}">
+                <a16:creationId xmlns:a16="http://schemas.microsoft.com/office/drawing/2014/main" id="{1A46FD09-C212-82B2-6A8A-8436A511A35A}"/>
+              </a:ext>
+            </a:extLst>
+          </p:cNvPr>
+          <p:cNvSpPr/>
+          <p:nvPr/>
+        </p:nvSpPr>
+        <p:spPr>
+          <a:xfrm>
+            <a:off x="2048035" y="3400263"/>
+            <a:ext cx="234087" cy="490118"/>
+          </a:xfrm>
+          <a:prstGeom prst="rect">
+            <a:avLst/>
+          </a:prstGeom>
+          <a:noFill/>
+          <a:ln w="28575">
+            <a:solidFill>
+              <a:srgbClr val="FF0000"/>
+            </a:solidFill>
+          </a:ln>
+        </p:spPr>
+        <p:style>
+          <a:lnRef idx="2">
+            <a:schemeClr val="accent1">
+              <a:shade val="50000"/>
+            </a:schemeClr>
+          </a:lnRef>
+          <a:fillRef idx="1">
+            <a:schemeClr val="accent1"/>
+          </a:fillRef>
+          <a:effectRef idx="0">
+            <a:schemeClr val="accent1"/>
+          </a:effectRef>
+          <a:fontRef idx="minor">
+            <a:schemeClr val="lt1"/>
+          </a:fontRef>
+        </p:style>
+        <p:txBody>
+          <a:bodyPr rtlCol="0" anchor="ctr"/>
+          <a:lstStyle/>
+          <a:p>
+            <a:pPr algn="ctr"/>
+            <a:endParaRPr lang="en-US"/>
+          </a:p>
+        </p:txBody>
+      </p:sp>
+      <p:sp>
+        <p:nvSpPr>
+          <p:cNvPr id="39" name="Rectangle 38">
+            <a:extLst>
+              <a:ext uri="{FF2B5EF4-FFF2-40B4-BE49-F238E27FC236}">
+                <a16:creationId xmlns:a16="http://schemas.microsoft.com/office/drawing/2014/main" id="{2860BB5C-049F-E75E-5481-17AB5432D470}"/>
+              </a:ext>
+            </a:extLst>
+          </p:cNvPr>
+          <p:cNvSpPr/>
+          <p:nvPr/>
+        </p:nvSpPr>
+        <p:spPr>
+          <a:xfrm>
+            <a:off x="3260646" y="2917519"/>
+            <a:ext cx="234087" cy="980236"/>
+          </a:xfrm>
+          <a:prstGeom prst="rect">
+            <a:avLst/>
+          </a:prstGeom>
+          <a:noFill/>
+          <a:ln w="28575">
+            <a:solidFill>
+              <a:srgbClr val="FF0000"/>
+            </a:solidFill>
+          </a:ln>
+        </p:spPr>
+        <p:style>
+          <a:lnRef idx="2">
+            <a:schemeClr val="accent1">
+              <a:shade val="50000"/>
+            </a:schemeClr>
+          </a:lnRef>
+          <a:fillRef idx="1">
+            <a:schemeClr val="accent1"/>
+          </a:fillRef>
+          <a:effectRef idx="0">
+            <a:schemeClr val="accent1"/>
+          </a:effectRef>
+          <a:fontRef idx="minor">
+            <a:schemeClr val="lt1"/>
+          </a:fontRef>
+        </p:style>
+        <p:txBody>
+          <a:bodyPr rtlCol="0" anchor="ctr"/>
+          <a:lstStyle/>
+          <a:p>
+            <a:pPr algn="ctr"/>
+            <a:endParaRPr lang="en-US"/>
+          </a:p>
+        </p:txBody>
+      </p:sp>
+      <p:sp>
+        <p:nvSpPr>
+          <p:cNvPr id="40" name="Rectangle 39">
+            <a:extLst>
+              <a:ext uri="{FF2B5EF4-FFF2-40B4-BE49-F238E27FC236}">
+                <a16:creationId xmlns:a16="http://schemas.microsoft.com/office/drawing/2014/main" id="{28C21C31-A4B6-7144-530C-40BC0687C4DD}"/>
+              </a:ext>
+            </a:extLst>
+          </p:cNvPr>
+          <p:cNvSpPr/>
+          <p:nvPr/>
+        </p:nvSpPr>
+        <p:spPr>
+          <a:xfrm>
+            <a:off x="4179962" y="2902873"/>
+            <a:ext cx="234087" cy="980236"/>
+          </a:xfrm>
+          <a:prstGeom prst="rect">
+            <a:avLst/>
+          </a:prstGeom>
+          <a:noFill/>
+          <a:ln w="28575">
+            <a:solidFill>
+              <a:srgbClr val="FF0000"/>
+            </a:solidFill>
+          </a:ln>
+        </p:spPr>
+        <p:style>
+          <a:lnRef idx="2">
+            <a:schemeClr val="accent1">
+              <a:shade val="50000"/>
+            </a:schemeClr>
+          </a:lnRef>
+          <a:fillRef idx="1">
+            <a:schemeClr val="accent1"/>
+          </a:fillRef>
+          <a:effectRef idx="0">
+            <a:schemeClr val="accent1"/>
+          </a:effectRef>
+          <a:fontRef idx="minor">
+            <a:schemeClr val="lt1"/>
+          </a:fontRef>
+        </p:style>
+        <p:txBody>
+          <a:bodyPr rtlCol="0" anchor="ctr"/>
+          <a:lstStyle/>
+          <a:p>
+            <a:pPr algn="ctr"/>
+            <a:endParaRPr lang="en-US"/>
+          </a:p>
+        </p:txBody>
+      </p:sp>
+      <p:sp>
+        <p:nvSpPr>
+          <p:cNvPr id="41" name="Rectangle 40">
+            <a:extLst>
+              <a:ext uri="{FF2B5EF4-FFF2-40B4-BE49-F238E27FC236}">
+                <a16:creationId xmlns:a16="http://schemas.microsoft.com/office/drawing/2014/main" id="{7D173E63-6034-F07D-B39A-D922BF4531D5}"/>
+              </a:ext>
+            </a:extLst>
+          </p:cNvPr>
+          <p:cNvSpPr/>
+          <p:nvPr/>
+        </p:nvSpPr>
+        <p:spPr>
+          <a:xfrm>
+            <a:off x="4564243" y="2888552"/>
+            <a:ext cx="234087" cy="980236"/>
+          </a:xfrm>
+          <a:prstGeom prst="rect">
+            <a:avLst/>
+          </a:prstGeom>
+          <a:noFill/>
+          <a:ln w="28575">
+            <a:solidFill>
+              <a:srgbClr val="FF0000"/>
+            </a:solidFill>
+          </a:ln>
+        </p:spPr>
+        <p:style>
+          <a:lnRef idx="2">
+            <a:schemeClr val="accent1">
+              <a:shade val="50000"/>
+            </a:schemeClr>
+          </a:lnRef>
+          <a:fillRef idx="1">
+            <a:schemeClr val="accent1"/>
+          </a:fillRef>
+          <a:effectRef idx="0">
+            <a:schemeClr val="accent1"/>
+          </a:effectRef>
+          <a:fontRef idx="minor">
+            <a:schemeClr val="lt1"/>
+          </a:fontRef>
+        </p:style>
+        <p:txBody>
+          <a:bodyPr rtlCol="0" anchor="ctr"/>
+          <a:lstStyle/>
+          <a:p>
+            <a:pPr algn="ctr"/>
+            <a:endParaRPr lang="en-US"/>
+          </a:p>
+        </p:txBody>
+      </p:sp>
+      <p:sp>
+        <p:nvSpPr>
+          <p:cNvPr id="42" name="Rectangle 41">
+            <a:extLst>
+              <a:ext uri="{FF2B5EF4-FFF2-40B4-BE49-F238E27FC236}">
+                <a16:creationId xmlns:a16="http://schemas.microsoft.com/office/drawing/2014/main" id="{38078C59-2B78-18FF-EC67-CF9DEE71AAAD}"/>
+              </a:ext>
+            </a:extLst>
+          </p:cNvPr>
+          <p:cNvSpPr/>
+          <p:nvPr/>
+        </p:nvSpPr>
+        <p:spPr>
+          <a:xfrm>
+            <a:off x="4909551" y="2878631"/>
+            <a:ext cx="234087" cy="980236"/>
+          </a:xfrm>
+          <a:prstGeom prst="rect">
+            <a:avLst/>
+          </a:prstGeom>
+          <a:noFill/>
+          <a:ln w="28575">
+            <a:solidFill>
+              <a:srgbClr val="FF0000"/>
+            </a:solidFill>
+          </a:ln>
+        </p:spPr>
+        <p:style>
+          <a:lnRef idx="2">
+            <a:schemeClr val="accent1">
+              <a:shade val="50000"/>
+            </a:schemeClr>
+          </a:lnRef>
+          <a:fillRef idx="1">
+            <a:schemeClr val="accent1"/>
+          </a:fillRef>
+          <a:effectRef idx="0">
+            <a:schemeClr val="accent1"/>
+          </a:effectRef>
+          <a:fontRef idx="minor">
+            <a:schemeClr val="lt1"/>
+          </a:fontRef>
+        </p:style>
+        <p:txBody>
+          <a:bodyPr rtlCol="0" anchor="ctr"/>
+          <a:lstStyle/>
+          <a:p>
+            <a:pPr algn="ctr"/>
+            <a:endParaRPr lang="en-US"/>
+          </a:p>
+        </p:txBody>
+      </p:sp>
+      <p:sp>
+        <p:nvSpPr>
+          <p:cNvPr id="43" name="Rectangle 42">
+            <a:extLst>
+              <a:ext uri="{FF2B5EF4-FFF2-40B4-BE49-F238E27FC236}">
+                <a16:creationId xmlns:a16="http://schemas.microsoft.com/office/drawing/2014/main" id="{16901C85-0EFD-E9AD-62B4-A492E40B74BF}"/>
+              </a:ext>
+            </a:extLst>
+          </p:cNvPr>
+          <p:cNvSpPr/>
+          <p:nvPr/>
+        </p:nvSpPr>
+        <p:spPr>
+          <a:xfrm>
+            <a:off x="3192292" y="3417231"/>
+            <a:ext cx="716757" cy="441635"/>
+          </a:xfrm>
+          <a:prstGeom prst="rect">
+            <a:avLst/>
+          </a:prstGeom>
+          <a:noFill/>
+          <a:ln w="28575">
+            <a:solidFill>
+              <a:srgbClr val="FF0000"/>
+            </a:solidFill>
+          </a:ln>
+        </p:spPr>
+        <p:style>
+          <a:lnRef idx="2">
+            <a:schemeClr val="accent1">
+              <a:shade val="50000"/>
+            </a:schemeClr>
+          </a:lnRef>
+          <a:fillRef idx="1">
+            <a:schemeClr val="accent1"/>
+          </a:fillRef>
+          <a:effectRef idx="0">
+            <a:schemeClr val="accent1"/>
+          </a:effectRef>
+          <a:fontRef idx="minor">
+            <a:schemeClr val="lt1"/>
+          </a:fontRef>
+        </p:style>
+        <p:txBody>
+          <a:bodyPr rtlCol="0" anchor="ctr"/>
+          <a:lstStyle/>
+          <a:p>
+            <a:pPr algn="ctr"/>
+            <a:endParaRPr lang="en-US"/>
+          </a:p>
+        </p:txBody>
+      </p:sp>
+      <p:sp>
+        <p:nvSpPr>
+          <p:cNvPr id="44" name="Rectangle 43">
+            <a:extLst>
+              <a:ext uri="{FF2B5EF4-FFF2-40B4-BE49-F238E27FC236}">
+                <a16:creationId xmlns:a16="http://schemas.microsoft.com/office/drawing/2014/main" id="{A82AC426-C505-4375-BAB2-01E5BA505505}"/>
+              </a:ext>
+            </a:extLst>
+          </p:cNvPr>
+          <p:cNvSpPr/>
+          <p:nvPr/>
+        </p:nvSpPr>
+        <p:spPr>
+          <a:xfrm>
+            <a:off x="3374583" y="3854458"/>
+            <a:ext cx="372541" cy="441635"/>
+          </a:xfrm>
+          <a:prstGeom prst="rect">
+            <a:avLst/>
+          </a:prstGeom>
+          <a:noFill/>
+          <a:ln w="28575">
+            <a:solidFill>
+              <a:srgbClr val="FF0000"/>
+            </a:solidFill>
+          </a:ln>
+        </p:spPr>
+        <p:style>
+          <a:lnRef idx="2">
+            <a:schemeClr val="accent1">
+              <a:shade val="50000"/>
+            </a:schemeClr>
+          </a:lnRef>
+          <a:fillRef idx="1">
+            <a:schemeClr val="accent1"/>
+          </a:fillRef>
+          <a:effectRef idx="0">
+            <a:schemeClr val="accent1"/>
+          </a:effectRef>
+          <a:fontRef idx="minor">
+            <a:schemeClr val="lt1"/>
+          </a:fontRef>
+        </p:style>
+        <p:txBody>
+          <a:bodyPr rtlCol="0" anchor="ctr"/>
+          <a:lstStyle/>
+          <a:p>
+            <a:pPr algn="ctr"/>
+            <a:endParaRPr lang="en-US"/>
+          </a:p>
+        </p:txBody>
+      </p:sp>
+      <p:sp>
+        <p:nvSpPr>
+          <p:cNvPr id="45" name="Rectangle 44">
+            <a:extLst>
+              <a:ext uri="{FF2B5EF4-FFF2-40B4-BE49-F238E27FC236}">
+                <a16:creationId xmlns:a16="http://schemas.microsoft.com/office/drawing/2014/main" id="{429EFBB2-F216-14FD-3593-1F986B2E8A48}"/>
+              </a:ext>
+            </a:extLst>
+          </p:cNvPr>
+          <p:cNvSpPr/>
+          <p:nvPr/>
+        </p:nvSpPr>
+        <p:spPr>
+          <a:xfrm>
+            <a:off x="4137183" y="3427153"/>
+            <a:ext cx="1453028" cy="441635"/>
+          </a:xfrm>
+          <a:prstGeom prst="rect">
+            <a:avLst/>
+          </a:prstGeom>
+          <a:noFill/>
+          <a:ln w="28575">
+            <a:solidFill>
+              <a:srgbClr val="FF0000"/>
+            </a:solidFill>
+          </a:ln>
+        </p:spPr>
+        <p:style>
+          <a:lnRef idx="2">
+            <a:schemeClr val="accent1">
+              <a:shade val="50000"/>
+            </a:schemeClr>
+          </a:lnRef>
+          <a:fillRef idx="1">
+            <a:schemeClr val="accent1"/>
+          </a:fillRef>
+          <a:effectRef idx="0">
+            <a:schemeClr val="accent1"/>
+          </a:effectRef>
+          <a:fontRef idx="minor">
+            <a:schemeClr val="lt1"/>
+          </a:fontRef>
+        </p:style>
+        <p:txBody>
+          <a:bodyPr rtlCol="0" anchor="ctr"/>
+          <a:lstStyle/>
+          <a:p>
+            <a:pPr algn="ctr"/>
+            <a:endParaRPr lang="en-US"/>
+          </a:p>
+        </p:txBody>
+      </p:sp>
+      <p:sp>
+        <p:nvSpPr>
+          <p:cNvPr id="46" name="Rectangle 45">
+            <a:extLst>
+              <a:ext uri="{FF2B5EF4-FFF2-40B4-BE49-F238E27FC236}">
+                <a16:creationId xmlns:a16="http://schemas.microsoft.com/office/drawing/2014/main" id="{89822E19-047A-1968-9669-E068DA8AD112}"/>
+              </a:ext>
+            </a:extLst>
+          </p:cNvPr>
+          <p:cNvSpPr/>
+          <p:nvPr/>
+        </p:nvSpPr>
+        <p:spPr>
+          <a:xfrm>
+            <a:off x="4700374" y="3854457"/>
+            <a:ext cx="372541" cy="441635"/>
+          </a:xfrm>
+          <a:prstGeom prst="rect">
+            <a:avLst/>
+          </a:prstGeom>
+          <a:noFill/>
+          <a:ln w="28575">
+            <a:solidFill>
+              <a:srgbClr val="FF0000"/>
+            </a:solidFill>
+          </a:ln>
+        </p:spPr>
+        <p:style>
+          <a:lnRef idx="2">
+            <a:schemeClr val="accent1">
+              <a:shade val="50000"/>
+            </a:schemeClr>
+          </a:lnRef>
+          <a:fillRef idx="1">
+            <a:schemeClr val="accent1"/>
+          </a:fillRef>
+          <a:effectRef idx="0">
+            <a:schemeClr val="accent1"/>
+          </a:effectRef>
+          <a:fontRef idx="minor">
+            <a:schemeClr val="lt1"/>
+          </a:fontRef>
+        </p:style>
+        <p:txBody>
+          <a:bodyPr rtlCol="0" anchor="ctr"/>
+          <a:lstStyle/>
+          <a:p>
+            <a:pPr algn="ctr"/>
+            <a:endParaRPr lang="en-US"/>
+          </a:p>
+        </p:txBody>
+      </p:sp>
+      <p:cxnSp>
+        <p:nvCxnSpPr>
+          <p:cNvPr id="47" name="Straight Connector 46">
+            <a:extLst>
+              <a:ext uri="{FF2B5EF4-FFF2-40B4-BE49-F238E27FC236}">
+                <a16:creationId xmlns:a16="http://schemas.microsoft.com/office/drawing/2014/main" id="{94F91882-0577-BA2C-D6FD-A32C77479D9B}"/>
+              </a:ext>
+            </a:extLst>
+          </p:cNvPr>
+          <p:cNvCxnSpPr/>
+          <p:nvPr/>
+        </p:nvCxnSpPr>
+        <p:spPr>
+          <a:xfrm flipV="1">
+            <a:off x="1027506" y="3395109"/>
+            <a:ext cx="6518787" cy="0"/>
+          </a:xfrm>
+          <a:prstGeom prst="line">
+            <a:avLst/>
+          </a:prstGeom>
+          <a:ln w="28575">
+            <a:solidFill>
+              <a:srgbClr val="FF0000"/>
+            </a:solidFill>
+            <a:prstDash val="sysDash"/>
+          </a:ln>
+        </p:spPr>
+        <p:style>
+          <a:lnRef idx="1">
+            <a:schemeClr val="accent1"/>
+          </a:lnRef>
+          <a:fillRef idx="0">
+            <a:schemeClr val="accent1"/>
+          </a:fillRef>
+          <a:effectRef idx="0">
+            <a:schemeClr val="accent1"/>
+          </a:effectRef>
+          <a:fontRef idx="minor">
+            <a:schemeClr val="tx1"/>
+          </a:fontRef>
+        </p:style>
+      </p:cxnSp>
+      <p:sp>
+        <p:nvSpPr>
+          <p:cNvPr id="48" name="Rectangle 47">
+            <a:extLst>
+              <a:ext uri="{FF2B5EF4-FFF2-40B4-BE49-F238E27FC236}">
+                <a16:creationId xmlns:a16="http://schemas.microsoft.com/office/drawing/2014/main" id="{E4AFDF9E-079B-44DC-D042-CC25954688BD}"/>
+              </a:ext>
+            </a:extLst>
+          </p:cNvPr>
+          <p:cNvSpPr/>
+          <p:nvPr/>
+        </p:nvSpPr>
+        <p:spPr>
+          <a:xfrm>
+            <a:off x="6412396" y="3826844"/>
+            <a:ext cx="516855" cy="441635"/>
+          </a:xfrm>
+          <a:prstGeom prst="rect">
+            <a:avLst/>
+          </a:prstGeom>
+          <a:noFill/>
+          <a:ln w="28575">
+            <a:solidFill>
+              <a:srgbClr val="FF0000"/>
+            </a:solidFill>
+          </a:ln>
+        </p:spPr>
+        <p:style>
+          <a:lnRef idx="2">
+            <a:schemeClr val="accent1">
+              <a:shade val="50000"/>
+            </a:schemeClr>
+          </a:lnRef>
+          <a:fillRef idx="1">
+            <a:schemeClr val="accent1"/>
+          </a:fillRef>
+          <a:effectRef idx="0">
+            <a:schemeClr val="accent1"/>
+          </a:effectRef>
+          <a:fontRef idx="minor">
+            <a:schemeClr val="lt1"/>
+          </a:fontRef>
+        </p:style>
+        <p:txBody>
+          <a:bodyPr rtlCol="0" anchor="ctr"/>
+          <a:lstStyle/>
+          <a:p>
+            <a:pPr algn="ctr"/>
+            <a:endParaRPr lang="en-US"/>
+          </a:p>
+        </p:txBody>
+      </p:sp>
+      <p:sp>
+        <p:nvSpPr>
+          <p:cNvPr id="49" name="Rectangle 48">
+            <a:extLst>
+              <a:ext uri="{FF2B5EF4-FFF2-40B4-BE49-F238E27FC236}">
+                <a16:creationId xmlns:a16="http://schemas.microsoft.com/office/drawing/2014/main" id="{73016291-C3EB-2B40-0DDE-8884496E8795}"/>
+              </a:ext>
+            </a:extLst>
+          </p:cNvPr>
+          <p:cNvSpPr/>
+          <p:nvPr/>
+        </p:nvSpPr>
+        <p:spPr>
+          <a:xfrm>
+            <a:off x="1492618" y="2293571"/>
+            <a:ext cx="611520" cy="729941"/>
+          </a:xfrm>
+          <a:prstGeom prst="rect">
+            <a:avLst/>
+          </a:prstGeom>
+          <a:noFill/>
+          <a:ln w="28575">
+            <a:solidFill>
+              <a:srgbClr val="FF0000"/>
+            </a:solidFill>
+          </a:ln>
+        </p:spPr>
+        <p:style>
+          <a:lnRef idx="2">
+            <a:schemeClr val="accent1">
+              <a:shade val="50000"/>
+            </a:schemeClr>
+          </a:lnRef>
+          <a:fillRef idx="1">
+            <a:schemeClr val="accent1"/>
+          </a:fillRef>
+          <a:effectRef idx="0">
+            <a:schemeClr val="accent1"/>
+          </a:effectRef>
+          <a:fontRef idx="minor">
+            <a:schemeClr val="lt1"/>
+          </a:fontRef>
+        </p:style>
+        <p:txBody>
+          <a:bodyPr rtlCol="0" anchor="ctr"/>
+          <a:lstStyle/>
+          <a:p>
+            <a:pPr algn="ctr"/>
+            <a:endParaRPr lang="en-US"/>
+          </a:p>
+        </p:txBody>
+      </p:sp>
+      <p:sp>
+        <p:nvSpPr>
+          <p:cNvPr id="50" name="TextBox 49">
+            <a:extLst>
+              <a:ext uri="{FF2B5EF4-FFF2-40B4-BE49-F238E27FC236}">
+                <a16:creationId xmlns:a16="http://schemas.microsoft.com/office/drawing/2014/main" id="{37EEC211-A974-330A-F5B8-D0CB74A81857}"/>
+              </a:ext>
+            </a:extLst>
+          </p:cNvPr>
+          <p:cNvSpPr txBox="1"/>
+          <p:nvPr/>
+        </p:nvSpPr>
+        <p:spPr>
+          <a:xfrm>
+            <a:off x="2531334" y="4884473"/>
+            <a:ext cx="3765430" cy="369332"/>
+          </a:xfrm>
+          <a:prstGeom prst="rect">
+            <a:avLst/>
+          </a:prstGeom>
+          <a:noFill/>
+        </p:spPr>
+        <p:txBody>
+          <a:bodyPr wrap="square">
+            <a:spAutoFit/>
+          </a:bodyPr>
+          <a:lstStyle/>
+          <a:p>
+            <a:pPr algn="ctr"/>
+            <a:r>
+              <a:rPr lang="en-US" dirty="0"/>
+              <a:t>Nicole Oresme (c. </a:t>
+            </a:r>
+            <a:r>
+              <a:rPr lang="en-US" b="1" dirty="0"/>
+              <a:t>1360</a:t>
+            </a:r>
+            <a:r>
+              <a:rPr lang="en-US" dirty="0"/>
+              <a:t>)</a:t>
+            </a:r>
+          </a:p>
+        </p:txBody>
+      </p:sp>
+      <p:sp>
+        <p:nvSpPr>
+          <p:cNvPr id="51" name="Rounded Rectangular Callout 6">
+            <a:extLst>
+              <a:ext uri="{FF2B5EF4-FFF2-40B4-BE49-F238E27FC236}">
+                <a16:creationId xmlns:a16="http://schemas.microsoft.com/office/drawing/2014/main" id="{91AF97C9-2048-6127-5006-AF18CEF64405}"/>
+              </a:ext>
+            </a:extLst>
+          </p:cNvPr>
+          <p:cNvSpPr/>
+          <p:nvPr/>
+        </p:nvSpPr>
+        <p:spPr>
+          <a:xfrm>
+            <a:off x="7085750" y="4411194"/>
+            <a:ext cx="1712656" cy="718958"/>
+          </a:xfrm>
+          <a:prstGeom prst="wedgeRoundRectCallout">
+            <a:avLst>
+              <a:gd name="adj1" fmla="val -50598"/>
+              <a:gd name="adj2" fmla="val -83662"/>
+              <a:gd name="adj3" fmla="val 16667"/>
+            </a:avLst>
+          </a:prstGeom>
+          <a:solidFill>
+            <a:schemeClr val="bg1"/>
+          </a:solidFill>
+          <a:ln w="19050">
+            <a:solidFill>
+              <a:srgbClr val="FF0000"/>
+            </a:solidFill>
+          </a:ln>
+        </p:spPr>
+        <p:style>
+          <a:lnRef idx="2">
+            <a:schemeClr val="accent1">
+              <a:shade val="50000"/>
+            </a:schemeClr>
+          </a:lnRef>
+          <a:fillRef idx="1">
+            <a:schemeClr val="accent1"/>
+          </a:fillRef>
+          <a:effectRef idx="0">
+            <a:schemeClr val="accent1"/>
+          </a:effectRef>
+          <a:fontRef idx="minor">
+            <a:schemeClr val="lt1"/>
+          </a:fontRef>
+        </p:style>
+        <p:txBody>
+          <a:bodyPr rtlCol="0" anchor="ctr"/>
+          <a:lstStyle/>
+          <a:p>
+            <a:pPr algn="ctr"/>
+            <a:r>
+              <a:rPr lang="en-US" dirty="0">
+                <a:solidFill>
+                  <a:srgbClr val="FF0000"/>
+                </a:solidFill>
+              </a:rPr>
+              <a:t>The harmonic series diverges</a:t>
+            </a:r>
+          </a:p>
+        </p:txBody>
+      </p:sp>
+      <p:sp>
+        <p:nvSpPr>
+          <p:cNvPr id="2" name="Rectangle 1">
+            <a:extLst>
+              <a:ext uri="{FF2B5EF4-FFF2-40B4-BE49-F238E27FC236}">
+                <a16:creationId xmlns:a16="http://schemas.microsoft.com/office/drawing/2014/main" id="{30EA0EE1-E352-56CA-D7F1-F3388C20C1EF}"/>
+              </a:ext>
+            </a:extLst>
+          </p:cNvPr>
+          <p:cNvSpPr/>
+          <p:nvPr/>
+        </p:nvSpPr>
+        <p:spPr>
+          <a:xfrm>
+            <a:off x="2603332" y="3858366"/>
+            <a:ext cx="372541" cy="441635"/>
+          </a:xfrm>
+          <a:prstGeom prst="rect">
+            <a:avLst/>
+          </a:prstGeom>
+          <a:noFill/>
+          <a:ln w="28575">
+            <a:solidFill>
+              <a:srgbClr val="FF0000"/>
+            </a:solidFill>
+          </a:ln>
+        </p:spPr>
+        <p:style>
+          <a:lnRef idx="2">
+            <a:schemeClr val="accent1">
+              <a:shade val="50000"/>
+            </a:schemeClr>
+          </a:lnRef>
+          <a:fillRef idx="1">
+            <a:schemeClr val="accent1"/>
+          </a:fillRef>
+          <a:effectRef idx="0">
+            <a:schemeClr val="accent1"/>
+          </a:effectRef>
+          <a:fontRef idx="minor">
+            <a:schemeClr val="lt1"/>
+          </a:fontRef>
+        </p:style>
+        <p:txBody>
+          <a:bodyPr rtlCol="0" anchor="ctr"/>
+          <a:lstStyle/>
+          <a:p>
+            <a:pPr algn="ctr"/>
+            <a:endParaRPr lang="en-US"/>
+          </a:p>
+        </p:txBody>
+      </p:sp>
+    </p:spTree>
+    <p:extLst>
+      <p:ext uri="{BB962C8B-B14F-4D97-AF65-F5344CB8AC3E}">
+        <p14:creationId xmlns:p14="http://schemas.microsoft.com/office/powerpoint/2010/main" val="39296018"/>
+      </p:ext>
+    </p:extLst>
+  </p:cSld>
+  <p:clrMapOvr>
+    <a:masterClrMapping/>
+  </p:clrMapOvr>
+  <p:timing>
+    <p:tnLst>
+      <p:par>
+        <p:cTn id="1" dur="indefinite" restart="never" nodeType="tmRoot">
+          <p:childTnLst>
+            <p:seq concurrent="1" nextAc="seek">
+              <p:cTn id="2" dur="indefinite" nodeType="mainSeq">
+                <p:childTnLst>
+                  <p:par>
+                    <p:cTn id="3" fill="hold">
+                      <p:stCondLst>
+                        <p:cond delay="indefinite"/>
+                        <p:cond evt="onBegin" delay="0">
+                          <p:tn val="2"/>
+                        </p:cond>
+                      </p:stCondLst>
+                      <p:childTnLst>
+                        <p:par>
+                          <p:cTn id="4" fill="hold">
+                            <p:stCondLst>
+                              <p:cond delay="0"/>
+                            </p:stCondLst>
+                            <p:childTnLst>
+                              <p:par>
+                                <p:cTn id="5" presetID="1" presetClass="exit" presetSubtype="0" fill="hold" grpId="1" nodeType="afterEffect">
+                                  <p:stCondLst>
+                                    <p:cond delay="0"/>
+                                  </p:stCondLst>
+                                  <p:childTnLst>
+                                    <p:set>
+                                      <p:cBhvr>
+                                        <p:cTn id="6" dur="1" fill="hold">
+                                          <p:stCondLst>
+                                            <p:cond delay="0"/>
+                                          </p:stCondLst>
+                                        </p:cTn>
+                                        <p:tgtEl>
+                                          <p:spTgt spid="39"/>
+                                        </p:tgtEl>
+                                        <p:attrNameLst>
+                                          <p:attrName>style.visibility</p:attrName>
+                                        </p:attrNameLst>
+                                      </p:cBhvr>
+                                      <p:to>
+                                        <p:strVal val="hidden"/>
+                                      </p:to>
+                                    </p:set>
+                                  </p:childTnLst>
+                                </p:cTn>
+                              </p:par>
+                              <p:par>
+                                <p:cTn id="7" presetID="1" presetClass="exit" presetSubtype="0" fill="hold" grpId="1" nodeType="withEffect">
+                                  <p:stCondLst>
+                                    <p:cond delay="0"/>
+                                  </p:stCondLst>
+                                  <p:childTnLst>
+                                    <p:set>
+                                      <p:cBhvr>
+                                        <p:cTn id="8" dur="1" fill="hold">
+                                          <p:stCondLst>
+                                            <p:cond delay="0"/>
+                                          </p:stCondLst>
+                                        </p:cTn>
+                                        <p:tgtEl>
+                                          <p:spTgt spid="40"/>
+                                        </p:tgtEl>
+                                        <p:attrNameLst>
+                                          <p:attrName>style.visibility</p:attrName>
+                                        </p:attrNameLst>
+                                      </p:cBhvr>
+                                      <p:to>
+                                        <p:strVal val="hidden"/>
+                                      </p:to>
+                                    </p:set>
+                                  </p:childTnLst>
+                                </p:cTn>
+                              </p:par>
+                              <p:par>
+                                <p:cTn id="9" presetID="1" presetClass="exit" presetSubtype="0" fill="hold" grpId="1" nodeType="withEffect">
+                                  <p:stCondLst>
+                                    <p:cond delay="0"/>
+                                  </p:stCondLst>
+                                  <p:childTnLst>
+                                    <p:set>
+                                      <p:cBhvr>
+                                        <p:cTn id="10" dur="1" fill="hold">
+                                          <p:stCondLst>
+                                            <p:cond delay="0"/>
+                                          </p:stCondLst>
+                                        </p:cTn>
+                                        <p:tgtEl>
+                                          <p:spTgt spid="41"/>
+                                        </p:tgtEl>
+                                        <p:attrNameLst>
+                                          <p:attrName>style.visibility</p:attrName>
+                                        </p:attrNameLst>
+                                      </p:cBhvr>
+                                      <p:to>
+                                        <p:strVal val="hidden"/>
+                                      </p:to>
+                                    </p:set>
+                                  </p:childTnLst>
+                                </p:cTn>
+                              </p:par>
+                              <p:par>
+                                <p:cTn id="11" presetID="1" presetClass="exit" presetSubtype="0" fill="hold" grpId="1" nodeType="withEffect">
+                                  <p:stCondLst>
+                                    <p:cond delay="0"/>
+                                  </p:stCondLst>
+                                  <p:childTnLst>
+                                    <p:set>
+                                      <p:cBhvr>
+                                        <p:cTn id="12" dur="1" fill="hold">
+                                          <p:stCondLst>
+                                            <p:cond delay="0"/>
+                                          </p:stCondLst>
+                                        </p:cTn>
+                                        <p:tgtEl>
+                                          <p:spTgt spid="42"/>
+                                        </p:tgtEl>
+                                        <p:attrNameLst>
+                                          <p:attrName>style.visibility</p:attrName>
+                                        </p:attrNameLst>
+                                      </p:cBhvr>
+                                      <p:to>
+                                        <p:strVal val="hidden"/>
+                                      </p:to>
+                                    </p:set>
+                                  </p:childTnLst>
+                                </p:cTn>
+                              </p:par>
+                            </p:childTnLst>
+                          </p:cTn>
+                        </p:par>
+                        <p:par>
+                          <p:cTn id="13" fill="hold">
+                            <p:stCondLst>
+                              <p:cond delay="0"/>
+                            </p:stCondLst>
+                            <p:childTnLst>
+                              <p:par>
+                                <p:cTn id="14" presetID="22" presetClass="entr" presetSubtype="1" fill="hold" grpId="0" nodeType="afterEffect">
+                                  <p:stCondLst>
+                                    <p:cond delay="0"/>
+                                  </p:stCondLst>
+                                  <p:childTnLst>
+                                    <p:set>
+                                      <p:cBhvr>
+                                        <p:cTn id="15" dur="1" fill="hold">
+                                          <p:stCondLst>
+                                            <p:cond delay="0"/>
+                                          </p:stCondLst>
+                                        </p:cTn>
+                                        <p:tgtEl>
+                                          <p:spTgt spid="43"/>
+                                        </p:tgtEl>
+                                        <p:attrNameLst>
+                                          <p:attrName>style.visibility</p:attrName>
+                                        </p:attrNameLst>
+                                      </p:cBhvr>
+                                      <p:to>
+                                        <p:strVal val="visible"/>
+                                      </p:to>
+                                    </p:set>
+                                    <p:animEffect transition="in" filter="wipe(up)">
+                                      <p:cBhvr>
+                                        <p:cTn id="16" dur="500"/>
+                                        <p:tgtEl>
+                                          <p:spTgt spid="43"/>
+                                        </p:tgtEl>
+                                      </p:cBhvr>
+                                    </p:animEffect>
+                                  </p:childTnLst>
+                                </p:cTn>
+                              </p:par>
+                            </p:childTnLst>
+                          </p:cTn>
+                        </p:par>
+                        <p:par>
+                          <p:cTn id="17" fill="hold">
+                            <p:stCondLst>
+                              <p:cond delay="500"/>
+                            </p:stCondLst>
+                            <p:childTnLst>
+                              <p:par>
+                                <p:cTn id="18" presetID="22" presetClass="entr" presetSubtype="1" fill="hold" grpId="0" nodeType="afterEffect">
+                                  <p:stCondLst>
+                                    <p:cond delay="0"/>
+                                  </p:stCondLst>
+                                  <p:childTnLst>
+                                    <p:set>
+                                      <p:cBhvr>
+                                        <p:cTn id="19" dur="1" fill="hold">
+                                          <p:stCondLst>
+                                            <p:cond delay="0"/>
+                                          </p:stCondLst>
+                                        </p:cTn>
+                                        <p:tgtEl>
+                                          <p:spTgt spid="44"/>
+                                        </p:tgtEl>
+                                        <p:attrNameLst>
+                                          <p:attrName>style.visibility</p:attrName>
+                                        </p:attrNameLst>
+                                      </p:cBhvr>
+                                      <p:to>
+                                        <p:strVal val="visible"/>
+                                      </p:to>
+                                    </p:set>
+                                    <p:animEffect transition="in" filter="wipe(up)">
+                                      <p:cBhvr>
+                                        <p:cTn id="20" dur="500"/>
+                                        <p:tgtEl>
+                                          <p:spTgt spid="44"/>
+                                        </p:tgtEl>
+                                      </p:cBhvr>
+                                    </p:animEffect>
+                                  </p:childTnLst>
+                                </p:cTn>
+                              </p:par>
+                            </p:childTnLst>
+                          </p:cTn>
+                        </p:par>
+                      </p:childTnLst>
+                    </p:cTn>
+                  </p:par>
+                  <p:par>
+                    <p:cTn id="21" fill="hold">
+                      <p:stCondLst>
+                        <p:cond delay="indefinite"/>
+                      </p:stCondLst>
+                      <p:childTnLst>
+                        <p:par>
+                          <p:cTn id="22" fill="hold">
+                            <p:stCondLst>
+                              <p:cond delay="0"/>
+                            </p:stCondLst>
+                            <p:childTnLst>
+                              <p:par>
+                                <p:cTn id="23" presetID="22" presetClass="entr" presetSubtype="1" fill="hold" grpId="0" nodeType="clickEffect">
+                                  <p:stCondLst>
+                                    <p:cond delay="0"/>
+                                  </p:stCondLst>
+                                  <p:childTnLst>
+                                    <p:set>
+                                      <p:cBhvr>
+                                        <p:cTn id="24" dur="1" fill="hold">
+                                          <p:stCondLst>
+                                            <p:cond delay="0"/>
+                                          </p:stCondLst>
+                                        </p:cTn>
+                                        <p:tgtEl>
+                                          <p:spTgt spid="45"/>
+                                        </p:tgtEl>
+                                        <p:attrNameLst>
+                                          <p:attrName>style.visibility</p:attrName>
+                                        </p:attrNameLst>
+                                      </p:cBhvr>
+                                      <p:to>
+                                        <p:strVal val="visible"/>
+                                      </p:to>
+                                    </p:set>
+                                    <p:animEffect transition="in" filter="wipe(up)">
+                                      <p:cBhvr>
+                                        <p:cTn id="25" dur="500"/>
+                                        <p:tgtEl>
+                                          <p:spTgt spid="45"/>
+                                        </p:tgtEl>
+                                      </p:cBhvr>
+                                    </p:animEffect>
+                                  </p:childTnLst>
+                                </p:cTn>
+                              </p:par>
+                            </p:childTnLst>
+                          </p:cTn>
+                        </p:par>
+                        <p:par>
+                          <p:cTn id="26" fill="hold">
+                            <p:stCondLst>
+                              <p:cond delay="500"/>
+                            </p:stCondLst>
+                            <p:childTnLst>
+                              <p:par>
+                                <p:cTn id="27" presetID="22" presetClass="entr" presetSubtype="1" fill="hold" grpId="0" nodeType="afterEffect">
+                                  <p:stCondLst>
+                                    <p:cond delay="0"/>
+                                  </p:stCondLst>
+                                  <p:childTnLst>
+                                    <p:set>
+                                      <p:cBhvr>
+                                        <p:cTn id="28" dur="1" fill="hold">
+                                          <p:stCondLst>
+                                            <p:cond delay="0"/>
+                                          </p:stCondLst>
+                                        </p:cTn>
+                                        <p:tgtEl>
+                                          <p:spTgt spid="46"/>
+                                        </p:tgtEl>
+                                        <p:attrNameLst>
+                                          <p:attrName>style.visibility</p:attrName>
+                                        </p:attrNameLst>
+                                      </p:cBhvr>
+                                      <p:to>
+                                        <p:strVal val="visible"/>
+                                      </p:to>
+                                    </p:set>
+                                    <p:animEffect transition="in" filter="wipe(up)">
+                                      <p:cBhvr>
+                                        <p:cTn id="29" dur="500"/>
+                                        <p:tgtEl>
+                                          <p:spTgt spid="46"/>
+                                        </p:tgtEl>
+                                      </p:cBhvr>
+                                    </p:animEffect>
+                                  </p:childTnLst>
+                                </p:cTn>
+                              </p:par>
+                            </p:childTnLst>
+                          </p:cTn>
+                        </p:par>
+                      </p:childTnLst>
+                    </p:cTn>
+                  </p:par>
+                  <p:par>
+                    <p:cTn id="30" fill="hold">
+                      <p:stCondLst>
+                        <p:cond delay="indefinite"/>
+                      </p:stCondLst>
+                      <p:childTnLst>
+                        <p:par>
+                          <p:cTn id="31" fill="hold">
+                            <p:stCondLst>
+                              <p:cond delay="0"/>
+                            </p:stCondLst>
+                            <p:childTnLst>
+                              <p:par>
+                                <p:cTn id="32" presetID="1" presetClass="exit" presetSubtype="0" fill="hold" grpId="1" nodeType="clickEffect">
+                                  <p:stCondLst>
+                                    <p:cond delay="0"/>
+                                  </p:stCondLst>
+                                  <p:childTnLst>
+                                    <p:set>
+                                      <p:cBhvr>
+                                        <p:cTn id="33" dur="1" fill="hold">
+                                          <p:stCondLst>
+                                            <p:cond delay="0"/>
+                                          </p:stCondLst>
+                                        </p:cTn>
+                                        <p:tgtEl>
+                                          <p:spTgt spid="43"/>
+                                        </p:tgtEl>
+                                        <p:attrNameLst>
+                                          <p:attrName>style.visibility</p:attrName>
+                                        </p:attrNameLst>
+                                      </p:cBhvr>
+                                      <p:to>
+                                        <p:strVal val="hidden"/>
+                                      </p:to>
+                                    </p:set>
+                                  </p:childTnLst>
+                                </p:cTn>
+                              </p:par>
+                              <p:par>
+                                <p:cTn id="34" presetID="1" presetClass="exit" presetSubtype="0" fill="hold" grpId="1" nodeType="withEffect">
+                                  <p:stCondLst>
+                                    <p:cond delay="0"/>
+                                  </p:stCondLst>
+                                  <p:childTnLst>
+                                    <p:set>
+                                      <p:cBhvr>
+                                        <p:cTn id="35" dur="1" fill="hold">
+                                          <p:stCondLst>
+                                            <p:cond delay="0"/>
+                                          </p:stCondLst>
+                                        </p:cTn>
+                                        <p:tgtEl>
+                                          <p:spTgt spid="45"/>
+                                        </p:tgtEl>
+                                        <p:attrNameLst>
+                                          <p:attrName>style.visibility</p:attrName>
+                                        </p:attrNameLst>
+                                      </p:cBhvr>
+                                      <p:to>
+                                        <p:strVal val="hidden"/>
+                                      </p:to>
+                                    </p:set>
+                                  </p:childTnLst>
+                                </p:cTn>
+                              </p:par>
+                            </p:childTnLst>
+                          </p:cTn>
+                        </p:par>
+                        <p:par>
+                          <p:cTn id="36" fill="hold">
+                            <p:stCondLst>
+                              <p:cond delay="0"/>
+                            </p:stCondLst>
+                            <p:childTnLst>
+                              <p:par>
+                                <p:cTn id="37" presetID="22" presetClass="entr" presetSubtype="1" fill="hold" grpId="0" nodeType="afterEffect">
+                                  <p:stCondLst>
+                                    <p:cond delay="0"/>
+                                  </p:stCondLst>
+                                  <p:childTnLst>
+                                    <p:set>
+                                      <p:cBhvr>
+                                        <p:cTn id="38" dur="1" fill="hold">
+                                          <p:stCondLst>
+                                            <p:cond delay="0"/>
+                                          </p:stCondLst>
+                                        </p:cTn>
+                                        <p:tgtEl>
+                                          <p:spTgt spid="2"/>
+                                        </p:tgtEl>
+                                        <p:attrNameLst>
+                                          <p:attrName>style.visibility</p:attrName>
+                                        </p:attrNameLst>
+                                      </p:cBhvr>
+                                      <p:to>
+                                        <p:strVal val="visible"/>
+                                      </p:to>
+                                    </p:set>
+                                    <p:animEffect transition="in" filter="wipe(up)">
+                                      <p:cBhvr>
+                                        <p:cTn id="39" dur="500"/>
+                                        <p:tgtEl>
+                                          <p:spTgt spid="2"/>
+                                        </p:tgtEl>
+                                      </p:cBhvr>
+                                    </p:animEffect>
+                                  </p:childTnLst>
+                                </p:cTn>
+                              </p:par>
+                            </p:childTnLst>
+                          </p:cTn>
+                        </p:par>
+                        <p:par>
+                          <p:cTn id="40" fill="hold">
+                            <p:stCondLst>
+                              <p:cond delay="500"/>
+                            </p:stCondLst>
+                            <p:childTnLst>
+                              <p:par>
+                                <p:cTn id="41" presetID="22" presetClass="entr" presetSubtype="1" fill="hold" grpId="0" nodeType="afterEffect">
+                                  <p:stCondLst>
+                                    <p:cond delay="0"/>
+                                  </p:stCondLst>
+                                  <p:childTnLst>
+                                    <p:set>
+                                      <p:cBhvr>
+                                        <p:cTn id="42" dur="1" fill="hold">
+                                          <p:stCondLst>
+                                            <p:cond delay="0"/>
+                                          </p:stCondLst>
+                                        </p:cTn>
+                                        <p:tgtEl>
+                                          <p:spTgt spid="48"/>
+                                        </p:tgtEl>
+                                        <p:attrNameLst>
+                                          <p:attrName>style.visibility</p:attrName>
+                                        </p:attrNameLst>
+                                      </p:cBhvr>
+                                      <p:to>
+                                        <p:strVal val="visible"/>
+                                      </p:to>
+                                    </p:set>
+                                    <p:animEffect transition="in" filter="wipe(up)">
+                                      <p:cBhvr>
+                                        <p:cTn id="43" dur="500"/>
+                                        <p:tgtEl>
+                                          <p:spTgt spid="48"/>
+                                        </p:tgtEl>
+                                      </p:cBhvr>
+                                    </p:animEffect>
+                                  </p:childTnLst>
+                                </p:cTn>
+                              </p:par>
+                            </p:childTnLst>
+                          </p:cTn>
+                        </p:par>
+                      </p:childTnLst>
+                    </p:cTn>
+                  </p:par>
+                  <p:par>
+                    <p:cTn id="44" fill="hold">
+                      <p:stCondLst>
+                        <p:cond delay="indefinite"/>
+                      </p:stCondLst>
+                      <p:childTnLst>
+                        <p:par>
+                          <p:cTn id="45" fill="hold">
+                            <p:stCondLst>
+                              <p:cond delay="0"/>
+                            </p:stCondLst>
+                            <p:childTnLst>
+                              <p:par>
+                                <p:cTn id="46" presetID="1" presetClass="exit" presetSubtype="0" fill="hold" grpId="1" nodeType="clickEffect">
+                                  <p:stCondLst>
+                                    <p:cond delay="0"/>
+                                  </p:stCondLst>
+                                  <p:childTnLst>
+                                    <p:set>
+                                      <p:cBhvr>
+                                        <p:cTn id="47" dur="1" fill="hold">
+                                          <p:stCondLst>
+                                            <p:cond delay="0"/>
+                                          </p:stCondLst>
+                                        </p:cTn>
+                                        <p:tgtEl>
+                                          <p:spTgt spid="44"/>
+                                        </p:tgtEl>
+                                        <p:attrNameLst>
+                                          <p:attrName>style.visibility</p:attrName>
+                                        </p:attrNameLst>
+                                      </p:cBhvr>
+                                      <p:to>
+                                        <p:strVal val="hidden"/>
+                                      </p:to>
+                                    </p:set>
+                                  </p:childTnLst>
+                                </p:cTn>
+                              </p:par>
+                              <p:par>
+                                <p:cTn id="48" presetID="1" presetClass="exit" presetSubtype="0" fill="hold" grpId="1" nodeType="withEffect">
+                                  <p:stCondLst>
+                                    <p:cond delay="0"/>
+                                  </p:stCondLst>
+                                  <p:childTnLst>
+                                    <p:set>
+                                      <p:cBhvr>
+                                        <p:cTn id="49" dur="1" fill="hold">
+                                          <p:stCondLst>
+                                            <p:cond delay="0"/>
+                                          </p:stCondLst>
+                                        </p:cTn>
+                                        <p:tgtEl>
+                                          <p:spTgt spid="46"/>
+                                        </p:tgtEl>
+                                        <p:attrNameLst>
+                                          <p:attrName>style.visibility</p:attrName>
+                                        </p:attrNameLst>
+                                      </p:cBhvr>
+                                      <p:to>
+                                        <p:strVal val="hidden"/>
+                                      </p:to>
+                                    </p:set>
+                                  </p:childTnLst>
+                                </p:cTn>
+                              </p:par>
+                            </p:childTnLst>
+                          </p:cTn>
+                        </p:par>
+                        <p:par>
+                          <p:cTn id="50" fill="hold">
+                            <p:stCondLst>
+                              <p:cond delay="0"/>
+                            </p:stCondLst>
+                            <p:childTnLst>
+                              <p:par>
+                                <p:cTn id="51" presetID="1" presetClass="exit" presetSubtype="0" fill="hold" grpId="1" nodeType="afterEffect">
+                                  <p:stCondLst>
+                                    <p:cond delay="0"/>
+                                  </p:stCondLst>
+                                  <p:childTnLst>
+                                    <p:set>
+                                      <p:cBhvr>
+                                        <p:cTn id="52" dur="1" fill="hold">
+                                          <p:stCondLst>
+                                            <p:cond delay="0"/>
+                                          </p:stCondLst>
+                                        </p:cTn>
+                                        <p:tgtEl>
+                                          <p:spTgt spid="2"/>
+                                        </p:tgtEl>
+                                        <p:attrNameLst>
+                                          <p:attrName>style.visibility</p:attrName>
+                                        </p:attrNameLst>
+                                      </p:cBhvr>
+                                      <p:to>
+                                        <p:strVal val="hidden"/>
+                                      </p:to>
+                                    </p:set>
+                                  </p:childTnLst>
+                                </p:cTn>
+                              </p:par>
+                            </p:childTnLst>
+                          </p:cTn>
+                        </p:par>
+                        <p:par>
+                          <p:cTn id="53" fill="hold">
+                            <p:stCondLst>
+                              <p:cond delay="0"/>
+                            </p:stCondLst>
+                            <p:childTnLst>
+                              <p:par>
+                                <p:cTn id="54" presetID="21" presetClass="entr" presetSubtype="1" fill="hold" grpId="0" nodeType="afterEffect">
+                                  <p:stCondLst>
+                                    <p:cond delay="0"/>
+                                  </p:stCondLst>
+                                  <p:childTnLst>
+                                    <p:set>
+                                      <p:cBhvr>
+                                        <p:cTn id="55" dur="1" fill="hold">
+                                          <p:stCondLst>
+                                            <p:cond delay="0"/>
+                                          </p:stCondLst>
+                                        </p:cTn>
+                                        <p:tgtEl>
+                                          <p:spTgt spid="38"/>
+                                        </p:tgtEl>
+                                        <p:attrNameLst>
+                                          <p:attrName>style.visibility</p:attrName>
+                                        </p:attrNameLst>
+                                      </p:cBhvr>
+                                      <p:to>
+                                        <p:strVal val="visible"/>
+                                      </p:to>
+                                    </p:set>
+                                    <p:animEffect transition="in" filter="wheel(1)">
+                                      <p:cBhvr>
+                                        <p:cTn id="56" dur="2000"/>
+                                        <p:tgtEl>
+                                          <p:spTgt spid="38"/>
+                                        </p:tgtEl>
+                                      </p:cBhvr>
+                                    </p:animEffect>
+                                  </p:childTnLst>
+                                </p:cTn>
+                              </p:par>
+                            </p:childTnLst>
+                          </p:cTn>
+                        </p:par>
+                      </p:childTnLst>
+                    </p:cTn>
+                  </p:par>
+                  <p:par>
+                    <p:cTn id="57" fill="hold">
+                      <p:stCondLst>
+                        <p:cond delay="indefinite"/>
+                      </p:stCondLst>
+                      <p:childTnLst>
+                        <p:par>
+                          <p:cTn id="58" fill="hold">
+                            <p:stCondLst>
+                              <p:cond delay="0"/>
+                            </p:stCondLst>
+                            <p:childTnLst>
+                              <p:par>
+                                <p:cTn id="59" presetID="1" presetClass="exit" presetSubtype="0" fill="hold" grpId="1" nodeType="clickEffect">
+                                  <p:stCondLst>
+                                    <p:cond delay="0"/>
+                                  </p:stCondLst>
+                                  <p:childTnLst>
+                                    <p:set>
+                                      <p:cBhvr>
+                                        <p:cTn id="60" dur="1" fill="hold">
+                                          <p:stCondLst>
+                                            <p:cond delay="0"/>
+                                          </p:stCondLst>
+                                        </p:cTn>
+                                        <p:tgtEl>
+                                          <p:spTgt spid="38"/>
+                                        </p:tgtEl>
+                                        <p:attrNameLst>
+                                          <p:attrName>style.visibility</p:attrName>
+                                        </p:attrNameLst>
+                                      </p:cBhvr>
+                                      <p:to>
+                                        <p:strVal val="hidden"/>
+                                      </p:to>
+                                    </p:set>
+                                  </p:childTnLst>
+                                </p:cTn>
+                              </p:par>
+                            </p:childTnLst>
+                          </p:cTn>
+                        </p:par>
+                        <p:par>
+                          <p:cTn id="61" fill="hold">
+                            <p:stCondLst>
+                              <p:cond delay="0"/>
+                            </p:stCondLst>
+                            <p:childTnLst>
+                              <p:par>
+                                <p:cTn id="62" presetID="53" presetClass="entr" presetSubtype="16" fill="hold" grpId="0" nodeType="afterEffect">
+                                  <p:stCondLst>
+                                    <p:cond delay="0"/>
+                                  </p:stCondLst>
+                                  <p:childTnLst>
+                                    <p:set>
+                                      <p:cBhvr>
+                                        <p:cTn id="63" dur="1" fill="hold">
+                                          <p:stCondLst>
+                                            <p:cond delay="0"/>
+                                          </p:stCondLst>
+                                        </p:cTn>
+                                        <p:tgtEl>
+                                          <p:spTgt spid="49"/>
+                                        </p:tgtEl>
+                                        <p:attrNameLst>
+                                          <p:attrName>style.visibility</p:attrName>
+                                        </p:attrNameLst>
+                                      </p:cBhvr>
+                                      <p:to>
+                                        <p:strVal val="visible"/>
+                                      </p:to>
+                                    </p:set>
+                                    <p:anim calcmode="lin" valueType="num">
+                                      <p:cBhvr>
+                                        <p:cTn id="64" dur="500" fill="hold"/>
+                                        <p:tgtEl>
+                                          <p:spTgt spid="49"/>
+                                        </p:tgtEl>
+                                        <p:attrNameLst>
+                                          <p:attrName>ppt_w</p:attrName>
+                                        </p:attrNameLst>
+                                      </p:cBhvr>
+                                      <p:tavLst>
+                                        <p:tav tm="0">
+                                          <p:val>
+                                            <p:fltVal val="0"/>
+                                          </p:val>
+                                        </p:tav>
+                                        <p:tav tm="100000">
+                                          <p:val>
+                                            <p:strVal val="#ppt_w"/>
+                                          </p:val>
+                                        </p:tav>
+                                      </p:tavLst>
+                                    </p:anim>
+                                    <p:anim calcmode="lin" valueType="num">
+                                      <p:cBhvr>
+                                        <p:cTn id="65" dur="500" fill="hold"/>
+                                        <p:tgtEl>
+                                          <p:spTgt spid="49"/>
+                                        </p:tgtEl>
+                                        <p:attrNameLst>
+                                          <p:attrName>ppt_h</p:attrName>
+                                        </p:attrNameLst>
+                                      </p:cBhvr>
+                                      <p:tavLst>
+                                        <p:tav tm="0">
+                                          <p:val>
+                                            <p:fltVal val="0"/>
+                                          </p:val>
+                                        </p:tav>
+                                        <p:tav tm="100000">
+                                          <p:val>
+                                            <p:strVal val="#ppt_h"/>
+                                          </p:val>
+                                        </p:tav>
+                                      </p:tavLst>
+                                    </p:anim>
+                                    <p:animEffect transition="in" filter="fade">
+                                      <p:cBhvr>
+                                        <p:cTn id="66" dur="500"/>
+                                        <p:tgtEl>
+                                          <p:spTgt spid="49"/>
+                                        </p:tgtEl>
+                                      </p:cBhvr>
+                                    </p:animEffect>
+                                  </p:childTnLst>
+                                </p:cTn>
+                              </p:par>
+                            </p:childTnLst>
+                          </p:cTn>
+                        </p:par>
+                        <p:par>
+                          <p:cTn id="67" fill="hold">
+                            <p:stCondLst>
+                              <p:cond delay="500"/>
+                            </p:stCondLst>
+                            <p:childTnLst>
+                              <p:par>
+                                <p:cTn id="68" presetID="2" presetClass="entr" presetSubtype="2" fill="hold" grpId="0" nodeType="afterEffect">
+                                  <p:stCondLst>
+                                    <p:cond delay="0"/>
+                                  </p:stCondLst>
+                                  <p:childTnLst>
+                                    <p:set>
+                                      <p:cBhvr>
+                                        <p:cTn id="69" dur="1" fill="hold">
+                                          <p:stCondLst>
+                                            <p:cond delay="0"/>
+                                          </p:stCondLst>
+                                        </p:cTn>
+                                        <p:tgtEl>
+                                          <p:spTgt spid="51"/>
+                                        </p:tgtEl>
+                                        <p:attrNameLst>
+                                          <p:attrName>style.visibility</p:attrName>
+                                        </p:attrNameLst>
+                                      </p:cBhvr>
+                                      <p:to>
+                                        <p:strVal val="visible"/>
+                                      </p:to>
+                                    </p:set>
+                                    <p:anim calcmode="lin" valueType="num">
+                                      <p:cBhvr additive="base">
+                                        <p:cTn id="70" dur="500" fill="hold"/>
+                                        <p:tgtEl>
+                                          <p:spTgt spid="51"/>
+                                        </p:tgtEl>
+                                        <p:attrNameLst>
+                                          <p:attrName>ppt_x</p:attrName>
+                                        </p:attrNameLst>
+                                      </p:cBhvr>
+                                      <p:tavLst>
+                                        <p:tav tm="0">
+                                          <p:val>
+                                            <p:strVal val="1+#ppt_w/2"/>
+                                          </p:val>
+                                        </p:tav>
+                                        <p:tav tm="100000">
+                                          <p:val>
+                                            <p:strVal val="#ppt_x"/>
+                                          </p:val>
+                                        </p:tav>
+                                      </p:tavLst>
+                                    </p:anim>
+                                    <p:anim calcmode="lin" valueType="num">
+                                      <p:cBhvr additive="base">
+                                        <p:cTn id="71" dur="500" fill="hold"/>
+                                        <p:tgtEl>
+                                          <p:spTgt spid="51"/>
+                                        </p:tgtEl>
+                                        <p:attrNameLst>
+                                          <p:attrName>ppt_y</p:attrName>
+                                        </p:attrNameLst>
+                                      </p:cBhvr>
+                                      <p:tavLst>
+                                        <p:tav tm="0">
+                                          <p:val>
+                                            <p:strVal val="#ppt_y"/>
+                                          </p:val>
+                                        </p:tav>
+                                        <p:tav tm="100000">
+                                          <p:val>
+                                            <p:strVal val="#ppt_y"/>
+                                          </p:val>
+                                        </p:tav>
+                                      </p:tavLst>
+                                    </p:anim>
+                                  </p:childTnLst>
+                                </p:cTn>
+                              </p:par>
+                            </p:childTnLst>
+                          </p:cTn>
+                        </p:par>
+                        <p:par>
+                          <p:cTn id="72" fill="hold">
+                            <p:stCondLst>
+                              <p:cond delay="1000"/>
+                            </p:stCondLst>
+                            <p:childTnLst>
+                              <p:par>
+                                <p:cTn id="73" presetID="1" presetClass="entr" presetSubtype="0" fill="hold" grpId="0" nodeType="afterEffect">
+                                  <p:stCondLst>
+                                    <p:cond delay="0"/>
+                                  </p:stCondLst>
+                                  <p:childTnLst>
+                                    <p:set>
+                                      <p:cBhvr>
+                                        <p:cTn id="74" dur="1" fill="hold">
+                                          <p:stCondLst>
+                                            <p:cond delay="0"/>
+                                          </p:stCondLst>
+                                        </p:cTn>
+                                        <p:tgtEl>
+                                          <p:spTgt spid="50"/>
+                                        </p:tgtEl>
+                                        <p:attrNameLst>
+                                          <p:attrName>style.visibility</p:attrName>
+                                        </p:attrNameLst>
+                                      </p:cBhvr>
+                                      <p:to>
+                                        <p:strVal val="visible"/>
+                                      </p:to>
+                                    </p:set>
+                                  </p:childTnLst>
+                                </p:cTn>
+                              </p:par>
+                            </p:childTnLst>
+                          </p:cTn>
+                        </p:par>
+                      </p:childTnLst>
+                    </p:cTn>
+                  </p:par>
+                </p:childTnLst>
+              </p:cTn>
+              <p:prevCondLst>
+                <p:cond evt="onPrev" delay="0">
+                  <p:tgtEl>
+                    <p:sldTgt/>
+                  </p:tgtEl>
+                </p:cond>
+              </p:prevCondLst>
+              <p:nextCondLst>
+                <p:cond evt="onNext" delay="0">
+                  <p:tgtEl>
+                    <p:sldTgt/>
+                  </p:tgtEl>
+                </p:cond>
+              </p:nextCondLst>
+            </p:seq>
+          </p:childTnLst>
+        </p:cTn>
+      </p:par>
+    </p:tnLst>
+    <p:bldLst>
+      <p:bldP spid="38" grpId="0" animBg="1"/>
+      <p:bldP spid="38" grpId="1" animBg="1"/>
+      <p:bldP spid="39" grpId="1" animBg="1"/>
+      <p:bldP spid="40" grpId="1" animBg="1"/>
+      <p:bldP spid="41" grpId="1" animBg="1"/>
+      <p:bldP spid="42" grpId="1" animBg="1"/>
+      <p:bldP spid="43" grpId="0" animBg="1"/>
+      <p:bldP spid="43" grpId="1" animBg="1"/>
+      <p:bldP spid="44" grpId="0" animBg="1"/>
+      <p:bldP spid="44" grpId="1" animBg="1"/>
+      <p:bldP spid="45" grpId="0" animBg="1"/>
+      <p:bldP spid="45" grpId="1" animBg="1"/>
+      <p:bldP spid="46" grpId="0" animBg="1"/>
+      <p:bldP spid="46" grpId="1" animBg="1"/>
+      <p:bldP spid="48" grpId="0" animBg="1"/>
+      <p:bldP spid="49" grpId="0" animBg="1"/>
+      <p:bldP spid="50" grpId="0"/>
+      <p:bldP spid="51" grpId="0" animBg="1"/>
+      <p:bldP spid="2" grpId="0" animBg="1"/>
+      <p:bldP spid="2" grpId="1" animBg="1"/>
+    </p:bldLst>
+  </p:timing>
+</p:sld>
+</file>
+
+<file path=ppt/slides/slide22.xml><?xml version="1.0" encoding="utf-8"?>
+<p:sld xmlns:a="http://schemas.openxmlformats.org/drawingml/2006/main" xmlns:r="http://schemas.openxmlformats.org/officeDocument/2006/relationships" xmlns:p="http://schemas.openxmlformats.org/presentationml/2006/main">
+  <p:cSld>
+    <p:spTree>
+      <p:nvGrpSpPr>
+        <p:cNvPr id="1" name=""/>
+        <p:cNvGrpSpPr/>
+        <p:nvPr/>
+      </p:nvGrpSpPr>
+      <p:grpSpPr>
+        <a:xfrm>
+          <a:off x="0" y="0"/>
+          <a:ext cx="0" cy="0"/>
+          <a:chOff x="0" y="0"/>
+          <a:chExt cx="0" cy="0"/>
+        </a:xfrm>
+      </p:grpSpPr>
+      <p:sp>
+        <p:nvSpPr>
+          <p:cNvPr id="4" name="Slide Number Placeholder 3"/>
+          <p:cNvSpPr>
+            <a:spLocks noGrp="1"/>
+          </p:cNvSpPr>
+          <p:nvPr>
+            <p:ph type="sldNum" sz="quarter" idx="12"/>
+          </p:nvPr>
+        </p:nvSpPr>
+        <p:spPr/>
+        <p:txBody>
+          <a:bodyPr/>
+          <a:lstStyle/>
+          <a:p>
+            <a:fld id="{650AD656-6FF9-465D-B7B0-1CD0DD39CD23}" type="slidenum">
               <a:rPr lang="en-US" smtClean="0">
                 <a:solidFill>
                   <a:prstClr val="black">
@@ -12619,7 +13125,7 @@
                 </a:solidFill>
               </a:rPr>
               <a:pPr/>
-              <a:t>20</a:t>
+              <a:t>22</a:t>
             </a:fld>
             <a:endParaRPr lang="en-US" dirty="0">
               <a:solidFill>
@@ -12906,7 +13412,7 @@
 </p:sld>
 </file>
 
-<file path=ppt/slides/slide21.xml><?xml version="1.0" encoding="utf-8"?>
+<file path=ppt/slides/slide23.xml><?xml version="1.0" encoding="utf-8"?>
 <p:sld xmlns:a="http://schemas.openxmlformats.org/drawingml/2006/main" xmlns:r="http://schemas.openxmlformats.org/officeDocument/2006/relationships" xmlns:p="http://schemas.openxmlformats.org/presentationml/2006/main">
   <p:cSld>
     <p:spTree>
@@ -12925,10 +13431,10 @@
       </p:grpSpPr>
       <p:pic>
         <p:nvPicPr>
-          <p:cNvPr id="15" name="Picture 14">
+          <p:cNvPr id="14" name="Picture 13">
             <a:extLst>
               <a:ext uri="{FF2B5EF4-FFF2-40B4-BE49-F238E27FC236}">
-                <a16:creationId xmlns:a16="http://schemas.microsoft.com/office/drawing/2014/main" id="{F64E4A8F-BD38-CB46-DBE9-1265D5A3C619}"/>
+                <a16:creationId xmlns:a16="http://schemas.microsoft.com/office/drawing/2014/main" id="{97F298E1-FB68-1D79-3FC5-1A56CB0FFCAD}"/>
               </a:ext>
             </a:extLst>
           </p:cNvPr>
@@ -12945,8 +13451,8 @@
         </p:blipFill>
         <p:spPr>
           <a:xfrm>
-            <a:off x="1035974" y="1546055"/>
-            <a:ext cx="7099722" cy="4978416"/>
+            <a:off x="1226620" y="1511771"/>
+            <a:ext cx="6690762" cy="5150078"/>
           </a:xfrm>
           <a:prstGeom prst="rect">
             <a:avLst/>
@@ -13021,7 +13527,7 @@
           <a:p>
             <a:fld id="{650AD656-6FF9-465D-B7B0-1CD0DD39CD23}" type="slidenum">
               <a:rPr lang="en-US" smtClean="0"/>
-              <a:t>21</a:t>
+              <a:t>23</a:t>
             </a:fld>
             <a:endParaRPr lang="en-US" dirty="0"/>
           </a:p>
@@ -13041,7 +13547,7 @@
         </p:nvGrpSpPr>
         <p:grpSpPr>
           <a:xfrm>
-            <a:off x="3256130" y="3595037"/>
+            <a:off x="3548438" y="3676673"/>
             <a:ext cx="1076632" cy="369332"/>
             <a:chOff x="4968362" y="2079211"/>
             <a:chExt cx="1076632" cy="369332"/>
@@ -13161,7 +13667,7 @@
         </p:nvGrpSpPr>
         <p:grpSpPr>
           <a:xfrm>
-            <a:off x="3500076" y="5597237"/>
+            <a:off x="3608990" y="5756662"/>
             <a:ext cx="1076632" cy="369332"/>
             <a:chOff x="4704120" y="2356972"/>
             <a:chExt cx="1076632" cy="369332"/>
@@ -13281,8 +13787,8 @@
         </p:nvSpPr>
         <p:spPr>
           <a:xfrm>
-            <a:off x="1229829" y="5730876"/>
-            <a:ext cx="2230921" cy="121104"/>
+            <a:off x="1409709" y="5880776"/>
+            <a:ext cx="2138729" cy="121104"/>
           </a:xfrm>
           <a:prstGeom prst="rect">
             <a:avLst/>
@@ -13406,7 +13912,7 @@
                             </p:stCondLst>
                             <p:childTnLst>
                               <p:par>
-                                <p:cTn id="10" presetID="2" presetClass="entr" presetSubtype="8" fill="hold" grpId="0" nodeType="clickEffect">
+                                <p:cTn id="10" presetID="22" presetClass="entr" presetSubtype="2" fill="hold" nodeType="clickEffect">
                                   <p:stCondLst>
                                     <p:cond delay="0"/>
                                   </p:stCondLst>
@@ -13414,88 +13920,6 @@
                                     <p:set>
                                       <p:cBhvr>
                                         <p:cTn id="11" dur="1" fill="hold">
-                                          <p:stCondLst>
-                                            <p:cond delay="0"/>
-                                          </p:stCondLst>
-                                        </p:cTn>
-                                        <p:tgtEl>
-                                          <p:spTgt spid="23"/>
-                                        </p:tgtEl>
-                                        <p:attrNameLst>
-                                          <p:attrName>style.visibility</p:attrName>
-                                        </p:attrNameLst>
-                                      </p:cBhvr>
-                                      <p:to>
-                                        <p:strVal val="visible"/>
-                                      </p:to>
-                                    </p:set>
-                                    <p:anim calcmode="lin" valueType="num">
-                                      <p:cBhvr additive="base">
-                                        <p:cTn id="12" dur="500" fill="hold"/>
-                                        <p:tgtEl>
-                                          <p:spTgt spid="23"/>
-                                        </p:tgtEl>
-                                        <p:attrNameLst>
-                                          <p:attrName>ppt_x</p:attrName>
-                                        </p:attrNameLst>
-                                      </p:cBhvr>
-                                      <p:tavLst>
-                                        <p:tav tm="0">
-                                          <p:val>
-                                            <p:strVal val="0-#ppt_w/2"/>
-                                          </p:val>
-                                        </p:tav>
-                                        <p:tav tm="100000">
-                                          <p:val>
-                                            <p:strVal val="#ppt_x"/>
-                                          </p:val>
-                                        </p:tav>
-                                      </p:tavLst>
-                                    </p:anim>
-                                    <p:anim calcmode="lin" valueType="num">
-                                      <p:cBhvr additive="base">
-                                        <p:cTn id="13" dur="500" fill="hold"/>
-                                        <p:tgtEl>
-                                          <p:spTgt spid="23"/>
-                                        </p:tgtEl>
-                                        <p:attrNameLst>
-                                          <p:attrName>ppt_y</p:attrName>
-                                        </p:attrNameLst>
-                                      </p:cBhvr>
-                                      <p:tavLst>
-                                        <p:tav tm="0">
-                                          <p:val>
-                                            <p:strVal val="#ppt_y"/>
-                                          </p:val>
-                                        </p:tav>
-                                        <p:tav tm="100000">
-                                          <p:val>
-                                            <p:strVal val="#ppt_y"/>
-                                          </p:val>
-                                        </p:tav>
-                                      </p:tavLst>
-                                    </p:anim>
-                                  </p:childTnLst>
-                                </p:cTn>
-                              </p:par>
-                            </p:childTnLst>
-                          </p:cTn>
-                        </p:par>
-                        <p:par>
-                          <p:cTn id="14" fill="hold">
-                            <p:stCondLst>
-                              <p:cond delay="500"/>
-                            </p:stCondLst>
-                            <p:childTnLst>
-                              <p:par>
-                                <p:cTn id="15" presetID="22" presetClass="entr" presetSubtype="2" fill="hold" nodeType="afterEffect">
-                                  <p:stCondLst>
-                                    <p:cond delay="0"/>
-                                  </p:stCondLst>
-                                  <p:childTnLst>
-                                    <p:set>
-                                      <p:cBhvr>
-                                        <p:cTn id="16" dur="1" fill="hold">
                                           <p:stCondLst>
                                             <p:cond delay="0"/>
                                           </p:stCondLst>
@@ -13513,9 +13937,53 @@
                                     </p:set>
                                     <p:animEffect transition="in" filter="wipe(right)">
                                       <p:cBhvr>
-                                        <p:cTn id="17" dur="500"/>
+                                        <p:cTn id="12" dur="500"/>
                                         <p:tgtEl>
                                           <p:spTgt spid="10"/>
+                                        </p:tgtEl>
+                                      </p:cBhvr>
+                                    </p:animEffect>
+                                  </p:childTnLst>
+                                </p:cTn>
+                              </p:par>
+                            </p:childTnLst>
+                          </p:cTn>
+                        </p:par>
+                        <p:par>
+                          <p:cTn id="13" fill="hold">
+                            <p:stCondLst>
+                              <p:cond delay="500"/>
+                            </p:stCondLst>
+                            <p:childTnLst>
+                              <p:par>
+                                <p:cTn id="14" presetID="22" presetClass="entr" presetSubtype="2" fill="hold" grpId="0" nodeType="afterEffect">
+                                  <p:stCondLst>
+                                    <p:cond delay="0"/>
+                                  </p:stCondLst>
+                                  <p:childTnLst>
+                                    <p:set>
+                                      <p:cBhvr>
+                                        <p:cTn id="15" dur="1" fill="hold">
+                                          <p:stCondLst>
+                                            <p:cond delay="0"/>
+                                          </p:stCondLst>
+                                        </p:cTn>
+                                        <p:tgtEl>
+                                          <p:spTgt spid="23"/>
+                                        </p:tgtEl>
+                                        <p:attrNameLst>
+                                          <p:attrName>style.visibility</p:attrName>
+                                        </p:attrNameLst>
+                                      </p:cBhvr>
+                                      <p:to>
+                                        <p:strVal val="visible"/>
+                                      </p:to>
+                                    </p:set>
+                                    <p:animEffect transition="in" filter="wipe(right)">
+                                      <p:cBhvr>
+                                        <p:cTn id="16" dur="500"/>
+                                        <p:tgtEl>
+                                          <p:spTgt spid="23"/>
                                         </p:tgtEl>
                                       </p:cBhvr>
                                     </p:animEffect>
@@ -13556,7 +14024,7 @@
 </p:sld>
 </file>
 
-<file path=ppt/slides/slide22.xml><?xml version="1.0" encoding="utf-8"?>
+<file path=ppt/slides/slide24.xml><?xml version="1.0" encoding="utf-8"?>
 <p:sld xmlns:a="http://schemas.openxmlformats.org/drawingml/2006/main" xmlns:r="http://schemas.openxmlformats.org/officeDocument/2006/relationships" xmlns:p="http://schemas.openxmlformats.org/presentationml/2006/main">
   <p:cSld>
     <p:spTree>
@@ -13575,10 +14043,10 @@
       </p:grpSpPr>
       <p:pic>
         <p:nvPicPr>
-          <p:cNvPr id="5" name="Picture 4">
+          <p:cNvPr id="8" name="Picture 7">
             <a:extLst>
               <a:ext uri="{FF2B5EF4-FFF2-40B4-BE49-F238E27FC236}">
-                <a16:creationId xmlns:a16="http://schemas.microsoft.com/office/drawing/2014/main" id="{AB9A9751-E09C-8529-2231-DBD74D2DC429}"/>
+                <a16:creationId xmlns:a16="http://schemas.microsoft.com/office/drawing/2014/main" id="{98704E22-850F-857F-A9CD-45F3FEE6BF52}"/>
               </a:ext>
             </a:extLst>
           </p:cNvPr>
@@ -13595,8 +14063,8 @@
         </p:blipFill>
         <p:spPr>
           <a:xfrm>
-            <a:off x="533067" y="1710192"/>
-            <a:ext cx="5310911" cy="923115"/>
+            <a:off x="533067" y="1702687"/>
+            <a:ext cx="5925934" cy="1026136"/>
           </a:xfrm>
           <a:prstGeom prst="rect">
             <a:avLst/>
@@ -13680,7 +14148,7 @@
                 </a:solidFill>
               </a:rPr>
               <a:pPr/>
-              <a:t>22</a:t>
+              <a:t>24</a:t>
             </a:fld>
             <a:endParaRPr lang="en-US" dirty="0">
               <a:solidFill>
@@ -13700,7 +14168,7 @@
         </p:nvSpPr>
         <p:spPr>
           <a:xfrm>
-            <a:off x="6457950" y="2009865"/>
+            <a:off x="6865374" y="2024151"/>
             <a:ext cx="1866623" cy="718958"/>
           </a:xfrm>
           <a:prstGeom prst="wedgeRoundRectCallout">
@@ -13818,8 +14286,8 @@
         </p:nvSpPr>
         <p:spPr>
           <a:xfrm>
-            <a:off x="2349096" y="2383630"/>
-            <a:ext cx="1812207" cy="161925"/>
+            <a:off x="2502694" y="2383824"/>
+            <a:ext cx="2012156" cy="187926"/>
           </a:xfrm>
           <a:prstGeom prst="rect">
             <a:avLst/>
@@ -14352,7 +14820,7 @@
 </p:sld>
 </file>
 
-<file path=ppt/slides/slide23.xml><?xml version="1.0" encoding="utf-8"?>
+<file path=ppt/slides/slide25.xml><?xml version="1.0" encoding="utf-8"?>
 <p:sld xmlns:a="http://schemas.openxmlformats.org/drawingml/2006/main" xmlns:r="http://schemas.openxmlformats.org/officeDocument/2006/relationships" xmlns:p="http://schemas.openxmlformats.org/presentationml/2006/main">
   <p:cSld>
     <p:spTree>
@@ -14632,7 +15100,7 @@
                 </a:solidFill>
               </a:rPr>
               <a:pPr/>
-              <a:t>23</a:t>
+              <a:t>25</a:t>
             </a:fld>
             <a:endParaRPr lang="en-US" dirty="0">
               <a:solidFill>
@@ -14785,7 +15253,7 @@
 </p:sld>
 </file>
 
-<file path=ppt/slides/slide24.xml><?xml version="1.0" encoding="utf-8"?>
+<file path=ppt/slides/slide26.xml><?xml version="1.0" encoding="utf-8"?>
 <p:sld xmlns:a="http://schemas.openxmlformats.org/drawingml/2006/main" xmlns:r="http://schemas.openxmlformats.org/officeDocument/2006/relationships" xmlns:p="http://schemas.openxmlformats.org/presentationml/2006/main">
   <p:cSld>
     <p:spTree>
@@ -14875,7 +15343,7 @@
           <a:p>
             <a:fld id="{650AD656-6FF9-465D-B7B0-1CD0DD39CD23}" type="slidenum">
               <a:rPr lang="en-US" smtClean="0"/>
-              <a:t>24</a:t>
+              <a:t>26</a:t>
             </a:fld>
             <a:endParaRPr lang="en-US" dirty="0"/>
           </a:p>
@@ -17484,7 +17952,7 @@
 </p:sld>
 </file>
 
-<file path=ppt/slides/slide25.xml><?xml version="1.0" encoding="utf-8"?>
+<file path=ppt/slides/slide27.xml><?xml version="1.0" encoding="utf-8"?>
 <p:sld xmlns:a="http://schemas.openxmlformats.org/drawingml/2006/main" xmlns:r="http://schemas.openxmlformats.org/officeDocument/2006/relationships" xmlns:p="http://schemas.openxmlformats.org/presentationml/2006/main">
   <p:cSld>
     <p:spTree>
@@ -17550,7 +18018,7 @@
           <a:p>
             <a:fld id="{650AD656-6FF9-465D-B7B0-1CD0DD39CD23}" type="slidenum">
               <a:rPr lang="en-US" smtClean="0"/>
-              <a:t>25</a:t>
+              <a:t>27</a:t>
             </a:fld>
             <a:endParaRPr lang="en-US" dirty="0"/>
           </a:p>
@@ -17604,7 +18072,7 @@
 </p:sld>
 </file>
 
-<file path=ppt/slides/slide26.xml><?xml version="1.0" encoding="utf-8"?>
+<file path=ppt/slides/slide28.xml><?xml version="1.0" encoding="utf-8"?>
 <p:sld xmlns:a="http://schemas.openxmlformats.org/drawingml/2006/main" xmlns:r="http://schemas.openxmlformats.org/officeDocument/2006/relationships" xmlns:p="http://schemas.openxmlformats.org/presentationml/2006/main">
   <p:cSld>
     <p:spTree>
@@ -17623,10 +18091,10 @@
       </p:grpSpPr>
       <p:pic>
         <p:nvPicPr>
-          <p:cNvPr id="11" name="Picture 10">
+          <p:cNvPr id="33" name="Picture 32">
             <a:extLst>
               <a:ext uri="{FF2B5EF4-FFF2-40B4-BE49-F238E27FC236}">
-                <a16:creationId xmlns:a16="http://schemas.microsoft.com/office/drawing/2014/main" id="{CAF9CF70-4720-2793-7384-BA617D4955D7}"/>
+                <a16:creationId xmlns:a16="http://schemas.microsoft.com/office/drawing/2014/main" id="{DF38D028-619A-8FF7-40DC-890C9F4FEBA1}"/>
               </a:ext>
             </a:extLst>
           </p:cNvPr>
@@ -17643,8 +18111,8 @@
         </p:blipFill>
         <p:spPr>
           <a:xfrm>
-            <a:off x="954469" y="1576894"/>
-            <a:ext cx="7262733" cy="4915980"/>
+            <a:off x="1842447" y="1440509"/>
+            <a:ext cx="5561626" cy="5241532"/>
           </a:xfrm>
           <a:prstGeom prst="rect">
             <a:avLst/>
@@ -17709,7 +18177,7 @@
           <a:p>
             <a:fld id="{650AD656-6FF9-465D-B7B0-1CD0DD39CD23}" type="slidenum">
               <a:rPr lang="en-US" smtClean="0"/>
-              <a:t>26</a:t>
+              <a:t>28</a:t>
             </a:fld>
             <a:endParaRPr lang="en-US" dirty="0"/>
           </a:p>
@@ -17729,13 +18197,13 @@
         </p:nvSpPr>
         <p:spPr>
           <a:xfrm>
-            <a:off x="5914556" y="1920889"/>
+            <a:off x="6186253" y="1880024"/>
             <a:ext cx="2600794" cy="1124263"/>
           </a:xfrm>
           <a:prstGeom prst="wedgeRoundRectCallout">
             <a:avLst>
-              <a:gd name="adj1" fmla="val -93862"/>
-              <a:gd name="adj2" fmla="val 65167"/>
+              <a:gd name="adj1" fmla="val -72248"/>
+              <a:gd name="adj2" fmla="val -2833"/>
               <a:gd name="adj3" fmla="val 16667"/>
             </a:avLst>
           </a:prstGeom>
@@ -17782,7 +18250,7 @@
         </p:nvGrpSpPr>
         <p:grpSpPr>
           <a:xfrm>
-            <a:off x="2611555" y="2577225"/>
+            <a:off x="4034075" y="2065329"/>
             <a:ext cx="1076632" cy="369332"/>
             <a:chOff x="4968362" y="2079211"/>
             <a:chExt cx="1076632" cy="369332"/>
@@ -17902,7 +18370,7 @@
         </p:nvGrpSpPr>
         <p:grpSpPr>
           <a:xfrm>
-            <a:off x="2714457" y="2860486"/>
+            <a:off x="4583601" y="2861811"/>
             <a:ext cx="1076632" cy="369332"/>
             <a:chOff x="4704120" y="2356972"/>
             <a:chExt cx="1076632" cy="369332"/>
@@ -18022,7 +18490,7 @@
         </p:nvGrpSpPr>
         <p:grpSpPr>
           <a:xfrm>
-            <a:off x="2639851" y="3193623"/>
+            <a:off x="4473944" y="3348965"/>
             <a:ext cx="1068643" cy="369332"/>
             <a:chOff x="3647644" y="4910075"/>
             <a:chExt cx="1068643" cy="369332"/>
@@ -18142,7 +18610,7 @@
         </p:nvGrpSpPr>
         <p:grpSpPr>
           <a:xfrm>
-            <a:off x="4603916" y="3656512"/>
+            <a:off x="7177836" y="3964197"/>
             <a:ext cx="1064340" cy="369332"/>
             <a:chOff x="3647644" y="5421073"/>
             <a:chExt cx="1064340" cy="369332"/>
@@ -18262,7 +18730,7 @@
         </p:nvGrpSpPr>
         <p:grpSpPr>
           <a:xfrm>
-            <a:off x="2432152" y="4004904"/>
+            <a:off x="4222151" y="4467706"/>
             <a:ext cx="1068643" cy="369332"/>
             <a:chOff x="3647644" y="5359159"/>
             <a:chExt cx="1068643" cy="369332"/>
@@ -18382,7 +18850,7 @@
         </p:nvGrpSpPr>
         <p:grpSpPr>
           <a:xfrm>
-            <a:off x="4232432" y="4146045"/>
+            <a:off x="6707000" y="4658421"/>
             <a:ext cx="1076632" cy="369332"/>
             <a:chOff x="2157212" y="5356391"/>
             <a:chExt cx="1076632" cy="369332"/>
@@ -18502,7 +18970,7 @@
         </p:nvGrpSpPr>
         <p:grpSpPr>
           <a:xfrm>
-            <a:off x="3546628" y="4282402"/>
+            <a:off x="5705206" y="4859523"/>
             <a:ext cx="1076632" cy="369332"/>
             <a:chOff x="2157212" y="5356391"/>
             <a:chExt cx="1076632" cy="369332"/>
@@ -18622,7 +19090,7 @@
         </p:nvGrpSpPr>
         <p:grpSpPr>
           <a:xfrm>
-            <a:off x="4539776" y="4645260"/>
+            <a:off x="7082907" y="5462461"/>
             <a:ext cx="1076632" cy="369332"/>
             <a:chOff x="2157212" y="5356391"/>
             <a:chExt cx="1076632" cy="369332"/>
@@ -19254,7 +19722,7 @@
 </p:sld>
 </file>
 
-<file path=ppt/slides/slide27.xml><?xml version="1.0" encoding="utf-8"?>
+<file path=ppt/slides/slide29.xml><?xml version="1.0" encoding="utf-8"?>
 <p:sld xmlns:a="http://schemas.openxmlformats.org/drawingml/2006/main" xmlns:r="http://schemas.openxmlformats.org/officeDocument/2006/relationships" xmlns:p="http://schemas.openxmlformats.org/presentationml/2006/main">
   <p:cSld>
     <p:spTree>
@@ -19378,7 +19846,7 @@
                 </a:solidFill>
               </a:rPr>
               <a:pPr/>
-              <a:t>27</a:t>
+              <a:t>29</a:t>
             </a:fld>
             <a:endParaRPr lang="en-US" dirty="0">
               <a:solidFill>
@@ -20110,978 +20578,6 @@
 </p:sld>
 </file>
 
-<file path=ppt/slides/slide28.xml><?xml version="1.0" encoding="utf-8"?>
-<p:sld xmlns:a="http://schemas.openxmlformats.org/drawingml/2006/main" xmlns:r="http://schemas.openxmlformats.org/officeDocument/2006/relationships" xmlns:p="http://schemas.openxmlformats.org/presentationml/2006/main">
-  <p:cSld>
-    <p:spTree>
-      <p:nvGrpSpPr>
-        <p:cNvPr id="1" name=""/>
-        <p:cNvGrpSpPr/>
-        <p:nvPr/>
-      </p:nvGrpSpPr>
-      <p:grpSpPr>
-        <a:xfrm>
-          <a:off x="0" y="0"/>
-          <a:ext cx="0" cy="0"/>
-          <a:chOff x="0" y="0"/>
-          <a:chExt cx="0" cy="0"/>
-        </a:xfrm>
-      </p:grpSpPr>
-      <p:sp>
-        <p:nvSpPr>
-          <p:cNvPr id="2" name="Title 1"/>
-          <p:cNvSpPr>
-            <a:spLocks noGrp="1"/>
-          </p:cNvSpPr>
-          <p:nvPr>
-            <p:ph type="title"/>
-          </p:nvPr>
-        </p:nvSpPr>
-        <p:spPr>
-          <a:xfrm>
-            <a:off x="628650" y="365126"/>
-            <a:ext cx="7886700" cy="1103455"/>
-          </a:xfrm>
-        </p:spPr>
-        <p:txBody>
-          <a:bodyPr>
-            <a:noAutofit/>
-          </a:bodyPr>
-          <a:lstStyle/>
-          <a:p>
-            <a:pPr algn="ctr"/>
-            <a:r>
-              <a:rPr lang="en-US" sz="3200" dirty="0">
-                <a:latin typeface="+mn-lt"/>
-              </a:rPr>
-              <a:t>Python vs Java/C++</a:t>
-            </a:r>
-          </a:p>
-        </p:txBody>
-      </p:sp>
-      <p:sp>
-        <p:nvSpPr>
-          <p:cNvPr id="3" name="Content Placeholder 2"/>
-          <p:cNvSpPr>
-            <a:spLocks noGrp="1"/>
-          </p:cNvSpPr>
-          <p:nvPr>
-            <p:ph idx="1"/>
-          </p:nvPr>
-        </p:nvSpPr>
-        <p:spPr/>
-        <p:txBody>
-          <a:bodyPr>
-            <a:noAutofit/>
-          </a:bodyPr>
-          <a:lstStyle/>
-          <a:p>
-            <a:pPr>
-              <a:spcBef>
-                <a:spcPts val="0"/>
-              </a:spcBef>
-              <a:spcAft>
-                <a:spcPts val="1200"/>
-              </a:spcAft>
-            </a:pPr>
-            <a:r>
-              <a:rPr lang="en-US" sz="2400" dirty="0"/>
-              <a:t>Python is a dynamically typed language</a:t>
-            </a:r>
-          </a:p>
-          <a:p>
-            <a:pPr lvl="1">
-              <a:spcBef>
-                <a:spcPts val="0"/>
-              </a:spcBef>
-              <a:spcAft>
-                <a:spcPts val="1200"/>
-              </a:spcAft>
-            </a:pPr>
-            <a:r>
-              <a:rPr lang="en-US" sz="2000" dirty="0"/>
-              <a:t>It is not necessary to declare the </a:t>
-            </a:r>
-            <a:r>
-              <a:rPr lang="en-US" sz="2000" b="1" dirty="0"/>
-              <a:t>type</a:t>
-            </a:r>
-            <a:r>
-              <a:rPr lang="en-US" sz="2000" dirty="0"/>
-              <a:t> of a variable before assigning a value to it, and a variable can change its type within a </a:t>
-            </a:r>
-            <a:r>
-              <a:rPr lang="en-US" sz="2000" b="1" dirty="0"/>
-              <a:t>scope</a:t>
-            </a:r>
-          </a:p>
-          <a:p>
-            <a:pPr lvl="1">
-              <a:spcBef>
-                <a:spcPts val="0"/>
-              </a:spcBef>
-              <a:spcAft>
-                <a:spcPts val="1200"/>
-              </a:spcAft>
-            </a:pPr>
-            <a:r>
-              <a:rPr lang="en-US" sz="2000" dirty="0"/>
-              <a:t>In Python, a variable doesn't hold anything – a variable name is just a label for a static value</a:t>
-            </a:r>
-          </a:p>
-          <a:p>
-            <a:pPr>
-              <a:spcBef>
-                <a:spcPts val="0"/>
-              </a:spcBef>
-              <a:spcAft>
-                <a:spcPts val="1200"/>
-              </a:spcAft>
-            </a:pPr>
-            <a:r>
-              <a:rPr lang="en-US" sz="2400" dirty="0"/>
-              <a:t>Function names are normally followed by </a:t>
-            </a:r>
-            <a:r>
-              <a:rPr lang="en-US" sz="2400" b="1" dirty="0"/>
-              <a:t>parenthesis ()</a:t>
-            </a:r>
-          </a:p>
-          <a:p>
-            <a:pPr lvl="1">
-              <a:spcBef>
-                <a:spcPts val="0"/>
-              </a:spcBef>
-              <a:spcAft>
-                <a:spcPts val="1200"/>
-              </a:spcAft>
-            </a:pPr>
-            <a:r>
-              <a:rPr lang="en-US" sz="2000" dirty="0"/>
-              <a:t>Both functions </a:t>
-            </a:r>
-            <a:r>
-              <a:rPr lang="en-US" sz="2000" u="sng" dirty="0"/>
-              <a:t>and</a:t>
-            </a:r>
-            <a:r>
-              <a:rPr lang="en-US" sz="2000" dirty="0"/>
-              <a:t> statements can introduce scopes using a </a:t>
-            </a:r>
-            <a:r>
-              <a:rPr lang="en-US" sz="2000" b="1" dirty="0"/>
-              <a:t>colon :</a:t>
-            </a:r>
-          </a:p>
-          <a:p>
-            <a:pPr>
-              <a:spcBef>
-                <a:spcPts val="0"/>
-              </a:spcBef>
-              <a:spcAft>
-                <a:spcPts val="1200"/>
-              </a:spcAft>
-            </a:pPr>
-            <a:r>
-              <a:rPr lang="en-US" sz="2400" dirty="0"/>
-              <a:t>Python is whitespace sensitive!</a:t>
-            </a:r>
-          </a:p>
-          <a:p>
-            <a:pPr lvl="1">
-              <a:spcBef>
-                <a:spcPts val="0"/>
-              </a:spcBef>
-              <a:spcAft>
-                <a:spcPts val="1200"/>
-              </a:spcAft>
-            </a:pPr>
-            <a:r>
-              <a:rPr lang="en-US" sz="2000" dirty="0"/>
-              <a:t>A scope is not enclosed in curly braces {} like in Java/C++</a:t>
-            </a:r>
-          </a:p>
-          <a:p>
-            <a:pPr lvl="1">
-              <a:spcBef>
-                <a:spcPts val="0"/>
-              </a:spcBef>
-              <a:spcAft>
-                <a:spcPts val="1200"/>
-              </a:spcAft>
-            </a:pPr>
-            <a:r>
-              <a:rPr lang="en-US" sz="2000" dirty="0"/>
-              <a:t>Horizontal </a:t>
-            </a:r>
-            <a:r>
-              <a:rPr lang="en-US" sz="2000" b="1" dirty="0"/>
-              <a:t>indentation</a:t>
-            </a:r>
-            <a:r>
-              <a:rPr lang="en-US" sz="2000" dirty="0"/>
-              <a:t> is how you denote scopes in Python</a:t>
-            </a:r>
-          </a:p>
-          <a:p>
-            <a:pPr lvl="1">
-              <a:spcBef>
-                <a:spcPts val="0"/>
-              </a:spcBef>
-              <a:spcAft>
-                <a:spcPts val="1200"/>
-              </a:spcAft>
-            </a:pPr>
-            <a:r>
-              <a:rPr lang="en-US" sz="2000" dirty="0"/>
-              <a:t>All statements sharing the same scope must be vertically aligned</a:t>
-            </a:r>
-            <a:endParaRPr lang="en-US" sz="3200" dirty="0"/>
-          </a:p>
-        </p:txBody>
-      </p:sp>
-      <p:sp>
-        <p:nvSpPr>
-          <p:cNvPr id="4" name="Slide Number Placeholder 3"/>
-          <p:cNvSpPr>
-            <a:spLocks noGrp="1"/>
-          </p:cNvSpPr>
-          <p:nvPr>
-            <p:ph type="sldNum" sz="quarter" idx="12"/>
-          </p:nvPr>
-        </p:nvSpPr>
-        <p:spPr/>
-        <p:txBody>
-          <a:bodyPr/>
-          <a:lstStyle/>
-          <a:p>
-            <a:fld id="{650AD656-6FF9-465D-B7B0-1CD0DD39CD23}" type="slidenum">
-              <a:rPr lang="en-US" smtClean="0"/>
-              <a:t>28</a:t>
-            </a:fld>
-            <a:endParaRPr lang="en-US" dirty="0"/>
-          </a:p>
-        </p:txBody>
-      </p:sp>
-    </p:spTree>
-    <p:extLst>
-      <p:ext uri="{BB962C8B-B14F-4D97-AF65-F5344CB8AC3E}">
-        <p14:creationId xmlns:p14="http://schemas.microsoft.com/office/powerpoint/2010/main" val="3836899468"/>
-      </p:ext>
-    </p:extLst>
-  </p:cSld>
-  <p:clrMapOvr>
-    <a:masterClrMapping/>
-  </p:clrMapOvr>
-  <p:timing>
-    <p:tnLst>
-      <p:par>
-        <p:cTn id="1" dur="indefinite" restart="never" nodeType="tmRoot">
-          <p:childTnLst>
-            <p:seq concurrent="1" nextAc="seek">
-              <p:cTn id="2" dur="indefinite" nodeType="mainSeq">
-                <p:childTnLst>
-                  <p:par>
-                    <p:cTn id="3" fill="hold">
-                      <p:stCondLst>
-                        <p:cond delay="indefinite"/>
-                      </p:stCondLst>
-                      <p:childTnLst>
-                        <p:par>
-                          <p:cTn id="4" fill="hold">
-                            <p:stCondLst>
-                              <p:cond delay="0"/>
-                            </p:stCondLst>
-                            <p:childTnLst>
-                              <p:par>
-                                <p:cTn id="5" presetID="1" presetClass="entr" presetSubtype="0" fill="hold" nodeType="clickEffect">
-                                  <p:stCondLst>
-                                    <p:cond delay="0"/>
-                                  </p:stCondLst>
-                                  <p:childTnLst>
-                                    <p:set>
-                                      <p:cBhvr>
-                                        <p:cTn id="6" dur="1" fill="hold">
-                                          <p:stCondLst>
-                                            <p:cond delay="0"/>
-                                          </p:stCondLst>
-                                        </p:cTn>
-                                        <p:tgtEl>
-                                          <p:spTgt spid="3">
-                                            <p:txEl>
-                                              <p:pRg st="3" end="3"/>
-                                            </p:txEl>
-                                          </p:spTgt>
-                                        </p:tgtEl>
-                                        <p:attrNameLst>
-                                          <p:attrName>style.visibility</p:attrName>
-                                        </p:attrNameLst>
-                                      </p:cBhvr>
-                                      <p:to>
-                                        <p:strVal val="visible"/>
-                                      </p:to>
-                                    </p:set>
-                                  </p:childTnLst>
-                                </p:cTn>
-                              </p:par>
-                              <p:par>
-                                <p:cTn id="7" presetID="1" presetClass="entr" presetSubtype="0" fill="hold" nodeType="withEffect">
-                                  <p:stCondLst>
-                                    <p:cond delay="0"/>
-                                  </p:stCondLst>
-                                  <p:childTnLst>
-                                    <p:set>
-                                      <p:cBhvr>
-                                        <p:cTn id="8" dur="1" fill="hold">
-                                          <p:stCondLst>
-                                            <p:cond delay="0"/>
-                                          </p:stCondLst>
-                                        </p:cTn>
-                                        <p:tgtEl>
-                                          <p:spTgt spid="3">
-                                            <p:txEl>
-                                              <p:pRg st="4" end="4"/>
-                                            </p:txEl>
-                                          </p:spTgt>
-                                        </p:tgtEl>
-                                        <p:attrNameLst>
-                                          <p:attrName>style.visibility</p:attrName>
-                                        </p:attrNameLst>
-                                      </p:cBhvr>
-                                      <p:to>
-                                        <p:strVal val="visible"/>
-                                      </p:to>
-                                    </p:set>
-                                  </p:childTnLst>
-                                </p:cTn>
-                              </p:par>
-                            </p:childTnLst>
-                          </p:cTn>
-                        </p:par>
-                      </p:childTnLst>
-                    </p:cTn>
-                  </p:par>
-                  <p:par>
-                    <p:cTn id="9" fill="hold">
-                      <p:stCondLst>
-                        <p:cond delay="indefinite"/>
-                      </p:stCondLst>
-                      <p:childTnLst>
-                        <p:par>
-                          <p:cTn id="10" fill="hold">
-                            <p:stCondLst>
-                              <p:cond delay="0"/>
-                            </p:stCondLst>
-                            <p:childTnLst>
-                              <p:par>
-                                <p:cTn id="11" presetID="1" presetClass="entr" presetSubtype="0" fill="hold" nodeType="clickEffect">
-                                  <p:stCondLst>
-                                    <p:cond delay="0"/>
-                                  </p:stCondLst>
-                                  <p:childTnLst>
-                                    <p:set>
-                                      <p:cBhvr>
-                                        <p:cTn id="12" dur="1" fill="hold">
-                                          <p:stCondLst>
-                                            <p:cond delay="0"/>
-                                          </p:stCondLst>
-                                        </p:cTn>
-                                        <p:tgtEl>
-                                          <p:spTgt spid="3">
-                                            <p:txEl>
-                                              <p:pRg st="5" end="5"/>
-                                            </p:txEl>
-                                          </p:spTgt>
-                                        </p:tgtEl>
-                                        <p:attrNameLst>
-                                          <p:attrName>style.visibility</p:attrName>
-                                        </p:attrNameLst>
-                                      </p:cBhvr>
-                                      <p:to>
-                                        <p:strVal val="visible"/>
-                                      </p:to>
-                                    </p:set>
-                                  </p:childTnLst>
-                                </p:cTn>
-                              </p:par>
-                              <p:par>
-                                <p:cTn id="13" presetID="1" presetClass="entr" presetSubtype="0" fill="hold" nodeType="withEffect">
-                                  <p:stCondLst>
-                                    <p:cond delay="0"/>
-                                  </p:stCondLst>
-                                  <p:childTnLst>
-                                    <p:set>
-                                      <p:cBhvr>
-                                        <p:cTn id="14" dur="1" fill="hold">
-                                          <p:stCondLst>
-                                            <p:cond delay="0"/>
-                                          </p:stCondLst>
-                                        </p:cTn>
-                                        <p:tgtEl>
-                                          <p:spTgt spid="3">
-                                            <p:txEl>
-                                              <p:pRg st="6" end="6"/>
-                                            </p:txEl>
-                                          </p:spTgt>
-                                        </p:tgtEl>
-                                        <p:attrNameLst>
-                                          <p:attrName>style.visibility</p:attrName>
-                                        </p:attrNameLst>
-                                      </p:cBhvr>
-                                      <p:to>
-                                        <p:strVal val="visible"/>
-                                      </p:to>
-                                    </p:set>
-                                  </p:childTnLst>
-                                </p:cTn>
-                              </p:par>
-                              <p:par>
-                                <p:cTn id="15" presetID="1" presetClass="entr" presetSubtype="0" fill="hold" nodeType="withEffect">
-                                  <p:stCondLst>
-                                    <p:cond delay="0"/>
-                                  </p:stCondLst>
-                                  <p:childTnLst>
-                                    <p:set>
-                                      <p:cBhvr>
-                                        <p:cTn id="16" dur="1" fill="hold">
-                                          <p:stCondLst>
-                                            <p:cond delay="0"/>
-                                          </p:stCondLst>
-                                        </p:cTn>
-                                        <p:tgtEl>
-                                          <p:spTgt spid="3">
-                                            <p:txEl>
-                                              <p:pRg st="7" end="7"/>
-                                            </p:txEl>
-                                          </p:spTgt>
-                                        </p:tgtEl>
-                                        <p:attrNameLst>
-                                          <p:attrName>style.visibility</p:attrName>
-                                        </p:attrNameLst>
-                                      </p:cBhvr>
-                                      <p:to>
-                                        <p:strVal val="visible"/>
-                                      </p:to>
-                                    </p:set>
-                                  </p:childTnLst>
-                                </p:cTn>
-                              </p:par>
-                              <p:par>
-                                <p:cTn id="17" presetID="1" presetClass="entr" presetSubtype="0" fill="hold" nodeType="withEffect">
-                                  <p:stCondLst>
-                                    <p:cond delay="0"/>
-                                  </p:stCondLst>
-                                  <p:childTnLst>
-                                    <p:set>
-                                      <p:cBhvr>
-                                        <p:cTn id="18" dur="1" fill="hold">
-                                          <p:stCondLst>
-                                            <p:cond delay="0"/>
-                                          </p:stCondLst>
-                                        </p:cTn>
-                                        <p:tgtEl>
-                                          <p:spTgt spid="3">
-                                            <p:txEl>
-                                              <p:pRg st="8" end="8"/>
-                                            </p:txEl>
-                                          </p:spTgt>
-                                        </p:tgtEl>
-                                        <p:attrNameLst>
-                                          <p:attrName>style.visibility</p:attrName>
-                                        </p:attrNameLst>
-                                      </p:cBhvr>
-                                      <p:to>
-                                        <p:strVal val="visible"/>
-                                      </p:to>
-                                    </p:set>
-                                  </p:childTnLst>
-                                </p:cTn>
-                              </p:par>
-                            </p:childTnLst>
-                          </p:cTn>
-                        </p:par>
-                      </p:childTnLst>
-                    </p:cTn>
-                  </p:par>
-                </p:childTnLst>
-              </p:cTn>
-              <p:prevCondLst>
-                <p:cond evt="onPrev" delay="0">
-                  <p:tgtEl>
-                    <p:sldTgt/>
-                  </p:tgtEl>
-                </p:cond>
-              </p:prevCondLst>
-              <p:nextCondLst>
-                <p:cond evt="onNext" delay="0">
-                  <p:tgtEl>
-                    <p:sldTgt/>
-                  </p:tgtEl>
-                </p:cond>
-              </p:nextCondLst>
-            </p:seq>
-          </p:childTnLst>
-        </p:cTn>
-      </p:par>
-    </p:tnLst>
-  </p:timing>
-</p:sld>
-</file>
-
-<file path=ppt/slides/slide29.xml><?xml version="1.0" encoding="utf-8"?>
-<p:sld xmlns:a="http://schemas.openxmlformats.org/drawingml/2006/main" xmlns:r="http://schemas.openxmlformats.org/officeDocument/2006/relationships" xmlns:p="http://schemas.openxmlformats.org/presentationml/2006/main">
-  <p:cSld>
-    <p:spTree>
-      <p:nvGrpSpPr>
-        <p:cNvPr id="1" name=""/>
-        <p:cNvGrpSpPr/>
-        <p:nvPr/>
-      </p:nvGrpSpPr>
-      <p:grpSpPr>
-        <a:xfrm>
-          <a:off x="0" y="0"/>
-          <a:ext cx="0" cy="0"/>
-          <a:chOff x="0" y="0"/>
-          <a:chExt cx="0" cy="0"/>
-        </a:xfrm>
-      </p:grpSpPr>
-      <p:sp>
-        <p:nvSpPr>
-          <p:cNvPr id="2" name="Title 1"/>
-          <p:cNvSpPr>
-            <a:spLocks noGrp="1"/>
-          </p:cNvSpPr>
-          <p:nvPr>
-            <p:ph type="title"/>
-          </p:nvPr>
-        </p:nvSpPr>
-        <p:spPr>
-          <a:xfrm>
-            <a:off x="628650" y="365126"/>
-            <a:ext cx="7886700" cy="1103455"/>
-          </a:xfrm>
-        </p:spPr>
-        <p:txBody>
-          <a:bodyPr>
-            <a:noAutofit/>
-          </a:bodyPr>
-          <a:lstStyle/>
-          <a:p>
-            <a:pPr algn="ctr"/>
-            <a:r>
-              <a:rPr lang="en-US" sz="3200" dirty="0">
-                <a:latin typeface="+mn-lt"/>
-              </a:rPr>
-              <a:t>Python vs Java/C++</a:t>
-            </a:r>
-          </a:p>
-        </p:txBody>
-      </p:sp>
-      <p:sp>
-        <p:nvSpPr>
-          <p:cNvPr id="3" name="Content Placeholder 2"/>
-          <p:cNvSpPr>
-            <a:spLocks noGrp="1"/>
-          </p:cNvSpPr>
-          <p:nvPr>
-            <p:ph idx="1"/>
-          </p:nvPr>
-        </p:nvSpPr>
-        <p:spPr/>
-        <p:txBody>
-          <a:bodyPr>
-            <a:noAutofit/>
-          </a:bodyPr>
-          <a:lstStyle/>
-          <a:p>
-            <a:pPr>
-              <a:spcBef>
-                <a:spcPts val="0"/>
-              </a:spcBef>
-              <a:spcAft>
-                <a:spcPts val="1200"/>
-              </a:spcAft>
-            </a:pPr>
-            <a:r>
-              <a:rPr lang="en-US" sz="2400" dirty="0"/>
-              <a:t>Python is an interpreted language, not normally compiled</a:t>
-            </a:r>
-          </a:p>
-          <a:p>
-            <a:pPr lvl="1">
-              <a:spcBef>
-                <a:spcPts val="0"/>
-              </a:spcBef>
-              <a:spcAft>
-                <a:spcPts val="1200"/>
-              </a:spcAft>
-            </a:pPr>
-            <a:r>
-              <a:rPr lang="en-US" sz="2000" dirty="0"/>
-              <a:t>The reference implement of Python is </a:t>
-            </a:r>
-            <a:r>
-              <a:rPr lang="en-US" sz="2000" b="1" dirty="0" err="1"/>
-              <a:t>CPython</a:t>
-            </a:r>
-            <a:r>
-              <a:rPr lang="en-US" sz="2000" dirty="0"/>
-              <a:t>, which is a Python </a:t>
-            </a:r>
-            <a:r>
-              <a:rPr lang="en-US" sz="2000" i="1" dirty="0">
-                <a:solidFill>
-                  <a:srgbClr val="FF0000"/>
-                </a:solidFill>
-              </a:rPr>
-              <a:t>interpreter</a:t>
-            </a:r>
-            <a:r>
-              <a:rPr lang="en-US" sz="2000" dirty="0"/>
-              <a:t> written in C++</a:t>
-            </a:r>
-          </a:p>
-          <a:p>
-            <a:pPr lvl="1">
-              <a:spcBef>
-                <a:spcPts val="0"/>
-              </a:spcBef>
-              <a:spcAft>
-                <a:spcPts val="1200"/>
-              </a:spcAft>
-            </a:pPr>
-            <a:r>
-              <a:rPr lang="en-US" sz="2000" dirty="0"/>
-              <a:t>Python does not use a classical static </a:t>
-            </a:r>
-            <a:r>
-              <a:rPr lang="en-US" sz="2000" b="1" dirty="0">
-                <a:solidFill>
-                  <a:srgbClr val="7030A0"/>
-                </a:solidFill>
-              </a:rPr>
-              <a:t>linker</a:t>
-            </a:r>
-            <a:r>
-              <a:rPr lang="en-US" sz="2000" dirty="0"/>
-              <a:t> – you can easily call external code residing in external modules/packages on-the-fly</a:t>
-            </a:r>
-          </a:p>
-          <a:p>
-            <a:pPr>
-              <a:spcBef>
-                <a:spcPts val="0"/>
-              </a:spcBef>
-              <a:spcAft>
-                <a:spcPts val="1200"/>
-              </a:spcAft>
-            </a:pPr>
-            <a:r>
-              <a:rPr lang="en-US" sz="2400" dirty="0"/>
-              <a:t>Python code is inherently more </a:t>
-            </a:r>
-            <a:r>
-              <a:rPr lang="en-US" sz="2400" b="1" dirty="0"/>
-              <a:t>functional</a:t>
-            </a:r>
-            <a:r>
-              <a:rPr lang="en-US" sz="2400" dirty="0"/>
-              <a:t> (</a:t>
-            </a:r>
-            <a:r>
-              <a:rPr lang="en-US" sz="2400" dirty="0">
-                <a:solidFill>
-                  <a:srgbClr val="0070C0"/>
-                </a:solidFill>
-              </a:rPr>
-              <a:t>declarative</a:t>
-            </a:r>
-            <a:r>
-              <a:rPr lang="en-US" sz="2400" dirty="0"/>
-              <a:t>) than </a:t>
-            </a:r>
-            <a:r>
-              <a:rPr lang="en-US" sz="2400" b="1" dirty="0"/>
-              <a:t>procedural</a:t>
-            </a:r>
-            <a:r>
-              <a:rPr lang="en-US" sz="2400" dirty="0"/>
-              <a:t> (</a:t>
-            </a:r>
-            <a:r>
-              <a:rPr lang="en-US" sz="2400" dirty="0">
-                <a:solidFill>
-                  <a:srgbClr val="0070C0"/>
-                </a:solidFill>
-              </a:rPr>
-              <a:t>imperative</a:t>
-            </a:r>
-            <a:r>
-              <a:rPr lang="en-US" sz="2400" dirty="0"/>
-              <a:t>) like Java/C++</a:t>
-            </a:r>
-          </a:p>
-          <a:p>
-            <a:pPr lvl="1">
-              <a:spcBef>
-                <a:spcPts val="0"/>
-              </a:spcBef>
-              <a:spcAft>
-                <a:spcPts val="1200"/>
-              </a:spcAft>
-            </a:pPr>
-            <a:r>
-              <a:rPr lang="en-US" sz="2000" dirty="0"/>
-              <a:t>With </a:t>
-            </a:r>
-            <a:r>
-              <a:rPr lang="en-US" sz="2000" i="1" dirty="0"/>
-              <a:t>procedural</a:t>
-            </a:r>
-            <a:r>
-              <a:rPr lang="en-US" sz="2000" dirty="0"/>
-              <a:t> languages you must tell the computer step-by-step how exactly to accomplish what you want </a:t>
-            </a:r>
-          </a:p>
-          <a:p>
-            <a:pPr lvl="1">
-              <a:spcBef>
-                <a:spcPts val="0"/>
-              </a:spcBef>
-              <a:spcAft>
-                <a:spcPts val="1200"/>
-              </a:spcAft>
-            </a:pPr>
-            <a:r>
-              <a:rPr lang="en-US" sz="2000" dirty="0"/>
-              <a:t>With </a:t>
-            </a:r>
-            <a:r>
-              <a:rPr lang="en-US" sz="2000" i="1" dirty="0"/>
-              <a:t>functional</a:t>
-            </a:r>
-            <a:r>
-              <a:rPr lang="en-US" sz="2000" dirty="0"/>
-              <a:t> languages you tell the computer what you want to accomplish, and </a:t>
-            </a:r>
-            <a:r>
-              <a:rPr lang="en-US" sz="2000" u="sng" dirty="0"/>
-              <a:t>it</a:t>
-            </a:r>
-            <a:r>
-              <a:rPr lang="en-US" sz="2000" dirty="0"/>
-              <a:t> determines the </a:t>
-            </a:r>
-            <a:r>
-              <a:rPr lang="en-US" sz="2000" b="1" dirty="0"/>
-              <a:t>best</a:t>
-            </a:r>
-            <a:r>
-              <a:rPr lang="en-US" sz="2000" dirty="0"/>
-              <a:t> way to satisfy your request</a:t>
-            </a:r>
-          </a:p>
-          <a:p>
-            <a:pPr>
-              <a:spcBef>
-                <a:spcPts val="0"/>
-              </a:spcBef>
-              <a:spcAft>
-                <a:spcPts val="1200"/>
-              </a:spcAft>
-            </a:pPr>
-            <a:endParaRPr lang="en-US" sz="2400" dirty="0"/>
-          </a:p>
-          <a:p>
-            <a:pPr>
-              <a:spcBef>
-                <a:spcPts val="0"/>
-              </a:spcBef>
-              <a:spcAft>
-                <a:spcPts val="1200"/>
-              </a:spcAft>
-            </a:pPr>
-            <a:endParaRPr lang="en-US" sz="2400" dirty="0"/>
-          </a:p>
-        </p:txBody>
-      </p:sp>
-      <p:sp>
-        <p:nvSpPr>
-          <p:cNvPr id="4" name="Slide Number Placeholder 3"/>
-          <p:cNvSpPr>
-            <a:spLocks noGrp="1"/>
-          </p:cNvSpPr>
-          <p:nvPr>
-            <p:ph type="sldNum" sz="quarter" idx="12"/>
-          </p:nvPr>
-        </p:nvSpPr>
-        <p:spPr/>
-        <p:txBody>
-          <a:bodyPr/>
-          <a:lstStyle/>
-          <a:p>
-            <a:fld id="{650AD656-6FF9-465D-B7B0-1CD0DD39CD23}" type="slidenum">
-              <a:rPr lang="en-US" smtClean="0"/>
-              <a:t>29</a:t>
-            </a:fld>
-            <a:endParaRPr lang="en-US" dirty="0"/>
-          </a:p>
-        </p:txBody>
-      </p:sp>
-    </p:spTree>
-    <p:extLst>
-      <p:ext uri="{BB962C8B-B14F-4D97-AF65-F5344CB8AC3E}">
-        <p14:creationId xmlns:p14="http://schemas.microsoft.com/office/powerpoint/2010/main" val="2821404253"/>
-      </p:ext>
-    </p:extLst>
-  </p:cSld>
-  <p:clrMapOvr>
-    <a:masterClrMapping/>
-  </p:clrMapOvr>
-  <p:timing>
-    <p:tnLst>
-      <p:par>
-        <p:cTn id="1" dur="indefinite" restart="never" nodeType="tmRoot">
-          <p:childTnLst>
-            <p:seq concurrent="1" nextAc="seek">
-              <p:cTn id="2" dur="indefinite" nodeType="mainSeq">
-                <p:childTnLst>
-                  <p:par>
-                    <p:cTn id="3" fill="hold">
-                      <p:stCondLst>
-                        <p:cond delay="indefinite"/>
-                      </p:stCondLst>
-                      <p:childTnLst>
-                        <p:par>
-                          <p:cTn id="4" fill="hold">
-                            <p:stCondLst>
-                              <p:cond delay="0"/>
-                            </p:stCondLst>
-                            <p:childTnLst>
-                              <p:par>
-                                <p:cTn id="5" presetID="1" presetClass="entr" presetSubtype="0" fill="hold" nodeType="clickEffect">
-                                  <p:stCondLst>
-                                    <p:cond delay="0"/>
-                                  </p:stCondLst>
-                                  <p:childTnLst>
-                                    <p:set>
-                                      <p:cBhvr>
-                                        <p:cTn id="6" dur="1" fill="hold">
-                                          <p:stCondLst>
-                                            <p:cond delay="0"/>
-                                          </p:stCondLst>
-                                        </p:cTn>
-                                        <p:tgtEl>
-                                          <p:spTgt spid="3">
-                                            <p:txEl>
-                                              <p:pRg st="3" end="3"/>
-                                            </p:txEl>
-                                          </p:spTgt>
-                                        </p:tgtEl>
-                                        <p:attrNameLst>
-                                          <p:attrName>style.visibility</p:attrName>
-                                        </p:attrNameLst>
-                                      </p:cBhvr>
-                                      <p:to>
-                                        <p:strVal val="visible"/>
-                                      </p:to>
-                                    </p:set>
-                                  </p:childTnLst>
-                                </p:cTn>
-                              </p:par>
-                              <p:par>
-                                <p:cTn id="7" presetID="1" presetClass="entr" presetSubtype="0" fill="hold" nodeType="withEffect">
-                                  <p:stCondLst>
-                                    <p:cond delay="0"/>
-                                  </p:stCondLst>
-                                  <p:childTnLst>
-                                    <p:set>
-                                      <p:cBhvr>
-                                        <p:cTn id="8" dur="1" fill="hold">
-                                          <p:stCondLst>
-                                            <p:cond delay="0"/>
-                                          </p:stCondLst>
-                                        </p:cTn>
-                                        <p:tgtEl>
-                                          <p:spTgt spid="3">
-                                            <p:txEl>
-                                              <p:pRg st="4" end="4"/>
-                                            </p:txEl>
-                                          </p:spTgt>
-                                        </p:tgtEl>
-                                        <p:attrNameLst>
-                                          <p:attrName>style.visibility</p:attrName>
-                                        </p:attrNameLst>
-                                      </p:cBhvr>
-                                      <p:to>
-                                        <p:strVal val="visible"/>
-                                      </p:to>
-                                    </p:set>
-                                  </p:childTnLst>
-                                </p:cTn>
-                              </p:par>
-                              <p:par>
-                                <p:cTn id="9" presetID="1" presetClass="entr" presetSubtype="0" fill="hold" nodeType="withEffect">
-                                  <p:stCondLst>
-                                    <p:cond delay="0"/>
-                                  </p:stCondLst>
-                                  <p:childTnLst>
-                                    <p:set>
-                                      <p:cBhvr>
-                                        <p:cTn id="10" dur="1" fill="hold">
-                                          <p:stCondLst>
-                                            <p:cond delay="0"/>
-                                          </p:stCondLst>
-                                        </p:cTn>
-                                        <p:tgtEl>
-                                          <p:spTgt spid="3">
-                                            <p:txEl>
-                                              <p:pRg st="5" end="5"/>
-                                            </p:txEl>
-                                          </p:spTgt>
-                                        </p:tgtEl>
-                                        <p:attrNameLst>
-                                          <p:attrName>style.visibility</p:attrName>
-                                        </p:attrNameLst>
-                                      </p:cBhvr>
-                                      <p:to>
-                                        <p:strVal val="visible"/>
-                                      </p:to>
-                                    </p:set>
-                                  </p:childTnLst>
-                                </p:cTn>
-                              </p:par>
-                            </p:childTnLst>
-                          </p:cTn>
-                        </p:par>
-                      </p:childTnLst>
-                    </p:cTn>
-                  </p:par>
-                </p:childTnLst>
-              </p:cTn>
-              <p:prevCondLst>
-                <p:cond evt="onPrev" delay="0">
-                  <p:tgtEl>
-                    <p:sldTgt/>
-                  </p:tgtEl>
-                </p:cond>
-              </p:prevCondLst>
-              <p:nextCondLst>
-                <p:cond evt="onNext" delay="0">
-                  <p:tgtEl>
-                    <p:sldTgt/>
-                  </p:tgtEl>
-                </p:cond>
-              </p:nextCondLst>
-            </p:seq>
-          </p:childTnLst>
-        </p:cTn>
-      </p:par>
-    </p:tnLst>
-  </p:timing>
-</p:sld>
-</file>
-
 <file path=ppt/slides/slide3.xml><?xml version="1.0" encoding="utf-8"?>
 <p:sld xmlns:a="http://schemas.openxmlformats.org/drawingml/2006/main" xmlns:r="http://schemas.openxmlformats.org/officeDocument/2006/relationships" xmlns:p="http://schemas.openxmlformats.org/presentationml/2006/main">
   <p:cSld>
@@ -21530,6 +21026,978 @@
       </p:grpSpPr>
       <p:sp>
         <p:nvSpPr>
+          <p:cNvPr id="2" name="Title 1"/>
+          <p:cNvSpPr>
+            <a:spLocks noGrp="1"/>
+          </p:cNvSpPr>
+          <p:nvPr>
+            <p:ph type="title"/>
+          </p:nvPr>
+        </p:nvSpPr>
+        <p:spPr>
+          <a:xfrm>
+            <a:off x="628650" y="365126"/>
+            <a:ext cx="7886700" cy="1103455"/>
+          </a:xfrm>
+        </p:spPr>
+        <p:txBody>
+          <a:bodyPr>
+            <a:noAutofit/>
+          </a:bodyPr>
+          <a:lstStyle/>
+          <a:p>
+            <a:pPr algn="ctr"/>
+            <a:r>
+              <a:rPr lang="en-US" sz="3200" dirty="0">
+                <a:latin typeface="+mn-lt"/>
+              </a:rPr>
+              <a:t>Python vs Java/C++</a:t>
+            </a:r>
+          </a:p>
+        </p:txBody>
+      </p:sp>
+      <p:sp>
+        <p:nvSpPr>
+          <p:cNvPr id="3" name="Content Placeholder 2"/>
+          <p:cNvSpPr>
+            <a:spLocks noGrp="1"/>
+          </p:cNvSpPr>
+          <p:nvPr>
+            <p:ph idx="1"/>
+          </p:nvPr>
+        </p:nvSpPr>
+        <p:spPr/>
+        <p:txBody>
+          <a:bodyPr>
+            <a:noAutofit/>
+          </a:bodyPr>
+          <a:lstStyle/>
+          <a:p>
+            <a:pPr>
+              <a:spcBef>
+                <a:spcPts val="0"/>
+              </a:spcBef>
+              <a:spcAft>
+                <a:spcPts val="1200"/>
+              </a:spcAft>
+            </a:pPr>
+            <a:r>
+              <a:rPr lang="en-US" sz="2400" dirty="0"/>
+              <a:t>Python is a dynamically typed language</a:t>
+            </a:r>
+          </a:p>
+          <a:p>
+            <a:pPr lvl="1">
+              <a:spcBef>
+                <a:spcPts val="0"/>
+              </a:spcBef>
+              <a:spcAft>
+                <a:spcPts val="1200"/>
+              </a:spcAft>
+            </a:pPr>
+            <a:r>
+              <a:rPr lang="en-US" sz="2000" dirty="0"/>
+              <a:t>It is not necessary to declare the </a:t>
+            </a:r>
+            <a:r>
+              <a:rPr lang="en-US" sz="2000" b="1" dirty="0"/>
+              <a:t>type</a:t>
+            </a:r>
+            <a:r>
+              <a:rPr lang="en-US" sz="2000" dirty="0"/>
+              <a:t> of a variable before assigning a value to it, and a variable can change its type within a </a:t>
+            </a:r>
+            <a:r>
+              <a:rPr lang="en-US" sz="2000" b="1" dirty="0"/>
+              <a:t>scope</a:t>
+            </a:r>
+          </a:p>
+          <a:p>
+            <a:pPr lvl="1">
+              <a:spcBef>
+                <a:spcPts val="0"/>
+              </a:spcBef>
+              <a:spcAft>
+                <a:spcPts val="1200"/>
+              </a:spcAft>
+            </a:pPr>
+            <a:r>
+              <a:rPr lang="en-US" sz="2000" dirty="0"/>
+              <a:t>In Python, a variable doesn't hold anything – a variable name is just a label for a static value</a:t>
+            </a:r>
+          </a:p>
+          <a:p>
+            <a:pPr>
+              <a:spcBef>
+                <a:spcPts val="0"/>
+              </a:spcBef>
+              <a:spcAft>
+                <a:spcPts val="1200"/>
+              </a:spcAft>
+            </a:pPr>
+            <a:r>
+              <a:rPr lang="en-US" sz="2400" dirty="0"/>
+              <a:t>Function names are normally followed by </a:t>
+            </a:r>
+            <a:r>
+              <a:rPr lang="en-US" sz="2400" b="1" dirty="0"/>
+              <a:t>parenthesis ()</a:t>
+            </a:r>
+          </a:p>
+          <a:p>
+            <a:pPr lvl="1">
+              <a:spcBef>
+                <a:spcPts val="0"/>
+              </a:spcBef>
+              <a:spcAft>
+                <a:spcPts val="1200"/>
+              </a:spcAft>
+            </a:pPr>
+            <a:r>
+              <a:rPr lang="en-US" sz="2000" dirty="0"/>
+              <a:t>Both functions </a:t>
+            </a:r>
+            <a:r>
+              <a:rPr lang="en-US" sz="2000" u="sng" dirty="0"/>
+              <a:t>and</a:t>
+            </a:r>
+            <a:r>
+              <a:rPr lang="en-US" sz="2000" dirty="0"/>
+              <a:t> statements can introduce scopes using a </a:t>
+            </a:r>
+            <a:r>
+              <a:rPr lang="en-US" sz="2000" b="1" dirty="0"/>
+              <a:t>colon :</a:t>
+            </a:r>
+          </a:p>
+          <a:p>
+            <a:pPr>
+              <a:spcBef>
+                <a:spcPts val="0"/>
+              </a:spcBef>
+              <a:spcAft>
+                <a:spcPts val="1200"/>
+              </a:spcAft>
+            </a:pPr>
+            <a:r>
+              <a:rPr lang="en-US" sz="2400" dirty="0"/>
+              <a:t>Python is whitespace sensitive!</a:t>
+            </a:r>
+          </a:p>
+          <a:p>
+            <a:pPr lvl="1">
+              <a:spcBef>
+                <a:spcPts val="0"/>
+              </a:spcBef>
+              <a:spcAft>
+                <a:spcPts val="1200"/>
+              </a:spcAft>
+            </a:pPr>
+            <a:r>
+              <a:rPr lang="en-US" sz="2000" dirty="0"/>
+              <a:t>A scope is not enclosed in curly braces {} like in Java/C++</a:t>
+            </a:r>
+          </a:p>
+          <a:p>
+            <a:pPr lvl="1">
+              <a:spcBef>
+                <a:spcPts val="0"/>
+              </a:spcBef>
+              <a:spcAft>
+                <a:spcPts val="1200"/>
+              </a:spcAft>
+            </a:pPr>
+            <a:r>
+              <a:rPr lang="en-US" sz="2000" dirty="0"/>
+              <a:t>Horizontal </a:t>
+            </a:r>
+            <a:r>
+              <a:rPr lang="en-US" sz="2000" b="1" dirty="0"/>
+              <a:t>indentation</a:t>
+            </a:r>
+            <a:r>
+              <a:rPr lang="en-US" sz="2000" dirty="0"/>
+              <a:t> is how you denote scopes in Python</a:t>
+            </a:r>
+          </a:p>
+          <a:p>
+            <a:pPr lvl="1">
+              <a:spcBef>
+                <a:spcPts val="0"/>
+              </a:spcBef>
+              <a:spcAft>
+                <a:spcPts val="1200"/>
+              </a:spcAft>
+            </a:pPr>
+            <a:r>
+              <a:rPr lang="en-US" sz="2000" dirty="0"/>
+              <a:t>All statements sharing the same scope must be vertically aligned</a:t>
+            </a:r>
+            <a:endParaRPr lang="en-US" sz="3200" dirty="0"/>
+          </a:p>
+        </p:txBody>
+      </p:sp>
+      <p:sp>
+        <p:nvSpPr>
+          <p:cNvPr id="4" name="Slide Number Placeholder 3"/>
+          <p:cNvSpPr>
+            <a:spLocks noGrp="1"/>
+          </p:cNvSpPr>
+          <p:nvPr>
+            <p:ph type="sldNum" sz="quarter" idx="12"/>
+          </p:nvPr>
+        </p:nvSpPr>
+        <p:spPr/>
+        <p:txBody>
+          <a:bodyPr/>
+          <a:lstStyle/>
+          <a:p>
+            <a:fld id="{650AD656-6FF9-465D-B7B0-1CD0DD39CD23}" type="slidenum">
+              <a:rPr lang="en-US" smtClean="0"/>
+              <a:t>30</a:t>
+            </a:fld>
+            <a:endParaRPr lang="en-US" dirty="0"/>
+          </a:p>
+        </p:txBody>
+      </p:sp>
+    </p:spTree>
+    <p:extLst>
+      <p:ext uri="{BB962C8B-B14F-4D97-AF65-F5344CB8AC3E}">
+        <p14:creationId xmlns:p14="http://schemas.microsoft.com/office/powerpoint/2010/main" val="3836899468"/>
+      </p:ext>
+    </p:extLst>
+  </p:cSld>
+  <p:clrMapOvr>
+    <a:masterClrMapping/>
+  </p:clrMapOvr>
+  <p:timing>
+    <p:tnLst>
+      <p:par>
+        <p:cTn id="1" dur="indefinite" restart="never" nodeType="tmRoot">
+          <p:childTnLst>
+            <p:seq concurrent="1" nextAc="seek">
+              <p:cTn id="2" dur="indefinite" nodeType="mainSeq">
+                <p:childTnLst>
+                  <p:par>
+                    <p:cTn id="3" fill="hold">
+                      <p:stCondLst>
+                        <p:cond delay="indefinite"/>
+                      </p:stCondLst>
+                      <p:childTnLst>
+                        <p:par>
+                          <p:cTn id="4" fill="hold">
+                            <p:stCondLst>
+                              <p:cond delay="0"/>
+                            </p:stCondLst>
+                            <p:childTnLst>
+                              <p:par>
+                                <p:cTn id="5" presetID="1" presetClass="entr" presetSubtype="0" fill="hold" nodeType="clickEffect">
+                                  <p:stCondLst>
+                                    <p:cond delay="0"/>
+                                  </p:stCondLst>
+                                  <p:childTnLst>
+                                    <p:set>
+                                      <p:cBhvr>
+                                        <p:cTn id="6" dur="1" fill="hold">
+                                          <p:stCondLst>
+                                            <p:cond delay="0"/>
+                                          </p:stCondLst>
+                                        </p:cTn>
+                                        <p:tgtEl>
+                                          <p:spTgt spid="3">
+                                            <p:txEl>
+                                              <p:pRg st="3" end="3"/>
+                                            </p:txEl>
+                                          </p:spTgt>
+                                        </p:tgtEl>
+                                        <p:attrNameLst>
+                                          <p:attrName>style.visibility</p:attrName>
+                                        </p:attrNameLst>
+                                      </p:cBhvr>
+                                      <p:to>
+                                        <p:strVal val="visible"/>
+                                      </p:to>
+                                    </p:set>
+                                  </p:childTnLst>
+                                </p:cTn>
+                              </p:par>
+                              <p:par>
+                                <p:cTn id="7" presetID="1" presetClass="entr" presetSubtype="0" fill="hold" nodeType="withEffect">
+                                  <p:stCondLst>
+                                    <p:cond delay="0"/>
+                                  </p:stCondLst>
+                                  <p:childTnLst>
+                                    <p:set>
+                                      <p:cBhvr>
+                                        <p:cTn id="8" dur="1" fill="hold">
+                                          <p:stCondLst>
+                                            <p:cond delay="0"/>
+                                          </p:stCondLst>
+                                        </p:cTn>
+                                        <p:tgtEl>
+                                          <p:spTgt spid="3">
+                                            <p:txEl>
+                                              <p:pRg st="4" end="4"/>
+                                            </p:txEl>
+                                          </p:spTgt>
+                                        </p:tgtEl>
+                                        <p:attrNameLst>
+                                          <p:attrName>style.visibility</p:attrName>
+                                        </p:attrNameLst>
+                                      </p:cBhvr>
+                                      <p:to>
+                                        <p:strVal val="visible"/>
+                                      </p:to>
+                                    </p:set>
+                                  </p:childTnLst>
+                                </p:cTn>
+                              </p:par>
+                            </p:childTnLst>
+                          </p:cTn>
+                        </p:par>
+                      </p:childTnLst>
+                    </p:cTn>
+                  </p:par>
+                  <p:par>
+                    <p:cTn id="9" fill="hold">
+                      <p:stCondLst>
+                        <p:cond delay="indefinite"/>
+                      </p:stCondLst>
+                      <p:childTnLst>
+                        <p:par>
+                          <p:cTn id="10" fill="hold">
+                            <p:stCondLst>
+                              <p:cond delay="0"/>
+                            </p:stCondLst>
+                            <p:childTnLst>
+                              <p:par>
+                                <p:cTn id="11" presetID="1" presetClass="entr" presetSubtype="0" fill="hold" nodeType="clickEffect">
+                                  <p:stCondLst>
+                                    <p:cond delay="0"/>
+                                  </p:stCondLst>
+                                  <p:childTnLst>
+                                    <p:set>
+                                      <p:cBhvr>
+                                        <p:cTn id="12" dur="1" fill="hold">
+                                          <p:stCondLst>
+                                            <p:cond delay="0"/>
+                                          </p:stCondLst>
+                                        </p:cTn>
+                                        <p:tgtEl>
+                                          <p:spTgt spid="3">
+                                            <p:txEl>
+                                              <p:pRg st="5" end="5"/>
+                                            </p:txEl>
+                                          </p:spTgt>
+                                        </p:tgtEl>
+                                        <p:attrNameLst>
+                                          <p:attrName>style.visibility</p:attrName>
+                                        </p:attrNameLst>
+                                      </p:cBhvr>
+                                      <p:to>
+                                        <p:strVal val="visible"/>
+                                      </p:to>
+                                    </p:set>
+                                  </p:childTnLst>
+                                </p:cTn>
+                              </p:par>
+                              <p:par>
+                                <p:cTn id="13" presetID="1" presetClass="entr" presetSubtype="0" fill="hold" nodeType="withEffect">
+                                  <p:stCondLst>
+                                    <p:cond delay="0"/>
+                                  </p:stCondLst>
+                                  <p:childTnLst>
+                                    <p:set>
+                                      <p:cBhvr>
+                                        <p:cTn id="14" dur="1" fill="hold">
+                                          <p:stCondLst>
+                                            <p:cond delay="0"/>
+                                          </p:stCondLst>
+                                        </p:cTn>
+                                        <p:tgtEl>
+                                          <p:spTgt spid="3">
+                                            <p:txEl>
+                                              <p:pRg st="6" end="6"/>
+                                            </p:txEl>
+                                          </p:spTgt>
+                                        </p:tgtEl>
+                                        <p:attrNameLst>
+                                          <p:attrName>style.visibility</p:attrName>
+                                        </p:attrNameLst>
+                                      </p:cBhvr>
+                                      <p:to>
+                                        <p:strVal val="visible"/>
+                                      </p:to>
+                                    </p:set>
+                                  </p:childTnLst>
+                                </p:cTn>
+                              </p:par>
+                              <p:par>
+                                <p:cTn id="15" presetID="1" presetClass="entr" presetSubtype="0" fill="hold" nodeType="withEffect">
+                                  <p:stCondLst>
+                                    <p:cond delay="0"/>
+                                  </p:stCondLst>
+                                  <p:childTnLst>
+                                    <p:set>
+                                      <p:cBhvr>
+                                        <p:cTn id="16" dur="1" fill="hold">
+                                          <p:stCondLst>
+                                            <p:cond delay="0"/>
+                                          </p:stCondLst>
+                                        </p:cTn>
+                                        <p:tgtEl>
+                                          <p:spTgt spid="3">
+                                            <p:txEl>
+                                              <p:pRg st="7" end="7"/>
+                                            </p:txEl>
+                                          </p:spTgt>
+                                        </p:tgtEl>
+                                        <p:attrNameLst>
+                                          <p:attrName>style.visibility</p:attrName>
+                                        </p:attrNameLst>
+                                      </p:cBhvr>
+                                      <p:to>
+                                        <p:strVal val="visible"/>
+                                      </p:to>
+                                    </p:set>
+                                  </p:childTnLst>
+                                </p:cTn>
+                              </p:par>
+                              <p:par>
+                                <p:cTn id="17" presetID="1" presetClass="entr" presetSubtype="0" fill="hold" nodeType="withEffect">
+                                  <p:stCondLst>
+                                    <p:cond delay="0"/>
+                                  </p:stCondLst>
+                                  <p:childTnLst>
+                                    <p:set>
+                                      <p:cBhvr>
+                                        <p:cTn id="18" dur="1" fill="hold">
+                                          <p:stCondLst>
+                                            <p:cond delay="0"/>
+                                          </p:stCondLst>
+                                        </p:cTn>
+                                        <p:tgtEl>
+                                          <p:spTgt spid="3">
+                                            <p:txEl>
+                                              <p:pRg st="8" end="8"/>
+                                            </p:txEl>
+                                          </p:spTgt>
+                                        </p:tgtEl>
+                                        <p:attrNameLst>
+                                          <p:attrName>style.visibility</p:attrName>
+                                        </p:attrNameLst>
+                                      </p:cBhvr>
+                                      <p:to>
+                                        <p:strVal val="visible"/>
+                                      </p:to>
+                                    </p:set>
+                                  </p:childTnLst>
+                                </p:cTn>
+                              </p:par>
+                            </p:childTnLst>
+                          </p:cTn>
+                        </p:par>
+                      </p:childTnLst>
+                    </p:cTn>
+                  </p:par>
+                </p:childTnLst>
+              </p:cTn>
+              <p:prevCondLst>
+                <p:cond evt="onPrev" delay="0">
+                  <p:tgtEl>
+                    <p:sldTgt/>
+                  </p:tgtEl>
+                </p:cond>
+              </p:prevCondLst>
+              <p:nextCondLst>
+                <p:cond evt="onNext" delay="0">
+                  <p:tgtEl>
+                    <p:sldTgt/>
+                  </p:tgtEl>
+                </p:cond>
+              </p:nextCondLst>
+            </p:seq>
+          </p:childTnLst>
+        </p:cTn>
+      </p:par>
+    </p:tnLst>
+  </p:timing>
+</p:sld>
+</file>
+
+<file path=ppt/slides/slide31.xml><?xml version="1.0" encoding="utf-8"?>
+<p:sld xmlns:a="http://schemas.openxmlformats.org/drawingml/2006/main" xmlns:r="http://schemas.openxmlformats.org/officeDocument/2006/relationships" xmlns:p="http://schemas.openxmlformats.org/presentationml/2006/main">
+  <p:cSld>
+    <p:spTree>
+      <p:nvGrpSpPr>
+        <p:cNvPr id="1" name=""/>
+        <p:cNvGrpSpPr/>
+        <p:nvPr/>
+      </p:nvGrpSpPr>
+      <p:grpSpPr>
+        <a:xfrm>
+          <a:off x="0" y="0"/>
+          <a:ext cx="0" cy="0"/>
+          <a:chOff x="0" y="0"/>
+          <a:chExt cx="0" cy="0"/>
+        </a:xfrm>
+      </p:grpSpPr>
+      <p:sp>
+        <p:nvSpPr>
+          <p:cNvPr id="2" name="Title 1"/>
+          <p:cNvSpPr>
+            <a:spLocks noGrp="1"/>
+          </p:cNvSpPr>
+          <p:nvPr>
+            <p:ph type="title"/>
+          </p:nvPr>
+        </p:nvSpPr>
+        <p:spPr>
+          <a:xfrm>
+            <a:off x="628650" y="365126"/>
+            <a:ext cx="7886700" cy="1103455"/>
+          </a:xfrm>
+        </p:spPr>
+        <p:txBody>
+          <a:bodyPr>
+            <a:noAutofit/>
+          </a:bodyPr>
+          <a:lstStyle/>
+          <a:p>
+            <a:pPr algn="ctr"/>
+            <a:r>
+              <a:rPr lang="en-US" sz="3200" dirty="0">
+                <a:latin typeface="+mn-lt"/>
+              </a:rPr>
+              <a:t>Python vs Java/C++</a:t>
+            </a:r>
+          </a:p>
+        </p:txBody>
+      </p:sp>
+      <p:sp>
+        <p:nvSpPr>
+          <p:cNvPr id="3" name="Content Placeholder 2"/>
+          <p:cNvSpPr>
+            <a:spLocks noGrp="1"/>
+          </p:cNvSpPr>
+          <p:nvPr>
+            <p:ph idx="1"/>
+          </p:nvPr>
+        </p:nvSpPr>
+        <p:spPr/>
+        <p:txBody>
+          <a:bodyPr>
+            <a:noAutofit/>
+          </a:bodyPr>
+          <a:lstStyle/>
+          <a:p>
+            <a:pPr>
+              <a:spcBef>
+                <a:spcPts val="0"/>
+              </a:spcBef>
+              <a:spcAft>
+                <a:spcPts val="1200"/>
+              </a:spcAft>
+            </a:pPr>
+            <a:r>
+              <a:rPr lang="en-US" sz="2400" dirty="0"/>
+              <a:t>Python is an interpreted language, not normally compiled</a:t>
+            </a:r>
+          </a:p>
+          <a:p>
+            <a:pPr lvl="1">
+              <a:spcBef>
+                <a:spcPts val="0"/>
+              </a:spcBef>
+              <a:spcAft>
+                <a:spcPts val="1200"/>
+              </a:spcAft>
+            </a:pPr>
+            <a:r>
+              <a:rPr lang="en-US" sz="2000" dirty="0"/>
+              <a:t>The reference implement of Python is </a:t>
+            </a:r>
+            <a:r>
+              <a:rPr lang="en-US" sz="2000" b="1" dirty="0" err="1"/>
+              <a:t>CPython</a:t>
+            </a:r>
+            <a:r>
+              <a:rPr lang="en-US" sz="2000" dirty="0"/>
+              <a:t>, which is a Python </a:t>
+            </a:r>
+            <a:r>
+              <a:rPr lang="en-US" sz="2000" i="1" dirty="0">
+                <a:solidFill>
+                  <a:srgbClr val="FF0000"/>
+                </a:solidFill>
+              </a:rPr>
+              <a:t>interpreter</a:t>
+            </a:r>
+            <a:r>
+              <a:rPr lang="en-US" sz="2000" dirty="0"/>
+              <a:t> written in C++</a:t>
+            </a:r>
+          </a:p>
+          <a:p>
+            <a:pPr lvl="1">
+              <a:spcBef>
+                <a:spcPts val="0"/>
+              </a:spcBef>
+              <a:spcAft>
+                <a:spcPts val="1200"/>
+              </a:spcAft>
+            </a:pPr>
+            <a:r>
+              <a:rPr lang="en-US" sz="2000" dirty="0"/>
+              <a:t>Python does not use a classical static </a:t>
+            </a:r>
+            <a:r>
+              <a:rPr lang="en-US" sz="2000" b="1" dirty="0">
+                <a:solidFill>
+                  <a:srgbClr val="7030A0"/>
+                </a:solidFill>
+              </a:rPr>
+              <a:t>linker</a:t>
+            </a:r>
+            <a:r>
+              <a:rPr lang="en-US" sz="2000" dirty="0"/>
+              <a:t> – you can easily call external code residing in external modules/packages on-the-fly</a:t>
+            </a:r>
+          </a:p>
+          <a:p>
+            <a:pPr>
+              <a:spcBef>
+                <a:spcPts val="0"/>
+              </a:spcBef>
+              <a:spcAft>
+                <a:spcPts val="1200"/>
+              </a:spcAft>
+            </a:pPr>
+            <a:r>
+              <a:rPr lang="en-US" sz="2400" dirty="0"/>
+              <a:t>Python code is inherently more </a:t>
+            </a:r>
+            <a:r>
+              <a:rPr lang="en-US" sz="2400" b="1" dirty="0"/>
+              <a:t>functional</a:t>
+            </a:r>
+            <a:r>
+              <a:rPr lang="en-US" sz="2400" dirty="0"/>
+              <a:t> (</a:t>
+            </a:r>
+            <a:r>
+              <a:rPr lang="en-US" sz="2400" dirty="0">
+                <a:solidFill>
+                  <a:srgbClr val="0070C0"/>
+                </a:solidFill>
+              </a:rPr>
+              <a:t>declarative</a:t>
+            </a:r>
+            <a:r>
+              <a:rPr lang="en-US" sz="2400" dirty="0"/>
+              <a:t>) than </a:t>
+            </a:r>
+            <a:r>
+              <a:rPr lang="en-US" sz="2400" b="1" dirty="0"/>
+              <a:t>procedural</a:t>
+            </a:r>
+            <a:r>
+              <a:rPr lang="en-US" sz="2400" dirty="0"/>
+              <a:t> (</a:t>
+            </a:r>
+            <a:r>
+              <a:rPr lang="en-US" sz="2400" dirty="0">
+                <a:solidFill>
+                  <a:srgbClr val="0070C0"/>
+                </a:solidFill>
+              </a:rPr>
+              <a:t>imperative</a:t>
+            </a:r>
+            <a:r>
+              <a:rPr lang="en-US" sz="2400" dirty="0"/>
+              <a:t>) like Java/C++</a:t>
+            </a:r>
+          </a:p>
+          <a:p>
+            <a:pPr lvl="1">
+              <a:spcBef>
+                <a:spcPts val="0"/>
+              </a:spcBef>
+              <a:spcAft>
+                <a:spcPts val="1200"/>
+              </a:spcAft>
+            </a:pPr>
+            <a:r>
+              <a:rPr lang="en-US" sz="2000" dirty="0"/>
+              <a:t>With </a:t>
+            </a:r>
+            <a:r>
+              <a:rPr lang="en-US" sz="2000" i="1" dirty="0"/>
+              <a:t>procedural</a:t>
+            </a:r>
+            <a:r>
+              <a:rPr lang="en-US" sz="2000" dirty="0"/>
+              <a:t> languages you must tell the computer step-by-step how exactly to accomplish what you want </a:t>
+            </a:r>
+          </a:p>
+          <a:p>
+            <a:pPr lvl="1">
+              <a:spcBef>
+                <a:spcPts val="0"/>
+              </a:spcBef>
+              <a:spcAft>
+                <a:spcPts val="1200"/>
+              </a:spcAft>
+            </a:pPr>
+            <a:r>
+              <a:rPr lang="en-US" sz="2000" dirty="0"/>
+              <a:t>With </a:t>
+            </a:r>
+            <a:r>
+              <a:rPr lang="en-US" sz="2000" i="1" dirty="0"/>
+              <a:t>functional</a:t>
+            </a:r>
+            <a:r>
+              <a:rPr lang="en-US" sz="2000" dirty="0"/>
+              <a:t> languages you tell the computer what you want to accomplish, and </a:t>
+            </a:r>
+            <a:r>
+              <a:rPr lang="en-US" sz="2000" u="sng" dirty="0"/>
+              <a:t>it</a:t>
+            </a:r>
+            <a:r>
+              <a:rPr lang="en-US" sz="2000" dirty="0"/>
+              <a:t> determines the </a:t>
+            </a:r>
+            <a:r>
+              <a:rPr lang="en-US" sz="2000" b="1" dirty="0"/>
+              <a:t>best</a:t>
+            </a:r>
+            <a:r>
+              <a:rPr lang="en-US" sz="2000" dirty="0"/>
+              <a:t> way to satisfy your request</a:t>
+            </a:r>
+          </a:p>
+          <a:p>
+            <a:pPr>
+              <a:spcBef>
+                <a:spcPts val="0"/>
+              </a:spcBef>
+              <a:spcAft>
+                <a:spcPts val="1200"/>
+              </a:spcAft>
+            </a:pPr>
+            <a:endParaRPr lang="en-US" sz="2400" dirty="0"/>
+          </a:p>
+          <a:p>
+            <a:pPr>
+              <a:spcBef>
+                <a:spcPts val="0"/>
+              </a:spcBef>
+              <a:spcAft>
+                <a:spcPts val="1200"/>
+              </a:spcAft>
+            </a:pPr>
+            <a:endParaRPr lang="en-US" sz="2400" dirty="0"/>
+          </a:p>
+        </p:txBody>
+      </p:sp>
+      <p:sp>
+        <p:nvSpPr>
+          <p:cNvPr id="4" name="Slide Number Placeholder 3"/>
+          <p:cNvSpPr>
+            <a:spLocks noGrp="1"/>
+          </p:cNvSpPr>
+          <p:nvPr>
+            <p:ph type="sldNum" sz="quarter" idx="12"/>
+          </p:nvPr>
+        </p:nvSpPr>
+        <p:spPr/>
+        <p:txBody>
+          <a:bodyPr/>
+          <a:lstStyle/>
+          <a:p>
+            <a:fld id="{650AD656-6FF9-465D-B7B0-1CD0DD39CD23}" type="slidenum">
+              <a:rPr lang="en-US" smtClean="0"/>
+              <a:t>31</a:t>
+            </a:fld>
+            <a:endParaRPr lang="en-US" dirty="0"/>
+          </a:p>
+        </p:txBody>
+      </p:sp>
+    </p:spTree>
+    <p:extLst>
+      <p:ext uri="{BB962C8B-B14F-4D97-AF65-F5344CB8AC3E}">
+        <p14:creationId xmlns:p14="http://schemas.microsoft.com/office/powerpoint/2010/main" val="2821404253"/>
+      </p:ext>
+    </p:extLst>
+  </p:cSld>
+  <p:clrMapOvr>
+    <a:masterClrMapping/>
+  </p:clrMapOvr>
+  <p:timing>
+    <p:tnLst>
+      <p:par>
+        <p:cTn id="1" dur="indefinite" restart="never" nodeType="tmRoot">
+          <p:childTnLst>
+            <p:seq concurrent="1" nextAc="seek">
+              <p:cTn id="2" dur="indefinite" nodeType="mainSeq">
+                <p:childTnLst>
+                  <p:par>
+                    <p:cTn id="3" fill="hold">
+                      <p:stCondLst>
+                        <p:cond delay="indefinite"/>
+                      </p:stCondLst>
+                      <p:childTnLst>
+                        <p:par>
+                          <p:cTn id="4" fill="hold">
+                            <p:stCondLst>
+                              <p:cond delay="0"/>
+                            </p:stCondLst>
+                            <p:childTnLst>
+                              <p:par>
+                                <p:cTn id="5" presetID="1" presetClass="entr" presetSubtype="0" fill="hold" nodeType="clickEffect">
+                                  <p:stCondLst>
+                                    <p:cond delay="0"/>
+                                  </p:stCondLst>
+                                  <p:childTnLst>
+                                    <p:set>
+                                      <p:cBhvr>
+                                        <p:cTn id="6" dur="1" fill="hold">
+                                          <p:stCondLst>
+                                            <p:cond delay="0"/>
+                                          </p:stCondLst>
+                                        </p:cTn>
+                                        <p:tgtEl>
+                                          <p:spTgt spid="3">
+                                            <p:txEl>
+                                              <p:pRg st="3" end="3"/>
+                                            </p:txEl>
+                                          </p:spTgt>
+                                        </p:tgtEl>
+                                        <p:attrNameLst>
+                                          <p:attrName>style.visibility</p:attrName>
+                                        </p:attrNameLst>
+                                      </p:cBhvr>
+                                      <p:to>
+                                        <p:strVal val="visible"/>
+                                      </p:to>
+                                    </p:set>
+                                  </p:childTnLst>
+                                </p:cTn>
+                              </p:par>
+                              <p:par>
+                                <p:cTn id="7" presetID="1" presetClass="entr" presetSubtype="0" fill="hold" nodeType="withEffect">
+                                  <p:stCondLst>
+                                    <p:cond delay="0"/>
+                                  </p:stCondLst>
+                                  <p:childTnLst>
+                                    <p:set>
+                                      <p:cBhvr>
+                                        <p:cTn id="8" dur="1" fill="hold">
+                                          <p:stCondLst>
+                                            <p:cond delay="0"/>
+                                          </p:stCondLst>
+                                        </p:cTn>
+                                        <p:tgtEl>
+                                          <p:spTgt spid="3">
+                                            <p:txEl>
+                                              <p:pRg st="4" end="4"/>
+                                            </p:txEl>
+                                          </p:spTgt>
+                                        </p:tgtEl>
+                                        <p:attrNameLst>
+                                          <p:attrName>style.visibility</p:attrName>
+                                        </p:attrNameLst>
+                                      </p:cBhvr>
+                                      <p:to>
+                                        <p:strVal val="visible"/>
+                                      </p:to>
+                                    </p:set>
+                                  </p:childTnLst>
+                                </p:cTn>
+                              </p:par>
+                              <p:par>
+                                <p:cTn id="9" presetID="1" presetClass="entr" presetSubtype="0" fill="hold" nodeType="withEffect">
+                                  <p:stCondLst>
+                                    <p:cond delay="0"/>
+                                  </p:stCondLst>
+                                  <p:childTnLst>
+                                    <p:set>
+                                      <p:cBhvr>
+                                        <p:cTn id="10" dur="1" fill="hold">
+                                          <p:stCondLst>
+                                            <p:cond delay="0"/>
+                                          </p:stCondLst>
+                                        </p:cTn>
+                                        <p:tgtEl>
+                                          <p:spTgt spid="3">
+                                            <p:txEl>
+                                              <p:pRg st="5" end="5"/>
+                                            </p:txEl>
+                                          </p:spTgt>
+                                        </p:tgtEl>
+                                        <p:attrNameLst>
+                                          <p:attrName>style.visibility</p:attrName>
+                                        </p:attrNameLst>
+                                      </p:cBhvr>
+                                      <p:to>
+                                        <p:strVal val="visible"/>
+                                      </p:to>
+                                    </p:set>
+                                  </p:childTnLst>
+                                </p:cTn>
+                              </p:par>
+                            </p:childTnLst>
+                          </p:cTn>
+                        </p:par>
+                      </p:childTnLst>
+                    </p:cTn>
+                  </p:par>
+                </p:childTnLst>
+              </p:cTn>
+              <p:prevCondLst>
+                <p:cond evt="onPrev" delay="0">
+                  <p:tgtEl>
+                    <p:sldTgt/>
+                  </p:tgtEl>
+                </p:cond>
+              </p:prevCondLst>
+              <p:nextCondLst>
+                <p:cond evt="onNext" delay="0">
+                  <p:tgtEl>
+                    <p:sldTgt/>
+                  </p:tgtEl>
+                </p:cond>
+              </p:nextCondLst>
+            </p:seq>
+          </p:childTnLst>
+        </p:cTn>
+      </p:par>
+    </p:tnLst>
+  </p:timing>
+</p:sld>
+</file>
+
+<file path=ppt/slides/slide32.xml><?xml version="1.0" encoding="utf-8"?>
+<p:sld xmlns:a="http://schemas.openxmlformats.org/drawingml/2006/main" xmlns:r="http://schemas.openxmlformats.org/officeDocument/2006/relationships" xmlns:p="http://schemas.openxmlformats.org/presentationml/2006/main">
+  <p:cSld>
+    <p:spTree>
+      <p:nvGrpSpPr>
+        <p:cNvPr id="1" name=""/>
+        <p:cNvGrpSpPr/>
+        <p:nvPr/>
+      </p:nvGrpSpPr>
+      <p:grpSpPr>
+        <a:xfrm>
+          <a:off x="0" y="0"/>
+          <a:ext cx="0" cy="0"/>
+          <a:chOff x="0" y="0"/>
+          <a:chExt cx="0" cy="0"/>
+        </a:xfrm>
+      </p:grpSpPr>
+      <p:sp>
+        <p:nvSpPr>
           <p:cNvPr id="2" name="Title 1">
             <a:extLst>
               <a:ext uri="{FF2B5EF4-FFF2-40B4-BE49-F238E27FC236}">
@@ -21585,7 +22053,7 @@
             <a:fld id="{650AD656-6FF9-465D-B7B0-1CD0DD39CD23}" type="slidenum">
               <a:rPr lang="en-US" smtClean="0"/>
               <a:pPr/>
-              <a:t>30</a:t>
+              <a:t>32</a:t>
             </a:fld>
             <a:endParaRPr lang="en-US"/>
           </a:p>
@@ -21678,7 +22146,7 @@
 </p:sld>
 </file>
 
-<file path=ppt/slides/slide31.xml><?xml version="1.0" encoding="utf-8"?>
+<file path=ppt/slides/slide33.xml><?xml version="1.0" encoding="utf-8"?>
 <p:sld xmlns:a="http://schemas.openxmlformats.org/drawingml/2006/main" xmlns:r="http://schemas.openxmlformats.org/officeDocument/2006/relationships" xmlns:p="http://schemas.openxmlformats.org/presentationml/2006/main">
   <p:cSld>
     <p:spTree>
@@ -21964,7 +22432,7 @@
           <a:p>
             <a:fld id="{650AD656-6FF9-465D-B7B0-1CD0DD39CD23}" type="slidenum">
               <a:rPr lang="en-US" smtClean="0"/>
-              <a:t>31</a:t>
+              <a:t>33</a:t>
             </a:fld>
             <a:endParaRPr lang="en-US" dirty="0"/>
           </a:p>
@@ -21983,7 +22451,7 @@
 </p:sld>
 </file>
 
-<file path=ppt/slides/slide32.xml><?xml version="1.0" encoding="utf-8"?>
+<file path=ppt/slides/slide34.xml><?xml version="1.0" encoding="utf-8"?>
 <p:sld xmlns:a="http://schemas.openxmlformats.org/drawingml/2006/main" xmlns:r="http://schemas.openxmlformats.org/officeDocument/2006/relationships" xmlns:p="http://schemas.openxmlformats.org/presentationml/2006/main">
   <p:cSld>
     <p:spTree>
@@ -22143,7 +22611,7 @@
             <a:fld id="{650AD656-6FF9-465D-B7B0-1CD0DD39CD23}" type="slidenum">
               <a:rPr lang="en-US" smtClean="0"/>
               <a:pPr/>
-              <a:t>32</a:t>
+              <a:t>34</a:t>
             </a:fld>
             <a:endParaRPr lang="en-US"/>
           </a:p>

--- a/slides/Session 02 - Arrays and Algorithms/Session 02 - Arrays and Algorithms.pptx
+++ b/slides/Session 02 - Arrays and Algorithms/Session 02 - Arrays and Algorithms.pptx
@@ -5,10 +5,10 @@
     <p:sldMasterId id="2147483660" r:id="rId1"/>
   </p:sldMasterIdLst>
   <p:notesMasterIdLst>
-    <p:notesMasterId r:id="rId36"/>
+    <p:notesMasterId r:id="rId37"/>
   </p:notesMasterIdLst>
   <p:handoutMasterIdLst>
-    <p:handoutMasterId r:id="rId37"/>
+    <p:handoutMasterId r:id="rId38"/>
   </p:handoutMasterIdLst>
   <p:sldIdLst>
     <p:sldId id="274" r:id="rId2"/>
@@ -38,13 +38,14 @@
     <p:sldId id="380" r:id="rId26"/>
     <p:sldId id="970" r:id="rId27"/>
     <p:sldId id="1027" r:id="rId28"/>
-    <p:sldId id="1026" r:id="rId29"/>
-    <p:sldId id="383" r:id="rId30"/>
-    <p:sldId id="942" r:id="rId31"/>
-    <p:sldId id="941" r:id="rId32"/>
-    <p:sldId id="993" r:id="rId33"/>
-    <p:sldId id="996" r:id="rId34"/>
-    <p:sldId id="1005" r:id="rId35"/>
+    <p:sldId id="1033" r:id="rId29"/>
+    <p:sldId id="1026" r:id="rId30"/>
+    <p:sldId id="383" r:id="rId31"/>
+    <p:sldId id="942" r:id="rId32"/>
+    <p:sldId id="941" r:id="rId33"/>
+    <p:sldId id="993" r:id="rId34"/>
+    <p:sldId id="996" r:id="rId35"/>
+    <p:sldId id="1005" r:id="rId36"/>
   </p:sldIdLst>
   <p:sldSz cx="9144000" cy="6858000" type="screen4x3"/>
   <p:notesSz cx="7077075" cy="9363075"/>
@@ -292,7 +293,7 @@
           <a:p>
             <a:fld id="{A241AC98-512A-4A35-865E-757B6C1F07A2}" type="datetimeFigureOut">
               <a:rPr lang="en-US" smtClean="0"/>
-              <a:t>10/28/2022</a:t>
+              <a:t>11/6/2022</a:t>
             </a:fld>
             <a:endParaRPr lang="en-US"/>
           </a:p>
@@ -458,7 +459,7 @@
           <a:p>
             <a:fld id="{3854CEE7-15DE-41D9-8CA2-D1E137B1D850}" type="datetimeFigureOut">
               <a:rPr lang="en-US" smtClean="0"/>
-              <a:t>10/28/2022</a:t>
+              <a:t>11/6/2022</a:t>
             </a:fld>
             <a:endParaRPr lang="en-US"/>
           </a:p>
@@ -978,6 +979,90 @@
 </p:notes>
 </file>
 
+<file path=ppt/notesSlides/notesSlide12.xml><?xml version="1.0" encoding="utf-8"?>
+<p:notes xmlns:a="http://schemas.openxmlformats.org/drawingml/2006/main" xmlns:r="http://schemas.openxmlformats.org/officeDocument/2006/relationships" xmlns:p="http://schemas.openxmlformats.org/presentationml/2006/main">
+  <p:cSld>
+    <p:spTree>
+      <p:nvGrpSpPr>
+        <p:cNvPr id="1" name=""/>
+        <p:cNvGrpSpPr/>
+        <p:nvPr/>
+      </p:nvGrpSpPr>
+      <p:grpSpPr>
+        <a:xfrm>
+          <a:off x="0" y="0"/>
+          <a:ext cx="0" cy="0"/>
+          <a:chOff x="0" y="0"/>
+          <a:chExt cx="0" cy="0"/>
+        </a:xfrm>
+      </p:grpSpPr>
+      <p:sp>
+        <p:nvSpPr>
+          <p:cNvPr id="2" name="Slide Image Placeholder 1"/>
+          <p:cNvSpPr>
+            <a:spLocks noGrp="1" noRot="1" noChangeAspect="1"/>
+          </p:cNvSpPr>
+          <p:nvPr>
+            <p:ph type="sldImg"/>
+          </p:nvPr>
+        </p:nvSpPr>
+        <p:spPr/>
+      </p:sp>
+      <p:sp>
+        <p:nvSpPr>
+          <p:cNvPr id="3" name="Notes Placeholder 2"/>
+          <p:cNvSpPr>
+            <a:spLocks noGrp="1"/>
+          </p:cNvSpPr>
+          <p:nvPr>
+            <p:ph type="body" idx="1"/>
+          </p:nvPr>
+        </p:nvSpPr>
+        <p:spPr/>
+        <p:txBody>
+          <a:bodyPr/>
+          <a:lstStyle/>
+          <a:p>
+            <a:endParaRPr lang="en-US"/>
+          </a:p>
+        </p:txBody>
+      </p:sp>
+      <p:sp>
+        <p:nvSpPr>
+          <p:cNvPr id="4" name="Slide Number Placeholder 3"/>
+          <p:cNvSpPr>
+            <a:spLocks noGrp="1"/>
+          </p:cNvSpPr>
+          <p:nvPr>
+            <p:ph type="sldNum" sz="quarter" idx="10"/>
+          </p:nvPr>
+        </p:nvSpPr>
+        <p:spPr/>
+        <p:txBody>
+          <a:bodyPr/>
+          <a:lstStyle/>
+          <a:p>
+            <a:fld id="{76317BBA-0BC6-419B-B826-088209688372}" type="slidenum">
+              <a:rPr lang="en-US" smtClean="0"/>
+              <a:t>28</a:t>
+            </a:fld>
+            <a:endParaRPr lang="en-US"/>
+          </a:p>
+        </p:txBody>
+      </p:sp>
+    </p:spTree>
+    <p:extLst>
+      <p:ext uri="{BB962C8B-B14F-4D97-AF65-F5344CB8AC3E}">
+        <p14:creationId xmlns:p14="http://schemas.microsoft.com/office/powerpoint/2010/main" val="1377977331"/>
+      </p:ext>
+    </p:extLst>
+  </p:cSld>
+  <p:clrMapOvr>
+    <a:masterClrMapping/>
+  </p:clrMapOvr>
+</p:notes>
+</file>
+
 <file path=ppt/notesSlides/notesSlide2.xml><?xml version="1.0" encoding="utf-8"?>
 <p:notes xmlns:a="http://schemas.openxmlformats.org/drawingml/2006/main" xmlns:r="http://schemas.openxmlformats.org/officeDocument/2006/relationships" xmlns:p="http://schemas.openxmlformats.org/presentationml/2006/main">
   <p:cSld>
@@ -1781,7 +1866,7 @@
           <a:p>
             <a:fld id="{5555EB2C-244D-4423-AD97-018ED6478B87}" type="datetime1">
               <a:rPr lang="en-US" smtClean="0"/>
-              <a:t>10/28/2022</a:t>
+              <a:t>11/6/2022</a:t>
             </a:fld>
             <a:endParaRPr lang="en-US"/>
           </a:p>
@@ -1960,7 +2045,7 @@
           <a:p>
             <a:fld id="{A2B41D1F-7576-4C60-B4EB-5115BC56CF40}" type="datetime1">
               <a:rPr lang="en-US" smtClean="0"/>
-              <a:t>10/28/2022</a:t>
+              <a:t>11/6/2022</a:t>
             </a:fld>
             <a:endParaRPr lang="en-US"/>
           </a:p>
@@ -2152,7 +2237,7 @@
           <a:p>
             <a:fld id="{E79D1398-4D56-44F9-BA35-34ACF3159A64}" type="datetime1">
               <a:rPr lang="en-US" smtClean="0"/>
-              <a:t>10/28/2022</a:t>
+              <a:t>11/6/2022</a:t>
             </a:fld>
             <a:endParaRPr lang="en-US"/>
           </a:p>
@@ -2334,7 +2419,7 @@
           <a:p>
             <a:fld id="{A3CF632E-48CB-4EEB-A6B6-DEC7AD7CC976}" type="datetime1">
               <a:rPr lang="en-US" smtClean="0"/>
-              <a:t>10/28/2022</a:t>
+              <a:t>11/6/2022</a:t>
             </a:fld>
             <a:endParaRPr lang="en-US"/>
           </a:p>
@@ -2587,7 +2672,7 @@
           <a:p>
             <a:fld id="{BAEEE52C-3A57-458E-95F6-96B2FA9D1DD4}" type="datetime1">
               <a:rPr lang="en-US" smtClean="0"/>
-              <a:t>10/28/2022</a:t>
+              <a:t>11/6/2022</a:t>
             </a:fld>
             <a:endParaRPr lang="en-US"/>
           </a:p>
@@ -2831,7 +2916,7 @@
           <a:p>
             <a:fld id="{766FC747-A48A-4FF2-8EE4-3E95ECD1C2A8}" type="datetime1">
               <a:rPr lang="en-US" smtClean="0"/>
-              <a:t>10/28/2022</a:t>
+              <a:t>11/6/2022</a:t>
             </a:fld>
             <a:endParaRPr lang="en-US"/>
           </a:p>
@@ -3210,7 +3295,7 @@
           <a:p>
             <a:fld id="{C9BF5758-AB7F-463D-B638-E1729B95E126}" type="datetime1">
               <a:rPr lang="en-US" smtClean="0"/>
-              <a:t>10/28/2022</a:t>
+              <a:t>11/6/2022</a:t>
             </a:fld>
             <a:endParaRPr lang="en-US"/>
           </a:p>
@@ -3340,7 +3425,7 @@
           <a:p>
             <a:fld id="{F3718C77-7DD0-4738-BF52-D0EC9F78A76E}" type="datetime1">
               <a:rPr lang="en-US" smtClean="0"/>
-              <a:t>10/28/2022</a:t>
+              <a:t>11/6/2022</a:t>
             </a:fld>
             <a:endParaRPr lang="en-US"/>
           </a:p>
@@ -3447,7 +3532,7 @@
           <a:p>
             <a:fld id="{948970CF-13D9-4E1D-A74F-2CFE4953FCDB}" type="datetime1">
               <a:rPr lang="en-US" smtClean="0"/>
-              <a:t>10/28/2022</a:t>
+              <a:t>11/6/2022</a:t>
             </a:fld>
             <a:endParaRPr lang="en-US"/>
           </a:p>
@@ -3736,7 +3821,7 @@
           <a:p>
             <a:fld id="{F68C49B9-4E1C-4967-B9CF-0BF9FECBE837}" type="datetime1">
               <a:rPr lang="en-US" smtClean="0"/>
-              <a:t>10/28/2022</a:t>
+              <a:t>11/6/2022</a:t>
             </a:fld>
             <a:endParaRPr lang="en-US"/>
           </a:p>
@@ -4004,7 +4089,7 @@
           <a:p>
             <a:fld id="{7E338CBB-1F06-4333-9BBF-66628B15E581}" type="datetime1">
               <a:rPr lang="en-US" smtClean="0"/>
-              <a:t>10/28/2022</a:t>
+              <a:t>11/6/2022</a:t>
             </a:fld>
             <a:endParaRPr lang="en-US"/>
           </a:p>
@@ -4229,7 +4314,7 @@
           <a:p>
             <a:fld id="{705EC883-F03C-4CA3-AF62-BEF30EEA4F65}" type="datetime1">
               <a:rPr lang="en-US" smtClean="0"/>
-              <a:t>10/28/2022</a:t>
+              <a:t>11/6/2022</a:t>
             </a:fld>
             <a:endParaRPr lang="en-US"/>
           </a:p>
@@ -6066,8 +6151,8 @@
           </a:p>
         </p:txBody>
       </p:sp>
-      <mc:AlternateContent xmlns:mc="http://schemas.openxmlformats.org/markup-compatibility/2006" xmlns:a14="http://schemas.microsoft.com/office/drawing/2010/main">
-        <mc:Choice Requires="a14">
+      <mc:AlternateContent xmlns:mc="http://schemas.openxmlformats.org/markup-compatibility/2006">
+        <mc:Choice xmlns:a14="http://schemas.microsoft.com/office/drawing/2010/main" Requires="a14">
           <p:sp>
             <p:nvSpPr>
               <p:cNvPr id="3" name="Content Placeholder 2"/>
@@ -6100,28 +6185,6 @@
                 </a:pPr>
                 <a:r>
                   <a:rPr lang="en-US" sz="2400" dirty="0"/>
-                  <a:t>Calculate the sum of the reciprocals of the positive integers up to the first </a:t>
-                </a:r>
-                <a:r>
-                  <a:rPr lang="en-US" sz="2400" b="1" dirty="0"/>
-                  <a:t>10,000</a:t>
-                </a:r>
-                <a:r>
-                  <a:rPr lang="en-US" sz="2400" dirty="0"/>
-                  <a:t> terms</a:t>
-                </a:r>
-              </a:p>
-              <a:p>
-                <a:pPr>
-                  <a:spcBef>
-                    <a:spcPts val="0"/>
-                  </a:spcBef>
-                  <a:spcAft>
-                    <a:spcPts val="1200"/>
-                  </a:spcAft>
-                </a:pPr>
-                <a:r>
-                  <a:rPr lang="en-US" sz="2400" dirty="0"/>
                   <a:t>This infinite sum is called the </a:t>
                 </a:r>
                 <a:r>
@@ -6132,6 +6195,7 @@
                   </a:rPr>
                   <a:t>harmonic series</a:t>
                 </a:r>
+                <a:endParaRPr lang="en-US" sz="2400" dirty="0"/>
               </a:p>
               <a:p>
                 <a:pPr>
@@ -6168,7 +6232,29 @@
                 </a:r>
                 <a:r>
                   <a:rPr lang="en-US" sz="2400" dirty="0"/>
-                  <a:t> (grow without bounds)?</a:t>
+                  <a:t> (grow without bounds) as we include more terms?</a:t>
+                </a:r>
+              </a:p>
+              <a:p>
+                <a:pPr>
+                  <a:spcBef>
+                    <a:spcPts val="0"/>
+                  </a:spcBef>
+                  <a:spcAft>
+                    <a:spcPts val="1200"/>
+                  </a:spcAft>
+                </a:pPr>
+                <a:r>
+                  <a:rPr lang="en-US" sz="2400" dirty="0"/>
+                  <a:t>Calculate the sum of the reciprocals of the first </a:t>
+                </a:r>
+                <a:r>
+                  <a:rPr lang="en-US" sz="2400" b="1" dirty="0"/>
+                  <a:t>10,000</a:t>
+                </a:r>
+                <a:r>
+                  <a:rPr lang="en-US" sz="2400" dirty="0"/>
+                  <a:t> natural numbers</a:t>
                 </a:r>
               </a:p>
               <a:p>
@@ -6204,7 +6290,16 @@
                             </a:solidFill>
                             <a:latin typeface="Cambria Math" panose="02040503050406030204" pitchFamily="18" charset="0"/>
                           </a:rPr>
-                          <m:t>𝑺𝒖𝒎</m:t>
+                          <m:t>𝑺</m:t>
+                        </m:r>
+                        <m:r>
+                          <a:rPr lang="en-US" sz="2400" b="1" i="1" smtClean="0">
+                            <a:solidFill>
+                              <a:srgbClr val="7030A0"/>
+                            </a:solidFill>
+                            <a:latin typeface="Cambria Math" panose="02040503050406030204" pitchFamily="18" charset="0"/>
+                          </a:rPr>
+                          <m:t>𝒊𝒈𝒎𝒂</m:t>
                         </m:r>
                         <m:r>
                           <a:rPr lang="en-US" sz="2400" b="0" i="1" smtClean="0">
@@ -6227,7 +6322,7 @@
             </p:txBody>
           </p:sp>
         </mc:Choice>
-        <mc:Fallback xmlns="">
+        <mc:Fallback>
           <p:sp>
             <p:nvSpPr>
               <p:cNvPr id="3" name="Content Placeholder 2"/>
@@ -6246,7 +6341,7 @@
               <a:blipFill>
                 <a:blip r:embed="rId3"/>
                 <a:stretch>
-                  <a:fillRect l="-1005" t="-2504" r="-77"/>
+                  <a:fillRect l="-1005" t="-2504"/>
                 </a:stretch>
               </a:blipFill>
             </p:spPr>
@@ -6289,8 +6384,8 @@
           </a:p>
         </p:txBody>
       </p:sp>
-      <mc:AlternateContent xmlns:mc="http://schemas.openxmlformats.org/markup-compatibility/2006" xmlns:a14="http://schemas.microsoft.com/office/drawing/2010/main">
-        <mc:Choice Requires="a14">
+      <mc:AlternateContent xmlns:mc="http://schemas.openxmlformats.org/markup-compatibility/2006">
+        <mc:Choice xmlns:a14="http://schemas.microsoft.com/office/drawing/2010/main" Requires="a14">
           <p:sp>
             <p:nvSpPr>
               <p:cNvPr id="5" name="Rectangle 4">
@@ -6326,13 +6421,13 @@
                     </m:oMathParaPr>
                     <m:oMath xmlns:m="http://schemas.openxmlformats.org/officeDocument/2006/math">
                       <m:r>
-                        <a:rPr lang="en-US" sz="2000" b="1" i="1">
+                        <a:rPr lang="en-US" sz="2000" b="1" i="1" smtClean="0">
                           <a:solidFill>
                             <a:srgbClr val="7030A0"/>
                           </a:solidFill>
                           <a:latin typeface="Cambria Math" panose="02040503050406030204" pitchFamily="18" charset="0"/>
                         </a:rPr>
-                        <m:t>𝑺𝒖𝒎</m:t>
+                        <m:t>𝑺𝒊𝒈𝒎𝒂</m:t>
                       </m:r>
                       <m:r>
                         <a:rPr lang="en-US" sz="2000" i="1">
@@ -6603,7 +6698,7 @@
             </p:txBody>
           </p:sp>
         </mc:Choice>
-        <mc:Fallback xmlns="">
+        <mc:Fallback>
           <p:sp>
             <p:nvSpPr>
               <p:cNvPr id="5" name="Rectangle 4">
@@ -7523,10 +7618,10 @@
       </p:grpSpPr>
       <p:pic>
         <p:nvPicPr>
-          <p:cNvPr id="24" name="Picture 23">
+          <p:cNvPr id="5" name="Picture 4">
             <a:extLst>
               <a:ext uri="{FF2B5EF4-FFF2-40B4-BE49-F238E27FC236}">
-                <a16:creationId xmlns:a16="http://schemas.microsoft.com/office/drawing/2014/main" id="{991428B3-0EF8-8D34-EC4E-55E71AF21BE2}"/>
+                <a16:creationId xmlns:a16="http://schemas.microsoft.com/office/drawing/2014/main" id="{AFFCA167-FD7D-5CE4-F6FE-C1583D8FF1E6}"/>
               </a:ext>
             </a:extLst>
           </p:cNvPr>
@@ -7543,8 +7638,8 @@
         </p:blipFill>
         <p:spPr>
           <a:xfrm>
-            <a:off x="1226619" y="1511770"/>
-            <a:ext cx="6690762" cy="5150078"/>
+            <a:off x="1061727" y="1508335"/>
+            <a:ext cx="7020546" cy="5100332"/>
           </a:xfrm>
           <a:prstGeom prst="rect">
             <a:avLst/>
@@ -7624,7 +7719,7 @@
         </p:nvSpPr>
         <p:spPr>
           <a:xfrm>
-            <a:off x="5972643" y="4913531"/>
+            <a:off x="5845226" y="5122105"/>
             <a:ext cx="2600794" cy="1124263"/>
           </a:xfrm>
           <a:prstGeom prst="wedgeRoundRectCallout">
@@ -7677,7 +7772,7 @@
         </p:nvGrpSpPr>
         <p:grpSpPr>
           <a:xfrm>
-            <a:off x="2897044" y="2512544"/>
+            <a:off x="2784615" y="2572504"/>
             <a:ext cx="1076632" cy="369332"/>
             <a:chOff x="4968362" y="2079211"/>
             <a:chExt cx="1076632" cy="369332"/>
@@ -7797,7 +7892,7 @@
         </p:nvGrpSpPr>
         <p:grpSpPr>
           <a:xfrm>
-            <a:off x="3133862" y="3100389"/>
+            <a:off x="3043918" y="3180044"/>
             <a:ext cx="1076632" cy="369332"/>
             <a:chOff x="4704120" y="2356972"/>
             <a:chExt cx="1076632" cy="369332"/>
@@ -7917,7 +8012,7 @@
         </p:nvGrpSpPr>
         <p:grpSpPr>
           <a:xfrm>
-            <a:off x="3691804" y="3386739"/>
+            <a:off x="3931648" y="3480962"/>
             <a:ext cx="1068643" cy="369332"/>
             <a:chOff x="3647644" y="4910075"/>
             <a:chExt cx="1068643" cy="369332"/>
@@ -8037,7 +8132,7 @@
         </p:nvGrpSpPr>
         <p:grpSpPr>
           <a:xfrm>
-            <a:off x="3293608" y="3689169"/>
+            <a:off x="3278620" y="3798885"/>
             <a:ext cx="1064340" cy="369332"/>
             <a:chOff x="3647644" y="5421073"/>
             <a:chExt cx="1064340" cy="369332"/>
@@ -8157,7 +8252,7 @@
         </p:nvGrpSpPr>
         <p:grpSpPr>
           <a:xfrm>
-            <a:off x="5337780" y="3959687"/>
+            <a:off x="5389043" y="4096840"/>
             <a:ext cx="1068643" cy="369332"/>
             <a:chOff x="3647644" y="5359159"/>
             <a:chExt cx="1068643" cy="369332"/>
@@ -8277,7 +8372,7 @@
         </p:nvGrpSpPr>
         <p:grpSpPr>
           <a:xfrm>
-            <a:off x="4901375" y="4246299"/>
+            <a:off x="4851374" y="4390474"/>
             <a:ext cx="1076632" cy="369332"/>
             <a:chOff x="2157212" y="5356391"/>
             <a:chExt cx="1076632" cy="369332"/>
@@ -8385,10 +8480,10 @@
       </p:grpSp>
       <p:grpSp>
         <p:nvGrpSpPr>
-          <p:cNvPr id="37" name="Group 36">
+          <p:cNvPr id="25" name="Group 24">
             <a:extLst>
               <a:ext uri="{FF2B5EF4-FFF2-40B4-BE49-F238E27FC236}">
-                <a16:creationId xmlns:a16="http://schemas.microsoft.com/office/drawing/2014/main" id="{8D833362-F538-E449-6989-19E20CBB1BA8}"/>
+                <a16:creationId xmlns:a16="http://schemas.microsoft.com/office/drawing/2014/main" id="{44E919E6-84A2-61CE-DADF-FDAAEBBBD441}"/>
               </a:ext>
             </a:extLst>
           </p:cNvPr>
@@ -8397,18 +8492,18 @@
         </p:nvGrpSpPr>
         <p:grpSpPr>
           <a:xfrm>
-            <a:off x="4110329" y="1797246"/>
-            <a:ext cx="4809861" cy="937439"/>
-            <a:chOff x="3997903" y="1874450"/>
-            <a:chExt cx="4809861" cy="937439"/>
+            <a:off x="4278235" y="2538095"/>
+            <a:ext cx="4380121" cy="859426"/>
+            <a:chOff x="325031" y="3900380"/>
+            <a:chExt cx="4380121" cy="859426"/>
           </a:xfrm>
         </p:grpSpPr>
         <p:sp>
           <p:nvSpPr>
-            <p:cNvPr id="35" name="Rectangle 34">
+            <p:cNvPr id="23" name="Rectangle 22">
               <a:extLst>
                 <a:ext uri="{FF2B5EF4-FFF2-40B4-BE49-F238E27FC236}">
-                  <a16:creationId xmlns:a16="http://schemas.microsoft.com/office/drawing/2014/main" id="{1D53D4A6-8BAA-7C34-7AF5-B95CC99FFAC3}"/>
+                  <a16:creationId xmlns:a16="http://schemas.microsoft.com/office/drawing/2014/main" id="{766EB4B4-0137-A26A-A257-C836478EC090}"/>
                 </a:ext>
               </a:extLst>
             </p:cNvPr>
@@ -8417,8 +8512,8 @@
           </p:nvSpPr>
           <p:spPr>
             <a:xfrm>
-              <a:off x="3997903" y="1874450"/>
-              <a:ext cx="4809861" cy="937439"/>
+              <a:off x="325031" y="3900380"/>
+              <a:ext cx="4380121" cy="859426"/>
             </a:xfrm>
             <a:prstGeom prst="rect">
               <a:avLst/>
@@ -8466,10 +8561,10 @@
         </p:sp>
         <p:pic>
           <p:nvPicPr>
-            <p:cNvPr id="34" name="Picture 33">
+            <p:cNvPr id="11" name="Picture 10">
               <a:extLst>
                 <a:ext uri="{FF2B5EF4-FFF2-40B4-BE49-F238E27FC236}">
-                  <a16:creationId xmlns:a16="http://schemas.microsoft.com/office/drawing/2014/main" id="{0EBF8558-56FC-AF67-BF48-C87BCCD7E7FA}"/>
+                  <a16:creationId xmlns:a16="http://schemas.microsoft.com/office/drawing/2014/main" id="{8FDAC461-BDD1-8A20-EBD3-FA30255BFEC1}"/>
                 </a:ext>
               </a:extLst>
             </p:cNvPr>
@@ -8486,8 +8581,8 @@
           </p:blipFill>
           <p:spPr>
             <a:xfrm>
-              <a:off x="4099124" y="1957537"/>
-              <a:ext cx="4607419" cy="771264"/>
+              <a:off x="402888" y="3976519"/>
+              <a:ext cx="4224406" cy="707149"/>
             </a:xfrm>
             <a:prstGeom prst="rect">
               <a:avLst/>
@@ -8582,7 +8677,7 @@
                             </p:stCondLst>
                             <p:childTnLst>
                               <p:par>
-                                <p:cTn id="10" presetID="22" presetClass="entr" presetSubtype="2" fill="hold" nodeType="clickEffect">
+                                <p:cTn id="10" presetID="2" presetClass="entr" presetSubtype="1" fill="hold" nodeType="clickEffect">
                                   <p:stCondLst>
                                     <p:cond delay="0"/>
                                   </p:stCondLst>
@@ -8595,113 +8690,7 @@
                                           </p:stCondLst>
                                         </p:cTn>
                                         <p:tgtEl>
-                                          <p:spTgt spid="10"/>
-                                        </p:tgtEl>
-                                        <p:attrNameLst>
-                                          <p:attrName>style.visibility</p:attrName>
-                                        </p:attrNameLst>
-                                      </p:cBhvr>
-                                      <p:to>
-                                        <p:strVal val="visible"/>
-                                      </p:to>
-                                    </p:set>
-                                    <p:animEffect transition="in" filter="wipe(right)">
-                                      <p:cBhvr>
-                                        <p:cTn id="12" dur="500"/>
-                                        <p:tgtEl>
-                                          <p:spTgt spid="10"/>
-                                        </p:tgtEl>
-                                      </p:cBhvr>
-                                    </p:animEffect>
-                                  </p:childTnLst>
-                                </p:cTn>
-                              </p:par>
-                            </p:childTnLst>
-                          </p:cTn>
-                        </p:par>
-                      </p:childTnLst>
-                    </p:cTn>
-                  </p:par>
-                  <p:par>
-                    <p:cTn id="13" fill="hold">
-                      <p:stCondLst>
-                        <p:cond delay="indefinite"/>
-                      </p:stCondLst>
-                      <p:childTnLst>
-                        <p:par>
-                          <p:cTn id="14" fill="hold">
-                            <p:stCondLst>
-                              <p:cond delay="0"/>
-                            </p:stCondLst>
-                            <p:childTnLst>
-                              <p:par>
-                                <p:cTn id="15" presetID="22" presetClass="entr" presetSubtype="2" fill="hold" nodeType="clickEffect">
-                                  <p:stCondLst>
-                                    <p:cond delay="0"/>
-                                  </p:stCondLst>
-                                  <p:childTnLst>
-                                    <p:set>
-                                      <p:cBhvr>
-                                        <p:cTn id="16" dur="1" fill="hold">
-                                          <p:stCondLst>
-                                            <p:cond delay="0"/>
-                                          </p:stCondLst>
-                                        </p:cTn>
-                                        <p:tgtEl>
-                                          <p:spTgt spid="14"/>
-                                        </p:tgtEl>
-                                        <p:attrNameLst>
-                                          <p:attrName>style.visibility</p:attrName>
-                                        </p:attrNameLst>
-                                      </p:cBhvr>
-                                      <p:to>
-                                        <p:strVal val="visible"/>
-                                      </p:to>
-                                    </p:set>
-                                    <p:animEffect transition="in" filter="wipe(right)">
-                                      <p:cBhvr>
-                                        <p:cTn id="17" dur="500"/>
-                                        <p:tgtEl>
-                                          <p:spTgt spid="14"/>
-                                        </p:tgtEl>
-                                      </p:cBhvr>
-                                    </p:animEffect>
-                                  </p:childTnLst>
-                                </p:cTn>
-                              </p:par>
-                            </p:childTnLst>
-                          </p:cTn>
-                        </p:par>
-                      </p:childTnLst>
-                    </p:cTn>
-                  </p:par>
-                  <p:par>
-                    <p:cTn id="18" fill="hold">
-                      <p:stCondLst>
-                        <p:cond delay="indefinite"/>
-                      </p:stCondLst>
-                      <p:childTnLst>
-                        <p:par>
-                          <p:cTn id="19" fill="hold">
-                            <p:stCondLst>
-                              <p:cond delay="0"/>
-                            </p:stCondLst>
-                            <p:childTnLst>
-                              <p:par>
-                                <p:cTn id="20" presetID="2" presetClass="entr" presetSubtype="1" fill="hold" nodeType="clickEffect">
-                                  <p:stCondLst>
-                                    <p:cond delay="0"/>
-                                  </p:stCondLst>
-                                  <p:childTnLst>
-                                    <p:set>
-                                      <p:cBhvr>
-                                        <p:cTn id="21" dur="1" fill="hold">
-                                          <p:stCondLst>
-                                            <p:cond delay="0"/>
-                                          </p:stCondLst>
-                                        </p:cTn>
-                                        <p:tgtEl>
-                                          <p:spTgt spid="37"/>
+                                          <p:spTgt spid="25"/>
                                         </p:tgtEl>
                                         <p:attrNameLst>
                                           <p:attrName>style.visibility</p:attrName>
@@ -8713,9 +8702,9 @@
                                     </p:set>
                                     <p:anim calcmode="lin" valueType="num">
                                       <p:cBhvr additive="base">
-                                        <p:cTn id="22" dur="500" fill="hold"/>
+                                        <p:cTn id="12" dur="500" fill="hold"/>
                                         <p:tgtEl>
-                                          <p:spTgt spid="37"/>
+                                          <p:spTgt spid="25"/>
                                         </p:tgtEl>
                                         <p:attrNameLst>
                                           <p:attrName>ppt_x</p:attrName>
@@ -8736,9 +8725,9 @@
                                     </p:anim>
                                     <p:anim calcmode="lin" valueType="num">
                                       <p:cBhvr additive="base">
-                                        <p:cTn id="23" dur="500" fill="hold"/>
+                                        <p:cTn id="13" dur="500" fill="hold"/>
                                         <p:tgtEl>
-                                          <p:spTgt spid="37"/>
+                                          <p:spTgt spid="25"/>
                                         </p:tgtEl>
                                         <p:attrNameLst>
                                           <p:attrName>ppt_y</p:attrName>
@@ -8763,21 +8752,136 @@
                             </p:childTnLst>
                           </p:cTn>
                         </p:par>
+                      </p:childTnLst>
+                    </p:cTn>
+                  </p:par>
+                  <p:par>
+                    <p:cTn id="14" fill="hold">
+                      <p:stCondLst>
+                        <p:cond delay="indefinite"/>
+                      </p:stCondLst>
+                      <p:childTnLst>
                         <p:par>
-                          <p:cTn id="24" fill="hold">
+                          <p:cTn id="15" fill="hold">
                             <p:stCondLst>
-                              <p:cond delay="500"/>
+                              <p:cond delay="0"/>
                             </p:stCondLst>
                             <p:childTnLst>
                               <p:par>
-                                <p:cTn id="25" presetID="22" presetClass="entr" presetSubtype="2" fill="hold" nodeType="afterEffect">
+                                <p:cTn id="16" presetID="22" presetClass="entr" presetSubtype="2" fill="hold" nodeType="clickEffect">
                                   <p:stCondLst>
                                     <p:cond delay="0"/>
                                   </p:stCondLst>
                                   <p:childTnLst>
                                     <p:set>
                                       <p:cBhvr>
-                                        <p:cTn id="26" dur="1" fill="hold">
+                                        <p:cTn id="17" dur="1" fill="hold">
+                                          <p:stCondLst>
+                                            <p:cond delay="0"/>
+                                          </p:stCondLst>
+                                        </p:cTn>
+                                        <p:tgtEl>
+                                          <p:spTgt spid="10"/>
+                                        </p:tgtEl>
+                                        <p:attrNameLst>
+                                          <p:attrName>style.visibility</p:attrName>
+                                        </p:attrNameLst>
+                                      </p:cBhvr>
+                                      <p:to>
+                                        <p:strVal val="visible"/>
+                                      </p:to>
+                                    </p:set>
+                                    <p:animEffect transition="in" filter="wipe(right)">
+                                      <p:cBhvr>
+                                        <p:cTn id="18" dur="500"/>
+                                        <p:tgtEl>
+                                          <p:spTgt spid="10"/>
+                                        </p:tgtEl>
+                                      </p:cBhvr>
+                                    </p:animEffect>
+                                  </p:childTnLst>
+                                </p:cTn>
+                              </p:par>
+                            </p:childTnLst>
+                          </p:cTn>
+                        </p:par>
+                      </p:childTnLst>
+                    </p:cTn>
+                  </p:par>
+                  <p:par>
+                    <p:cTn id="19" fill="hold">
+                      <p:stCondLst>
+                        <p:cond delay="indefinite"/>
+                      </p:stCondLst>
+                      <p:childTnLst>
+                        <p:par>
+                          <p:cTn id="20" fill="hold">
+                            <p:stCondLst>
+                              <p:cond delay="0"/>
+                            </p:stCondLst>
+                            <p:childTnLst>
+                              <p:par>
+                                <p:cTn id="21" presetID="22" presetClass="entr" presetSubtype="2" fill="hold" nodeType="clickEffect">
+                                  <p:stCondLst>
+                                    <p:cond delay="0"/>
+                                  </p:stCondLst>
+                                  <p:childTnLst>
+                                    <p:set>
+                                      <p:cBhvr>
+                                        <p:cTn id="22" dur="1" fill="hold">
+                                          <p:stCondLst>
+                                            <p:cond delay="0"/>
+                                          </p:stCondLst>
+                                        </p:cTn>
+                                        <p:tgtEl>
+                                          <p:spTgt spid="14"/>
+                                        </p:tgtEl>
+                                        <p:attrNameLst>
+                                          <p:attrName>style.visibility</p:attrName>
+                                        </p:attrNameLst>
+                                      </p:cBhvr>
+                                      <p:to>
+                                        <p:strVal val="visible"/>
+                                      </p:to>
+                                    </p:set>
+                                    <p:animEffect transition="in" filter="wipe(right)">
+                                      <p:cBhvr>
+                                        <p:cTn id="23" dur="500"/>
+                                        <p:tgtEl>
+                                          <p:spTgt spid="14"/>
+                                        </p:tgtEl>
+                                      </p:cBhvr>
+                                    </p:animEffect>
+                                  </p:childTnLst>
+                                </p:cTn>
+                              </p:par>
+                            </p:childTnLst>
+                          </p:cTn>
+                        </p:par>
+                      </p:childTnLst>
+                    </p:cTn>
+                  </p:par>
+                  <p:par>
+                    <p:cTn id="24" fill="hold">
+                      <p:stCondLst>
+                        <p:cond delay="indefinite"/>
+                      </p:stCondLst>
+                      <p:childTnLst>
+                        <p:par>
+                          <p:cTn id="25" fill="hold">
+                            <p:stCondLst>
+                              <p:cond delay="0"/>
+                            </p:stCondLst>
+                            <p:childTnLst>
+                              <p:par>
+                                <p:cTn id="26" presetID="22" presetClass="entr" presetSubtype="2" fill="hold" nodeType="clickEffect">
+                                  <p:stCondLst>
+                                    <p:cond delay="0"/>
+                                  </p:stCondLst>
+                                  <p:childTnLst>
+                                    <p:set>
+                                      <p:cBhvr>
+                                        <p:cTn id="27" dur="1" fill="hold">
                                           <p:stCondLst>
                                             <p:cond delay="0"/>
                                           </p:stCondLst>
@@ -8795,7 +8899,7 @@
                                     </p:set>
                                     <p:animEffect transition="in" filter="wipe(right)">
                                       <p:cBhvr>
-                                        <p:cTn id="27" dur="500"/>
+                                        <p:cTn id="28" dur="500"/>
                                         <p:tgtEl>
                                           <p:spTgt spid="17"/>
                                         </p:tgtEl>
@@ -8811,26 +8915,26 @@
                     </p:cTn>
                   </p:par>
                   <p:par>
-                    <p:cTn id="28" fill="hold">
+                    <p:cTn id="29" fill="hold">
                       <p:stCondLst>
                         <p:cond delay="indefinite"/>
                       </p:stCondLst>
                       <p:childTnLst>
                         <p:par>
-                          <p:cTn id="29" fill="hold">
+                          <p:cTn id="30" fill="hold">
                             <p:stCondLst>
                               <p:cond delay="0"/>
                             </p:stCondLst>
                             <p:childTnLst>
                               <p:par>
-                                <p:cTn id="30" presetID="22" presetClass="entr" presetSubtype="2" fill="hold" nodeType="clickEffect">
+                                <p:cTn id="31" presetID="22" presetClass="entr" presetSubtype="2" fill="hold" nodeType="clickEffect">
                                   <p:stCondLst>
                                     <p:cond delay="0"/>
                                   </p:stCondLst>
                                   <p:childTnLst>
                                     <p:set>
                                       <p:cBhvr>
-                                        <p:cTn id="31" dur="1" fill="hold">
+                                        <p:cTn id="32" dur="1" fill="hold">
                                           <p:stCondLst>
                                             <p:cond delay="0"/>
                                           </p:stCondLst>
@@ -8848,7 +8952,7 @@
                                     </p:set>
                                     <p:animEffect transition="in" filter="wipe(right)">
                                       <p:cBhvr>
-                                        <p:cTn id="32" dur="500"/>
+                                        <p:cTn id="33" dur="500"/>
                                         <p:tgtEl>
                                           <p:spTgt spid="20"/>
                                         </p:tgtEl>
@@ -8864,26 +8968,26 @@
                     </p:cTn>
                   </p:par>
                   <p:par>
-                    <p:cTn id="33" fill="hold">
+                    <p:cTn id="34" fill="hold">
                       <p:stCondLst>
                         <p:cond delay="indefinite"/>
                       </p:stCondLst>
                       <p:childTnLst>
                         <p:par>
-                          <p:cTn id="34" fill="hold">
+                          <p:cTn id="35" fill="hold">
                             <p:stCondLst>
                               <p:cond delay="0"/>
                             </p:stCondLst>
                             <p:childTnLst>
                               <p:par>
-                                <p:cTn id="35" presetID="22" presetClass="entr" presetSubtype="2" fill="hold" nodeType="clickEffect">
+                                <p:cTn id="36" presetID="22" presetClass="entr" presetSubtype="2" fill="hold" nodeType="clickEffect">
                                   <p:stCondLst>
                                     <p:cond delay="0"/>
                                   </p:stCondLst>
                                   <p:childTnLst>
                                     <p:set>
                                       <p:cBhvr>
-                                        <p:cTn id="36" dur="1" fill="hold">
+                                        <p:cTn id="37" dur="1" fill="hold">
                                           <p:stCondLst>
                                             <p:cond delay="0"/>
                                           </p:stCondLst>
@@ -8901,7 +9005,7 @@
                                     </p:set>
                                     <p:animEffect transition="in" filter="wipe(right)">
                                       <p:cBhvr>
-                                        <p:cTn id="37" dur="500"/>
+                                        <p:cTn id="38" dur="500"/>
                                         <p:tgtEl>
                                           <p:spTgt spid="26"/>
                                         </p:tgtEl>
@@ -8917,26 +9021,26 @@
                     </p:cTn>
                   </p:par>
                   <p:par>
-                    <p:cTn id="38" fill="hold">
+                    <p:cTn id="39" fill="hold">
                       <p:stCondLst>
                         <p:cond delay="indefinite"/>
                       </p:stCondLst>
                       <p:childTnLst>
                         <p:par>
-                          <p:cTn id="39" fill="hold">
+                          <p:cTn id="40" fill="hold">
                             <p:stCondLst>
                               <p:cond delay="0"/>
                             </p:stCondLst>
                             <p:childTnLst>
                               <p:par>
-                                <p:cTn id="40" presetID="22" presetClass="entr" presetSubtype="2" fill="hold" grpId="0" nodeType="clickEffect">
+                                <p:cTn id="41" presetID="22" presetClass="entr" presetSubtype="2" fill="hold" grpId="0" nodeType="clickEffect">
                                   <p:stCondLst>
                                     <p:cond delay="0"/>
                                   </p:stCondLst>
                                   <p:childTnLst>
                                     <p:set>
                                       <p:cBhvr>
-                                        <p:cTn id="41" dur="1" fill="hold">
+                                        <p:cTn id="42" dur="1" fill="hold">
                                           <p:stCondLst>
                                             <p:cond delay="0"/>
                                           </p:stCondLst>
@@ -8954,7 +9058,7 @@
                                     </p:set>
                                     <p:animEffect transition="in" filter="wipe(right)">
                                       <p:cBhvr>
-                                        <p:cTn id="42" dur="500"/>
+                                        <p:cTn id="43" dur="500"/>
                                         <p:tgtEl>
                                           <p:spTgt spid="7"/>
                                         </p:tgtEl>
@@ -9016,10 +9120,10 @@
       </p:grpSpPr>
       <p:pic>
         <p:nvPicPr>
-          <p:cNvPr id="8" name="Picture 7">
+          <p:cNvPr id="14" name="Picture 13">
             <a:extLst>
               <a:ext uri="{FF2B5EF4-FFF2-40B4-BE49-F238E27FC236}">
-                <a16:creationId xmlns:a16="http://schemas.microsoft.com/office/drawing/2014/main" id="{51212193-DDFA-8292-11EC-18554758ECE5}"/>
+                <a16:creationId xmlns:a16="http://schemas.microsoft.com/office/drawing/2014/main" id="{9D2B9BBD-63D6-6F35-1469-297F425E96CA}"/>
               </a:ext>
             </a:extLst>
           </p:cNvPr>
@@ -9036,8 +9140,8 @@
         </p:blipFill>
         <p:spPr>
           <a:xfrm>
-            <a:off x="1226619" y="1511771"/>
-            <a:ext cx="6690762" cy="5150078"/>
+            <a:off x="1061727" y="1508335"/>
+            <a:ext cx="7064561" cy="5132308"/>
           </a:xfrm>
           <a:prstGeom prst="rect">
             <a:avLst/>
@@ -9117,7 +9221,7 @@
         </p:nvGrpSpPr>
         <p:grpSpPr>
           <a:xfrm>
-            <a:off x="3607676" y="5454821"/>
+            <a:off x="3577698" y="5732138"/>
             <a:ext cx="1076632" cy="369332"/>
             <a:chOff x="2157212" y="5356391"/>
             <a:chExt cx="1076632" cy="369332"/>
@@ -13431,10 +13535,10 @@
       </p:grpSpPr>
       <p:pic>
         <p:nvPicPr>
-          <p:cNvPr id="14" name="Picture 13">
+          <p:cNvPr id="5" name="Picture 4">
             <a:extLst>
               <a:ext uri="{FF2B5EF4-FFF2-40B4-BE49-F238E27FC236}">
-                <a16:creationId xmlns:a16="http://schemas.microsoft.com/office/drawing/2014/main" id="{97F298E1-FB68-1D79-3FC5-1A56CB0FFCAD}"/>
+                <a16:creationId xmlns:a16="http://schemas.microsoft.com/office/drawing/2014/main" id="{2B90162D-67CB-57C7-40F3-C6A3F6738479}"/>
               </a:ext>
             </a:extLst>
           </p:cNvPr>
@@ -13451,8 +13555,8 @@
         </p:blipFill>
         <p:spPr>
           <a:xfrm>
-            <a:off x="1226620" y="1511771"/>
-            <a:ext cx="6690762" cy="5150078"/>
+            <a:off x="1104311" y="1511771"/>
+            <a:ext cx="6935379" cy="5038459"/>
           </a:xfrm>
           <a:prstGeom prst="rect">
             <a:avLst/>
@@ -13547,7 +13651,7 @@
         </p:nvGrpSpPr>
         <p:grpSpPr>
           <a:xfrm>
-            <a:off x="3548438" y="3676673"/>
+            <a:off x="3465986" y="3766117"/>
             <a:ext cx="1076632" cy="369332"/>
             <a:chOff x="4968362" y="2079211"/>
             <a:chExt cx="1076632" cy="369332"/>
@@ -13667,7 +13771,7 @@
         </p:nvGrpSpPr>
         <p:grpSpPr>
           <a:xfrm>
-            <a:off x="3608990" y="5756662"/>
+            <a:off x="3495368" y="5899935"/>
             <a:ext cx="1076632" cy="369332"/>
             <a:chOff x="4704120" y="2356972"/>
             <a:chExt cx="1076632" cy="369332"/>
@@ -13787,7 +13891,7 @@
         </p:nvSpPr>
         <p:spPr>
           <a:xfrm>
-            <a:off x="1409709" y="5880776"/>
+            <a:off x="1296087" y="6024049"/>
             <a:ext cx="2138729" cy="121104"/>
           </a:xfrm>
           <a:prstGeom prst="rect">
@@ -13912,7 +14016,7 @@
                             </p:stCondLst>
                             <p:childTnLst>
                               <p:par>
-                                <p:cTn id="10" presetID="22" presetClass="entr" presetSubtype="2" fill="hold" nodeType="clickEffect">
+                                <p:cTn id="10" presetID="2" presetClass="entr" presetSubtype="4" fill="hold" grpId="0" nodeType="clickEffect">
                                   <p:stCondLst>
                                     <p:cond delay="0"/>
                                   </p:stCondLst>
@@ -13920,6 +14024,88 @@
                                     <p:set>
                                       <p:cBhvr>
                                         <p:cTn id="11" dur="1" fill="hold">
+                                          <p:stCondLst>
+                                            <p:cond delay="0"/>
+                                          </p:stCondLst>
+                                        </p:cTn>
+                                        <p:tgtEl>
+                                          <p:spTgt spid="23"/>
+                                        </p:tgtEl>
+                                        <p:attrNameLst>
+                                          <p:attrName>style.visibility</p:attrName>
+                                        </p:attrNameLst>
+                                      </p:cBhvr>
+                                      <p:to>
+                                        <p:strVal val="visible"/>
+                                      </p:to>
+                                    </p:set>
+                                    <p:anim calcmode="lin" valueType="num">
+                                      <p:cBhvr additive="base">
+                                        <p:cTn id="12" dur="500" fill="hold"/>
+                                        <p:tgtEl>
+                                          <p:spTgt spid="23"/>
+                                        </p:tgtEl>
+                                        <p:attrNameLst>
+                                          <p:attrName>ppt_x</p:attrName>
+                                        </p:attrNameLst>
+                                      </p:cBhvr>
+                                      <p:tavLst>
+                                        <p:tav tm="0">
+                                          <p:val>
+                                            <p:strVal val="#ppt_x"/>
+                                          </p:val>
+                                        </p:tav>
+                                        <p:tav tm="100000">
+                                          <p:val>
+                                            <p:strVal val="#ppt_x"/>
+                                          </p:val>
+                                        </p:tav>
+                                      </p:tavLst>
+                                    </p:anim>
+                                    <p:anim calcmode="lin" valueType="num">
+                                      <p:cBhvr additive="base">
+                                        <p:cTn id="13" dur="500" fill="hold"/>
+                                        <p:tgtEl>
+                                          <p:spTgt spid="23"/>
+                                        </p:tgtEl>
+                                        <p:attrNameLst>
+                                          <p:attrName>ppt_y</p:attrName>
+                                        </p:attrNameLst>
+                                      </p:cBhvr>
+                                      <p:tavLst>
+                                        <p:tav tm="0">
+                                          <p:val>
+                                            <p:strVal val="1+#ppt_h/2"/>
+                                          </p:val>
+                                        </p:tav>
+                                        <p:tav tm="100000">
+                                          <p:val>
+                                            <p:strVal val="#ppt_y"/>
+                                          </p:val>
+                                        </p:tav>
+                                      </p:tavLst>
+                                    </p:anim>
+                                  </p:childTnLst>
+                                </p:cTn>
+                              </p:par>
+                            </p:childTnLst>
+                          </p:cTn>
+                        </p:par>
+                        <p:par>
+                          <p:cTn id="14" fill="hold">
+                            <p:stCondLst>
+                              <p:cond delay="500"/>
+                            </p:stCondLst>
+                            <p:childTnLst>
+                              <p:par>
+                                <p:cTn id="15" presetID="22" presetClass="entr" presetSubtype="2" fill="hold" nodeType="afterEffect">
+                                  <p:stCondLst>
+                                    <p:cond delay="0"/>
+                                  </p:stCondLst>
+                                  <p:childTnLst>
+                                    <p:set>
+                                      <p:cBhvr>
+                                        <p:cTn id="16" dur="1" fill="hold">
                                           <p:stCondLst>
                                             <p:cond delay="0"/>
                                           </p:stCondLst>
@@ -13937,53 +14123,9 @@
                                     </p:set>
                                     <p:animEffect transition="in" filter="wipe(right)">
                                       <p:cBhvr>
-                                        <p:cTn id="12" dur="500"/>
+                                        <p:cTn id="17" dur="500"/>
                                         <p:tgtEl>
                                           <p:spTgt spid="10"/>
-                                        </p:tgtEl>
-                                      </p:cBhvr>
-                                    </p:animEffect>
-                                  </p:childTnLst>
-                                </p:cTn>
-                              </p:par>
-                            </p:childTnLst>
-                          </p:cTn>
-                        </p:par>
-                        <p:par>
-                          <p:cTn id="13" fill="hold">
-                            <p:stCondLst>
-                              <p:cond delay="500"/>
-                            </p:stCondLst>
-                            <p:childTnLst>
-                              <p:par>
-                                <p:cTn id="14" presetID="22" presetClass="entr" presetSubtype="2" fill="hold" grpId="0" nodeType="afterEffect">
-                                  <p:stCondLst>
-                                    <p:cond delay="0"/>
-                                  </p:stCondLst>
-                                  <p:childTnLst>
-                                    <p:set>
-                                      <p:cBhvr>
-                                        <p:cTn id="15" dur="1" fill="hold">
-                                          <p:stCondLst>
-                                            <p:cond delay="0"/>
-                                          </p:stCondLst>
-                                        </p:cTn>
-                                        <p:tgtEl>
-                                          <p:spTgt spid="23"/>
-                                        </p:tgtEl>
-                                        <p:attrNameLst>
-                                          <p:attrName>style.visibility</p:attrName>
-                                        </p:attrNameLst>
-                                      </p:cBhvr>
-                                      <p:to>
-                                        <p:strVal val="visible"/>
-                                      </p:to>
-                                    </p:set>
-                                    <p:animEffect transition="in" filter="wipe(right)">
-                                      <p:cBhvr>
-                                        <p:cTn id="16" dur="500"/>
-                                        <p:tgtEl>
-                                          <p:spTgt spid="23"/>
                                         </p:tgtEl>
                                       </p:cBhvr>
                                     </p:animEffect>
@@ -14869,8 +15011,8 @@
           </a:p>
         </p:txBody>
       </p:sp>
-      <mc:AlternateContent xmlns:mc="http://schemas.openxmlformats.org/markup-compatibility/2006" xmlns:a14="http://schemas.microsoft.com/office/drawing/2010/main">
-        <mc:Choice Requires="a14">
+      <mc:AlternateContent xmlns:mc="http://schemas.openxmlformats.org/markup-compatibility/2006">
+        <mc:Choice xmlns:a14="http://schemas.microsoft.com/office/drawing/2010/main" Requires="a14">
           <p:sp>
             <p:nvSpPr>
               <p:cNvPr id="3" name="Content Placeholder 2"/>
@@ -14903,7 +15045,7 @@
                 </a:pPr>
                 <a:r>
                   <a:rPr lang="en-US" sz="2400" dirty="0"/>
-                  <a:t>Calculate the average number of times (the </a:t>
+                  <a:t>Calculate the </a:t>
                 </a:r>
                 <a:r>
                   <a:rPr lang="en-US" sz="2400" b="1" dirty="0">
@@ -14915,7 +15057,7 @@
                 </a:r>
                 <a:r>
                   <a:rPr lang="en-US" sz="2400" dirty="0"/>
-                  <a:t>) a </a:t>
+                  <a:t> that </a:t>
                 </a:r>
                 <a:r>
                   <a:rPr lang="en-US" sz="2400" b="1" dirty="0"/>
@@ -14923,7 +15065,15 @@
                 </a:r>
                 <a:r>
                   <a:rPr lang="en-US" sz="2400" dirty="0"/>
-                  <a:t> pairs of random integers (1 ≤ n &lt; 100,000) are coprime (their </a:t>
+                  <a:t> pairs of random integers (1 ≤ n &lt; 100,000) are </a:t>
+                </a:r>
+                <a:r>
+                  <a:rPr lang="en-US" sz="2400" u="sng" dirty="0"/>
+                  <a:t>coprime</a:t>
+                </a:r>
+                <a:r>
+                  <a:rPr lang="en-US" sz="2400" dirty="0"/>
+                  <a:t> (their </a:t>
                 </a:r>
                 <a:r>
                   <a:rPr lang="en-US" sz="2400" b="1" dirty="0">
@@ -14957,7 +15107,23 @@
                       <a:srgbClr val="00B050"/>
                     </a:solidFill>
                   </a:rPr>
-                  <a:t>odds that two randomly chosen integers will share no common factors?</a:t>
+                  <a:t>odds that two randomly chosen integers will share </a:t>
+                </a:r>
+                <a:r>
+                  <a:rPr lang="en-US" sz="2400" b="1" u="sng" dirty="0">
+                    <a:solidFill>
+                      <a:srgbClr val="00B050"/>
+                    </a:solidFill>
+                  </a:rPr>
+                  <a:t>no</a:t>
+                </a:r>
+                <a:r>
+                  <a:rPr lang="en-US" sz="2400" b="1" dirty="0">
+                    <a:solidFill>
+                      <a:srgbClr val="00B050"/>
+                    </a:solidFill>
+                  </a:rPr>
+                  <a:t> common factors?</a:t>
                 </a:r>
                 <a:endParaRPr lang="en-US" sz="2400" dirty="0"/>
               </a:p>
@@ -15005,13 +15171,13 @@
                           </m:num>
                           <m:den>
                             <m:r>
-                              <a:rPr lang="en-US" sz="2400" b="1" i="1" smtClean="0">
+                              <a:rPr lang="en-US" sz="2400" b="1" i="0" smtClean="0">
                                 <a:solidFill>
                                   <a:srgbClr val="7030A0"/>
                                 </a:solidFill>
                                 <a:latin typeface="Cambria Math" panose="02040503050406030204" pitchFamily="18" charset="0"/>
                               </a:rPr>
-                              <m:t>𝒑𝒓𝒐𝒃𝒂𝒃𝒊𝒍𝒊𝒕𝒚</m:t>
+                              <m:t>𝐩𝐫𝐨𝐛𝐚𝐛𝐢𝐥𝐢𝐭𝐲</m:t>
                             </m:r>
                           </m:den>
                         </m:f>
@@ -15038,7 +15204,7 @@
             </p:txBody>
           </p:sp>
         </mc:Choice>
-        <mc:Fallback xmlns="">
+        <mc:Fallback>
           <p:sp>
             <p:nvSpPr>
               <p:cNvPr id="3" name="Content Placeholder 2"/>
@@ -15057,7 +15223,7 @@
               <a:blipFill>
                 <a:blip r:embed="rId3"/>
                 <a:stretch>
-                  <a:fillRect l="-1005" t="-2602" r="-927"/>
+                  <a:fillRect l="-1005" t="-2602" r="-1391"/>
                 </a:stretch>
               </a:blipFill>
             </p:spPr>
@@ -15272,7 +15438,13 @@
       </p:grpSpPr>
       <p:pic>
         <p:nvPicPr>
-          <p:cNvPr id="5" name="Picture 4"/>
+          <p:cNvPr id="32" name="Picture 31">
+            <a:extLst>
+              <a:ext uri="{FF2B5EF4-FFF2-40B4-BE49-F238E27FC236}">
+                <a16:creationId xmlns:a16="http://schemas.microsoft.com/office/drawing/2014/main" id="{CDC94A63-B82F-367B-B732-E9C79E1DC003}"/>
+              </a:ext>
+            </a:extLst>
+          </p:cNvPr>
           <p:cNvPicPr>
             <a:picLocks noChangeAspect="1"/>
           </p:cNvPicPr>
@@ -15286,12 +15458,15 @@
         </p:blipFill>
         <p:spPr>
           <a:xfrm>
-            <a:off x="465590" y="1717710"/>
-            <a:ext cx="8678410" cy="3774831"/>
+            <a:off x="600127" y="2237938"/>
+            <a:ext cx="4054822" cy="2101404"/>
           </a:xfrm>
           <a:prstGeom prst="rect">
             <a:avLst/>
           </a:prstGeom>
+          <a:ln>
+            <a:noFill/>
+          </a:ln>
         </p:spPr>
       </p:pic>
       <p:sp>
@@ -15357,7 +15532,7 @@
         </p:nvSpPr>
         <p:spPr>
           <a:xfrm>
-            <a:off x="4929870" y="3361626"/>
+            <a:off x="4956245" y="2454721"/>
             <a:ext cx="3302000" cy="1938992"/>
           </a:xfrm>
           <a:prstGeom prst="rect">
@@ -15432,661 +15607,13 @@
       </p:sp>
       <p:cxnSp>
         <p:nvCxnSpPr>
-          <p:cNvPr id="7" name="Straight Arrow Connector 6"/>
-          <p:cNvCxnSpPr/>
-          <p:nvPr/>
-        </p:nvCxnSpPr>
-        <p:spPr>
-          <a:xfrm flipH="1">
-            <a:off x="2721429" y="1966686"/>
-            <a:ext cx="515257" cy="1538514"/>
-          </a:xfrm>
-          <a:prstGeom prst="straightConnector1">
-            <a:avLst/>
-          </a:prstGeom>
-          <a:ln w="38100">
-            <a:solidFill>
-              <a:srgbClr val="FF0000"/>
-            </a:solidFill>
-            <a:tailEnd type="triangle"/>
-          </a:ln>
-        </p:spPr>
-        <p:style>
-          <a:lnRef idx="1">
-            <a:schemeClr val="accent1"/>
-          </a:lnRef>
-          <a:fillRef idx="0">
-            <a:schemeClr val="accent1"/>
-          </a:fillRef>
-          <a:effectRef idx="0">
-            <a:schemeClr val="accent1"/>
-          </a:effectRef>
-          <a:fontRef idx="minor">
-            <a:schemeClr val="tx1"/>
-          </a:fontRef>
-        </p:style>
-      </p:cxnSp>
-      <p:cxnSp>
-        <p:nvCxnSpPr>
-          <p:cNvPr id="8" name="Straight Arrow Connector 7"/>
-          <p:cNvCxnSpPr/>
-          <p:nvPr/>
-        </p:nvCxnSpPr>
-        <p:spPr>
-          <a:xfrm flipH="1">
-            <a:off x="3476171" y="1966686"/>
-            <a:ext cx="515257" cy="1538514"/>
-          </a:xfrm>
-          <a:prstGeom prst="straightConnector1">
-            <a:avLst/>
-          </a:prstGeom>
-          <a:ln w="38100">
-            <a:solidFill>
-              <a:srgbClr val="FF0000"/>
-            </a:solidFill>
-            <a:tailEnd type="triangle"/>
-          </a:ln>
-        </p:spPr>
-        <p:style>
-          <a:lnRef idx="1">
-            <a:schemeClr val="accent1"/>
-          </a:lnRef>
-          <a:fillRef idx="0">
-            <a:schemeClr val="accent1"/>
-          </a:fillRef>
-          <a:effectRef idx="0">
-            <a:schemeClr val="accent1"/>
-          </a:effectRef>
-          <a:fontRef idx="minor">
-            <a:schemeClr val="tx1"/>
-          </a:fontRef>
-        </p:style>
-      </p:cxnSp>
-      <p:cxnSp>
-        <p:nvCxnSpPr>
-          <p:cNvPr id="9" name="Straight Arrow Connector 8"/>
-          <p:cNvCxnSpPr/>
-          <p:nvPr/>
-        </p:nvCxnSpPr>
-        <p:spPr>
-          <a:xfrm flipH="1">
-            <a:off x="2862944" y="3610707"/>
-            <a:ext cx="362856" cy="152400"/>
-          </a:xfrm>
-          <a:prstGeom prst="straightConnector1">
-            <a:avLst/>
-          </a:prstGeom>
-          <a:ln w="38100">
-            <a:solidFill>
-              <a:srgbClr val="FF0000"/>
-            </a:solidFill>
-            <a:tailEnd type="triangle"/>
-          </a:ln>
-        </p:spPr>
-        <p:style>
-          <a:lnRef idx="1">
-            <a:schemeClr val="accent1"/>
-          </a:lnRef>
-          <a:fillRef idx="0">
-            <a:schemeClr val="accent1"/>
-          </a:fillRef>
-          <a:effectRef idx="0">
-            <a:schemeClr val="accent1"/>
-          </a:effectRef>
-          <a:fontRef idx="minor">
-            <a:schemeClr val="tx1"/>
-          </a:fontRef>
-        </p:style>
-      </p:cxnSp>
-      <p:cxnSp>
-        <p:nvCxnSpPr>
-          <p:cNvPr id="11" name="Straight Arrow Connector 10"/>
-          <p:cNvCxnSpPr/>
-          <p:nvPr/>
-        </p:nvCxnSpPr>
-        <p:spPr>
-          <a:xfrm flipH="1">
-            <a:off x="3579587" y="3601776"/>
-            <a:ext cx="362856" cy="152400"/>
-          </a:xfrm>
-          <a:prstGeom prst="straightConnector1">
-            <a:avLst/>
-          </a:prstGeom>
-          <a:ln w="38100">
-            <a:solidFill>
-              <a:srgbClr val="FF0000"/>
-            </a:solidFill>
-            <a:tailEnd type="triangle"/>
-          </a:ln>
-        </p:spPr>
-        <p:style>
-          <a:lnRef idx="1">
-            <a:schemeClr val="accent1"/>
-          </a:lnRef>
-          <a:fillRef idx="0">
-            <a:schemeClr val="accent1"/>
-          </a:fillRef>
-          <a:effectRef idx="0">
-            <a:schemeClr val="accent1"/>
-          </a:effectRef>
-          <a:fontRef idx="minor">
-            <a:schemeClr val="tx1"/>
-          </a:fontRef>
-        </p:style>
-      </p:cxnSp>
-      <p:cxnSp>
-        <p:nvCxnSpPr>
-          <p:cNvPr id="13" name="Straight Arrow Connector 12"/>
-          <p:cNvCxnSpPr/>
-          <p:nvPr/>
-        </p:nvCxnSpPr>
-        <p:spPr>
-          <a:xfrm flipH="1">
-            <a:off x="2862944" y="3784983"/>
-            <a:ext cx="1093108" cy="218322"/>
-          </a:xfrm>
-          <a:prstGeom prst="straightConnector1">
-            <a:avLst/>
-          </a:prstGeom>
-          <a:ln w="38100">
-            <a:solidFill>
-              <a:srgbClr val="0070C0"/>
-            </a:solidFill>
-            <a:tailEnd type="triangle"/>
-          </a:ln>
-        </p:spPr>
-        <p:style>
-          <a:lnRef idx="1">
-            <a:schemeClr val="accent1"/>
-          </a:lnRef>
-          <a:fillRef idx="0">
-            <a:schemeClr val="accent1"/>
-          </a:fillRef>
-          <a:effectRef idx="0">
-            <a:schemeClr val="accent1"/>
-          </a:effectRef>
-          <a:fontRef idx="minor">
-            <a:schemeClr val="tx1"/>
-          </a:fontRef>
-        </p:style>
-      </p:cxnSp>
-      <p:cxnSp>
-        <p:nvCxnSpPr>
-          <p:cNvPr id="15" name="Straight Arrow Connector 14"/>
-          <p:cNvCxnSpPr/>
-          <p:nvPr/>
-        </p:nvCxnSpPr>
-        <p:spPr>
-          <a:xfrm flipH="1">
-            <a:off x="3517902" y="3748593"/>
-            <a:ext cx="10886" cy="275008"/>
-          </a:xfrm>
-          <a:prstGeom prst="straightConnector1">
-            <a:avLst/>
-          </a:prstGeom>
-          <a:ln w="38100">
-            <a:solidFill>
-              <a:srgbClr val="0070C0"/>
-            </a:solidFill>
-            <a:tailEnd type="triangle"/>
-          </a:ln>
-        </p:spPr>
-        <p:style>
-          <a:lnRef idx="1">
-            <a:schemeClr val="accent1"/>
-          </a:lnRef>
-          <a:fillRef idx="0">
-            <a:schemeClr val="accent1"/>
-          </a:fillRef>
-          <a:effectRef idx="0">
-            <a:schemeClr val="accent1"/>
-          </a:effectRef>
-          <a:fontRef idx="minor">
-            <a:schemeClr val="tx1"/>
-          </a:fontRef>
-        </p:style>
-      </p:cxnSp>
-      <p:cxnSp>
-        <p:nvCxnSpPr>
-          <p:cNvPr id="18" name="Straight Arrow Connector 17"/>
-          <p:cNvCxnSpPr/>
-          <p:nvPr/>
-        </p:nvCxnSpPr>
-        <p:spPr>
-          <a:xfrm flipH="1">
-            <a:off x="2862944" y="4010462"/>
-            <a:ext cx="1093108" cy="218322"/>
-          </a:xfrm>
-          <a:prstGeom prst="straightConnector1">
-            <a:avLst/>
-          </a:prstGeom>
-          <a:ln w="38100">
-            <a:solidFill>
-              <a:srgbClr val="0070C0"/>
-            </a:solidFill>
-            <a:tailEnd type="triangle"/>
-          </a:ln>
-        </p:spPr>
-        <p:style>
-          <a:lnRef idx="1">
-            <a:schemeClr val="accent1"/>
-          </a:lnRef>
-          <a:fillRef idx="0">
-            <a:schemeClr val="accent1"/>
-          </a:fillRef>
-          <a:effectRef idx="0">
-            <a:schemeClr val="accent1"/>
-          </a:effectRef>
-          <a:fontRef idx="minor">
-            <a:schemeClr val="tx1"/>
-          </a:fontRef>
-        </p:style>
-      </p:cxnSp>
-      <p:cxnSp>
-        <p:nvCxnSpPr>
-          <p:cNvPr id="19" name="Straight Arrow Connector 18"/>
-          <p:cNvCxnSpPr/>
-          <p:nvPr/>
-        </p:nvCxnSpPr>
-        <p:spPr>
-          <a:xfrm flipH="1">
-            <a:off x="3512459" y="4028271"/>
-            <a:ext cx="10886" cy="275008"/>
-          </a:xfrm>
-          <a:prstGeom prst="straightConnector1">
-            <a:avLst/>
-          </a:prstGeom>
-          <a:ln w="38100">
-            <a:solidFill>
-              <a:srgbClr val="0070C0"/>
-            </a:solidFill>
-            <a:tailEnd type="triangle"/>
-          </a:ln>
-        </p:spPr>
-        <p:style>
-          <a:lnRef idx="1">
-            <a:schemeClr val="accent1"/>
-          </a:lnRef>
-          <a:fillRef idx="0">
-            <a:schemeClr val="accent1"/>
-          </a:fillRef>
-          <a:effectRef idx="0">
-            <a:schemeClr val="accent1"/>
-          </a:effectRef>
-          <a:fontRef idx="minor">
-            <a:schemeClr val="tx1"/>
-          </a:fontRef>
-        </p:style>
-      </p:cxnSp>
-      <p:cxnSp>
-        <p:nvCxnSpPr>
-          <p:cNvPr id="20" name="Straight Arrow Connector 19"/>
-          <p:cNvCxnSpPr/>
-          <p:nvPr/>
-        </p:nvCxnSpPr>
-        <p:spPr>
-          <a:xfrm flipH="1">
-            <a:off x="2873830" y="4282810"/>
-            <a:ext cx="362856" cy="152400"/>
-          </a:xfrm>
-          <a:prstGeom prst="straightConnector1">
-            <a:avLst/>
-          </a:prstGeom>
-          <a:ln w="38100">
-            <a:solidFill>
-              <a:srgbClr val="FF0000"/>
-            </a:solidFill>
-            <a:tailEnd type="triangle"/>
-          </a:ln>
-        </p:spPr>
-        <p:style>
-          <a:lnRef idx="1">
-            <a:schemeClr val="accent1"/>
-          </a:lnRef>
-          <a:fillRef idx="0">
-            <a:schemeClr val="accent1"/>
-          </a:fillRef>
-          <a:effectRef idx="0">
-            <a:schemeClr val="accent1"/>
-          </a:effectRef>
-          <a:fontRef idx="minor">
-            <a:schemeClr val="tx1"/>
-          </a:fontRef>
-        </p:style>
-      </p:cxnSp>
-      <p:cxnSp>
-        <p:nvCxnSpPr>
-          <p:cNvPr id="21" name="Straight Arrow Connector 20"/>
-          <p:cNvCxnSpPr/>
-          <p:nvPr/>
-        </p:nvCxnSpPr>
-        <p:spPr>
-          <a:xfrm flipH="1">
-            <a:off x="3603174" y="4254922"/>
-            <a:ext cx="362856" cy="152400"/>
-          </a:xfrm>
-          <a:prstGeom prst="straightConnector1">
-            <a:avLst/>
-          </a:prstGeom>
-          <a:ln w="38100">
-            <a:solidFill>
-              <a:srgbClr val="FF0000"/>
-            </a:solidFill>
-            <a:tailEnd type="triangle"/>
-          </a:ln>
-        </p:spPr>
-        <p:style>
-          <a:lnRef idx="1">
-            <a:schemeClr val="accent1"/>
-          </a:lnRef>
-          <a:fillRef idx="0">
-            <a:schemeClr val="accent1"/>
-          </a:fillRef>
-          <a:effectRef idx="0">
-            <a:schemeClr val="accent1"/>
-          </a:effectRef>
-          <a:fontRef idx="minor">
-            <a:schemeClr val="tx1"/>
-          </a:fontRef>
-        </p:style>
-      </p:cxnSp>
-      <p:cxnSp>
-        <p:nvCxnSpPr>
-          <p:cNvPr id="22" name="Straight Arrow Connector 21"/>
-          <p:cNvCxnSpPr/>
-          <p:nvPr/>
-        </p:nvCxnSpPr>
-        <p:spPr>
-          <a:xfrm flipH="1">
-            <a:off x="2873830" y="4489236"/>
-            <a:ext cx="362856" cy="152400"/>
-          </a:xfrm>
-          <a:prstGeom prst="straightConnector1">
-            <a:avLst/>
-          </a:prstGeom>
-          <a:ln w="38100">
-            <a:solidFill>
-              <a:srgbClr val="FF0000"/>
-            </a:solidFill>
-            <a:tailEnd type="triangle"/>
-          </a:ln>
-        </p:spPr>
-        <p:style>
-          <a:lnRef idx="1">
-            <a:schemeClr val="accent1"/>
-          </a:lnRef>
-          <a:fillRef idx="0">
-            <a:schemeClr val="accent1"/>
-          </a:fillRef>
-          <a:effectRef idx="0">
-            <a:schemeClr val="accent1"/>
-          </a:effectRef>
-          <a:fontRef idx="minor">
-            <a:schemeClr val="tx1"/>
-          </a:fontRef>
-        </p:style>
-      </p:cxnSp>
-      <p:cxnSp>
-        <p:nvCxnSpPr>
-          <p:cNvPr id="24" name="Straight Arrow Connector 23"/>
-          <p:cNvCxnSpPr/>
-          <p:nvPr/>
-        </p:nvCxnSpPr>
-        <p:spPr>
-          <a:xfrm flipH="1">
-            <a:off x="3579587" y="4501263"/>
-            <a:ext cx="362856" cy="152400"/>
-          </a:xfrm>
-          <a:prstGeom prst="straightConnector1">
-            <a:avLst/>
-          </a:prstGeom>
-          <a:ln w="38100">
-            <a:solidFill>
-              <a:srgbClr val="FF0000"/>
-            </a:solidFill>
-            <a:tailEnd type="triangle"/>
-          </a:ln>
-        </p:spPr>
-        <p:style>
-          <a:lnRef idx="1">
-            <a:schemeClr val="accent1"/>
-          </a:lnRef>
-          <a:fillRef idx="0">
-            <a:schemeClr val="accent1"/>
-          </a:fillRef>
-          <a:effectRef idx="0">
-            <a:schemeClr val="accent1"/>
-          </a:effectRef>
-          <a:fontRef idx="minor">
-            <a:schemeClr val="tx1"/>
-          </a:fontRef>
-        </p:style>
-      </p:cxnSp>
-      <p:cxnSp>
-        <p:nvCxnSpPr>
-          <p:cNvPr id="25" name="Straight Arrow Connector 24"/>
-          <p:cNvCxnSpPr/>
-          <p:nvPr/>
-        </p:nvCxnSpPr>
-        <p:spPr>
-          <a:xfrm flipH="1">
-            <a:off x="2798991" y="4694650"/>
-            <a:ext cx="1093108" cy="218322"/>
-          </a:xfrm>
-          <a:prstGeom prst="straightConnector1">
-            <a:avLst/>
-          </a:prstGeom>
-          <a:ln w="38100">
-            <a:solidFill>
-              <a:srgbClr val="0070C0"/>
-            </a:solidFill>
-            <a:tailEnd type="triangle"/>
-          </a:ln>
-        </p:spPr>
-        <p:style>
-          <a:lnRef idx="1">
-            <a:schemeClr val="accent1"/>
-          </a:lnRef>
-          <a:fillRef idx="0">
-            <a:schemeClr val="accent1"/>
-          </a:fillRef>
-          <a:effectRef idx="0">
-            <a:schemeClr val="accent1"/>
-          </a:effectRef>
-          <a:fontRef idx="minor">
-            <a:schemeClr val="tx1"/>
-          </a:fontRef>
-        </p:style>
-      </p:cxnSp>
-      <p:cxnSp>
-        <p:nvCxnSpPr>
-          <p:cNvPr id="26" name="Straight Arrow Connector 25"/>
-          <p:cNvCxnSpPr/>
-          <p:nvPr/>
-        </p:nvCxnSpPr>
-        <p:spPr>
-          <a:xfrm flipH="1">
-            <a:off x="3532416" y="4653663"/>
-            <a:ext cx="10886" cy="275008"/>
-          </a:xfrm>
-          <a:prstGeom prst="straightConnector1">
-            <a:avLst/>
-          </a:prstGeom>
-          <a:ln w="38100">
-            <a:solidFill>
-              <a:srgbClr val="0070C0"/>
-            </a:solidFill>
-            <a:tailEnd type="triangle"/>
-          </a:ln>
-        </p:spPr>
-        <p:style>
-          <a:lnRef idx="1">
-            <a:schemeClr val="accent1"/>
-          </a:lnRef>
-          <a:fillRef idx="0">
-            <a:schemeClr val="accent1"/>
-          </a:fillRef>
-          <a:effectRef idx="0">
-            <a:schemeClr val="accent1"/>
-          </a:effectRef>
-          <a:fontRef idx="minor">
-            <a:schemeClr val="tx1"/>
-          </a:fontRef>
-        </p:style>
-      </p:cxnSp>
-      <p:cxnSp>
-        <p:nvCxnSpPr>
-          <p:cNvPr id="27" name="Straight Arrow Connector 26"/>
-          <p:cNvCxnSpPr/>
-          <p:nvPr/>
-        </p:nvCxnSpPr>
-        <p:spPr>
-          <a:xfrm flipH="1">
-            <a:off x="2884716" y="4934848"/>
-            <a:ext cx="362856" cy="152400"/>
-          </a:xfrm>
-          <a:prstGeom prst="straightConnector1">
-            <a:avLst/>
-          </a:prstGeom>
-          <a:ln w="38100">
-            <a:solidFill>
-              <a:srgbClr val="FF0000"/>
-            </a:solidFill>
-            <a:tailEnd type="triangle"/>
-          </a:ln>
-        </p:spPr>
-        <p:style>
-          <a:lnRef idx="1">
-            <a:schemeClr val="accent1"/>
-          </a:lnRef>
-          <a:fillRef idx="0">
-            <a:schemeClr val="accent1"/>
-          </a:fillRef>
-          <a:effectRef idx="0">
-            <a:schemeClr val="accent1"/>
-          </a:effectRef>
-          <a:fontRef idx="minor">
-            <a:schemeClr val="tx1"/>
-          </a:fontRef>
-        </p:style>
-      </p:cxnSp>
-      <p:cxnSp>
-        <p:nvCxnSpPr>
-          <p:cNvPr id="28" name="Straight Arrow Connector 27"/>
-          <p:cNvCxnSpPr/>
-          <p:nvPr/>
-        </p:nvCxnSpPr>
-        <p:spPr>
-          <a:xfrm flipH="1">
-            <a:off x="3536499" y="4934848"/>
-            <a:ext cx="362856" cy="152400"/>
-          </a:xfrm>
-          <a:prstGeom prst="straightConnector1">
-            <a:avLst/>
-          </a:prstGeom>
-          <a:ln w="38100">
-            <a:solidFill>
-              <a:srgbClr val="FF0000"/>
-            </a:solidFill>
-            <a:tailEnd type="triangle"/>
-          </a:ln>
-        </p:spPr>
-        <p:style>
-          <a:lnRef idx="1">
-            <a:schemeClr val="accent1"/>
-          </a:lnRef>
-          <a:fillRef idx="0">
-            <a:schemeClr val="accent1"/>
-          </a:fillRef>
-          <a:effectRef idx="0">
-            <a:schemeClr val="accent1"/>
-          </a:effectRef>
-          <a:fontRef idx="minor">
-            <a:schemeClr val="tx1"/>
-          </a:fontRef>
-        </p:style>
-      </p:cxnSp>
-      <p:cxnSp>
-        <p:nvCxnSpPr>
-          <p:cNvPr id="29" name="Straight Arrow Connector 28"/>
-          <p:cNvCxnSpPr/>
-          <p:nvPr/>
-        </p:nvCxnSpPr>
-        <p:spPr>
-          <a:xfrm flipH="1">
-            <a:off x="2899457" y="5151943"/>
-            <a:ext cx="362856" cy="152400"/>
-          </a:xfrm>
-          <a:prstGeom prst="straightConnector1">
-            <a:avLst/>
-          </a:prstGeom>
-          <a:ln w="38100">
-            <a:solidFill>
-              <a:srgbClr val="FF0000"/>
-            </a:solidFill>
-            <a:tailEnd type="triangle"/>
-          </a:ln>
-        </p:spPr>
-        <p:style>
-          <a:lnRef idx="1">
-            <a:schemeClr val="accent1"/>
-          </a:lnRef>
-          <a:fillRef idx="0">
-            <a:schemeClr val="accent1"/>
-          </a:fillRef>
-          <a:effectRef idx="0">
-            <a:schemeClr val="accent1"/>
-          </a:effectRef>
-          <a:fontRef idx="minor">
-            <a:schemeClr val="tx1"/>
-          </a:fontRef>
-        </p:style>
-      </p:cxnSp>
-      <p:cxnSp>
-        <p:nvCxnSpPr>
-          <p:cNvPr id="30" name="Straight Arrow Connector 29"/>
-          <p:cNvCxnSpPr/>
-          <p:nvPr/>
-        </p:nvCxnSpPr>
-        <p:spPr>
-          <a:xfrm flipH="1">
-            <a:off x="3551240" y="5151943"/>
-            <a:ext cx="362856" cy="152400"/>
-          </a:xfrm>
-          <a:prstGeom prst="straightConnector1">
-            <a:avLst/>
-          </a:prstGeom>
-          <a:ln w="38100">
-            <a:solidFill>
-              <a:srgbClr val="FF0000"/>
-            </a:solidFill>
-            <a:tailEnd type="triangle"/>
-          </a:ln>
-        </p:spPr>
-        <p:style>
-          <a:lnRef idx="1">
-            <a:schemeClr val="accent1"/>
-          </a:lnRef>
-          <a:fillRef idx="0">
-            <a:schemeClr val="accent1"/>
-          </a:fillRef>
-          <a:effectRef idx="0">
-            <a:schemeClr val="accent1"/>
-          </a:effectRef>
-          <a:fontRef idx="minor">
-            <a:schemeClr val="tx1"/>
-          </a:fontRef>
-        </p:style>
-      </p:cxnSp>
-      <p:cxnSp>
-        <p:nvCxnSpPr>
           <p:cNvPr id="31" name="Straight Arrow Connector 30"/>
           <p:cNvCxnSpPr/>
           <p:nvPr/>
         </p:nvCxnSpPr>
         <p:spPr>
           <a:xfrm flipH="1" flipV="1">
-            <a:off x="3425035" y="5377802"/>
+            <a:off x="3199664" y="4205549"/>
             <a:ext cx="661760" cy="489931"/>
           </a:xfrm>
           <a:prstGeom prst="straightConnector1">
@@ -16124,7 +15651,7 @@
             </p:nvSpPr>
             <p:spPr>
               <a:xfrm>
-                <a:off x="4980214" y="3072051"/>
+                <a:off x="5006589" y="2165146"/>
                 <a:ext cx="3345543" cy="3121047"/>
               </a:xfrm>
               <a:prstGeom prst="rect">
@@ -16580,16 +16107,16 @@
             </p:nvSpPr>
             <p:spPr>
               <a:xfrm>
-                <a:off x="4980214" y="3072051"/>
+                <a:off x="5006589" y="2165146"/>
                 <a:ext cx="3345543" cy="3121047"/>
               </a:xfrm>
               <a:prstGeom prst="rect">
                 <a:avLst/>
               </a:prstGeom>
-              <a:blipFill rotWithShape="0">
+              <a:blipFill>
                 <a:blip r:embed="rId3"/>
                 <a:stretch>
-                  <a:fillRect t="-1172"/>
+                  <a:fillRect t="-977"/>
                 </a:stretch>
               </a:blipFill>
             </p:spPr>
@@ -16608,6 +16135,182 @@
           </p:sp>
         </mc:Fallback>
       </mc:AlternateContent>
+      <p:cxnSp>
+        <p:nvCxnSpPr>
+          <p:cNvPr id="10" name="Straight Arrow Connector 9">
+            <a:extLst>
+              <a:ext uri="{FF2B5EF4-FFF2-40B4-BE49-F238E27FC236}">
+                <a16:creationId xmlns:a16="http://schemas.microsoft.com/office/drawing/2014/main" id="{907B647B-77BF-C9F5-71B5-B38615080621}"/>
+              </a:ext>
+            </a:extLst>
+          </p:cNvPr>
+          <p:cNvCxnSpPr>
+            <a:cxnSpLocks/>
+          </p:cNvCxnSpPr>
+          <p:nvPr/>
+        </p:nvCxnSpPr>
+        <p:spPr>
+          <a:xfrm flipH="1">
+            <a:off x="2352918" y="3012041"/>
+            <a:ext cx="584616" cy="290607"/>
+          </a:xfrm>
+          <a:prstGeom prst="straightConnector1">
+            <a:avLst/>
+          </a:prstGeom>
+          <a:ln w="38100">
+            <a:solidFill>
+              <a:srgbClr val="00B050"/>
+            </a:solidFill>
+            <a:tailEnd type="triangle"/>
+          </a:ln>
+        </p:spPr>
+        <p:style>
+          <a:lnRef idx="1">
+            <a:schemeClr val="accent1"/>
+          </a:lnRef>
+          <a:fillRef idx="0">
+            <a:schemeClr val="accent1"/>
+          </a:fillRef>
+          <a:effectRef idx="0">
+            <a:schemeClr val="accent1"/>
+          </a:effectRef>
+          <a:fontRef idx="minor">
+            <a:schemeClr val="tx1"/>
+          </a:fontRef>
+        </p:style>
+      </p:cxnSp>
+      <p:cxnSp>
+        <p:nvCxnSpPr>
+          <p:cNvPr id="16" name="Straight Arrow Connector 15">
+            <a:extLst>
+              <a:ext uri="{FF2B5EF4-FFF2-40B4-BE49-F238E27FC236}">
+                <a16:creationId xmlns:a16="http://schemas.microsoft.com/office/drawing/2014/main" id="{C30EE92E-3978-6A29-7E8D-6D30DF6D0AE8}"/>
+              </a:ext>
+            </a:extLst>
+          </p:cNvPr>
+          <p:cNvCxnSpPr>
+            <a:cxnSpLocks/>
+          </p:cNvCxnSpPr>
+          <p:nvPr/>
+        </p:nvCxnSpPr>
+        <p:spPr>
+          <a:xfrm flipH="1">
+            <a:off x="3321779" y="3012041"/>
+            <a:ext cx="584616" cy="290607"/>
+          </a:xfrm>
+          <a:prstGeom prst="straightConnector1">
+            <a:avLst/>
+          </a:prstGeom>
+          <a:ln w="38100">
+            <a:solidFill>
+              <a:srgbClr val="00B050"/>
+            </a:solidFill>
+            <a:tailEnd type="triangle"/>
+          </a:ln>
+        </p:spPr>
+        <p:style>
+          <a:lnRef idx="1">
+            <a:schemeClr val="accent1"/>
+          </a:lnRef>
+          <a:fillRef idx="0">
+            <a:schemeClr val="accent1"/>
+          </a:fillRef>
+          <a:effectRef idx="0">
+            <a:schemeClr val="accent1"/>
+          </a:effectRef>
+          <a:fontRef idx="minor">
+            <a:schemeClr val="tx1"/>
+          </a:fontRef>
+        </p:style>
+      </p:cxnSp>
+      <p:cxnSp>
+        <p:nvCxnSpPr>
+          <p:cNvPr id="17" name="Straight Arrow Connector 16">
+            <a:extLst>
+              <a:ext uri="{FF2B5EF4-FFF2-40B4-BE49-F238E27FC236}">
+                <a16:creationId xmlns:a16="http://schemas.microsoft.com/office/drawing/2014/main" id="{C4C85CA5-7A91-EFD6-A0E1-4EFE2A2D89CF}"/>
+              </a:ext>
+            </a:extLst>
+          </p:cNvPr>
+          <p:cNvCxnSpPr>
+            <a:cxnSpLocks/>
+          </p:cNvCxnSpPr>
+          <p:nvPr/>
+        </p:nvCxnSpPr>
+        <p:spPr>
+          <a:xfrm flipH="1">
+            <a:off x="2352918" y="3291487"/>
+            <a:ext cx="584616" cy="290607"/>
+          </a:xfrm>
+          <a:prstGeom prst="straightConnector1">
+            <a:avLst/>
+          </a:prstGeom>
+          <a:ln w="38100">
+            <a:solidFill>
+              <a:srgbClr val="00B050"/>
+            </a:solidFill>
+            <a:tailEnd type="triangle"/>
+          </a:ln>
+        </p:spPr>
+        <p:style>
+          <a:lnRef idx="1">
+            <a:schemeClr val="accent1"/>
+          </a:lnRef>
+          <a:fillRef idx="0">
+            <a:schemeClr val="accent1"/>
+          </a:fillRef>
+          <a:effectRef idx="0">
+            <a:schemeClr val="accent1"/>
+          </a:effectRef>
+          <a:fontRef idx="minor">
+            <a:schemeClr val="tx1"/>
+          </a:fontRef>
+        </p:style>
+      </p:cxnSp>
+      <p:cxnSp>
+        <p:nvCxnSpPr>
+          <p:cNvPr id="23" name="Straight Arrow Connector 22">
+            <a:extLst>
+              <a:ext uri="{FF2B5EF4-FFF2-40B4-BE49-F238E27FC236}">
+                <a16:creationId xmlns:a16="http://schemas.microsoft.com/office/drawing/2014/main" id="{63FF8EB0-68B9-73B4-4DA9-1D8F1A27B488}"/>
+              </a:ext>
+            </a:extLst>
+          </p:cNvPr>
+          <p:cNvCxnSpPr>
+            <a:cxnSpLocks/>
+          </p:cNvCxnSpPr>
+          <p:nvPr/>
+        </p:nvCxnSpPr>
+        <p:spPr>
+          <a:xfrm flipH="1">
+            <a:off x="3321779" y="3291487"/>
+            <a:ext cx="584616" cy="290607"/>
+          </a:xfrm>
+          <a:prstGeom prst="straightConnector1">
+            <a:avLst/>
+          </a:prstGeom>
+          <a:ln w="38100">
+            <a:solidFill>
+              <a:srgbClr val="00B050"/>
+            </a:solidFill>
+            <a:tailEnd type="triangle"/>
+          </a:ln>
+        </p:spPr>
+        <p:style>
+          <a:lnRef idx="1">
+            <a:schemeClr val="accent1"/>
+          </a:lnRef>
+          <a:fillRef idx="0">
+            <a:schemeClr val="accent1"/>
+          </a:fillRef>
+          <a:effectRef idx="0">
+            <a:schemeClr val="accent1"/>
+          </a:effectRef>
+          <a:fontRef idx="minor">
+            <a:schemeClr val="tx1"/>
+          </a:fontRef>
+        </p:style>
+      </p:cxnSp>
     </p:spTree>
     <p:extLst>
       <p:ext uri="{BB962C8B-B14F-4D97-AF65-F5344CB8AC3E}">
@@ -16639,7 +16342,7 @@
                             </p:stCondLst>
                             <p:childTnLst>
                               <p:par>
-                                <p:cTn id="5" presetID="1" presetClass="entr" presetSubtype="0" fill="hold" nodeType="clickEffect">
+                                <p:cTn id="5" presetID="22" presetClass="entr" presetSubtype="2" fill="hold" nodeType="clickEffect">
                                   <p:stCondLst>
                                     <p:cond delay="0"/>
                                   </p:stCondLst>
@@ -16652,7 +16355,7 @@
                                           </p:stCondLst>
                                         </p:cTn>
                                         <p:tgtEl>
-                                          <p:spTgt spid="7"/>
+                                          <p:spTgt spid="10"/>
                                         </p:tgtEl>
                                         <p:attrNameLst>
                                           <p:attrName>style.visibility</p:attrName>
@@ -16662,24 +16365,32 @@
                                         <p:strVal val="visible"/>
                                       </p:to>
                                     </p:set>
+                                    <p:animEffect transition="in" filter="wipe(right)">
+                                      <p:cBhvr>
+                                        <p:cTn id="7" dur="500"/>
+                                        <p:tgtEl>
+                                          <p:spTgt spid="10"/>
+                                        </p:tgtEl>
+                                      </p:cBhvr>
+                                    </p:animEffect>
                                   </p:childTnLst>
                                 </p:cTn>
                               </p:par>
                               <p:par>
-                                <p:cTn id="7" presetID="1" presetClass="entr" presetSubtype="0" fill="hold" nodeType="withEffect">
+                                <p:cTn id="8" presetID="22" presetClass="entr" presetSubtype="2" fill="hold" nodeType="withEffect">
                                   <p:stCondLst>
                                     <p:cond delay="0"/>
                                   </p:stCondLst>
                                   <p:childTnLst>
                                     <p:set>
                                       <p:cBhvr>
-                                        <p:cTn id="8" dur="1" fill="hold">
+                                        <p:cTn id="9" dur="1" fill="hold">
                                           <p:stCondLst>
                                             <p:cond delay="0"/>
                                           </p:stCondLst>
                                         </p:cTn>
                                         <p:tgtEl>
-                                          <p:spTgt spid="8"/>
+                                          <p:spTgt spid="16"/>
                                         </p:tgtEl>
                                         <p:attrNameLst>
                                           <p:attrName>style.visibility</p:attrName>
@@ -16689,6 +16400,14 @@
                                         <p:strVal val="visible"/>
                                       </p:to>
                                     </p:set>
+                                    <p:animEffect transition="in" filter="wipe(right)">
+                                      <p:cBhvr>
+                                        <p:cTn id="10" dur="500"/>
+                                        <p:tgtEl>
+                                          <p:spTgt spid="16"/>
+                                        </p:tgtEl>
+                                      </p:cBhvr>
+                                    </p:animEffect>
                                   </p:childTnLst>
                                 </p:cTn>
                               </p:par>
@@ -16699,32 +16418,32 @@
                     </p:cTn>
                   </p:par>
                   <p:par>
-                    <p:cTn id="9" fill="hold">
+                    <p:cTn id="11" fill="hold">
                       <p:stCondLst>
                         <p:cond delay="indefinite"/>
                       </p:stCondLst>
                       <p:childTnLst>
                         <p:par>
-                          <p:cTn id="10" fill="hold">
+                          <p:cTn id="12" fill="hold">
                             <p:stCondLst>
                               <p:cond delay="0"/>
                             </p:stCondLst>
                             <p:childTnLst>
                               <p:par>
-                                <p:cTn id="11" presetID="1" presetClass="exit" presetSubtype="0" fill="hold" nodeType="clickEffect">
+                                <p:cTn id="13" presetID="1" presetClass="exit" presetSubtype="0" fill="hold" nodeType="clickEffect">
                                   <p:stCondLst>
                                     <p:cond delay="0"/>
                                   </p:stCondLst>
                                   <p:childTnLst>
                                     <p:set>
                                       <p:cBhvr>
-                                        <p:cTn id="12" dur="1" fill="hold">
+                                        <p:cTn id="14" dur="1" fill="hold">
                                           <p:stCondLst>
                                             <p:cond delay="0"/>
                                           </p:stCondLst>
                                         </p:cTn>
                                         <p:tgtEl>
-                                          <p:spTgt spid="7"/>
+                                          <p:spTgt spid="10"/>
                                         </p:tgtEl>
                                         <p:attrNameLst>
                                           <p:attrName>style.visibility</p:attrName>
@@ -16738,20 +16457,144 @@
                                 </p:cTn>
                               </p:par>
                               <p:par>
-                                <p:cTn id="13" presetID="1" presetClass="exit" presetSubtype="0" fill="hold" nodeType="withEffect">
+                                <p:cTn id="15" presetID="1" presetClass="exit" presetSubtype="0" fill="hold" nodeType="withEffect">
                                   <p:stCondLst>
                                     <p:cond delay="0"/>
                                   </p:stCondLst>
                                   <p:childTnLst>
                                     <p:set>
                                       <p:cBhvr>
-                                        <p:cTn id="14" dur="1" fill="hold">
+                                        <p:cTn id="16" dur="1" fill="hold">
                                           <p:stCondLst>
                                             <p:cond delay="0"/>
                                           </p:stCondLst>
                                         </p:cTn>
                                         <p:tgtEl>
-                                          <p:spTgt spid="8"/>
+                                          <p:spTgt spid="16"/>
+                                        </p:tgtEl>
+                                        <p:attrNameLst>
+                                          <p:attrName>style.visibility</p:attrName>
+                                        </p:attrNameLst>
+                                      </p:cBhvr>
+                                      <p:to>
+                                        <p:strVal val="hidden"/>
+                                      </p:to>
+                                    </p:set>
+                                  </p:childTnLst>
+                                </p:cTn>
+                              </p:par>
+                            </p:childTnLst>
+                          </p:cTn>
+                        </p:par>
+                        <p:par>
+                          <p:cTn id="17" fill="hold">
+                            <p:stCondLst>
+                              <p:cond delay="0"/>
+                            </p:stCondLst>
+                            <p:childTnLst>
+                              <p:par>
+                                <p:cTn id="18" presetID="22" presetClass="entr" presetSubtype="2" fill="hold" nodeType="afterEffect">
+                                  <p:stCondLst>
+                                    <p:cond delay="0"/>
+                                  </p:stCondLst>
+                                  <p:childTnLst>
+                                    <p:set>
+                                      <p:cBhvr>
+                                        <p:cTn id="19" dur="1" fill="hold">
+                                          <p:stCondLst>
+                                            <p:cond delay="0"/>
+                                          </p:stCondLst>
+                                        </p:cTn>
+                                        <p:tgtEl>
+                                          <p:spTgt spid="17"/>
+                                        </p:tgtEl>
+                                        <p:attrNameLst>
+                                          <p:attrName>style.visibility</p:attrName>
+                                        </p:attrNameLst>
+                                      </p:cBhvr>
+                                      <p:to>
+                                        <p:strVal val="visible"/>
+                                      </p:to>
+                                    </p:set>
+                                    <p:animEffect transition="in" filter="wipe(right)">
+                                      <p:cBhvr>
+                                        <p:cTn id="20" dur="500"/>
+                                        <p:tgtEl>
+                                          <p:spTgt spid="17"/>
+                                        </p:tgtEl>
+                                      </p:cBhvr>
+                                    </p:animEffect>
+                                  </p:childTnLst>
+                                </p:cTn>
+                              </p:par>
+                              <p:par>
+                                <p:cTn id="21" presetID="22" presetClass="entr" presetSubtype="2" fill="hold" nodeType="withEffect">
+                                  <p:stCondLst>
+                                    <p:cond delay="0"/>
+                                  </p:stCondLst>
+                                  <p:childTnLst>
+                                    <p:set>
+                                      <p:cBhvr>
+                                        <p:cTn id="22" dur="1" fill="hold">
+                                          <p:stCondLst>
+                                            <p:cond delay="0"/>
+                                          </p:stCondLst>
+                                        </p:cTn>
+                                        <p:tgtEl>
+                                          <p:spTgt spid="23"/>
+                                        </p:tgtEl>
+                                        <p:attrNameLst>
+                                          <p:attrName>style.visibility</p:attrName>
+                                        </p:attrNameLst>
+                                      </p:cBhvr>
+                                      <p:to>
+                                        <p:strVal val="visible"/>
+                                      </p:to>
+                                    </p:set>
+                                    <p:animEffect transition="in" filter="wipe(right)">
+                                      <p:cBhvr>
+                                        <p:cTn id="23" dur="500"/>
+                                        <p:tgtEl>
+                                          <p:spTgt spid="23"/>
+                                        </p:tgtEl>
+                                      </p:cBhvr>
+                                    </p:animEffect>
+                                  </p:childTnLst>
+                                </p:cTn>
+                              </p:par>
+                            </p:childTnLst>
+                          </p:cTn>
+                        </p:par>
+                      </p:childTnLst>
+                    </p:cTn>
+                  </p:par>
+                  <p:par>
+                    <p:cTn id="24" fill="hold">
+                      <p:stCondLst>
+                        <p:cond delay="indefinite"/>
+                      </p:stCondLst>
+                      <p:childTnLst>
+                        <p:par>
+                          <p:cTn id="25" fill="hold">
+                            <p:stCondLst>
+                              <p:cond delay="0"/>
+                            </p:stCondLst>
+                            <p:childTnLst>
+                              <p:par>
+                                <p:cTn id="26" presetID="1" presetClass="exit" presetSubtype="0" fill="hold" nodeType="clickEffect">
+                                  <p:stCondLst>
+                                    <p:cond delay="0"/>
+                                  </p:stCondLst>
+                                  <p:childTnLst>
+                                    <p:set>
+                                      <p:cBhvr>
+                                        <p:cTn id="27" dur="1" fill="hold">
+                                          <p:stCondLst>
+                                            <p:cond delay="0"/>
+                                          </p:stCondLst>
+                                        </p:cTn>
+                                        <p:tgtEl>
+                                          <p:spTgt spid="17"/>
                                         </p:tgtEl>
                                         <p:attrNameLst>
                                           <p:attrName>style.visibility</p:attrName>
@@ -16765,92 +16608,20 @@
                                 </p:cTn>
                               </p:par>
                               <p:par>
-                                <p:cTn id="15" presetID="1" presetClass="entr" presetSubtype="0" fill="hold" nodeType="withEffect">
+                                <p:cTn id="28" presetID="1" presetClass="exit" presetSubtype="0" fill="hold" nodeType="withEffect">
                                   <p:stCondLst>
                                     <p:cond delay="0"/>
                                   </p:stCondLst>
                                   <p:childTnLst>
                                     <p:set>
                                       <p:cBhvr>
-                                        <p:cTn id="16" dur="1" fill="hold">
+                                        <p:cTn id="29" dur="1" fill="hold">
                                           <p:stCondLst>
                                             <p:cond delay="0"/>
                                           </p:stCondLst>
                                         </p:cTn>
                                         <p:tgtEl>
-                                          <p:spTgt spid="9"/>
-                                        </p:tgtEl>
-                                        <p:attrNameLst>
-                                          <p:attrName>style.visibility</p:attrName>
-                                        </p:attrNameLst>
-                                      </p:cBhvr>
-                                      <p:to>
-                                        <p:strVal val="visible"/>
-                                      </p:to>
-                                    </p:set>
-                                  </p:childTnLst>
-                                </p:cTn>
-                              </p:par>
-                              <p:par>
-                                <p:cTn id="17" presetID="1" presetClass="entr" presetSubtype="0" fill="hold" nodeType="withEffect">
-                                  <p:stCondLst>
-                                    <p:cond delay="0"/>
-                                  </p:stCondLst>
-                                  <p:childTnLst>
-                                    <p:set>
-                                      <p:cBhvr>
-                                        <p:cTn id="18" dur="1" fill="hold">
-                                          <p:stCondLst>
-                                            <p:cond delay="0"/>
-                                          </p:stCondLst>
-                                        </p:cTn>
-                                        <p:tgtEl>
-                                          <p:spTgt spid="11"/>
-                                        </p:tgtEl>
-                                        <p:attrNameLst>
-                                          <p:attrName>style.visibility</p:attrName>
-                                        </p:attrNameLst>
-                                      </p:cBhvr>
-                                      <p:to>
-                                        <p:strVal val="visible"/>
-                                      </p:to>
-                                    </p:set>
-                                  </p:childTnLst>
-                                </p:cTn>
-                              </p:par>
-                            </p:childTnLst>
-                          </p:cTn>
-                        </p:par>
-                      </p:childTnLst>
-                    </p:cTn>
-                  </p:par>
-                  <p:par>
-                    <p:cTn id="19" fill="hold">
-                      <p:stCondLst>
-                        <p:cond delay="indefinite"/>
-                      </p:stCondLst>
-                      <p:childTnLst>
-                        <p:par>
-                          <p:cTn id="20" fill="hold">
-                            <p:stCondLst>
-                              <p:cond delay="0"/>
-                            </p:stCondLst>
-                            <p:childTnLst>
-                              <p:par>
-                                <p:cTn id="21" presetID="1" presetClass="exit" presetSubtype="0" fill="hold" nodeType="clickEffect">
-                                  <p:stCondLst>
-                                    <p:cond delay="0"/>
-                                  </p:stCondLst>
-                                  <p:childTnLst>
-                                    <p:set>
-                                      <p:cBhvr>
-                                        <p:cTn id="22" dur="1" fill="hold">
-                                          <p:stCondLst>
-                                            <p:cond delay="0"/>
-                                          </p:stCondLst>
-                                        </p:cTn>
-                                        <p:tgtEl>
-                                          <p:spTgt spid="9"/>
+                                          <p:spTgt spid="23"/>
                                         </p:tgtEl>
                                         <p:attrNameLst>
                                           <p:attrName>style.visibility</p:attrName>
@@ -16863,99 +16634,9 @@
                                   </p:childTnLst>
                                 </p:cTn>
                               </p:par>
-                              <p:par>
-                                <p:cTn id="23" presetID="1" presetClass="exit" presetSubtype="0" fill="hold" nodeType="withEffect">
-                                  <p:stCondLst>
-                                    <p:cond delay="0"/>
-                                  </p:stCondLst>
-                                  <p:childTnLst>
-                                    <p:set>
-                                      <p:cBhvr>
-                                        <p:cTn id="24" dur="1" fill="hold">
-                                          <p:stCondLst>
-                                            <p:cond delay="0"/>
-                                          </p:stCondLst>
-                                        </p:cTn>
-                                        <p:tgtEl>
-                                          <p:spTgt spid="11"/>
-                                        </p:tgtEl>
-                                        <p:attrNameLst>
-                                          <p:attrName>style.visibility</p:attrName>
-                                        </p:attrNameLst>
-                                      </p:cBhvr>
-                                      <p:to>
-                                        <p:strVal val="hidden"/>
-                                      </p:to>
-                                    </p:set>
-                                  </p:childTnLst>
-                                </p:cTn>
-                              </p:par>
-                              <p:par>
-                                <p:cTn id="25" presetID="1" presetClass="entr" presetSubtype="0" fill="hold" nodeType="withEffect">
-                                  <p:stCondLst>
-                                    <p:cond delay="0"/>
-                                  </p:stCondLst>
-                                  <p:childTnLst>
-                                    <p:set>
-                                      <p:cBhvr>
-                                        <p:cTn id="26" dur="1" fill="hold">
-                                          <p:stCondLst>
-                                            <p:cond delay="0"/>
-                                          </p:stCondLst>
-                                        </p:cTn>
-                                        <p:tgtEl>
-                                          <p:spTgt spid="13"/>
-                                        </p:tgtEl>
-                                        <p:attrNameLst>
-                                          <p:attrName>style.visibility</p:attrName>
-                                        </p:attrNameLst>
-                                      </p:cBhvr>
-                                      <p:to>
-                                        <p:strVal val="visible"/>
-                                      </p:to>
-                                    </p:set>
-                                  </p:childTnLst>
-                                </p:cTn>
-                              </p:par>
-                              <p:par>
-                                <p:cTn id="27" presetID="1" presetClass="entr" presetSubtype="0" fill="hold" nodeType="withEffect">
-                                  <p:stCondLst>
-                                    <p:cond delay="0"/>
-                                  </p:stCondLst>
-                                  <p:childTnLst>
-                                    <p:set>
-                                      <p:cBhvr>
-                                        <p:cTn id="28" dur="1" fill="hold">
-                                          <p:stCondLst>
-                                            <p:cond delay="0"/>
-                                          </p:stCondLst>
-                                        </p:cTn>
-                                        <p:tgtEl>
-                                          <p:spTgt spid="15"/>
-                                        </p:tgtEl>
-                                        <p:attrNameLst>
-                                          <p:attrName>style.visibility</p:attrName>
-                                        </p:attrNameLst>
-                                      </p:cBhvr>
-                                      <p:to>
-                                        <p:strVal val="visible"/>
-                                      </p:to>
-                                    </p:set>
-                                  </p:childTnLst>
-                                </p:cTn>
-                              </p:par>
                             </p:childTnLst>
                           </p:cTn>
                         </p:par>
-                      </p:childTnLst>
-                    </p:cTn>
-                  </p:par>
-                  <p:par>
-                    <p:cTn id="29" fill="hold">
-                      <p:stCondLst>
-                        <p:cond delay="indefinite"/>
-                      </p:stCondLst>
-                      <p:childTnLst>
                         <p:par>
                           <p:cTn id="30" fill="hold">
                             <p:stCondLst>
@@ -16963,7 +16644,7 @@
                             </p:stCondLst>
                             <p:childTnLst>
                               <p:par>
-                                <p:cTn id="31" presetID="1" presetClass="exit" presetSubtype="0" fill="hold" nodeType="clickEffect">
+                                <p:cTn id="31" presetID="1" presetClass="entr" presetSubtype="0" fill="hold" nodeType="afterEffect">
                                   <p:stCondLst>
                                     <p:cond delay="0"/>
                                   </p:stCondLst>
@@ -16971,816 +16652,6 @@
                                     <p:set>
                                       <p:cBhvr>
                                         <p:cTn id="32" dur="1" fill="hold">
-                                          <p:stCondLst>
-                                            <p:cond delay="0"/>
-                                          </p:stCondLst>
-                                        </p:cTn>
-                                        <p:tgtEl>
-                                          <p:spTgt spid="13"/>
-                                        </p:tgtEl>
-                                        <p:attrNameLst>
-                                          <p:attrName>style.visibility</p:attrName>
-                                        </p:attrNameLst>
-                                      </p:cBhvr>
-                                      <p:to>
-                                        <p:strVal val="hidden"/>
-                                      </p:to>
-                                    </p:set>
-                                  </p:childTnLst>
-                                </p:cTn>
-                              </p:par>
-                              <p:par>
-                                <p:cTn id="33" presetID="1" presetClass="exit" presetSubtype="0" fill="hold" nodeType="withEffect">
-                                  <p:stCondLst>
-                                    <p:cond delay="0"/>
-                                  </p:stCondLst>
-                                  <p:childTnLst>
-                                    <p:set>
-                                      <p:cBhvr>
-                                        <p:cTn id="34" dur="1" fill="hold">
-                                          <p:stCondLst>
-                                            <p:cond delay="0"/>
-                                          </p:stCondLst>
-                                        </p:cTn>
-                                        <p:tgtEl>
-                                          <p:spTgt spid="15"/>
-                                        </p:tgtEl>
-                                        <p:attrNameLst>
-                                          <p:attrName>style.visibility</p:attrName>
-                                        </p:attrNameLst>
-                                      </p:cBhvr>
-                                      <p:to>
-                                        <p:strVal val="hidden"/>
-                                      </p:to>
-                                    </p:set>
-                                  </p:childTnLst>
-                                </p:cTn>
-                              </p:par>
-                              <p:par>
-                                <p:cTn id="35" presetID="1" presetClass="entr" presetSubtype="0" fill="hold" nodeType="withEffect">
-                                  <p:stCondLst>
-                                    <p:cond delay="0"/>
-                                  </p:stCondLst>
-                                  <p:childTnLst>
-                                    <p:set>
-                                      <p:cBhvr>
-                                        <p:cTn id="36" dur="1" fill="hold">
-                                          <p:stCondLst>
-                                            <p:cond delay="0"/>
-                                          </p:stCondLst>
-                                        </p:cTn>
-                                        <p:tgtEl>
-                                          <p:spTgt spid="18"/>
-                                        </p:tgtEl>
-                                        <p:attrNameLst>
-                                          <p:attrName>style.visibility</p:attrName>
-                                        </p:attrNameLst>
-                                      </p:cBhvr>
-                                      <p:to>
-                                        <p:strVal val="visible"/>
-                                      </p:to>
-                                    </p:set>
-                                  </p:childTnLst>
-                                </p:cTn>
-                              </p:par>
-                              <p:par>
-                                <p:cTn id="37" presetID="1" presetClass="entr" presetSubtype="0" fill="hold" nodeType="withEffect">
-                                  <p:stCondLst>
-                                    <p:cond delay="0"/>
-                                  </p:stCondLst>
-                                  <p:childTnLst>
-                                    <p:set>
-                                      <p:cBhvr>
-                                        <p:cTn id="38" dur="1" fill="hold">
-                                          <p:stCondLst>
-                                            <p:cond delay="0"/>
-                                          </p:stCondLst>
-                                        </p:cTn>
-                                        <p:tgtEl>
-                                          <p:spTgt spid="19"/>
-                                        </p:tgtEl>
-                                        <p:attrNameLst>
-                                          <p:attrName>style.visibility</p:attrName>
-                                        </p:attrNameLst>
-                                      </p:cBhvr>
-                                      <p:to>
-                                        <p:strVal val="visible"/>
-                                      </p:to>
-                                    </p:set>
-                                  </p:childTnLst>
-                                </p:cTn>
-                              </p:par>
-                            </p:childTnLst>
-                          </p:cTn>
-                        </p:par>
-                      </p:childTnLst>
-                    </p:cTn>
-                  </p:par>
-                  <p:par>
-                    <p:cTn id="39" fill="hold">
-                      <p:stCondLst>
-                        <p:cond delay="indefinite"/>
-                      </p:stCondLst>
-                      <p:childTnLst>
-                        <p:par>
-                          <p:cTn id="40" fill="hold">
-                            <p:stCondLst>
-                              <p:cond delay="0"/>
-                            </p:stCondLst>
-                            <p:childTnLst>
-                              <p:par>
-                                <p:cTn id="41" presetID="1" presetClass="exit" presetSubtype="0" fill="hold" nodeType="clickEffect">
-                                  <p:stCondLst>
-                                    <p:cond delay="0"/>
-                                  </p:stCondLst>
-                                  <p:childTnLst>
-                                    <p:set>
-                                      <p:cBhvr>
-                                        <p:cTn id="42" dur="1" fill="hold">
-                                          <p:stCondLst>
-                                            <p:cond delay="0"/>
-                                          </p:stCondLst>
-                                        </p:cTn>
-                                        <p:tgtEl>
-                                          <p:spTgt spid="18"/>
-                                        </p:tgtEl>
-                                        <p:attrNameLst>
-                                          <p:attrName>style.visibility</p:attrName>
-                                        </p:attrNameLst>
-                                      </p:cBhvr>
-                                      <p:to>
-                                        <p:strVal val="hidden"/>
-                                      </p:to>
-                                    </p:set>
-                                  </p:childTnLst>
-                                </p:cTn>
-                              </p:par>
-                              <p:par>
-                                <p:cTn id="43" presetID="1" presetClass="exit" presetSubtype="0" fill="hold" nodeType="withEffect">
-                                  <p:stCondLst>
-                                    <p:cond delay="0"/>
-                                  </p:stCondLst>
-                                  <p:childTnLst>
-                                    <p:set>
-                                      <p:cBhvr>
-                                        <p:cTn id="44" dur="1" fill="hold">
-                                          <p:stCondLst>
-                                            <p:cond delay="0"/>
-                                          </p:stCondLst>
-                                        </p:cTn>
-                                        <p:tgtEl>
-                                          <p:spTgt spid="19"/>
-                                        </p:tgtEl>
-                                        <p:attrNameLst>
-                                          <p:attrName>style.visibility</p:attrName>
-                                        </p:attrNameLst>
-                                      </p:cBhvr>
-                                      <p:to>
-                                        <p:strVal val="hidden"/>
-                                      </p:to>
-                                    </p:set>
-                                  </p:childTnLst>
-                                </p:cTn>
-                              </p:par>
-                              <p:par>
-                                <p:cTn id="45" presetID="1" presetClass="entr" presetSubtype="0" fill="hold" nodeType="withEffect">
-                                  <p:stCondLst>
-                                    <p:cond delay="0"/>
-                                  </p:stCondLst>
-                                  <p:childTnLst>
-                                    <p:set>
-                                      <p:cBhvr>
-                                        <p:cTn id="46" dur="1" fill="hold">
-                                          <p:stCondLst>
-                                            <p:cond delay="0"/>
-                                          </p:stCondLst>
-                                        </p:cTn>
-                                        <p:tgtEl>
-                                          <p:spTgt spid="20"/>
-                                        </p:tgtEl>
-                                        <p:attrNameLst>
-                                          <p:attrName>style.visibility</p:attrName>
-                                        </p:attrNameLst>
-                                      </p:cBhvr>
-                                      <p:to>
-                                        <p:strVal val="visible"/>
-                                      </p:to>
-                                    </p:set>
-                                  </p:childTnLst>
-                                </p:cTn>
-                              </p:par>
-                              <p:par>
-                                <p:cTn id="47" presetID="1" presetClass="entr" presetSubtype="0" fill="hold" nodeType="withEffect">
-                                  <p:stCondLst>
-                                    <p:cond delay="0"/>
-                                  </p:stCondLst>
-                                  <p:childTnLst>
-                                    <p:set>
-                                      <p:cBhvr>
-                                        <p:cTn id="48" dur="1" fill="hold">
-                                          <p:stCondLst>
-                                            <p:cond delay="0"/>
-                                          </p:stCondLst>
-                                        </p:cTn>
-                                        <p:tgtEl>
-                                          <p:spTgt spid="21"/>
-                                        </p:tgtEl>
-                                        <p:attrNameLst>
-                                          <p:attrName>style.visibility</p:attrName>
-                                        </p:attrNameLst>
-                                      </p:cBhvr>
-                                      <p:to>
-                                        <p:strVal val="visible"/>
-                                      </p:to>
-                                    </p:set>
-                                  </p:childTnLst>
-                                </p:cTn>
-                              </p:par>
-                            </p:childTnLst>
-                          </p:cTn>
-                        </p:par>
-                      </p:childTnLst>
-                    </p:cTn>
-                  </p:par>
-                  <p:par>
-                    <p:cTn id="49" fill="hold">
-                      <p:stCondLst>
-                        <p:cond delay="indefinite"/>
-                      </p:stCondLst>
-                      <p:childTnLst>
-                        <p:par>
-                          <p:cTn id="50" fill="hold">
-                            <p:stCondLst>
-                              <p:cond delay="0"/>
-                            </p:stCondLst>
-                            <p:childTnLst>
-                              <p:par>
-                                <p:cTn id="51" presetID="1" presetClass="exit" presetSubtype="0" fill="hold" nodeType="clickEffect">
-                                  <p:stCondLst>
-                                    <p:cond delay="0"/>
-                                  </p:stCondLst>
-                                  <p:childTnLst>
-                                    <p:set>
-                                      <p:cBhvr>
-                                        <p:cTn id="52" dur="1" fill="hold">
-                                          <p:stCondLst>
-                                            <p:cond delay="0"/>
-                                          </p:stCondLst>
-                                        </p:cTn>
-                                        <p:tgtEl>
-                                          <p:spTgt spid="20"/>
-                                        </p:tgtEl>
-                                        <p:attrNameLst>
-                                          <p:attrName>style.visibility</p:attrName>
-                                        </p:attrNameLst>
-                                      </p:cBhvr>
-                                      <p:to>
-                                        <p:strVal val="hidden"/>
-                                      </p:to>
-                                    </p:set>
-                                  </p:childTnLst>
-                                </p:cTn>
-                              </p:par>
-                              <p:par>
-                                <p:cTn id="53" presetID="1" presetClass="exit" presetSubtype="0" fill="hold" nodeType="withEffect">
-                                  <p:stCondLst>
-                                    <p:cond delay="0"/>
-                                  </p:stCondLst>
-                                  <p:childTnLst>
-                                    <p:set>
-                                      <p:cBhvr>
-                                        <p:cTn id="54" dur="1" fill="hold">
-                                          <p:stCondLst>
-                                            <p:cond delay="0"/>
-                                          </p:stCondLst>
-                                        </p:cTn>
-                                        <p:tgtEl>
-                                          <p:spTgt spid="21"/>
-                                        </p:tgtEl>
-                                        <p:attrNameLst>
-                                          <p:attrName>style.visibility</p:attrName>
-                                        </p:attrNameLst>
-                                      </p:cBhvr>
-                                      <p:to>
-                                        <p:strVal val="hidden"/>
-                                      </p:to>
-                                    </p:set>
-                                  </p:childTnLst>
-                                </p:cTn>
-                              </p:par>
-                              <p:par>
-                                <p:cTn id="55" presetID="1" presetClass="entr" presetSubtype="0" fill="hold" nodeType="withEffect">
-                                  <p:stCondLst>
-                                    <p:cond delay="0"/>
-                                  </p:stCondLst>
-                                  <p:childTnLst>
-                                    <p:set>
-                                      <p:cBhvr>
-                                        <p:cTn id="56" dur="1" fill="hold">
-                                          <p:stCondLst>
-                                            <p:cond delay="0"/>
-                                          </p:stCondLst>
-                                        </p:cTn>
-                                        <p:tgtEl>
-                                          <p:spTgt spid="22"/>
-                                        </p:tgtEl>
-                                        <p:attrNameLst>
-                                          <p:attrName>style.visibility</p:attrName>
-                                        </p:attrNameLst>
-                                      </p:cBhvr>
-                                      <p:to>
-                                        <p:strVal val="visible"/>
-                                      </p:to>
-                                    </p:set>
-                                  </p:childTnLst>
-                                </p:cTn>
-                              </p:par>
-                              <p:par>
-                                <p:cTn id="57" presetID="1" presetClass="entr" presetSubtype="0" fill="hold" nodeType="withEffect">
-                                  <p:stCondLst>
-                                    <p:cond delay="0"/>
-                                  </p:stCondLst>
-                                  <p:childTnLst>
-                                    <p:set>
-                                      <p:cBhvr>
-                                        <p:cTn id="58" dur="1" fill="hold">
-                                          <p:stCondLst>
-                                            <p:cond delay="0"/>
-                                          </p:stCondLst>
-                                        </p:cTn>
-                                        <p:tgtEl>
-                                          <p:spTgt spid="24"/>
-                                        </p:tgtEl>
-                                        <p:attrNameLst>
-                                          <p:attrName>style.visibility</p:attrName>
-                                        </p:attrNameLst>
-                                      </p:cBhvr>
-                                      <p:to>
-                                        <p:strVal val="visible"/>
-                                      </p:to>
-                                    </p:set>
-                                  </p:childTnLst>
-                                </p:cTn>
-                              </p:par>
-                            </p:childTnLst>
-                          </p:cTn>
-                        </p:par>
-                      </p:childTnLst>
-                    </p:cTn>
-                  </p:par>
-                  <p:par>
-                    <p:cTn id="59" fill="hold">
-                      <p:stCondLst>
-                        <p:cond delay="indefinite"/>
-                      </p:stCondLst>
-                      <p:childTnLst>
-                        <p:par>
-                          <p:cTn id="60" fill="hold">
-                            <p:stCondLst>
-                              <p:cond delay="0"/>
-                            </p:stCondLst>
-                            <p:childTnLst>
-                              <p:par>
-                                <p:cTn id="61" presetID="1" presetClass="exit" presetSubtype="0" fill="hold" nodeType="clickEffect">
-                                  <p:stCondLst>
-                                    <p:cond delay="0"/>
-                                  </p:stCondLst>
-                                  <p:childTnLst>
-                                    <p:set>
-                                      <p:cBhvr>
-                                        <p:cTn id="62" dur="1" fill="hold">
-                                          <p:stCondLst>
-                                            <p:cond delay="0"/>
-                                          </p:stCondLst>
-                                        </p:cTn>
-                                        <p:tgtEl>
-                                          <p:spTgt spid="22"/>
-                                        </p:tgtEl>
-                                        <p:attrNameLst>
-                                          <p:attrName>style.visibility</p:attrName>
-                                        </p:attrNameLst>
-                                      </p:cBhvr>
-                                      <p:to>
-                                        <p:strVal val="hidden"/>
-                                      </p:to>
-                                    </p:set>
-                                  </p:childTnLst>
-                                </p:cTn>
-                              </p:par>
-                              <p:par>
-                                <p:cTn id="63" presetID="1" presetClass="exit" presetSubtype="0" fill="hold" nodeType="withEffect">
-                                  <p:stCondLst>
-                                    <p:cond delay="0"/>
-                                  </p:stCondLst>
-                                  <p:childTnLst>
-                                    <p:set>
-                                      <p:cBhvr>
-                                        <p:cTn id="64" dur="1" fill="hold">
-                                          <p:stCondLst>
-                                            <p:cond delay="0"/>
-                                          </p:stCondLst>
-                                        </p:cTn>
-                                        <p:tgtEl>
-                                          <p:spTgt spid="24"/>
-                                        </p:tgtEl>
-                                        <p:attrNameLst>
-                                          <p:attrName>style.visibility</p:attrName>
-                                        </p:attrNameLst>
-                                      </p:cBhvr>
-                                      <p:to>
-                                        <p:strVal val="hidden"/>
-                                      </p:to>
-                                    </p:set>
-                                  </p:childTnLst>
-                                </p:cTn>
-                              </p:par>
-                              <p:par>
-                                <p:cTn id="65" presetID="1" presetClass="entr" presetSubtype="0" fill="hold" nodeType="withEffect">
-                                  <p:stCondLst>
-                                    <p:cond delay="0"/>
-                                  </p:stCondLst>
-                                  <p:childTnLst>
-                                    <p:set>
-                                      <p:cBhvr>
-                                        <p:cTn id="66" dur="1" fill="hold">
-                                          <p:stCondLst>
-                                            <p:cond delay="0"/>
-                                          </p:stCondLst>
-                                        </p:cTn>
-                                        <p:tgtEl>
-                                          <p:spTgt spid="25"/>
-                                        </p:tgtEl>
-                                        <p:attrNameLst>
-                                          <p:attrName>style.visibility</p:attrName>
-                                        </p:attrNameLst>
-                                      </p:cBhvr>
-                                      <p:to>
-                                        <p:strVal val="visible"/>
-                                      </p:to>
-                                    </p:set>
-                                  </p:childTnLst>
-                                </p:cTn>
-                              </p:par>
-                              <p:par>
-                                <p:cTn id="67" presetID="1" presetClass="entr" presetSubtype="0" fill="hold" nodeType="withEffect">
-                                  <p:stCondLst>
-                                    <p:cond delay="0"/>
-                                  </p:stCondLst>
-                                  <p:childTnLst>
-                                    <p:set>
-                                      <p:cBhvr>
-                                        <p:cTn id="68" dur="1" fill="hold">
-                                          <p:stCondLst>
-                                            <p:cond delay="0"/>
-                                          </p:stCondLst>
-                                        </p:cTn>
-                                        <p:tgtEl>
-                                          <p:spTgt spid="26"/>
-                                        </p:tgtEl>
-                                        <p:attrNameLst>
-                                          <p:attrName>style.visibility</p:attrName>
-                                        </p:attrNameLst>
-                                      </p:cBhvr>
-                                      <p:to>
-                                        <p:strVal val="visible"/>
-                                      </p:to>
-                                    </p:set>
-                                  </p:childTnLst>
-                                </p:cTn>
-                              </p:par>
-                            </p:childTnLst>
-                          </p:cTn>
-                        </p:par>
-                      </p:childTnLst>
-                    </p:cTn>
-                  </p:par>
-                  <p:par>
-                    <p:cTn id="69" fill="hold">
-                      <p:stCondLst>
-                        <p:cond delay="indefinite"/>
-                      </p:stCondLst>
-                      <p:childTnLst>
-                        <p:par>
-                          <p:cTn id="70" fill="hold">
-                            <p:stCondLst>
-                              <p:cond delay="0"/>
-                            </p:stCondLst>
-                            <p:childTnLst>
-                              <p:par>
-                                <p:cTn id="71" presetID="1" presetClass="exit" presetSubtype="0" fill="hold" nodeType="clickEffect">
-                                  <p:stCondLst>
-                                    <p:cond delay="0"/>
-                                  </p:stCondLst>
-                                  <p:childTnLst>
-                                    <p:set>
-                                      <p:cBhvr>
-                                        <p:cTn id="72" dur="1" fill="hold">
-                                          <p:stCondLst>
-                                            <p:cond delay="0"/>
-                                          </p:stCondLst>
-                                        </p:cTn>
-                                        <p:tgtEl>
-                                          <p:spTgt spid="25"/>
-                                        </p:tgtEl>
-                                        <p:attrNameLst>
-                                          <p:attrName>style.visibility</p:attrName>
-                                        </p:attrNameLst>
-                                      </p:cBhvr>
-                                      <p:to>
-                                        <p:strVal val="hidden"/>
-                                      </p:to>
-                                    </p:set>
-                                  </p:childTnLst>
-                                </p:cTn>
-                              </p:par>
-                              <p:par>
-                                <p:cTn id="73" presetID="1" presetClass="exit" presetSubtype="0" fill="hold" nodeType="withEffect">
-                                  <p:stCondLst>
-                                    <p:cond delay="0"/>
-                                  </p:stCondLst>
-                                  <p:childTnLst>
-                                    <p:set>
-                                      <p:cBhvr>
-                                        <p:cTn id="74" dur="1" fill="hold">
-                                          <p:stCondLst>
-                                            <p:cond delay="0"/>
-                                          </p:stCondLst>
-                                        </p:cTn>
-                                        <p:tgtEl>
-                                          <p:spTgt spid="26"/>
-                                        </p:tgtEl>
-                                        <p:attrNameLst>
-                                          <p:attrName>style.visibility</p:attrName>
-                                        </p:attrNameLst>
-                                      </p:cBhvr>
-                                      <p:to>
-                                        <p:strVal val="hidden"/>
-                                      </p:to>
-                                    </p:set>
-                                  </p:childTnLst>
-                                </p:cTn>
-                              </p:par>
-                              <p:par>
-                                <p:cTn id="75" presetID="1" presetClass="entr" presetSubtype="0" fill="hold" nodeType="withEffect">
-                                  <p:stCondLst>
-                                    <p:cond delay="0"/>
-                                  </p:stCondLst>
-                                  <p:childTnLst>
-                                    <p:set>
-                                      <p:cBhvr>
-                                        <p:cTn id="76" dur="1" fill="hold">
-                                          <p:stCondLst>
-                                            <p:cond delay="0"/>
-                                          </p:stCondLst>
-                                        </p:cTn>
-                                        <p:tgtEl>
-                                          <p:spTgt spid="27"/>
-                                        </p:tgtEl>
-                                        <p:attrNameLst>
-                                          <p:attrName>style.visibility</p:attrName>
-                                        </p:attrNameLst>
-                                      </p:cBhvr>
-                                      <p:to>
-                                        <p:strVal val="visible"/>
-                                      </p:to>
-                                    </p:set>
-                                  </p:childTnLst>
-                                </p:cTn>
-                              </p:par>
-                              <p:par>
-                                <p:cTn id="77" presetID="1" presetClass="entr" presetSubtype="0" fill="hold" nodeType="withEffect">
-                                  <p:stCondLst>
-                                    <p:cond delay="0"/>
-                                  </p:stCondLst>
-                                  <p:childTnLst>
-                                    <p:set>
-                                      <p:cBhvr>
-                                        <p:cTn id="78" dur="1" fill="hold">
-                                          <p:stCondLst>
-                                            <p:cond delay="0"/>
-                                          </p:stCondLst>
-                                        </p:cTn>
-                                        <p:tgtEl>
-                                          <p:spTgt spid="28"/>
-                                        </p:tgtEl>
-                                        <p:attrNameLst>
-                                          <p:attrName>style.visibility</p:attrName>
-                                        </p:attrNameLst>
-                                      </p:cBhvr>
-                                      <p:to>
-                                        <p:strVal val="visible"/>
-                                      </p:to>
-                                    </p:set>
-                                  </p:childTnLst>
-                                </p:cTn>
-                              </p:par>
-                            </p:childTnLst>
-                          </p:cTn>
-                        </p:par>
-                      </p:childTnLst>
-                    </p:cTn>
-                  </p:par>
-                  <p:par>
-                    <p:cTn id="79" fill="hold">
-                      <p:stCondLst>
-                        <p:cond delay="indefinite"/>
-                      </p:stCondLst>
-                      <p:childTnLst>
-                        <p:par>
-                          <p:cTn id="80" fill="hold">
-                            <p:stCondLst>
-                              <p:cond delay="0"/>
-                            </p:stCondLst>
-                            <p:childTnLst>
-                              <p:par>
-                                <p:cTn id="81" presetID="1" presetClass="exit" presetSubtype="0" fill="hold" nodeType="clickEffect">
-                                  <p:stCondLst>
-                                    <p:cond delay="0"/>
-                                  </p:stCondLst>
-                                  <p:childTnLst>
-                                    <p:set>
-                                      <p:cBhvr>
-                                        <p:cTn id="82" dur="1" fill="hold">
-                                          <p:stCondLst>
-                                            <p:cond delay="0"/>
-                                          </p:stCondLst>
-                                        </p:cTn>
-                                        <p:tgtEl>
-                                          <p:spTgt spid="27"/>
-                                        </p:tgtEl>
-                                        <p:attrNameLst>
-                                          <p:attrName>style.visibility</p:attrName>
-                                        </p:attrNameLst>
-                                      </p:cBhvr>
-                                      <p:to>
-                                        <p:strVal val="hidden"/>
-                                      </p:to>
-                                    </p:set>
-                                  </p:childTnLst>
-                                </p:cTn>
-                              </p:par>
-                              <p:par>
-                                <p:cTn id="83" presetID="1" presetClass="exit" presetSubtype="0" fill="hold" nodeType="withEffect">
-                                  <p:stCondLst>
-                                    <p:cond delay="0"/>
-                                  </p:stCondLst>
-                                  <p:childTnLst>
-                                    <p:set>
-                                      <p:cBhvr>
-                                        <p:cTn id="84" dur="1" fill="hold">
-                                          <p:stCondLst>
-                                            <p:cond delay="0"/>
-                                          </p:stCondLst>
-                                        </p:cTn>
-                                        <p:tgtEl>
-                                          <p:spTgt spid="28"/>
-                                        </p:tgtEl>
-                                        <p:attrNameLst>
-                                          <p:attrName>style.visibility</p:attrName>
-                                        </p:attrNameLst>
-                                      </p:cBhvr>
-                                      <p:to>
-                                        <p:strVal val="hidden"/>
-                                      </p:to>
-                                    </p:set>
-                                  </p:childTnLst>
-                                </p:cTn>
-                              </p:par>
-                              <p:par>
-                                <p:cTn id="85" presetID="1" presetClass="entr" presetSubtype="0" fill="hold" nodeType="withEffect">
-                                  <p:stCondLst>
-                                    <p:cond delay="0"/>
-                                  </p:stCondLst>
-                                  <p:childTnLst>
-                                    <p:set>
-                                      <p:cBhvr>
-                                        <p:cTn id="86" dur="1" fill="hold">
-                                          <p:stCondLst>
-                                            <p:cond delay="0"/>
-                                          </p:stCondLst>
-                                        </p:cTn>
-                                        <p:tgtEl>
-                                          <p:spTgt spid="29"/>
-                                        </p:tgtEl>
-                                        <p:attrNameLst>
-                                          <p:attrName>style.visibility</p:attrName>
-                                        </p:attrNameLst>
-                                      </p:cBhvr>
-                                      <p:to>
-                                        <p:strVal val="visible"/>
-                                      </p:to>
-                                    </p:set>
-                                  </p:childTnLst>
-                                </p:cTn>
-                              </p:par>
-                              <p:par>
-                                <p:cTn id="87" presetID="1" presetClass="entr" presetSubtype="0" fill="hold" nodeType="withEffect">
-                                  <p:stCondLst>
-                                    <p:cond delay="0"/>
-                                  </p:stCondLst>
-                                  <p:childTnLst>
-                                    <p:set>
-                                      <p:cBhvr>
-                                        <p:cTn id="88" dur="1" fill="hold">
-                                          <p:stCondLst>
-                                            <p:cond delay="0"/>
-                                          </p:stCondLst>
-                                        </p:cTn>
-                                        <p:tgtEl>
-                                          <p:spTgt spid="30"/>
-                                        </p:tgtEl>
-                                        <p:attrNameLst>
-                                          <p:attrName>style.visibility</p:attrName>
-                                        </p:attrNameLst>
-                                      </p:cBhvr>
-                                      <p:to>
-                                        <p:strVal val="visible"/>
-                                      </p:to>
-                                    </p:set>
-                                  </p:childTnLst>
-                                </p:cTn>
-                              </p:par>
-                            </p:childTnLst>
-                          </p:cTn>
-                        </p:par>
-                      </p:childTnLst>
-                    </p:cTn>
-                  </p:par>
-                  <p:par>
-                    <p:cTn id="89" fill="hold">
-                      <p:stCondLst>
-                        <p:cond delay="indefinite"/>
-                      </p:stCondLst>
-                      <p:childTnLst>
-                        <p:par>
-                          <p:cTn id="90" fill="hold">
-                            <p:stCondLst>
-                              <p:cond delay="0"/>
-                            </p:stCondLst>
-                            <p:childTnLst>
-                              <p:par>
-                                <p:cTn id="91" presetID="1" presetClass="exit" presetSubtype="0" fill="hold" nodeType="clickEffect">
-                                  <p:stCondLst>
-                                    <p:cond delay="0"/>
-                                  </p:stCondLst>
-                                  <p:childTnLst>
-                                    <p:set>
-                                      <p:cBhvr>
-                                        <p:cTn id="92" dur="1" fill="hold">
-                                          <p:stCondLst>
-                                            <p:cond delay="0"/>
-                                          </p:stCondLst>
-                                        </p:cTn>
-                                        <p:tgtEl>
-                                          <p:spTgt spid="29"/>
-                                        </p:tgtEl>
-                                        <p:attrNameLst>
-                                          <p:attrName>style.visibility</p:attrName>
-                                        </p:attrNameLst>
-                                      </p:cBhvr>
-                                      <p:to>
-                                        <p:strVal val="hidden"/>
-                                      </p:to>
-                                    </p:set>
-                                  </p:childTnLst>
-                                </p:cTn>
-                              </p:par>
-                              <p:par>
-                                <p:cTn id="93" presetID="1" presetClass="exit" presetSubtype="0" fill="hold" nodeType="withEffect">
-                                  <p:stCondLst>
-                                    <p:cond delay="0"/>
-                                  </p:stCondLst>
-                                  <p:childTnLst>
-                                    <p:set>
-                                      <p:cBhvr>
-                                        <p:cTn id="94" dur="1" fill="hold">
-                                          <p:stCondLst>
-                                            <p:cond delay="0"/>
-                                          </p:stCondLst>
-                                        </p:cTn>
-                                        <p:tgtEl>
-                                          <p:spTgt spid="30"/>
-                                        </p:tgtEl>
-                                        <p:attrNameLst>
-                                          <p:attrName>style.visibility</p:attrName>
-                                        </p:attrNameLst>
-                                      </p:cBhvr>
-                                      <p:to>
-                                        <p:strVal val="hidden"/>
-                                      </p:to>
-                                    </p:set>
-                                  </p:childTnLst>
-                                </p:cTn>
-                              </p:par>
-                              <p:par>
-                                <p:cTn id="95" presetID="1" presetClass="entr" presetSubtype="0" fill="hold" nodeType="withEffect">
-                                  <p:stCondLst>
-                                    <p:cond delay="0"/>
-                                  </p:stCondLst>
-                                  <p:childTnLst>
-                                    <p:set>
-                                      <p:cBhvr>
-                                        <p:cTn id="96" dur="1" fill="hold">
                                           <p:stCondLst>
                                             <p:cond delay="0"/>
                                           </p:stCondLst>
@@ -17800,14 +16671,14 @@
                                 </p:cTn>
                               </p:par>
                               <p:par>
-                                <p:cTn id="97" presetID="1" presetClass="entr" presetSubtype="0" fill="hold" grpId="0" nodeType="withEffect">
+                                <p:cTn id="33" presetID="1" presetClass="entr" presetSubtype="0" fill="hold" grpId="0" nodeType="withEffect">
                                   <p:stCondLst>
                                     <p:cond delay="0"/>
                                   </p:stCondLst>
                                   <p:childTnLst>
                                     <p:set>
                                       <p:cBhvr>
-                                        <p:cTn id="98" dur="1" fill="hold">
+                                        <p:cTn id="34" dur="1" fill="hold">
                                           <p:stCondLst>
                                             <p:cond delay="0"/>
                                           </p:stCondLst>
@@ -17833,26 +16704,26 @@
                     </p:cTn>
                   </p:par>
                   <p:par>
-                    <p:cTn id="99" fill="hold">
+                    <p:cTn id="35" fill="hold">
                       <p:stCondLst>
                         <p:cond delay="indefinite"/>
                       </p:stCondLst>
                       <p:childTnLst>
                         <p:par>
-                          <p:cTn id="100" fill="hold">
+                          <p:cTn id="36" fill="hold">
                             <p:stCondLst>
                               <p:cond delay="0"/>
                             </p:stCondLst>
                             <p:childTnLst>
                               <p:par>
-                                <p:cTn id="101" presetID="2" presetClass="entr" presetSubtype="2" fill="hold" grpId="0" nodeType="clickEffect">
+                                <p:cTn id="37" presetID="22" presetClass="entr" presetSubtype="1" fill="hold" grpId="0" nodeType="clickEffect">
                                   <p:stCondLst>
                                     <p:cond delay="0"/>
                                   </p:stCondLst>
                                   <p:childTnLst>
                                     <p:set>
                                       <p:cBhvr>
-                                        <p:cTn id="102" dur="1" fill="hold">
+                                        <p:cTn id="38" dur="1" fill="hold">
                                           <p:stCondLst>
                                             <p:cond delay="0"/>
                                           </p:stCondLst>
@@ -17868,52 +16739,14 @@
                                         <p:strVal val="visible"/>
                                       </p:to>
                                     </p:set>
-                                    <p:anim calcmode="lin" valueType="num">
-                                      <p:cBhvr additive="base">
-                                        <p:cTn id="103" dur="500" fill="hold"/>
+                                    <p:animEffect transition="in" filter="wipe(up)">
+                                      <p:cBhvr>
+                                        <p:cTn id="39" dur="500"/>
                                         <p:tgtEl>
                                           <p:spTgt spid="34"/>
                                         </p:tgtEl>
-                                        <p:attrNameLst>
-                                          <p:attrName>ppt_x</p:attrName>
-                                        </p:attrNameLst>
                                       </p:cBhvr>
-                                      <p:tavLst>
-                                        <p:tav tm="0">
-                                          <p:val>
-                                            <p:strVal val="1+#ppt_w/2"/>
-                                          </p:val>
-                                        </p:tav>
-                                        <p:tav tm="100000">
-                                          <p:val>
-                                            <p:strVal val="#ppt_x"/>
-                                          </p:val>
-                                        </p:tav>
-                                      </p:tavLst>
-                                    </p:anim>
-                                    <p:anim calcmode="lin" valueType="num">
-                                      <p:cBhvr additive="base">
-                                        <p:cTn id="104" dur="500" fill="hold"/>
-                                        <p:tgtEl>
-                                          <p:spTgt spid="34"/>
-                                        </p:tgtEl>
-                                        <p:attrNameLst>
-                                          <p:attrName>ppt_y</p:attrName>
-                                        </p:attrNameLst>
-                                      </p:cBhvr>
-                                      <p:tavLst>
-                                        <p:tav tm="0">
-                                          <p:val>
-                                            <p:strVal val="#ppt_y"/>
-                                          </p:val>
-                                        </p:tav>
-                                        <p:tav tm="100000">
-                                          <p:val>
-                                            <p:strVal val="#ppt_y"/>
-                                          </p:val>
-                                        </p:tav>
-                                      </p:tavLst>
-                                    </p:anim>
+                                    </p:animEffect>
                                   </p:childTnLst>
                                 </p:cTn>
                               </p:par>
@@ -18046,13 +16879,13 @@
               </a:ext>
             </a:extLst>
           </a:blip>
-          <a:srcRect l="23254"/>
+          <a:srcRect l="23254" r="56363"/>
           <a:stretch/>
         </p:blipFill>
         <p:spPr>
           <a:xfrm>
             <a:off x="1566472" y="2013970"/>
-            <a:ext cx="6011056" cy="3088105"/>
+            <a:ext cx="1596453" cy="3088105"/>
           </a:xfrm>
           <a:prstGeom prst="rect">
             <a:avLst/>
@@ -18073,6 +16906,126 @@
 </file>
 
 <file path=ppt/slides/slide28.xml><?xml version="1.0" encoding="utf-8"?>
+<p:sld xmlns:a="http://schemas.openxmlformats.org/drawingml/2006/main" xmlns:r="http://schemas.openxmlformats.org/officeDocument/2006/relationships" xmlns:p="http://schemas.openxmlformats.org/presentationml/2006/main">
+  <p:cSld>
+    <p:spTree>
+      <p:nvGrpSpPr>
+        <p:cNvPr id="1" name=""/>
+        <p:cNvGrpSpPr/>
+        <p:nvPr/>
+      </p:nvGrpSpPr>
+      <p:grpSpPr>
+        <a:xfrm>
+          <a:off x="0" y="0"/>
+          <a:ext cx="0" cy="0"/>
+          <a:chOff x="0" y="0"/>
+          <a:chExt cx="0" cy="0"/>
+        </a:xfrm>
+      </p:grpSpPr>
+      <p:sp>
+        <p:nvSpPr>
+          <p:cNvPr id="2" name="Title 1"/>
+          <p:cNvSpPr>
+            <a:spLocks noGrp="1"/>
+          </p:cNvSpPr>
+          <p:nvPr>
+            <p:ph type="title"/>
+          </p:nvPr>
+        </p:nvSpPr>
+        <p:spPr>
+          <a:xfrm>
+            <a:off x="628650" y="365126"/>
+            <a:ext cx="7886700" cy="1103455"/>
+          </a:xfrm>
+        </p:spPr>
+        <p:txBody>
+          <a:bodyPr>
+            <a:noAutofit/>
+          </a:bodyPr>
+          <a:lstStyle/>
+          <a:p>
+            <a:pPr algn="ctr"/>
+            <a:r>
+              <a:rPr lang="en-US" sz="3200" dirty="0">
+                <a:latin typeface="+mn-lt"/>
+              </a:rPr>
+              <a:t>Numpy Vectorized Operations</a:t>
+            </a:r>
+          </a:p>
+        </p:txBody>
+      </p:sp>
+      <p:sp>
+        <p:nvSpPr>
+          <p:cNvPr id="4" name="Slide Number Placeholder 3"/>
+          <p:cNvSpPr>
+            <a:spLocks noGrp="1"/>
+          </p:cNvSpPr>
+          <p:nvPr>
+            <p:ph type="sldNum" sz="quarter" idx="12"/>
+          </p:nvPr>
+        </p:nvSpPr>
+        <p:spPr/>
+        <p:txBody>
+          <a:bodyPr/>
+          <a:lstStyle/>
+          <a:p>
+            <a:fld id="{650AD656-6FF9-465D-B7B0-1CD0DD39CD23}" type="slidenum">
+              <a:rPr lang="en-US" smtClean="0"/>
+              <a:t>28</a:t>
+            </a:fld>
+            <a:endParaRPr lang="en-US" dirty="0"/>
+          </a:p>
+        </p:txBody>
+      </p:sp>
+      <p:pic>
+        <p:nvPicPr>
+          <p:cNvPr id="3" name="Picture 2">
+            <a:extLst>
+              <a:ext uri="{FF2B5EF4-FFF2-40B4-BE49-F238E27FC236}">
+                <a16:creationId xmlns:a16="http://schemas.microsoft.com/office/drawing/2014/main" id="{5EC756A6-0F5C-A849-A5B8-6A4442644E99}"/>
+              </a:ext>
+            </a:extLst>
+          </p:cNvPr>
+          <p:cNvPicPr>
+            <a:picLocks noChangeAspect="1"/>
+          </p:cNvPicPr>
+          <p:nvPr/>
+        </p:nvPicPr>
+        <p:blipFill rotWithShape="1">
+          <a:blip r:embed="rId3" cstate="screen">
+            <a:extLst>
+              <a:ext uri="{28A0092B-C50C-407E-A947-70E740481C1C}">
+                <a14:useLocalDpi xmlns:a14="http://schemas.microsoft.com/office/drawing/2010/main"/>
+              </a:ext>
+            </a:extLst>
+          </a:blip>
+          <a:srcRect l="23254"/>
+          <a:stretch/>
+        </p:blipFill>
+        <p:spPr>
+          <a:xfrm>
+            <a:off x="1566472" y="2013970"/>
+            <a:ext cx="6011056" cy="3088105"/>
+          </a:xfrm>
+          <a:prstGeom prst="rect">
+            <a:avLst/>
+          </a:prstGeom>
+        </p:spPr>
+      </p:pic>
+    </p:spTree>
+    <p:extLst>
+      <p:ext uri="{BB962C8B-B14F-4D97-AF65-F5344CB8AC3E}">
+        <p14:creationId xmlns:p14="http://schemas.microsoft.com/office/powerpoint/2010/main" val="3135197735"/>
+      </p:ext>
+    </p:extLst>
+  </p:cSld>
+  <p:clrMapOvr>
+    <a:masterClrMapping/>
+  </p:clrMapOvr>
+</p:sld>
+</file>
+
+<file path=ppt/slides/slide29.xml><?xml version="1.0" encoding="utf-8"?>
 <p:sld xmlns:a="http://schemas.openxmlformats.org/drawingml/2006/main" xmlns:r="http://schemas.openxmlformats.org/officeDocument/2006/relationships" xmlns:p="http://schemas.openxmlformats.org/presentationml/2006/main">
   <p:cSld>
     <p:spTree>
@@ -18177,7 +17130,7 @@
           <a:p>
             <a:fld id="{650AD656-6FF9-465D-B7B0-1CD0DD39CD23}" type="slidenum">
               <a:rPr lang="en-US" smtClean="0"/>
-              <a:t>28</a:t>
+              <a:t>29</a:t>
             </a:fld>
             <a:endParaRPr lang="en-US" dirty="0"/>
           </a:p>
@@ -19722,7 +18675,436 @@
 </p:sld>
 </file>
 
-<file path=ppt/slides/slide29.xml><?xml version="1.0" encoding="utf-8"?>
+<file path=ppt/slides/slide3.xml><?xml version="1.0" encoding="utf-8"?>
+<p:sld xmlns:a="http://schemas.openxmlformats.org/drawingml/2006/main" xmlns:r="http://schemas.openxmlformats.org/officeDocument/2006/relationships" xmlns:p="http://schemas.openxmlformats.org/presentationml/2006/main">
+  <p:cSld>
+    <p:spTree>
+      <p:nvGrpSpPr>
+        <p:cNvPr id="1" name=""/>
+        <p:cNvGrpSpPr/>
+        <p:nvPr/>
+      </p:nvGrpSpPr>
+      <p:grpSpPr>
+        <a:xfrm>
+          <a:off x="0" y="0"/>
+          <a:ext cx="0" cy="0"/>
+          <a:chOff x="0" y="0"/>
+          <a:chExt cx="0" cy="0"/>
+        </a:xfrm>
+      </p:grpSpPr>
+      <p:sp>
+        <p:nvSpPr>
+          <p:cNvPr id="2" name="Title 1"/>
+          <p:cNvSpPr>
+            <a:spLocks noGrp="1"/>
+          </p:cNvSpPr>
+          <p:nvPr>
+            <p:ph type="title"/>
+          </p:nvPr>
+        </p:nvSpPr>
+        <p:spPr>
+          <a:xfrm>
+            <a:off x="628650" y="365126"/>
+            <a:ext cx="7886700" cy="1103455"/>
+          </a:xfrm>
+        </p:spPr>
+        <p:txBody>
+          <a:bodyPr>
+            <a:noAutofit/>
+          </a:bodyPr>
+          <a:lstStyle/>
+          <a:p>
+            <a:pPr algn="ctr"/>
+            <a:r>
+              <a:rPr lang="en-US" sz="3200" dirty="0">
+                <a:latin typeface="+mn-lt"/>
+              </a:rPr>
+              <a:t>Perfect Numbers</a:t>
+            </a:r>
+          </a:p>
+        </p:txBody>
+      </p:sp>
+      <mc:AlternateContent xmlns:mc="http://schemas.openxmlformats.org/markup-compatibility/2006" xmlns:a14="http://schemas.microsoft.com/office/drawing/2010/main">
+        <mc:Choice Requires="a14">
+          <p:sp>
+            <p:nvSpPr>
+              <p:cNvPr id="3" name="Content Placeholder 2"/>
+              <p:cNvSpPr>
+                <a:spLocks noGrp="1"/>
+              </p:cNvSpPr>
+              <p:nvPr>
+                <p:ph idx="1"/>
+              </p:nvPr>
+            </p:nvSpPr>
+            <p:spPr>
+              <a:xfrm>
+                <a:off x="628649" y="1825625"/>
+                <a:ext cx="8036027" cy="4596946"/>
+              </a:xfrm>
+            </p:spPr>
+            <p:txBody>
+              <a:bodyPr>
+                <a:noAutofit/>
+              </a:bodyPr>
+              <a:lstStyle/>
+              <a:p>
+                <a:pPr>
+                  <a:spcBef>
+                    <a:spcPts val="0"/>
+                  </a:spcBef>
+                  <a:spcAft>
+                    <a:spcPts val="1200"/>
+                  </a:spcAft>
+                </a:pPr>
+                <a:r>
+                  <a:rPr lang="en-US" sz="2400" dirty="0"/>
+                  <a:t>Write a program to calculate and display all the perfect numbers </a:t>
+                </a:r>
+                <a:r>
+                  <a:rPr lang="en-US" sz="2400" b="1" dirty="0"/>
+                  <a:t>n </a:t>
+                </a:r>
+                <a14:m>
+                  <m:oMath xmlns:m="http://schemas.openxmlformats.org/officeDocument/2006/math">
+                    <m:r>
+                      <a:rPr lang="en-US" sz="2400" b="0" i="0" smtClean="0">
+                        <a:latin typeface="Cambria Math" panose="02040503050406030204" pitchFamily="18" charset="0"/>
+                      </a:rPr>
+                      <m:t>(</m:t>
+                    </m:r>
+                    <m:r>
+                      <a:rPr lang="en-US" sz="2400" b="0" i="1" smtClean="0">
+                        <a:latin typeface="Cambria Math" panose="02040503050406030204" pitchFamily="18" charset="0"/>
+                      </a:rPr>
+                      <m:t>𝑛</m:t>
+                    </m:r>
+                    <m:r>
+                      <a:rPr lang="en-US" sz="2400" b="1" i="1" smtClean="0">
+                        <a:latin typeface="Cambria Math" panose="02040503050406030204" pitchFamily="18" charset="0"/>
+                        <a:ea typeface="Cambria Math" panose="02040503050406030204" pitchFamily="18" charset="0"/>
+                      </a:rPr>
+                      <m:t>∈</m:t>
+                    </m:r>
+                    <m:sSup>
+                      <m:sSupPr>
+                        <m:ctrlPr>
+                          <a:rPr lang="en-US" sz="2400" b="1" i="1" smtClean="0">
+                            <a:latin typeface="Cambria Math" panose="02040503050406030204" pitchFamily="18" charset="0"/>
+                            <a:ea typeface="Cambria Math" panose="02040503050406030204" pitchFamily="18" charset="0"/>
+                          </a:rPr>
+                        </m:ctrlPr>
+                      </m:sSupPr>
+                      <m:e>
+                        <m:r>
+                          <a:rPr lang="en-US" sz="2400" b="1" i="1">
+                            <a:latin typeface="Cambria Math" panose="02040503050406030204" pitchFamily="18" charset="0"/>
+                            <a:ea typeface="Cambria Math" panose="02040503050406030204" pitchFamily="18" charset="0"/>
+                          </a:rPr>
+                          <m:t>ℤ</m:t>
+                        </m:r>
+                      </m:e>
+                      <m:sup>
+                        <m:r>
+                          <a:rPr lang="en-US" sz="2400" b="1" i="1" smtClean="0">
+                            <a:latin typeface="Cambria Math" panose="02040503050406030204" pitchFamily="18" charset="0"/>
+                            <a:ea typeface="Cambria Math" panose="02040503050406030204" pitchFamily="18" charset="0"/>
+                          </a:rPr>
+                          <m:t>+</m:t>
+                        </m:r>
+                      </m:sup>
+                    </m:sSup>
+                    <m:r>
+                      <a:rPr lang="en-US" sz="2400" b="1" i="1" smtClean="0">
+                        <a:latin typeface="Cambria Math" panose="02040503050406030204" pitchFamily="18" charset="0"/>
+                        <a:ea typeface="Cambria Math" panose="02040503050406030204" pitchFamily="18" charset="0"/>
+                      </a:rPr>
+                      <m:t>) </m:t>
+                    </m:r>
+                  </m:oMath>
+                </a14:m>
+                <a:r>
+                  <a:rPr lang="en-US" sz="2400" b="1" dirty="0"/>
+                  <a:t> </a:t>
+                </a:r>
+                <a:r>
+                  <a:rPr lang="en-US" sz="2400" dirty="0"/>
+                  <a:t>between </a:t>
+                </a:r>
+                <a:r>
+                  <a:rPr lang="en-US" sz="2400" b="1" dirty="0">
+                    <a:solidFill>
+                      <a:srgbClr val="FF0000"/>
+                    </a:solidFill>
+                  </a:rPr>
+                  <a:t>2</a:t>
+                </a:r>
+                <a:r>
+                  <a:rPr lang="en-US" sz="2400" dirty="0"/>
+                  <a:t> and </a:t>
+                </a:r>
+                <a:r>
+                  <a:rPr lang="en-US" sz="2400" b="1" dirty="0">
+                    <a:solidFill>
+                      <a:srgbClr val="FF0000"/>
+                    </a:solidFill>
+                  </a:rPr>
+                  <a:t>10,000</a:t>
+                </a:r>
+                <a:r>
+                  <a:rPr lang="en-US" sz="2400" dirty="0"/>
+                  <a:t> (inclusive, exclusive)</a:t>
+                </a:r>
+              </a:p>
+              <a:p>
+                <a:pPr>
+                  <a:spcBef>
+                    <a:spcPts val="0"/>
+                  </a:spcBef>
+                  <a:spcAft>
+                    <a:spcPts val="1200"/>
+                  </a:spcAft>
+                </a:pPr>
+                <a:r>
+                  <a:rPr lang="en-US" sz="2400" dirty="0"/>
+                  <a:t>An integer </a:t>
+                </a:r>
+                <a:r>
+                  <a:rPr lang="en-US" sz="2400" b="1" dirty="0"/>
+                  <a:t>n</a:t>
+                </a:r>
+                <a:r>
+                  <a:rPr lang="en-US" sz="2400" dirty="0"/>
+                  <a:t> is </a:t>
+                </a:r>
+                <a:r>
+                  <a:rPr lang="en-US" sz="2400" b="1" dirty="0">
+                    <a:solidFill>
+                      <a:srgbClr val="00B050"/>
+                    </a:solidFill>
+                  </a:rPr>
+                  <a:t>perfect</a:t>
+                </a:r>
+                <a:r>
+                  <a:rPr lang="en-US" sz="2400" dirty="0"/>
+                  <a:t> when the sum of its </a:t>
+                </a:r>
+                <a:r>
+                  <a:rPr lang="en-US" sz="2400" i="1" dirty="0"/>
+                  <a:t>proper</a:t>
+                </a:r>
+                <a:r>
+                  <a:rPr lang="en-US" sz="2400" dirty="0"/>
+                  <a:t> divisors  (all divisors including </a:t>
+                </a:r>
+                <a:r>
+                  <a:rPr lang="en-US" sz="2400" b="1" dirty="0"/>
+                  <a:t>1,</a:t>
+                </a:r>
+                <a:r>
+                  <a:rPr lang="en-US" sz="2400" dirty="0"/>
+                  <a:t> but </a:t>
+                </a:r>
+                <a:r>
+                  <a:rPr lang="en-US" sz="2400" u="sng" dirty="0"/>
+                  <a:t>not</a:t>
+                </a:r>
+                <a:r>
+                  <a:rPr lang="en-US" sz="2400" dirty="0"/>
+                  <a:t> including </a:t>
+                </a:r>
+                <a:r>
+                  <a:rPr lang="en-US" sz="2400" b="1" dirty="0"/>
+                  <a:t>n</a:t>
+                </a:r>
+                <a:r>
+                  <a:rPr lang="en-US" sz="2400" dirty="0"/>
+                  <a:t>) is equal to </a:t>
+                </a:r>
+                <a:r>
+                  <a:rPr lang="en-US" sz="2400" b="1" dirty="0"/>
+                  <a:t>n</a:t>
+                </a:r>
+                <a:endParaRPr lang="en-US" sz="2400" dirty="0"/>
+              </a:p>
+              <a:p>
+                <a:pPr>
+                  <a:spcBef>
+                    <a:spcPts val="0"/>
+                  </a:spcBef>
+                  <a:spcAft>
+                    <a:spcPts val="1200"/>
+                  </a:spcAft>
+                </a:pPr>
+                <a:r>
+                  <a:rPr lang="en-US" sz="2400" dirty="0"/>
+                  <a:t>Example:  </a:t>
+                </a:r>
+                <a:r>
+                  <a:rPr lang="en-US" sz="2400" b="1" dirty="0">
+                    <a:solidFill>
+                      <a:srgbClr val="0070C0"/>
+                    </a:solidFill>
+                  </a:rPr>
+                  <a:t>6 = 1 + 2 + 3</a:t>
+                </a:r>
+              </a:p>
+              <a:p>
+                <a:pPr>
+                  <a:spcBef>
+                    <a:spcPts val="0"/>
+                  </a:spcBef>
+                  <a:spcAft>
+                    <a:spcPts val="1200"/>
+                  </a:spcAft>
+                </a:pPr>
+                <a:endParaRPr lang="en-US" sz="2400" dirty="0"/>
+              </a:p>
+              <a:p>
+                <a:pPr>
+                  <a:spcBef>
+                    <a:spcPts val="0"/>
+                  </a:spcBef>
+                  <a:spcAft>
+                    <a:spcPts val="1200"/>
+                  </a:spcAft>
+                </a:pPr>
+                <a:endParaRPr lang="en-US" sz="2400" dirty="0"/>
+              </a:p>
+              <a:p>
+                <a:pPr>
+                  <a:spcBef>
+                    <a:spcPts val="0"/>
+                  </a:spcBef>
+                  <a:spcAft>
+                    <a:spcPts val="1200"/>
+                  </a:spcAft>
+                </a:pPr>
+                <a:endParaRPr lang="en-US" sz="2400" dirty="0"/>
+              </a:p>
+              <a:p>
+                <a:pPr>
+                  <a:spcBef>
+                    <a:spcPts val="0"/>
+                  </a:spcBef>
+                  <a:spcAft>
+                    <a:spcPts val="1200"/>
+                  </a:spcAft>
+                </a:pPr>
+                <a:endParaRPr lang="en-US" sz="2400" dirty="0"/>
+              </a:p>
+              <a:p>
+                <a:pPr>
+                  <a:spcBef>
+                    <a:spcPts val="0"/>
+                  </a:spcBef>
+                  <a:spcAft>
+                    <a:spcPts val="1200"/>
+                  </a:spcAft>
+                </a:pPr>
+                <a:endParaRPr lang="en-US" sz="2400" dirty="0"/>
+              </a:p>
+            </p:txBody>
+          </p:sp>
+        </mc:Choice>
+        <mc:Fallback xmlns="">
+          <p:sp>
+            <p:nvSpPr>
+              <p:cNvPr id="3" name="Content Placeholder 2"/>
+              <p:cNvSpPr>
+                <a:spLocks noGrp="1" noRot="1" noChangeAspect="1" noMove="1" noResize="1" noEditPoints="1" noAdjustHandles="1" noChangeArrowheads="1" noChangeShapeType="1" noTextEdit="1"/>
+              </p:cNvSpPr>
+              <p:nvPr>
+                <p:ph idx="1"/>
+              </p:nvPr>
+            </p:nvSpPr>
+            <p:spPr>
+              <a:xfrm>
+                <a:off x="628649" y="1825625"/>
+                <a:ext cx="8036027" cy="4596946"/>
+              </a:xfrm>
+              <a:blipFill>
+                <a:blip r:embed="rId3"/>
+                <a:stretch>
+                  <a:fillRect l="-986" t="-1854"/>
+                </a:stretch>
+              </a:blipFill>
+            </p:spPr>
+            <p:txBody>
+              <a:bodyPr/>
+              <a:lstStyle/>
+              <a:p>
+                <a:r>
+                  <a:rPr lang="en-US">
+                    <a:noFill/>
+                  </a:rPr>
+                  <a:t> </a:t>
+                </a:r>
+              </a:p>
+            </p:txBody>
+          </p:sp>
+        </mc:Fallback>
+      </mc:AlternateContent>
+      <p:sp>
+        <p:nvSpPr>
+          <p:cNvPr id="4" name="Slide Number Placeholder 3"/>
+          <p:cNvSpPr>
+            <a:spLocks noGrp="1"/>
+          </p:cNvSpPr>
+          <p:nvPr>
+            <p:ph type="sldNum" sz="quarter" idx="12"/>
+          </p:nvPr>
+        </p:nvSpPr>
+        <p:spPr/>
+        <p:txBody>
+          <a:bodyPr/>
+          <a:lstStyle/>
+          <a:p>
+            <a:fld id="{650AD656-6FF9-465D-B7B0-1CD0DD39CD23}" type="slidenum">
+              <a:rPr lang="en-US" smtClean="0"/>
+              <a:t>3</a:t>
+            </a:fld>
+            <a:endParaRPr lang="en-US" dirty="0"/>
+          </a:p>
+        </p:txBody>
+      </p:sp>
+      <p:pic>
+        <p:nvPicPr>
+          <p:cNvPr id="5" name="Picture 4"/>
+          <p:cNvPicPr>
+            <a:picLocks noChangeAspect="1"/>
+          </p:cNvPicPr>
+          <p:nvPr/>
+        </p:nvPicPr>
+        <p:blipFill>
+          <a:blip r:embed="rId4"/>
+          <a:stretch>
+            <a:fillRect/>
+          </a:stretch>
+        </p:blipFill>
+        <p:spPr>
+          <a:xfrm>
+            <a:off x="3397890" y="4107363"/>
+            <a:ext cx="2348220" cy="1643107"/>
+          </a:xfrm>
+          <a:prstGeom prst="rect">
+            <a:avLst/>
+          </a:prstGeom>
+        </p:spPr>
+      </p:pic>
+    </p:spTree>
+    <p:extLst>
+      <p:ext uri="{BB962C8B-B14F-4D97-AF65-F5344CB8AC3E}">
+        <p14:creationId xmlns:p14="http://schemas.microsoft.com/office/powerpoint/2010/main" val="4268091931"/>
+      </p:ext>
+    </p:extLst>
+  </p:cSld>
+  <p:clrMapOvr>
+    <a:masterClrMapping/>
+  </p:clrMapOvr>
+</p:sld>
+</file>
+
+<file path=ppt/slides/slide30.xml><?xml version="1.0" encoding="utf-8"?>
 <p:sld xmlns:a="http://schemas.openxmlformats.org/drawingml/2006/main" xmlns:r="http://schemas.openxmlformats.org/officeDocument/2006/relationships" xmlns:p="http://schemas.openxmlformats.org/presentationml/2006/main">
   <p:cSld>
     <p:spTree>
@@ -19846,7 +19228,7 @@
                 </a:solidFill>
               </a:rPr>
               <a:pPr/>
-              <a:t>29</a:t>
+              <a:t>30</a:t>
             </a:fld>
             <a:endParaRPr lang="en-US" dirty="0">
               <a:solidFill>
@@ -20578,7 +19960,7 @@
 </p:sld>
 </file>
 
-<file path=ppt/slides/slide3.xml><?xml version="1.0" encoding="utf-8"?>
+<file path=ppt/slides/slide31.xml><?xml version="1.0" encoding="utf-8"?>
 <p:sld xmlns:a="http://schemas.openxmlformats.org/drawingml/2006/main" xmlns:r="http://schemas.openxmlformats.org/officeDocument/2006/relationships" xmlns:p="http://schemas.openxmlformats.org/presentationml/2006/main">
   <p:cSld>
     <p:spTree>
@@ -20622,435 +20004,6 @@
               <a:rPr lang="en-US" sz="3200" dirty="0">
                 <a:latin typeface="+mn-lt"/>
               </a:rPr>
-              <a:t>Perfect Numbers</a:t>
-            </a:r>
-          </a:p>
-        </p:txBody>
-      </p:sp>
-      <mc:AlternateContent xmlns:mc="http://schemas.openxmlformats.org/markup-compatibility/2006" xmlns:a14="http://schemas.microsoft.com/office/drawing/2010/main">
-        <mc:Choice Requires="a14">
-          <p:sp>
-            <p:nvSpPr>
-              <p:cNvPr id="3" name="Content Placeholder 2"/>
-              <p:cNvSpPr>
-                <a:spLocks noGrp="1"/>
-              </p:cNvSpPr>
-              <p:nvPr>
-                <p:ph idx="1"/>
-              </p:nvPr>
-            </p:nvSpPr>
-            <p:spPr>
-              <a:xfrm>
-                <a:off x="628649" y="1825625"/>
-                <a:ext cx="8036027" cy="4596946"/>
-              </a:xfrm>
-            </p:spPr>
-            <p:txBody>
-              <a:bodyPr>
-                <a:noAutofit/>
-              </a:bodyPr>
-              <a:lstStyle/>
-              <a:p>
-                <a:pPr>
-                  <a:spcBef>
-                    <a:spcPts val="0"/>
-                  </a:spcBef>
-                  <a:spcAft>
-                    <a:spcPts val="1200"/>
-                  </a:spcAft>
-                </a:pPr>
-                <a:r>
-                  <a:rPr lang="en-US" sz="2400" dirty="0"/>
-                  <a:t>Write a program to calculate and display all the perfect numbers </a:t>
-                </a:r>
-                <a:r>
-                  <a:rPr lang="en-US" sz="2400" b="1" dirty="0"/>
-                  <a:t>n </a:t>
-                </a:r>
-                <a14:m>
-                  <m:oMath xmlns:m="http://schemas.openxmlformats.org/officeDocument/2006/math">
-                    <m:r>
-                      <a:rPr lang="en-US" sz="2400" b="0" i="0" smtClean="0">
-                        <a:latin typeface="Cambria Math" panose="02040503050406030204" pitchFamily="18" charset="0"/>
-                      </a:rPr>
-                      <m:t>(</m:t>
-                    </m:r>
-                    <m:r>
-                      <a:rPr lang="en-US" sz="2400" b="0" i="1" smtClean="0">
-                        <a:latin typeface="Cambria Math" panose="02040503050406030204" pitchFamily="18" charset="0"/>
-                      </a:rPr>
-                      <m:t>𝑛</m:t>
-                    </m:r>
-                    <m:r>
-                      <a:rPr lang="en-US" sz="2400" b="1" i="1" smtClean="0">
-                        <a:latin typeface="Cambria Math" panose="02040503050406030204" pitchFamily="18" charset="0"/>
-                        <a:ea typeface="Cambria Math" panose="02040503050406030204" pitchFamily="18" charset="0"/>
-                      </a:rPr>
-                      <m:t>∈</m:t>
-                    </m:r>
-                    <m:sSup>
-                      <m:sSupPr>
-                        <m:ctrlPr>
-                          <a:rPr lang="en-US" sz="2400" b="1" i="1" smtClean="0">
-                            <a:latin typeface="Cambria Math" panose="02040503050406030204" pitchFamily="18" charset="0"/>
-                            <a:ea typeface="Cambria Math" panose="02040503050406030204" pitchFamily="18" charset="0"/>
-                          </a:rPr>
-                        </m:ctrlPr>
-                      </m:sSupPr>
-                      <m:e>
-                        <m:r>
-                          <a:rPr lang="en-US" sz="2400" b="1" i="1">
-                            <a:latin typeface="Cambria Math" panose="02040503050406030204" pitchFamily="18" charset="0"/>
-                            <a:ea typeface="Cambria Math" panose="02040503050406030204" pitchFamily="18" charset="0"/>
-                          </a:rPr>
-                          <m:t>ℤ</m:t>
-                        </m:r>
-                      </m:e>
-                      <m:sup>
-                        <m:r>
-                          <a:rPr lang="en-US" sz="2400" b="1" i="1" smtClean="0">
-                            <a:latin typeface="Cambria Math" panose="02040503050406030204" pitchFamily="18" charset="0"/>
-                            <a:ea typeface="Cambria Math" panose="02040503050406030204" pitchFamily="18" charset="0"/>
-                          </a:rPr>
-                          <m:t>+</m:t>
-                        </m:r>
-                      </m:sup>
-                    </m:sSup>
-                    <m:r>
-                      <a:rPr lang="en-US" sz="2400" b="1" i="1" smtClean="0">
-                        <a:latin typeface="Cambria Math" panose="02040503050406030204" pitchFamily="18" charset="0"/>
-                        <a:ea typeface="Cambria Math" panose="02040503050406030204" pitchFamily="18" charset="0"/>
-                      </a:rPr>
-                      <m:t>) </m:t>
-                    </m:r>
-                  </m:oMath>
-                </a14:m>
-                <a:r>
-                  <a:rPr lang="en-US" sz="2400" b="1" dirty="0"/>
-                  <a:t> </a:t>
-                </a:r>
-                <a:r>
-                  <a:rPr lang="en-US" sz="2400" dirty="0"/>
-                  <a:t>between </a:t>
-                </a:r>
-                <a:r>
-                  <a:rPr lang="en-US" sz="2400" b="1" dirty="0">
-                    <a:solidFill>
-                      <a:srgbClr val="FF0000"/>
-                    </a:solidFill>
-                  </a:rPr>
-                  <a:t>2</a:t>
-                </a:r>
-                <a:r>
-                  <a:rPr lang="en-US" sz="2400" dirty="0"/>
-                  <a:t> and </a:t>
-                </a:r>
-                <a:r>
-                  <a:rPr lang="en-US" sz="2400" b="1" dirty="0">
-                    <a:solidFill>
-                      <a:srgbClr val="FF0000"/>
-                    </a:solidFill>
-                  </a:rPr>
-                  <a:t>10,000</a:t>
-                </a:r>
-                <a:r>
-                  <a:rPr lang="en-US" sz="2400" dirty="0"/>
-                  <a:t> (inclusive, exclusive)</a:t>
-                </a:r>
-              </a:p>
-              <a:p>
-                <a:pPr>
-                  <a:spcBef>
-                    <a:spcPts val="0"/>
-                  </a:spcBef>
-                  <a:spcAft>
-                    <a:spcPts val="1200"/>
-                  </a:spcAft>
-                </a:pPr>
-                <a:r>
-                  <a:rPr lang="en-US" sz="2400" dirty="0"/>
-                  <a:t>An integer </a:t>
-                </a:r>
-                <a:r>
-                  <a:rPr lang="en-US" sz="2400" b="1" dirty="0"/>
-                  <a:t>n</a:t>
-                </a:r>
-                <a:r>
-                  <a:rPr lang="en-US" sz="2400" dirty="0"/>
-                  <a:t> is </a:t>
-                </a:r>
-                <a:r>
-                  <a:rPr lang="en-US" sz="2400" b="1" dirty="0">
-                    <a:solidFill>
-                      <a:srgbClr val="00B050"/>
-                    </a:solidFill>
-                  </a:rPr>
-                  <a:t>perfect</a:t>
-                </a:r>
-                <a:r>
-                  <a:rPr lang="en-US" sz="2400" dirty="0"/>
-                  <a:t> when the sum of its </a:t>
-                </a:r>
-                <a:r>
-                  <a:rPr lang="en-US" sz="2400" i="1" dirty="0"/>
-                  <a:t>proper</a:t>
-                </a:r>
-                <a:r>
-                  <a:rPr lang="en-US" sz="2400" dirty="0"/>
-                  <a:t> divisors  (all divisors including </a:t>
-                </a:r>
-                <a:r>
-                  <a:rPr lang="en-US" sz="2400" b="1" dirty="0"/>
-                  <a:t>1,</a:t>
-                </a:r>
-                <a:r>
-                  <a:rPr lang="en-US" sz="2400" dirty="0"/>
-                  <a:t> but </a:t>
-                </a:r>
-                <a:r>
-                  <a:rPr lang="en-US" sz="2400" u="sng" dirty="0"/>
-                  <a:t>not</a:t>
-                </a:r>
-                <a:r>
-                  <a:rPr lang="en-US" sz="2400" dirty="0"/>
-                  <a:t> including </a:t>
-                </a:r>
-                <a:r>
-                  <a:rPr lang="en-US" sz="2400" b="1" dirty="0"/>
-                  <a:t>n</a:t>
-                </a:r>
-                <a:r>
-                  <a:rPr lang="en-US" sz="2400" dirty="0"/>
-                  <a:t>) is equal to </a:t>
-                </a:r>
-                <a:r>
-                  <a:rPr lang="en-US" sz="2400" b="1" dirty="0"/>
-                  <a:t>n</a:t>
-                </a:r>
-                <a:endParaRPr lang="en-US" sz="2400" dirty="0"/>
-              </a:p>
-              <a:p>
-                <a:pPr>
-                  <a:spcBef>
-                    <a:spcPts val="0"/>
-                  </a:spcBef>
-                  <a:spcAft>
-                    <a:spcPts val="1200"/>
-                  </a:spcAft>
-                </a:pPr>
-                <a:r>
-                  <a:rPr lang="en-US" sz="2400" dirty="0"/>
-                  <a:t>Example:  </a:t>
-                </a:r>
-                <a:r>
-                  <a:rPr lang="en-US" sz="2400" b="1" dirty="0">
-                    <a:solidFill>
-                      <a:srgbClr val="0070C0"/>
-                    </a:solidFill>
-                  </a:rPr>
-                  <a:t>6 = 1 + 2 + 3</a:t>
-                </a:r>
-              </a:p>
-              <a:p>
-                <a:pPr>
-                  <a:spcBef>
-                    <a:spcPts val="0"/>
-                  </a:spcBef>
-                  <a:spcAft>
-                    <a:spcPts val="1200"/>
-                  </a:spcAft>
-                </a:pPr>
-                <a:endParaRPr lang="en-US" sz="2400" dirty="0"/>
-              </a:p>
-              <a:p>
-                <a:pPr>
-                  <a:spcBef>
-                    <a:spcPts val="0"/>
-                  </a:spcBef>
-                  <a:spcAft>
-                    <a:spcPts val="1200"/>
-                  </a:spcAft>
-                </a:pPr>
-                <a:endParaRPr lang="en-US" sz="2400" dirty="0"/>
-              </a:p>
-              <a:p>
-                <a:pPr>
-                  <a:spcBef>
-                    <a:spcPts val="0"/>
-                  </a:spcBef>
-                  <a:spcAft>
-                    <a:spcPts val="1200"/>
-                  </a:spcAft>
-                </a:pPr>
-                <a:endParaRPr lang="en-US" sz="2400" dirty="0"/>
-              </a:p>
-              <a:p>
-                <a:pPr>
-                  <a:spcBef>
-                    <a:spcPts val="0"/>
-                  </a:spcBef>
-                  <a:spcAft>
-                    <a:spcPts val="1200"/>
-                  </a:spcAft>
-                </a:pPr>
-                <a:endParaRPr lang="en-US" sz="2400" dirty="0"/>
-              </a:p>
-              <a:p>
-                <a:pPr>
-                  <a:spcBef>
-                    <a:spcPts val="0"/>
-                  </a:spcBef>
-                  <a:spcAft>
-                    <a:spcPts val="1200"/>
-                  </a:spcAft>
-                </a:pPr>
-                <a:endParaRPr lang="en-US" sz="2400" dirty="0"/>
-              </a:p>
-            </p:txBody>
-          </p:sp>
-        </mc:Choice>
-        <mc:Fallback xmlns="">
-          <p:sp>
-            <p:nvSpPr>
-              <p:cNvPr id="3" name="Content Placeholder 2"/>
-              <p:cNvSpPr>
-                <a:spLocks noGrp="1" noRot="1" noChangeAspect="1" noMove="1" noResize="1" noEditPoints="1" noAdjustHandles="1" noChangeArrowheads="1" noChangeShapeType="1" noTextEdit="1"/>
-              </p:cNvSpPr>
-              <p:nvPr>
-                <p:ph idx="1"/>
-              </p:nvPr>
-            </p:nvSpPr>
-            <p:spPr>
-              <a:xfrm>
-                <a:off x="628649" y="1825625"/>
-                <a:ext cx="8036027" cy="4596946"/>
-              </a:xfrm>
-              <a:blipFill>
-                <a:blip r:embed="rId3"/>
-                <a:stretch>
-                  <a:fillRect l="-986" t="-1854"/>
-                </a:stretch>
-              </a:blipFill>
-            </p:spPr>
-            <p:txBody>
-              <a:bodyPr/>
-              <a:lstStyle/>
-              <a:p>
-                <a:r>
-                  <a:rPr lang="en-US">
-                    <a:noFill/>
-                  </a:rPr>
-                  <a:t> </a:t>
-                </a:r>
-              </a:p>
-            </p:txBody>
-          </p:sp>
-        </mc:Fallback>
-      </mc:AlternateContent>
-      <p:sp>
-        <p:nvSpPr>
-          <p:cNvPr id="4" name="Slide Number Placeholder 3"/>
-          <p:cNvSpPr>
-            <a:spLocks noGrp="1"/>
-          </p:cNvSpPr>
-          <p:nvPr>
-            <p:ph type="sldNum" sz="quarter" idx="12"/>
-          </p:nvPr>
-        </p:nvSpPr>
-        <p:spPr/>
-        <p:txBody>
-          <a:bodyPr/>
-          <a:lstStyle/>
-          <a:p>
-            <a:fld id="{650AD656-6FF9-465D-B7B0-1CD0DD39CD23}" type="slidenum">
-              <a:rPr lang="en-US" smtClean="0"/>
-              <a:t>3</a:t>
-            </a:fld>
-            <a:endParaRPr lang="en-US" dirty="0"/>
-          </a:p>
-        </p:txBody>
-      </p:sp>
-      <p:pic>
-        <p:nvPicPr>
-          <p:cNvPr id="5" name="Picture 4"/>
-          <p:cNvPicPr>
-            <a:picLocks noChangeAspect="1"/>
-          </p:cNvPicPr>
-          <p:nvPr/>
-        </p:nvPicPr>
-        <p:blipFill>
-          <a:blip r:embed="rId4"/>
-          <a:stretch>
-            <a:fillRect/>
-          </a:stretch>
-        </p:blipFill>
-        <p:spPr>
-          <a:xfrm>
-            <a:off x="3397890" y="4107363"/>
-            <a:ext cx="2348220" cy="1643107"/>
-          </a:xfrm>
-          <a:prstGeom prst="rect">
-            <a:avLst/>
-          </a:prstGeom>
-        </p:spPr>
-      </p:pic>
-    </p:spTree>
-    <p:extLst>
-      <p:ext uri="{BB962C8B-B14F-4D97-AF65-F5344CB8AC3E}">
-        <p14:creationId xmlns:p14="http://schemas.microsoft.com/office/powerpoint/2010/main" val="4268091931"/>
-      </p:ext>
-    </p:extLst>
-  </p:cSld>
-  <p:clrMapOvr>
-    <a:masterClrMapping/>
-  </p:clrMapOvr>
-</p:sld>
-</file>
-
-<file path=ppt/slides/slide30.xml><?xml version="1.0" encoding="utf-8"?>
-<p:sld xmlns:a="http://schemas.openxmlformats.org/drawingml/2006/main" xmlns:r="http://schemas.openxmlformats.org/officeDocument/2006/relationships" xmlns:p="http://schemas.openxmlformats.org/presentationml/2006/main">
-  <p:cSld>
-    <p:spTree>
-      <p:nvGrpSpPr>
-        <p:cNvPr id="1" name=""/>
-        <p:cNvGrpSpPr/>
-        <p:nvPr/>
-      </p:nvGrpSpPr>
-      <p:grpSpPr>
-        <a:xfrm>
-          <a:off x="0" y="0"/>
-          <a:ext cx="0" cy="0"/>
-          <a:chOff x="0" y="0"/>
-          <a:chExt cx="0" cy="0"/>
-        </a:xfrm>
-      </p:grpSpPr>
-      <p:sp>
-        <p:nvSpPr>
-          <p:cNvPr id="2" name="Title 1"/>
-          <p:cNvSpPr>
-            <a:spLocks noGrp="1"/>
-          </p:cNvSpPr>
-          <p:nvPr>
-            <p:ph type="title"/>
-          </p:nvPr>
-        </p:nvSpPr>
-        <p:spPr>
-          <a:xfrm>
-            <a:off x="628650" y="365126"/>
-            <a:ext cx="7886700" cy="1103455"/>
-          </a:xfrm>
-        </p:spPr>
-        <p:txBody>
-          <a:bodyPr>
-            <a:noAutofit/>
-          </a:bodyPr>
-          <a:lstStyle/>
-          <a:p>
-            <a:pPr algn="ctr"/>
-            <a:r>
-              <a:rPr lang="en-US" sz="3200" dirty="0">
-                <a:latin typeface="+mn-lt"/>
-              </a:rPr>
               <a:t>Python vs Java/C++</a:t>
             </a:r>
           </a:p>
@@ -21254,7 +20207,7 @@
           <a:p>
             <a:fld id="{650AD656-6FF9-465D-B7B0-1CD0DD39CD23}" type="slidenum">
               <a:rPr lang="en-US" smtClean="0"/>
-              <a:t>30</a:t>
+              <a:t>31</a:t>
             </a:fld>
             <a:endParaRPr lang="en-US" dirty="0"/>
           </a:p>
@@ -21525,7 +20478,7 @@
 </p:sld>
 </file>
 
-<file path=ppt/slides/slide31.xml><?xml version="1.0" encoding="utf-8"?>
+<file path=ppt/slides/slide32.xml><?xml version="1.0" encoding="utf-8"?>
 <p:sld xmlns:a="http://schemas.openxmlformats.org/drawingml/2006/main" xmlns:r="http://schemas.openxmlformats.org/officeDocument/2006/relationships" xmlns:p="http://schemas.openxmlformats.org/presentationml/2006/main">
   <p:cSld>
     <p:spTree>
@@ -21819,7 +20772,7 @@
           <a:p>
             <a:fld id="{650AD656-6FF9-465D-B7B0-1CD0DD39CD23}" type="slidenum">
               <a:rPr lang="en-US" smtClean="0"/>
-              <a:t>31</a:t>
+              <a:t>32</a:t>
             </a:fld>
             <a:endParaRPr lang="en-US" dirty="0"/>
           </a:p>
@@ -21979,7 +20932,7 @@
 </p:sld>
 </file>
 
-<file path=ppt/slides/slide32.xml><?xml version="1.0" encoding="utf-8"?>
+<file path=ppt/slides/slide33.xml><?xml version="1.0" encoding="utf-8"?>
 <p:sld xmlns:a="http://schemas.openxmlformats.org/drawingml/2006/main" xmlns:r="http://schemas.openxmlformats.org/officeDocument/2006/relationships" xmlns:p="http://schemas.openxmlformats.org/presentationml/2006/main">
   <p:cSld>
     <p:spTree>
@@ -22053,7 +21006,7 @@
             <a:fld id="{650AD656-6FF9-465D-B7B0-1CD0DD39CD23}" type="slidenum">
               <a:rPr lang="en-US" smtClean="0"/>
               <a:pPr/>
-              <a:t>32</a:t>
+              <a:t>33</a:t>
             </a:fld>
             <a:endParaRPr lang="en-US"/>
           </a:p>
@@ -22146,7 +21099,7 @@
 </p:sld>
 </file>
 
-<file path=ppt/slides/slide33.xml><?xml version="1.0" encoding="utf-8"?>
+<file path=ppt/slides/slide34.xml><?xml version="1.0" encoding="utf-8"?>
 <p:sld xmlns:a="http://schemas.openxmlformats.org/drawingml/2006/main" xmlns:r="http://schemas.openxmlformats.org/officeDocument/2006/relationships" xmlns:p="http://schemas.openxmlformats.org/presentationml/2006/main">
   <p:cSld>
     <p:spTree>
@@ -22354,7 +21307,19 @@
             </a:pPr>
             <a:r>
               <a:rPr lang="en-US" sz="2400" dirty="0"/>
-              <a:t>Apply vectorized operators to a NumPy array</a:t>
+              <a:t>Apply </a:t>
+            </a:r>
+            <a:r>
+              <a:rPr lang="en-US" sz="2400" b="1" i="1" dirty="0">
+                <a:solidFill>
+                  <a:srgbClr val="FF0000"/>
+                </a:solidFill>
+              </a:rPr>
+              <a:t>vectorized</a:t>
+            </a:r>
+            <a:r>
+              <a:rPr lang="en-US" sz="2400" dirty="0"/>
+              <a:t> operators to a NumPy array</a:t>
             </a:r>
           </a:p>
           <a:p>
@@ -22368,27 +21333,15 @@
             </a:pPr>
             <a:r>
               <a:rPr lang="en-US" sz="2400" dirty="0"/>
-              <a:t>Create arrays of </a:t>
-            </a:r>
-            <a:r>
-              <a:rPr lang="en-US" sz="2400" b="1" dirty="0">
-                <a:solidFill>
-                  <a:srgbClr val="0070C0"/>
-                </a:solidFill>
-              </a:rPr>
-              <a:t>pseudo-random numbers </a:t>
+              <a:t>Using single </a:t>
+            </a:r>
+            <a:r>
+              <a:rPr lang="en-US" sz="2400" u="sng" dirty="0"/>
+              <a:t>underscore</a:t>
             </a:r>
             <a:r>
               <a:rPr lang="en-US" sz="2400" dirty="0"/>
-              <a:t>using a </a:t>
-            </a:r>
-            <a:r>
-              <a:rPr lang="en-US" sz="2400" b="1" dirty="0">
-                <a:solidFill>
-                  <a:srgbClr val="00B050"/>
-                </a:solidFill>
-              </a:rPr>
-              <a:t>seed</a:t>
+              <a:t> character for thousands separator in numeric literals</a:t>
             </a:r>
           </a:p>
           <a:p>
@@ -22402,15 +21355,27 @@
             </a:pPr>
             <a:r>
               <a:rPr lang="en-US" sz="2400" dirty="0"/>
-              <a:t>Using single </a:t>
-            </a:r>
-            <a:r>
-              <a:rPr lang="en-US" sz="2400" u="sng" dirty="0"/>
-              <a:t>underscore</a:t>
+              <a:t>Create arrays of </a:t>
+            </a:r>
+            <a:r>
+              <a:rPr lang="en-US" sz="2400" b="1" dirty="0">
+                <a:solidFill>
+                  <a:srgbClr val="0070C0"/>
+                </a:solidFill>
+              </a:rPr>
+              <a:t>pseudo-random numbers </a:t>
             </a:r>
             <a:r>
               <a:rPr lang="en-US" sz="2400" dirty="0"/>
-              <a:t> character for thousands separator in numeric literals</a:t>
+              <a:t>using a </a:t>
+            </a:r>
+            <a:r>
+              <a:rPr lang="en-US" sz="2400" b="1" dirty="0">
+                <a:solidFill>
+                  <a:srgbClr val="00B050"/>
+                </a:solidFill>
+              </a:rPr>
+              <a:t>seed</a:t>
             </a:r>
           </a:p>
         </p:txBody>
@@ -22432,7 +21397,7 @@
           <a:p>
             <a:fld id="{650AD656-6FF9-465D-B7B0-1CD0DD39CD23}" type="slidenum">
               <a:rPr lang="en-US" smtClean="0"/>
-              <a:t>33</a:t>
+              <a:t>34</a:t>
             </a:fld>
             <a:endParaRPr lang="en-US" dirty="0"/>
           </a:p>
@@ -22448,10 +21413,200 @@
   <p:clrMapOvr>
     <a:masterClrMapping/>
   </p:clrMapOvr>
+  <p:timing>
+    <p:tnLst>
+      <p:par>
+        <p:cTn id="1" dur="indefinite" restart="never" nodeType="tmRoot">
+          <p:childTnLst>
+            <p:seq concurrent="1" nextAc="seek">
+              <p:cTn id="2" dur="indefinite" nodeType="mainSeq">
+                <p:childTnLst>
+                  <p:par>
+                    <p:cTn id="3" fill="hold">
+                      <p:stCondLst>
+                        <p:cond delay="indefinite"/>
+                      </p:stCondLst>
+                      <p:childTnLst>
+                        <p:par>
+                          <p:cTn id="4" fill="hold">
+                            <p:stCondLst>
+                              <p:cond delay="0"/>
+                            </p:stCondLst>
+                            <p:childTnLst>
+                              <p:par>
+                                <p:cTn id="5" presetID="1" presetClass="entr" presetSubtype="0" fill="hold" nodeType="clickEffect">
+                                  <p:stCondLst>
+                                    <p:cond delay="0"/>
+                                  </p:stCondLst>
+                                  <p:childTnLst>
+                                    <p:set>
+                                      <p:cBhvr>
+                                        <p:cTn id="6" dur="1" fill="hold">
+                                          <p:stCondLst>
+                                            <p:cond delay="0"/>
+                                          </p:stCondLst>
+                                        </p:cTn>
+                                        <p:tgtEl>
+                                          <p:spTgt spid="3">
+                                            <p:txEl>
+                                              <p:pRg st="3" end="3"/>
+                                            </p:txEl>
+                                          </p:spTgt>
+                                        </p:tgtEl>
+                                        <p:attrNameLst>
+                                          <p:attrName>style.visibility</p:attrName>
+                                        </p:attrNameLst>
+                                      </p:cBhvr>
+                                      <p:to>
+                                        <p:strVal val="visible"/>
+                                      </p:to>
+                                    </p:set>
+                                  </p:childTnLst>
+                                </p:cTn>
+                              </p:par>
+                              <p:par>
+                                <p:cTn id="7" presetID="1" presetClass="entr" presetSubtype="0" fill="hold" nodeType="withEffect">
+                                  <p:stCondLst>
+                                    <p:cond delay="0"/>
+                                  </p:stCondLst>
+                                  <p:childTnLst>
+                                    <p:set>
+                                      <p:cBhvr>
+                                        <p:cTn id="8" dur="1" fill="hold">
+                                          <p:stCondLst>
+                                            <p:cond delay="0"/>
+                                          </p:stCondLst>
+                                        </p:cTn>
+                                        <p:tgtEl>
+                                          <p:spTgt spid="3">
+                                            <p:txEl>
+                                              <p:pRg st="4" end="4"/>
+                                            </p:txEl>
+                                          </p:spTgt>
+                                        </p:tgtEl>
+                                        <p:attrNameLst>
+                                          <p:attrName>style.visibility</p:attrName>
+                                        </p:attrNameLst>
+                                      </p:cBhvr>
+                                      <p:to>
+                                        <p:strVal val="visible"/>
+                                      </p:to>
+                                    </p:set>
+                                  </p:childTnLst>
+                                </p:cTn>
+                              </p:par>
+                            </p:childTnLst>
+                          </p:cTn>
+                        </p:par>
+                      </p:childTnLst>
+                    </p:cTn>
+                  </p:par>
+                  <p:par>
+                    <p:cTn id="9" fill="hold">
+                      <p:stCondLst>
+                        <p:cond delay="indefinite"/>
+                      </p:stCondLst>
+                      <p:childTnLst>
+                        <p:par>
+                          <p:cTn id="10" fill="hold">
+                            <p:stCondLst>
+                              <p:cond delay="0"/>
+                            </p:stCondLst>
+                            <p:childTnLst>
+                              <p:par>
+                                <p:cTn id="11" presetID="1" presetClass="entr" presetSubtype="0" fill="hold" nodeType="clickEffect">
+                                  <p:stCondLst>
+                                    <p:cond delay="0"/>
+                                  </p:stCondLst>
+                                  <p:childTnLst>
+                                    <p:set>
+                                      <p:cBhvr>
+                                        <p:cTn id="12" dur="1" fill="hold">
+                                          <p:stCondLst>
+                                            <p:cond delay="0"/>
+                                          </p:stCondLst>
+                                        </p:cTn>
+                                        <p:tgtEl>
+                                          <p:spTgt spid="3">
+                                            <p:txEl>
+                                              <p:pRg st="5" end="5"/>
+                                            </p:txEl>
+                                          </p:spTgt>
+                                        </p:tgtEl>
+                                        <p:attrNameLst>
+                                          <p:attrName>style.visibility</p:attrName>
+                                        </p:attrNameLst>
+                                      </p:cBhvr>
+                                      <p:to>
+                                        <p:strVal val="visible"/>
+                                      </p:to>
+                                    </p:set>
+                                  </p:childTnLst>
+                                </p:cTn>
+                              </p:par>
+                              <p:par>
+                                <p:cTn id="13" presetID="1" presetClass="entr" presetSubtype="0" fill="hold" nodeType="withEffect">
+                                  <p:stCondLst>
+                                    <p:cond delay="0"/>
+                                  </p:stCondLst>
+                                  <p:childTnLst>
+                                    <p:set>
+                                      <p:cBhvr>
+                                        <p:cTn id="14" dur="1" fill="hold">
+                                          <p:stCondLst>
+                                            <p:cond delay="0"/>
+                                          </p:stCondLst>
+                                        </p:cTn>
+                                        <p:tgtEl>
+                                          <p:spTgt spid="3">
+                                            <p:txEl>
+                                              <p:pRg st="6" end="6"/>
+                                            </p:txEl>
+                                          </p:spTgt>
+                                        </p:tgtEl>
+                                        <p:attrNameLst>
+                                          <p:attrName>style.visibility</p:attrName>
+                                        </p:attrNameLst>
+                                      </p:cBhvr>
+                                      <p:to>
+                                        <p:strVal val="visible"/>
+                                      </p:to>
+                                    </p:set>
+                                  </p:childTnLst>
+                                </p:cTn>
+                              </p:par>
+                            </p:childTnLst>
+                          </p:cTn>
+                        </p:par>
+                      </p:childTnLst>
+                    </p:cTn>
+                  </p:par>
+                </p:childTnLst>
+              </p:cTn>
+              <p:prevCondLst>
+                <p:cond evt="onPrev" delay="0">
+                  <p:tgtEl>
+                    <p:sldTgt/>
+                  </p:tgtEl>
+                </p:cond>
+              </p:prevCondLst>
+              <p:nextCondLst>
+                <p:cond evt="onNext" delay="0">
+                  <p:tgtEl>
+                    <p:sldTgt/>
+                  </p:tgtEl>
+                </p:cond>
+              </p:nextCondLst>
+            </p:seq>
+          </p:childTnLst>
+        </p:cTn>
+      </p:par>
+    </p:tnLst>
+  </p:timing>
 </p:sld>
 </file>
 
-<file path=ppt/slides/slide34.xml><?xml version="1.0" encoding="utf-8"?>
+<file path=ppt/slides/slide35.xml><?xml version="1.0" encoding="utf-8"?>
 <p:sld xmlns:a="http://schemas.openxmlformats.org/drawingml/2006/main" xmlns:r="http://schemas.openxmlformats.org/officeDocument/2006/relationships" xmlns:p="http://schemas.openxmlformats.org/presentationml/2006/main">
   <p:cSld>
     <p:spTree>
@@ -22611,7 +21766,7 @@
             <a:fld id="{650AD656-6FF9-465D-B7B0-1CD0DD39CD23}" type="slidenum">
               <a:rPr lang="en-US" smtClean="0"/>
               <a:pPr/>
-              <a:t>34</a:t>
+              <a:t>35</a:t>
             </a:fld>
             <a:endParaRPr lang="en-US"/>
           </a:p>

--- a/slides/Session 02 - Arrays and Algorithms/Session 02 - Arrays and Algorithms.pptx
+++ b/slides/Session 02 - Arrays and Algorithms/Session 02 - Arrays and Algorithms.pptx
@@ -293,7 +293,7 @@
           <a:p>
             <a:fld id="{A241AC98-512A-4A35-865E-757B6C1F07A2}" type="datetimeFigureOut">
               <a:rPr lang="en-US" smtClean="0"/>
-              <a:t>11/6/2022</a:t>
+              <a:t>12/13/2022</a:t>
             </a:fld>
             <a:endParaRPr lang="en-US"/>
           </a:p>
@@ -459,7 +459,7 @@
           <a:p>
             <a:fld id="{3854CEE7-15DE-41D9-8CA2-D1E137B1D850}" type="datetimeFigureOut">
               <a:rPr lang="en-US" smtClean="0"/>
-              <a:t>11/6/2022</a:t>
+              <a:t>12/13/2022</a:t>
             </a:fld>
             <a:endParaRPr lang="en-US"/>
           </a:p>
@@ -1866,7 +1866,7 @@
           <a:p>
             <a:fld id="{5555EB2C-244D-4423-AD97-018ED6478B87}" type="datetime1">
               <a:rPr lang="en-US" smtClean="0"/>
-              <a:t>11/6/2022</a:t>
+              <a:t>12/13/2022</a:t>
             </a:fld>
             <a:endParaRPr lang="en-US"/>
           </a:p>
@@ -2045,7 +2045,7 @@
           <a:p>
             <a:fld id="{A2B41D1F-7576-4C60-B4EB-5115BC56CF40}" type="datetime1">
               <a:rPr lang="en-US" smtClean="0"/>
-              <a:t>11/6/2022</a:t>
+              <a:t>12/13/2022</a:t>
             </a:fld>
             <a:endParaRPr lang="en-US"/>
           </a:p>
@@ -2237,7 +2237,7 @@
           <a:p>
             <a:fld id="{E79D1398-4D56-44F9-BA35-34ACF3159A64}" type="datetime1">
               <a:rPr lang="en-US" smtClean="0"/>
-              <a:t>11/6/2022</a:t>
+              <a:t>12/13/2022</a:t>
             </a:fld>
             <a:endParaRPr lang="en-US"/>
           </a:p>
@@ -2419,7 +2419,7 @@
           <a:p>
             <a:fld id="{A3CF632E-48CB-4EEB-A6B6-DEC7AD7CC976}" type="datetime1">
               <a:rPr lang="en-US" smtClean="0"/>
-              <a:t>11/6/2022</a:t>
+              <a:t>12/13/2022</a:t>
             </a:fld>
             <a:endParaRPr lang="en-US"/>
           </a:p>
@@ -2672,7 +2672,7 @@
           <a:p>
             <a:fld id="{BAEEE52C-3A57-458E-95F6-96B2FA9D1DD4}" type="datetime1">
               <a:rPr lang="en-US" smtClean="0"/>
-              <a:t>11/6/2022</a:t>
+              <a:t>12/13/2022</a:t>
             </a:fld>
             <a:endParaRPr lang="en-US"/>
           </a:p>
@@ -2916,7 +2916,7 @@
           <a:p>
             <a:fld id="{766FC747-A48A-4FF2-8EE4-3E95ECD1C2A8}" type="datetime1">
               <a:rPr lang="en-US" smtClean="0"/>
-              <a:t>11/6/2022</a:t>
+              <a:t>12/13/2022</a:t>
             </a:fld>
             <a:endParaRPr lang="en-US"/>
           </a:p>
@@ -3295,7 +3295,7 @@
           <a:p>
             <a:fld id="{C9BF5758-AB7F-463D-B638-E1729B95E126}" type="datetime1">
               <a:rPr lang="en-US" smtClean="0"/>
-              <a:t>11/6/2022</a:t>
+              <a:t>12/13/2022</a:t>
             </a:fld>
             <a:endParaRPr lang="en-US"/>
           </a:p>
@@ -3425,7 +3425,7 @@
           <a:p>
             <a:fld id="{F3718C77-7DD0-4738-BF52-D0EC9F78A76E}" type="datetime1">
               <a:rPr lang="en-US" smtClean="0"/>
-              <a:t>11/6/2022</a:t>
+              <a:t>12/13/2022</a:t>
             </a:fld>
             <a:endParaRPr lang="en-US"/>
           </a:p>
@@ -3532,7 +3532,7 @@
           <a:p>
             <a:fld id="{948970CF-13D9-4E1D-A74F-2CFE4953FCDB}" type="datetime1">
               <a:rPr lang="en-US" smtClean="0"/>
-              <a:t>11/6/2022</a:t>
+              <a:t>12/13/2022</a:t>
             </a:fld>
             <a:endParaRPr lang="en-US"/>
           </a:p>
@@ -3821,7 +3821,7 @@
           <a:p>
             <a:fld id="{F68C49B9-4E1C-4967-B9CF-0BF9FECBE837}" type="datetime1">
               <a:rPr lang="en-US" smtClean="0"/>
-              <a:t>11/6/2022</a:t>
+              <a:t>12/13/2022</a:t>
             </a:fld>
             <a:endParaRPr lang="en-US"/>
           </a:p>
@@ -4089,7 +4089,7 @@
           <a:p>
             <a:fld id="{7E338CBB-1F06-4333-9BBF-66628B15E581}" type="datetime1">
               <a:rPr lang="en-US" smtClean="0"/>
-              <a:t>11/6/2022</a:t>
+              <a:t>12/13/2022</a:t>
             </a:fld>
             <a:endParaRPr lang="en-US"/>
           </a:p>
@@ -4314,7 +4314,7 @@
           <a:p>
             <a:fld id="{705EC883-F03C-4CA3-AF62-BEF30EEA4F65}" type="datetime1">
               <a:rPr lang="en-US" smtClean="0"/>
-              <a:t>11/6/2022</a:t>
+              <a:t>12/13/2022</a:t>
             </a:fld>
             <a:endParaRPr lang="en-US"/>
           </a:p>
@@ -6151,8 +6151,8 @@
           </a:p>
         </p:txBody>
       </p:sp>
-      <mc:AlternateContent xmlns:mc="http://schemas.openxmlformats.org/markup-compatibility/2006">
-        <mc:Choice xmlns:a14="http://schemas.microsoft.com/office/drawing/2010/main" Requires="a14">
+      <mc:AlternateContent xmlns:mc="http://schemas.openxmlformats.org/markup-compatibility/2006" xmlns:a14="http://schemas.microsoft.com/office/drawing/2010/main">
+        <mc:Choice Requires="a14">
           <p:sp>
             <p:nvSpPr>
               <p:cNvPr id="3" name="Content Placeholder 2"/>
@@ -6290,16 +6290,7 @@
                             </a:solidFill>
                             <a:latin typeface="Cambria Math" panose="02040503050406030204" pitchFamily="18" charset="0"/>
                           </a:rPr>
-                          <m:t>𝑺</m:t>
-                        </m:r>
-                        <m:r>
-                          <a:rPr lang="en-US" sz="2400" b="1" i="1" smtClean="0">
-                            <a:solidFill>
-                              <a:srgbClr val="7030A0"/>
-                            </a:solidFill>
-                            <a:latin typeface="Cambria Math" panose="02040503050406030204" pitchFamily="18" charset="0"/>
-                          </a:rPr>
-                          <m:t>𝒊𝒈𝒎𝒂</m:t>
+                          <m:t>𝑺𝒊𝒈𝒎𝒂</m:t>
                         </m:r>
                         <m:r>
                           <a:rPr lang="en-US" sz="2400" b="0" i="1" smtClean="0">
@@ -6322,7 +6313,7 @@
             </p:txBody>
           </p:sp>
         </mc:Choice>
-        <mc:Fallback>
+        <mc:Fallback xmlns="">
           <p:sp>
             <p:nvSpPr>
               <p:cNvPr id="3" name="Content Placeholder 2"/>
@@ -6384,8 +6375,8 @@
           </a:p>
         </p:txBody>
       </p:sp>
-      <mc:AlternateContent xmlns:mc="http://schemas.openxmlformats.org/markup-compatibility/2006">
-        <mc:Choice xmlns:a14="http://schemas.microsoft.com/office/drawing/2010/main" Requires="a14">
+      <mc:AlternateContent xmlns:mc="http://schemas.openxmlformats.org/markup-compatibility/2006" xmlns:a14="http://schemas.microsoft.com/office/drawing/2010/main">
+        <mc:Choice Requires="a14">
           <p:sp>
             <p:nvSpPr>
               <p:cNvPr id="5" name="Rectangle 4">
@@ -6698,7 +6689,7 @@
             </p:txBody>
           </p:sp>
         </mc:Choice>
-        <mc:Fallback>
+        <mc:Fallback xmlns="">
           <p:sp>
             <p:nvSpPr>
               <p:cNvPr id="5" name="Rectangle 4">
@@ -15011,8 +15002,8 @@
           </a:p>
         </p:txBody>
       </p:sp>
-      <mc:AlternateContent xmlns:mc="http://schemas.openxmlformats.org/markup-compatibility/2006">
-        <mc:Choice xmlns:a14="http://schemas.microsoft.com/office/drawing/2010/main" Requires="a14">
+      <mc:AlternateContent xmlns:mc="http://schemas.openxmlformats.org/markup-compatibility/2006" xmlns:a14="http://schemas.microsoft.com/office/drawing/2010/main">
+        <mc:Choice Requires="a14">
           <p:sp>
             <p:nvSpPr>
               <p:cNvPr id="3" name="Content Placeholder 2"/>
@@ -15204,7 +15195,7 @@
             </p:txBody>
           </p:sp>
         </mc:Choice>
-        <mc:Fallback>
+        <mc:Fallback xmlns="">
           <p:sp>
             <p:nvSpPr>
               <p:cNvPr id="3" name="Content Placeholder 2"/>
@@ -21648,11 +21639,14 @@
           <a:p>
             <a:pPr algn="ctr"/>
             <a:r>
-              <a:rPr lang="en-US" sz="3200" b="1" dirty="0">
+              <a:rPr lang="en-US" sz="3200" b="1">
                 <a:latin typeface="+mn-lt"/>
               </a:rPr>
-              <a:t>Task 02-01</a:t>
-            </a:r>
+              <a:t>Task 02</a:t>
+            </a:r>
+            <a:endParaRPr lang="en-US" sz="3200" b="1" dirty="0">
+              <a:latin typeface="+mn-lt"/>
+            </a:endParaRPr>
           </a:p>
         </p:txBody>
       </p:sp>
